--- a/Documents/TDD Hands-On 1 .pptx
+++ b/Documents/TDD Hands-On 1 .pptx
@@ -9,8 +9,9 @@
     <p:sldId id="257" r:id="rId3"/>
     <p:sldId id="258" r:id="rId4"/>
     <p:sldId id="261" r:id="rId5"/>
-    <p:sldId id="259" r:id="rId6"/>
-    <p:sldId id="260" r:id="rId7"/>
+    <p:sldId id="262" r:id="rId6"/>
+    <p:sldId id="259" r:id="rId7"/>
+    <p:sldId id="260" r:id="rId8"/>
   </p:sldIdLst>
   <p:sldSz cx="9144000" cy="6858000" type="screen4x3"/>
   <p:notesSz cx="6858000" cy="9144000"/>
@@ -1234,6 +1235,13 @@
     <dgm:pt modelId="{C2D73D76-0D03-4311-AD22-2A7E8C1EECAC}" type="pres">
       <dgm:prSet presAssocID="{2AFA53FB-0114-459B-B792-39D3836956BA}" presName="wedge3" presStyleLbl="node1" presStyleIdx="2" presStyleCnt="3"/>
       <dgm:spPr/>
+      <dgm:t>
+        <a:bodyPr/>
+        <a:lstStyle/>
+        <a:p>
+          <a:endParaRPr lang="en-US"/>
+        </a:p>
+      </dgm:t>
     </dgm:pt>
     <dgm:pt modelId="{A4DA0001-ACEA-4118-8F42-5BA8E689AF43}" type="pres">
       <dgm:prSet presAssocID="{2AFA53FB-0114-459B-B792-39D3836956BA}" presName="dummy3a" presStyleCnt="0"/>
@@ -1252,6 +1260,13 @@
         </dgm:presLayoutVars>
       </dgm:prSet>
       <dgm:spPr/>
+      <dgm:t>
+        <a:bodyPr/>
+        <a:lstStyle/>
+        <a:p>
+          <a:endParaRPr lang="en-US"/>
+        </a:p>
+      </dgm:t>
     </dgm:pt>
     <dgm:pt modelId="{F8CAD7B6-C56B-48BE-8CA8-89DA08596786}" type="pres">
       <dgm:prSet presAssocID="{5EC3DF63-C2D3-4D2A-A465-E8FB749C9F8E}" presName="arrowWedge1" presStyleLbl="fgSibTrans2D1" presStyleIdx="0" presStyleCnt="3"/>
@@ -1272,8 +1287,8 @@
     <dgm:cxn modelId="{AEACE70B-E9C3-4A14-AE20-7C6AEA038C9B}" type="presOf" srcId="{BCEC4B10-4BFB-4A34-9550-B5EAEFD571C6}" destId="{C2D73D76-0D03-4311-AD22-2A7E8C1EECAC}" srcOrd="0" destOrd="0" presId="urn:microsoft.com/office/officeart/2005/8/layout/cycle8"/>
     <dgm:cxn modelId="{2B75FF5B-5449-42B4-B336-2DE72EB7A8FA}" type="presOf" srcId="{A71C0724-6FFE-43F7-80C3-81F43AE9BF8C}" destId="{E5E5540F-DF09-439A-A293-8BB84A30BD51}" srcOrd="1" destOrd="0" presId="urn:microsoft.com/office/officeart/2005/8/layout/cycle8"/>
     <dgm:cxn modelId="{FDAA25DD-6CC3-49E2-ADD6-6466BBB8FEE9}" srcId="{2AFA53FB-0114-459B-B792-39D3836956BA}" destId="{BCEC4B10-4BFB-4A34-9550-B5EAEFD571C6}" srcOrd="2" destOrd="0" parTransId="{FE4E3178-A828-4B8E-9DC4-4EB171DC511D}" sibTransId="{6093CAC0-8F30-4B82-81A2-2B4CC13667D8}"/>
+    <dgm:cxn modelId="{455C4D85-3413-4543-B189-6B681C8F8470}" type="presOf" srcId="{2AFA53FB-0114-459B-B792-39D3836956BA}" destId="{4EA2B361-6414-4CC1-A307-C69B0114A7AD}" srcOrd="0" destOrd="0" presId="urn:microsoft.com/office/officeart/2005/8/layout/cycle8"/>
     <dgm:cxn modelId="{BC27D08C-648A-4454-996D-A555C2B4D61E}" srcId="{2AFA53FB-0114-459B-B792-39D3836956BA}" destId="{2259E1D0-5A37-4B12-BEF5-634804BAAEAC}" srcOrd="1" destOrd="0" parTransId="{58B6EB27-91F5-4F65-A090-023FDA2B11E9}" sibTransId="{9D78C808-A498-46B2-A34F-3F3FA725FD11}"/>
-    <dgm:cxn modelId="{455C4D85-3413-4543-B189-6B681C8F8470}" type="presOf" srcId="{2AFA53FB-0114-459B-B792-39D3836956BA}" destId="{4EA2B361-6414-4CC1-A307-C69B0114A7AD}" srcOrd="0" destOrd="0" presId="urn:microsoft.com/office/officeart/2005/8/layout/cycle8"/>
     <dgm:cxn modelId="{250AB928-63E3-42B9-A0DE-C44A71EC99F3}" type="presOf" srcId="{BCEC4B10-4BFB-4A34-9550-B5EAEFD571C6}" destId="{9A72FB9E-12FB-4300-9853-CA8A6F278D75}" srcOrd="1" destOrd="0" presId="urn:microsoft.com/office/officeart/2005/8/layout/cycle8"/>
     <dgm:cxn modelId="{B003D4B1-9A81-476F-97F6-85C1883E5892}" srcId="{2AFA53FB-0114-459B-B792-39D3836956BA}" destId="{A71C0724-6FFE-43F7-80C3-81F43AE9BF8C}" srcOrd="0" destOrd="0" parTransId="{65B2F3FE-7D8E-4C1A-B1D5-4396C9D352D3}" sibTransId="{5EC3DF63-C2D3-4D2A-A465-E8FB749C9F8E}"/>
     <dgm:cxn modelId="{01372AFF-82F5-42D0-A224-BB4C028F5499}" type="presOf" srcId="{2259E1D0-5A37-4B12-BEF5-634804BAAEAC}" destId="{52DD05EB-5BF8-4B42-A3E2-662D6E6B532A}" srcOrd="1" destOrd="0" presId="urn:microsoft.com/office/officeart/2005/8/layout/cycle8"/>
@@ -1398,7 +1413,7 @@
       </dsp:nvSpPr>
       <dsp:spPr>
         <a:xfrm>
-          <a:off x="1341119" y="386079"/>
+          <a:off x="1341120" y="386079"/>
           <a:ext cx="3413760" cy="3413760"/>
         </a:xfrm>
         <a:prstGeom prst="pie">
@@ -1547,7 +1562,7 @@
         </a:p>
       </dsp:txBody>
       <dsp:txXfrm>
-        <a:off x="1666239" y="987551"/>
+        <a:off x="1666240" y="987551"/>
         <a:ext cx="1219200" cy="1016000"/>
       </dsp:txXfrm>
     </dsp:sp>
@@ -7900,6 +7915,146 @@
         </p:nvSpPr>
         <p:spPr>
           <a:xfrm>
+            <a:off x="1752600" y="2209800"/>
+            <a:ext cx="4957063" cy="2000548"/>
+          </a:xfrm>
+          <a:prstGeom prst="rect">
+            <a:avLst/>
+          </a:prstGeom>
+          <a:noFill/>
+        </p:spPr>
+        <p:txBody>
+          <a:bodyPr wrap="none" rtlCol="0">
+            <a:spAutoFit/>
+          </a:bodyPr>
+          <a:lstStyle/>
+          <a:p>
+            <a:r>
+              <a:rPr lang="en-US" sz="4000" dirty="0" smtClean="0"/>
+              <a:t>TDD</a:t>
+            </a:r>
+            <a:r>
+              <a:rPr lang="en-US" sz="2800" dirty="0" smtClean="0"/>
+              <a:t> </a:t>
+            </a:r>
+          </a:p>
+          <a:p>
+            <a:pPr marL="457200" indent="-457200">
+              <a:buFont typeface="Arial" panose="020B0604020202020204" pitchFamily="34" charset="0"/>
+              <a:buChar char="•"/>
+            </a:pPr>
+            <a:r>
+              <a:rPr lang="en-US" sz="2800" dirty="0" smtClean="0"/>
+              <a:t>Starts with </a:t>
+            </a:r>
+            <a:r>
+              <a:rPr lang="en-US" sz="2800" dirty="0" smtClean="0">
+                <a:solidFill>
+                  <a:srgbClr val="00B0F0"/>
+                </a:solidFill>
+              </a:rPr>
+              <a:t>confidence</a:t>
+            </a:r>
+          </a:p>
+          <a:p>
+            <a:pPr marL="457200" indent="-457200">
+              <a:buFont typeface="Arial" panose="020B0604020202020204" pitchFamily="34" charset="0"/>
+              <a:buChar char="•"/>
+            </a:pPr>
+            <a:r>
+              <a:rPr lang="en-US" sz="2800" dirty="0" smtClean="0"/>
+              <a:t>Deals with </a:t>
+            </a:r>
+            <a:r>
+              <a:rPr lang="en-US" sz="2800" dirty="0" smtClean="0">
+                <a:solidFill>
+                  <a:srgbClr val="FF0000"/>
+                </a:solidFill>
+              </a:rPr>
+              <a:t>specific</a:t>
+            </a:r>
+            <a:r>
+              <a:rPr lang="en-US" sz="2800" dirty="0" smtClean="0"/>
+              <a:t> </a:t>
+            </a:r>
+            <a:r>
+              <a:rPr lang="en-US" sz="2800" dirty="0" smtClean="0">
+                <a:sym typeface="Wingdings" panose="05000000000000000000" pitchFamily="2" charset="2"/>
+              </a:rPr>
+              <a:t>cases then</a:t>
+            </a:r>
+            <a:endParaRPr lang="en-US" sz="2800" dirty="0">
+              <a:sym typeface="Wingdings" panose="05000000000000000000" pitchFamily="2" charset="2"/>
+            </a:endParaRPr>
+          </a:p>
+          <a:p>
+            <a:pPr marL="914400" lvl="1" indent="-457200">
+              <a:buFont typeface="Arial" panose="020B0604020202020204" pitchFamily="34" charset="0"/>
+              <a:buChar char="•"/>
+            </a:pPr>
+            <a:r>
+              <a:rPr lang="en-US" sz="2800" dirty="0" smtClean="0">
+                <a:sym typeface="Wingdings" panose="05000000000000000000" pitchFamily="2" charset="2"/>
+              </a:rPr>
+              <a:t>Concludes </a:t>
+            </a:r>
+            <a:r>
+              <a:rPr lang="en-US" sz="2800" dirty="0" smtClean="0">
+                <a:solidFill>
+                  <a:srgbClr val="00B050"/>
+                </a:solidFill>
+                <a:sym typeface="Wingdings" panose="05000000000000000000" pitchFamily="2" charset="2"/>
+              </a:rPr>
+              <a:t>generic</a:t>
+            </a:r>
+            <a:r>
+              <a:rPr lang="en-US" sz="2800" dirty="0" smtClean="0">
+                <a:sym typeface="Wingdings" panose="05000000000000000000" pitchFamily="2" charset="2"/>
+              </a:rPr>
+              <a:t> cases</a:t>
+            </a:r>
+            <a:endParaRPr lang="en-US" sz="2800" dirty="0"/>
+          </a:p>
+        </p:txBody>
+      </p:sp>
+    </p:spTree>
+    <p:extLst>
+      <p:ext uri="{BB962C8B-B14F-4D97-AF65-F5344CB8AC3E}">
+        <p14:creationId xmlns:p14="http://schemas.microsoft.com/office/powerpoint/2010/main" val="3685412025"/>
+      </p:ext>
+    </p:extLst>
+  </p:cSld>
+  <p:clrMapOvr>
+    <a:masterClrMapping/>
+  </p:clrMapOvr>
+</p:sld>
+</file>
+
+<file path=ppt/slides/slide6.xml><?xml version="1.0" encoding="utf-8"?>
+<p:sld xmlns:a="http://schemas.openxmlformats.org/drawingml/2006/main" xmlns:r="http://schemas.openxmlformats.org/officeDocument/2006/relationships" xmlns:p="http://schemas.openxmlformats.org/presentationml/2006/main">
+  <p:cSld>
+    <p:spTree>
+      <p:nvGrpSpPr>
+        <p:cNvPr id="1" name=""/>
+        <p:cNvGrpSpPr/>
+        <p:nvPr/>
+      </p:nvGrpSpPr>
+      <p:grpSpPr>
+        <a:xfrm>
+          <a:off x="0" y="0"/>
+          <a:ext cx="0" cy="0"/>
+          <a:chOff x="0" y="0"/>
+          <a:chExt cx="0" cy="0"/>
+        </a:xfrm>
+      </p:grpSpPr>
+      <p:sp>
+        <p:nvSpPr>
+          <p:cNvPr id="2" name="TextBox 1"/>
+          <p:cNvSpPr txBox="1"/>
+          <p:nvPr/>
+        </p:nvSpPr>
+        <p:spPr>
+          <a:xfrm>
             <a:off x="1229737" y="2819399"/>
             <a:ext cx="6904583" cy="646331"/>
           </a:xfrm>
@@ -7960,7 +8115,7 @@
 </p:sld>
 </file>
 
-<file path=ppt/slides/slide6.xml><?xml version="1.0" encoding="utf-8"?>
+<file path=ppt/slides/slide7.xml><?xml version="1.0" encoding="utf-8"?>
 <p:sld xmlns:a="http://schemas.openxmlformats.org/drawingml/2006/main" xmlns:r="http://schemas.openxmlformats.org/officeDocument/2006/relationships" xmlns:p="http://schemas.openxmlformats.org/presentationml/2006/main">
   <p:cSld>
     <p:spTree>

--- a/Documents/TDD Hands-On 1 .pptx
+++ b/Documents/TDD Hands-On 1 .pptx
@@ -9,9 +9,13 @@
     <p:sldId id="257" r:id="rId3"/>
     <p:sldId id="258" r:id="rId4"/>
     <p:sldId id="261" r:id="rId5"/>
-    <p:sldId id="262" r:id="rId6"/>
+    <p:sldId id="263" r:id="rId6"/>
     <p:sldId id="259" r:id="rId7"/>
     <p:sldId id="260" r:id="rId8"/>
+    <p:sldId id="264" r:id="rId9"/>
+    <p:sldId id="266" r:id="rId10"/>
+    <p:sldId id="262" r:id="rId11"/>
+    <p:sldId id="265" r:id="rId12"/>
   </p:sldIdLst>
   <p:sldSz cx="9144000" cy="6858000" type="screen4x3"/>
   <p:notesSz cx="6858000" cy="9144000"/>
@@ -4686,7 +4690,7 @@
           <a:p>
             <a:fld id="{C989FEB5-2A31-4E33-8453-8B990C35E1EC}" type="datetimeFigureOut">
               <a:rPr lang="en-US" smtClean="0"/>
-              <a:t>6/5/2015</a:t>
+              <a:t>6/11/2015</a:t>
             </a:fld>
             <a:endParaRPr lang="en-US"/>
           </a:p>
@@ -4856,7 +4860,7 @@
           <a:p>
             <a:fld id="{C989FEB5-2A31-4E33-8453-8B990C35E1EC}" type="datetimeFigureOut">
               <a:rPr lang="en-US" smtClean="0"/>
-              <a:t>6/5/2015</a:t>
+              <a:t>6/11/2015</a:t>
             </a:fld>
             <a:endParaRPr lang="en-US"/>
           </a:p>
@@ -5036,7 +5040,7 @@
           <a:p>
             <a:fld id="{C989FEB5-2A31-4E33-8453-8B990C35E1EC}" type="datetimeFigureOut">
               <a:rPr lang="en-US" smtClean="0"/>
-              <a:t>6/5/2015</a:t>
+              <a:t>6/11/2015</a:t>
             </a:fld>
             <a:endParaRPr lang="en-US"/>
           </a:p>
@@ -5206,7 +5210,7 @@
           <a:p>
             <a:fld id="{C989FEB5-2A31-4E33-8453-8B990C35E1EC}" type="datetimeFigureOut">
               <a:rPr lang="en-US" smtClean="0"/>
-              <a:t>6/5/2015</a:t>
+              <a:t>6/11/2015</a:t>
             </a:fld>
             <a:endParaRPr lang="en-US"/>
           </a:p>
@@ -5452,7 +5456,7 @@
           <a:p>
             <a:fld id="{C989FEB5-2A31-4E33-8453-8B990C35E1EC}" type="datetimeFigureOut">
               <a:rPr lang="en-US" smtClean="0"/>
-              <a:t>6/5/2015</a:t>
+              <a:t>6/11/2015</a:t>
             </a:fld>
             <a:endParaRPr lang="en-US"/>
           </a:p>
@@ -5740,7 +5744,7 @@
           <a:p>
             <a:fld id="{C989FEB5-2A31-4E33-8453-8B990C35E1EC}" type="datetimeFigureOut">
               <a:rPr lang="en-US" smtClean="0"/>
-              <a:t>6/5/2015</a:t>
+              <a:t>6/11/2015</a:t>
             </a:fld>
             <a:endParaRPr lang="en-US"/>
           </a:p>
@@ -6162,7 +6166,7 @@
           <a:p>
             <a:fld id="{C989FEB5-2A31-4E33-8453-8B990C35E1EC}" type="datetimeFigureOut">
               <a:rPr lang="en-US" smtClean="0"/>
-              <a:t>6/5/2015</a:t>
+              <a:t>6/11/2015</a:t>
             </a:fld>
             <a:endParaRPr lang="en-US"/>
           </a:p>
@@ -6280,7 +6284,7 @@
           <a:p>
             <a:fld id="{C989FEB5-2A31-4E33-8453-8B990C35E1EC}" type="datetimeFigureOut">
               <a:rPr lang="en-US" smtClean="0"/>
-              <a:t>6/5/2015</a:t>
+              <a:t>6/11/2015</a:t>
             </a:fld>
             <a:endParaRPr lang="en-US"/>
           </a:p>
@@ -6375,7 +6379,7 @@
           <a:p>
             <a:fld id="{C989FEB5-2A31-4E33-8453-8B990C35E1EC}" type="datetimeFigureOut">
               <a:rPr lang="en-US" smtClean="0"/>
-              <a:t>6/5/2015</a:t>
+              <a:t>6/11/2015</a:t>
             </a:fld>
             <a:endParaRPr lang="en-US"/>
           </a:p>
@@ -6652,7 +6656,7 @@
           <a:p>
             <a:fld id="{C989FEB5-2A31-4E33-8453-8B990C35E1EC}" type="datetimeFigureOut">
               <a:rPr lang="en-US" smtClean="0"/>
-              <a:t>6/5/2015</a:t>
+              <a:t>6/11/2015</a:t>
             </a:fld>
             <a:endParaRPr lang="en-US"/>
           </a:p>
@@ -6905,7 +6909,7 @@
           <a:p>
             <a:fld id="{C989FEB5-2A31-4E33-8453-8B990C35E1EC}" type="datetimeFigureOut">
               <a:rPr lang="en-US" smtClean="0"/>
-              <a:t>6/5/2015</a:t>
+              <a:t>6/11/2015</a:t>
             </a:fld>
             <a:endParaRPr lang="en-US"/>
           </a:p>
@@ -7118,7 +7122,7 @@
           <a:p>
             <a:fld id="{C989FEB5-2A31-4E33-8453-8B990C35E1EC}" type="datetimeFigureOut">
               <a:rPr lang="en-US" smtClean="0"/>
-              <a:t>6/5/2015</a:t>
+              <a:t>6/11/2015</a:t>
             </a:fld>
             <a:endParaRPr lang="en-US"/>
           </a:p>
@@ -7555,6 +7559,376 @@
   <p:clrMapOvr>
     <a:masterClrMapping/>
   </p:clrMapOvr>
+  <p:timing>
+    <p:tnLst>
+      <p:par>
+        <p:cTn id="1" dur="indefinite" restart="never" nodeType="tmRoot"/>
+      </p:par>
+    </p:tnLst>
+  </p:timing>
+</p:sld>
+</file>
+
+<file path=ppt/slides/slide10.xml><?xml version="1.0" encoding="utf-8"?>
+<p:sld xmlns:a="http://schemas.openxmlformats.org/drawingml/2006/main" xmlns:r="http://schemas.openxmlformats.org/officeDocument/2006/relationships" xmlns:p="http://schemas.openxmlformats.org/presentationml/2006/main">
+  <p:cSld>
+    <p:spTree>
+      <p:nvGrpSpPr>
+        <p:cNvPr id="1" name=""/>
+        <p:cNvGrpSpPr/>
+        <p:nvPr/>
+      </p:nvGrpSpPr>
+      <p:grpSpPr>
+        <a:xfrm>
+          <a:off x="0" y="0"/>
+          <a:ext cx="0" cy="0"/>
+          <a:chOff x="0" y="0"/>
+          <a:chExt cx="0" cy="0"/>
+        </a:xfrm>
+      </p:grpSpPr>
+      <p:sp>
+        <p:nvSpPr>
+          <p:cNvPr id="2" name="TextBox 1"/>
+          <p:cNvSpPr txBox="1"/>
+          <p:nvPr/>
+        </p:nvSpPr>
+        <p:spPr>
+          <a:xfrm>
+            <a:off x="1752600" y="2209800"/>
+            <a:ext cx="5181483" cy="2431435"/>
+          </a:xfrm>
+          <a:prstGeom prst="rect">
+            <a:avLst/>
+          </a:prstGeom>
+          <a:noFill/>
+        </p:spPr>
+        <p:txBody>
+          <a:bodyPr wrap="none" rtlCol="0">
+            <a:spAutoFit/>
+          </a:bodyPr>
+          <a:lstStyle/>
+          <a:p>
+            <a:r>
+              <a:rPr lang="en-US" sz="4000" dirty="0" smtClean="0"/>
+              <a:t>TDD</a:t>
+            </a:r>
+            <a:r>
+              <a:rPr lang="en-US" sz="2800" dirty="0" smtClean="0"/>
+              <a:t> </a:t>
+            </a:r>
+            <a:r>
+              <a:rPr lang="en-US" sz="4000" dirty="0"/>
+              <a:t>is workflow</a:t>
+            </a:r>
+          </a:p>
+          <a:p>
+            <a:pPr marL="457200" indent="-457200">
+              <a:buFont typeface="Arial" panose="020B0604020202020204" pitchFamily="34" charset="0"/>
+              <a:buChar char="•"/>
+            </a:pPr>
+            <a:r>
+              <a:rPr lang="en-US" sz="2800" dirty="0" smtClean="0"/>
+              <a:t>Starts with </a:t>
+            </a:r>
+            <a:r>
+              <a:rPr lang="en-US" sz="2800" dirty="0" smtClean="0">
+                <a:solidFill>
+                  <a:srgbClr val="00B0F0"/>
+                </a:solidFill>
+              </a:rPr>
+              <a:t>confidence</a:t>
+            </a:r>
+          </a:p>
+          <a:p>
+            <a:pPr marL="457200" indent="-457200">
+              <a:buFont typeface="Arial" panose="020B0604020202020204" pitchFamily="34" charset="0"/>
+              <a:buChar char="•"/>
+            </a:pPr>
+            <a:r>
+              <a:rPr lang="en-US" sz="2800" dirty="0" smtClean="0"/>
+              <a:t>Deals with </a:t>
+            </a:r>
+            <a:r>
+              <a:rPr lang="en-US" sz="2800" dirty="0" smtClean="0">
+                <a:solidFill>
+                  <a:srgbClr val="FF0000"/>
+                </a:solidFill>
+              </a:rPr>
+              <a:t>specific</a:t>
+            </a:r>
+            <a:r>
+              <a:rPr lang="en-US" sz="2800" dirty="0" smtClean="0"/>
+              <a:t> </a:t>
+            </a:r>
+            <a:r>
+              <a:rPr lang="en-US" sz="2800" dirty="0" smtClean="0">
+                <a:sym typeface="Wingdings" panose="05000000000000000000" pitchFamily="2" charset="2"/>
+              </a:rPr>
+              <a:t>cases then</a:t>
+            </a:r>
+            <a:endParaRPr lang="en-US" sz="2800" dirty="0">
+              <a:sym typeface="Wingdings" panose="05000000000000000000" pitchFamily="2" charset="2"/>
+            </a:endParaRPr>
+          </a:p>
+          <a:p>
+            <a:pPr marL="914400" lvl="1" indent="-457200">
+              <a:buFont typeface="Arial" panose="020B0604020202020204" pitchFamily="34" charset="0"/>
+              <a:buChar char="•"/>
+            </a:pPr>
+            <a:r>
+              <a:rPr lang="en-US" sz="2800" dirty="0" smtClean="0">
+                <a:sym typeface="Wingdings" panose="05000000000000000000" pitchFamily="2" charset="2"/>
+              </a:rPr>
+              <a:t>Concludes </a:t>
+            </a:r>
+            <a:r>
+              <a:rPr lang="en-US" sz="2800" dirty="0" smtClean="0">
+                <a:solidFill>
+                  <a:srgbClr val="00B050"/>
+                </a:solidFill>
+                <a:sym typeface="Wingdings" panose="05000000000000000000" pitchFamily="2" charset="2"/>
+              </a:rPr>
+              <a:t>generic</a:t>
+            </a:r>
+            <a:r>
+              <a:rPr lang="en-US" sz="2800" dirty="0" smtClean="0">
+                <a:sym typeface="Wingdings" panose="05000000000000000000" pitchFamily="2" charset="2"/>
+              </a:rPr>
+              <a:t> cases</a:t>
+            </a:r>
+          </a:p>
+          <a:p>
+            <a:pPr marL="457200" indent="-457200">
+              <a:buFont typeface="Arial" panose="020B0604020202020204" pitchFamily="34" charset="0"/>
+              <a:buChar char="•"/>
+            </a:pPr>
+            <a:r>
+              <a:rPr lang="en-US" sz="2800" dirty="0" smtClean="0">
+                <a:sym typeface="Wingdings" panose="05000000000000000000" pitchFamily="2" charset="2"/>
+              </a:rPr>
+              <a:t>Prompts for code </a:t>
+            </a:r>
+            <a:r>
+              <a:rPr lang="en-US" sz="2800" dirty="0" smtClean="0">
+                <a:solidFill>
+                  <a:schemeClr val="accent6">
+                    <a:lumMod val="75000"/>
+                  </a:schemeClr>
+                </a:solidFill>
+                <a:sym typeface="Wingdings" panose="05000000000000000000" pitchFamily="2" charset="2"/>
+              </a:rPr>
+              <a:t>improvement</a:t>
+            </a:r>
+            <a:endParaRPr lang="en-US" sz="2800" dirty="0">
+              <a:solidFill>
+                <a:schemeClr val="accent6">
+                  <a:lumMod val="75000"/>
+                </a:schemeClr>
+              </a:solidFill>
+            </a:endParaRPr>
+          </a:p>
+        </p:txBody>
+      </p:sp>
+    </p:spTree>
+    <p:extLst>
+      <p:ext uri="{BB962C8B-B14F-4D97-AF65-F5344CB8AC3E}">
+        <p14:creationId xmlns:p14="http://schemas.microsoft.com/office/powerpoint/2010/main" val="3685412025"/>
+      </p:ext>
+    </p:extLst>
+  </p:cSld>
+  <p:clrMapOvr>
+    <a:masterClrMapping/>
+  </p:clrMapOvr>
+  <p:timing>
+    <p:tnLst>
+      <p:par>
+        <p:cTn id="1" dur="indefinite" restart="never" nodeType="tmRoot"/>
+      </p:par>
+    </p:tnLst>
+  </p:timing>
+</p:sld>
+</file>
+
+<file path=ppt/slides/slide11.xml><?xml version="1.0" encoding="utf-8"?>
+<p:sld xmlns:a="http://schemas.openxmlformats.org/drawingml/2006/main" xmlns:r="http://schemas.openxmlformats.org/officeDocument/2006/relationships" xmlns:p="http://schemas.openxmlformats.org/presentationml/2006/main">
+  <p:cSld>
+    <p:spTree>
+      <p:nvGrpSpPr>
+        <p:cNvPr id="1" name=""/>
+        <p:cNvGrpSpPr/>
+        <p:nvPr/>
+      </p:nvGrpSpPr>
+      <p:grpSpPr>
+        <a:xfrm>
+          <a:off x="0" y="0"/>
+          <a:ext cx="0" cy="0"/>
+          <a:chOff x="0" y="0"/>
+          <a:chExt cx="0" cy="0"/>
+        </a:xfrm>
+      </p:grpSpPr>
+      <p:sp>
+        <p:nvSpPr>
+          <p:cNvPr id="2" name="TextBox 1"/>
+          <p:cNvSpPr txBox="1"/>
+          <p:nvPr/>
+        </p:nvSpPr>
+        <p:spPr>
+          <a:xfrm>
+            <a:off x="3124200" y="1143000"/>
+            <a:ext cx="2022348" cy="584775"/>
+          </a:xfrm>
+          <a:prstGeom prst="rect">
+            <a:avLst/>
+          </a:prstGeom>
+          <a:noFill/>
+        </p:spPr>
+        <p:txBody>
+          <a:bodyPr wrap="none" rtlCol="0">
+            <a:spAutoFit/>
+          </a:bodyPr>
+          <a:lstStyle/>
+          <a:p>
+            <a:r>
+              <a:rPr lang="en-US" sz="3200" dirty="0" smtClean="0"/>
+              <a:t>Homework</a:t>
+            </a:r>
+            <a:endParaRPr lang="en-US" sz="3200" dirty="0"/>
+          </a:p>
+        </p:txBody>
+      </p:sp>
+      <p:sp>
+        <p:nvSpPr>
+          <p:cNvPr id="3" name="TextBox 2"/>
+          <p:cNvSpPr txBox="1"/>
+          <p:nvPr/>
+        </p:nvSpPr>
+        <p:spPr>
+          <a:xfrm>
+            <a:off x="914400" y="2133600"/>
+            <a:ext cx="5661806" cy="2031325"/>
+          </a:xfrm>
+          <a:prstGeom prst="rect">
+            <a:avLst/>
+          </a:prstGeom>
+          <a:noFill/>
+        </p:spPr>
+        <p:txBody>
+          <a:bodyPr wrap="none" rtlCol="0">
+            <a:spAutoFit/>
+          </a:bodyPr>
+          <a:lstStyle/>
+          <a:p>
+            <a:r>
+              <a:rPr lang="en-US" altLang="zh-CN" dirty="0" smtClean="0"/>
+              <a:t>Give number between 0 to 99, return its </a:t>
+            </a:r>
+            <a:r>
+              <a:rPr lang="en-US" altLang="zh-CN" dirty="0"/>
+              <a:t>E</a:t>
+            </a:r>
+            <a:r>
+              <a:rPr lang="en-US" altLang="zh-CN" dirty="0" smtClean="0"/>
+              <a:t>nglish word, E.g.</a:t>
+            </a:r>
+          </a:p>
+          <a:p>
+            <a:r>
+              <a:rPr lang="zh-CN" altLang="en-US" dirty="0" smtClean="0"/>
+              <a:t>给出任意个</a:t>
+            </a:r>
+            <a:r>
+              <a:rPr lang="en-US" altLang="zh-CN" dirty="0" smtClean="0"/>
+              <a:t>0-99</a:t>
+            </a:r>
+            <a:r>
+              <a:rPr lang="zh-CN" altLang="en-US" dirty="0" smtClean="0"/>
+              <a:t>的数字，返回数字的英文。比如</a:t>
+            </a:r>
+            <a:endParaRPr lang="en-US" altLang="zh-CN" dirty="0" smtClean="0"/>
+          </a:p>
+          <a:p>
+            <a:endParaRPr lang="en-US" dirty="0"/>
+          </a:p>
+          <a:p>
+            <a:r>
+              <a:rPr lang="en-US" dirty="0" smtClean="0"/>
+              <a:t>0 </a:t>
+            </a:r>
+            <a:r>
+              <a:rPr lang="en-US" dirty="0" smtClean="0">
+                <a:sym typeface="Wingdings" panose="05000000000000000000" pitchFamily="2" charset="2"/>
+              </a:rPr>
+              <a:t> </a:t>
+            </a:r>
+            <a:r>
+              <a:rPr lang="en-US" altLang="zh-CN" dirty="0" smtClean="0">
+                <a:sym typeface="Wingdings" panose="05000000000000000000" pitchFamily="2" charset="2"/>
+              </a:rPr>
+              <a:t>Zero</a:t>
+            </a:r>
+          </a:p>
+          <a:p>
+            <a:r>
+              <a:rPr lang="en-US" dirty="0" smtClean="0">
+                <a:sym typeface="Wingdings" panose="05000000000000000000" pitchFamily="2" charset="2"/>
+              </a:rPr>
+              <a:t>10  </a:t>
+            </a:r>
+            <a:r>
+              <a:rPr lang="en-US" altLang="zh-CN" dirty="0" smtClean="0">
+                <a:sym typeface="Wingdings" panose="05000000000000000000" pitchFamily="2" charset="2"/>
+              </a:rPr>
+              <a:t>Ten</a:t>
+            </a:r>
+          </a:p>
+          <a:p>
+            <a:r>
+              <a:rPr lang="en-US" dirty="0" smtClean="0">
+                <a:sym typeface="Wingdings" panose="05000000000000000000" pitchFamily="2" charset="2"/>
+              </a:rPr>
+              <a:t>21  </a:t>
+            </a:r>
+            <a:r>
+              <a:rPr lang="en-US" altLang="zh-CN" dirty="0" smtClean="0">
+                <a:sym typeface="Wingdings" panose="05000000000000000000" pitchFamily="2" charset="2"/>
+              </a:rPr>
+              <a:t>Twenty One</a:t>
+            </a:r>
+          </a:p>
+          <a:p>
+            <a:r>
+              <a:rPr lang="en-US" dirty="0" smtClean="0">
+                <a:sym typeface="Wingdings" panose="05000000000000000000" pitchFamily="2" charset="2"/>
+              </a:rPr>
+              <a:t>99  </a:t>
+            </a:r>
+            <a:r>
+              <a:rPr lang="en-US" altLang="zh-CN" dirty="0" smtClean="0">
+                <a:sym typeface="Wingdings" panose="05000000000000000000" pitchFamily="2" charset="2"/>
+              </a:rPr>
+              <a:t>Ninety Nine</a:t>
+            </a:r>
+            <a:endParaRPr lang="en-US" dirty="0"/>
+          </a:p>
+        </p:txBody>
+      </p:sp>
+    </p:spTree>
+    <p:extLst>
+      <p:ext uri="{BB962C8B-B14F-4D97-AF65-F5344CB8AC3E}">
+        <p14:creationId xmlns:p14="http://schemas.microsoft.com/office/powerpoint/2010/main" val="2195504767"/>
+      </p:ext>
+    </p:extLst>
+  </p:cSld>
+  <p:clrMapOvr>
+    <a:masterClrMapping/>
+  </p:clrMapOvr>
+  <p:timing>
+    <p:tnLst>
+      <p:par>
+        <p:cTn id="1" dur="indefinite" restart="never" nodeType="tmRoot"/>
+      </p:par>
+    </p:tnLst>
+  </p:timing>
 </p:sld>
 </file>
 
@@ -7637,6 +8011,13 @@
   <p:clrMapOvr>
     <a:masterClrMapping/>
   </p:clrMapOvr>
+  <p:timing>
+    <p:tnLst>
+      <p:par>
+        <p:cTn id="1" dur="indefinite" restart="never" nodeType="tmRoot"/>
+      </p:par>
+    </p:tnLst>
+  </p:timing>
 </p:sld>
 </file>
 
@@ -7782,6 +8163,13 @@
   <p:clrMapOvr>
     <a:masterClrMapping/>
   </p:clrMapOvr>
+  <p:timing>
+    <p:tnLst>
+      <p:par>
+        <p:cTn id="1" dur="indefinite" restart="never" nodeType="tmRoot"/>
+      </p:par>
+    </p:tnLst>
+  </p:timing>
 </p:sld>
 </file>
 
@@ -7887,6 +8275,13 @@
   <p:clrMapOvr>
     <a:masterClrMapping/>
   </p:clrMapOvr>
+  <p:timing>
+    <p:tnLst>
+      <p:par>
+        <p:cTn id="1" dur="indefinite" restart="never" nodeType="tmRoot"/>
+      </p:par>
+    </p:tnLst>
+  </p:timing>
 </p:sld>
 </file>
 
@@ -7909,124 +8304,201 @@
       </p:grpSpPr>
       <p:sp>
         <p:nvSpPr>
-          <p:cNvPr id="2" name="TextBox 1"/>
-          <p:cNvSpPr txBox="1"/>
+          <p:cNvPr id="2" name="Text Box 2"/>
+          <p:cNvSpPr txBox="1">
+            <a:spLocks noChangeArrowheads="1"/>
+          </p:cNvSpPr>
           <p:nvPr/>
         </p:nvSpPr>
-        <p:spPr>
+        <p:spPr bwMode="auto">
           <a:xfrm>
-            <a:off x="1752600" y="2209800"/>
-            <a:ext cx="4957063" cy="2000548"/>
+            <a:off x="685800" y="990600"/>
+            <a:ext cx="6172200" cy="655638"/>
           </a:xfrm>
           <a:prstGeom prst="rect">
             <a:avLst/>
           </a:prstGeom>
           <a:noFill/>
+          <a:ln>
+            <a:noFill/>
+          </a:ln>
+          <a:extLst>
+            <a:ext uri="{909E8E84-426E-40DD-AFC4-6F175D3DCCD1}">
+              <a14:hiddenFill xmlns:a14="http://schemas.microsoft.com/office/drawing/2010/main">
+                <a:solidFill>
+                  <a:srgbClr val="FFFFFF"/>
+                </a:solidFill>
+              </a14:hiddenFill>
+            </a:ext>
+            <a:ext uri="{91240B29-F687-4F45-9708-019B960494DF}">
+              <a14:hiddenLine xmlns:a14="http://schemas.microsoft.com/office/drawing/2010/main" w="9525">
+                <a:solidFill>
+                  <a:srgbClr val="000000"/>
+                </a:solidFill>
+                <a:miter lim="800000"/>
+                <a:headEnd/>
+                <a:tailEnd/>
+              </a14:hiddenLine>
+            </a:ext>
+          </a:extLst>
         </p:spPr>
         <p:txBody>
-          <a:bodyPr wrap="none" rtlCol="0">
+          <a:bodyPr>
             <a:spAutoFit/>
           </a:bodyPr>
           <a:lstStyle/>
           <a:p>
             <a:r>
-              <a:rPr lang="en-US" sz="4000" dirty="0" smtClean="0"/>
-              <a:t>TDD</a:t>
-            </a:r>
-            <a:r>
-              <a:rPr lang="en-US" sz="2800" dirty="0" smtClean="0"/>
-              <a:t> </a:t>
-            </a:r>
-          </a:p>
-          <a:p>
-            <a:pPr marL="457200" indent="-457200">
-              <a:buFont typeface="Arial" panose="020B0604020202020204" pitchFamily="34" charset="0"/>
-              <a:buChar char="•"/>
-            </a:pPr>
-            <a:r>
-              <a:rPr lang="en-US" sz="2800" dirty="0" smtClean="0"/>
-              <a:t>Starts with </a:t>
-            </a:r>
-            <a:r>
-              <a:rPr lang="en-US" sz="2800" dirty="0" smtClean="0">
+              <a:rPr lang="zh-CN" altLang="en-US" sz="2800" dirty="0"/>
+              <a:t>Transformation Priority Premise (TPP)</a:t>
+            </a:r>
+          </a:p>
+          <a:p>
+            <a:r>
+              <a:rPr lang="en-US" altLang="en-US" sz="900" dirty="0">
+                <a:hlinkClick r:id="rId2"/>
+              </a:rPr>
+              <a:t>http://blog.8thlight.com/uncle-bob/2013/05/27/TheTransformationPriorityPremise.html</a:t>
+            </a:r>
+          </a:p>
+        </p:txBody>
+      </p:sp>
+      <p:sp>
+        <p:nvSpPr>
+          <p:cNvPr id="3" name="Text Box 3"/>
+          <p:cNvSpPr txBox="1">
+            <a:spLocks noChangeArrowheads="1"/>
+          </p:cNvSpPr>
+          <p:nvPr/>
+        </p:nvSpPr>
+        <p:spPr bwMode="auto">
+          <a:xfrm>
+            <a:off x="685800" y="1752600"/>
+            <a:ext cx="7926388" cy="3382963"/>
+          </a:xfrm>
+          <a:prstGeom prst="rect">
+            <a:avLst/>
+          </a:prstGeom>
+          <a:noFill/>
+          <a:ln>
+            <a:noFill/>
+          </a:ln>
+          <a:extLst>
+            <a:ext uri="{909E8E84-426E-40DD-AFC4-6F175D3DCCD1}">
+              <a14:hiddenFill xmlns:a14="http://schemas.microsoft.com/office/drawing/2010/main">
                 <a:solidFill>
-                  <a:srgbClr val="00B0F0"/>
+                  <a:srgbClr val="FFFFFF"/>
                 </a:solidFill>
-              </a:rPr>
-              <a:t>confidence</a:t>
-            </a:r>
-          </a:p>
-          <a:p>
-            <a:pPr marL="457200" indent="-457200">
-              <a:buFont typeface="Arial" panose="020B0604020202020204" pitchFamily="34" charset="0"/>
-              <a:buChar char="•"/>
-            </a:pPr>
-            <a:r>
-              <a:rPr lang="en-US" sz="2800" dirty="0" smtClean="0"/>
-              <a:t>Deals with </a:t>
-            </a:r>
-            <a:r>
-              <a:rPr lang="en-US" sz="2800" dirty="0" smtClean="0">
+              </a14:hiddenFill>
+            </a:ext>
+            <a:ext uri="{91240B29-F687-4F45-9708-019B960494DF}">
+              <a14:hiddenLine xmlns:a14="http://schemas.microsoft.com/office/drawing/2010/main" w="9525">
                 <a:solidFill>
-                  <a:srgbClr val="FF0000"/>
+                  <a:srgbClr val="000000"/>
                 </a:solidFill>
-              </a:rPr>
-              <a:t>specific</a:t>
-            </a:r>
-            <a:r>
-              <a:rPr lang="en-US" sz="2800" dirty="0" smtClean="0"/>
-              <a:t> </a:t>
-            </a:r>
-            <a:r>
-              <a:rPr lang="en-US" sz="2800" dirty="0" smtClean="0">
-                <a:sym typeface="Wingdings" panose="05000000000000000000" pitchFamily="2" charset="2"/>
-              </a:rPr>
-              <a:t>cases then</a:t>
-            </a:r>
-            <a:endParaRPr lang="en-US" sz="2800" dirty="0">
-              <a:sym typeface="Wingdings" panose="05000000000000000000" pitchFamily="2" charset="2"/>
-            </a:endParaRPr>
-          </a:p>
-          <a:p>
-            <a:pPr marL="914400" lvl="1" indent="-457200">
-              <a:buFont typeface="Arial" panose="020B0604020202020204" pitchFamily="34" charset="0"/>
-              <a:buChar char="•"/>
-            </a:pPr>
-            <a:r>
-              <a:rPr lang="en-US" sz="2800" dirty="0" smtClean="0">
-                <a:sym typeface="Wingdings" panose="05000000000000000000" pitchFamily="2" charset="2"/>
-              </a:rPr>
-              <a:t>Concludes </a:t>
-            </a:r>
-            <a:r>
-              <a:rPr lang="en-US" sz="2800" dirty="0" smtClean="0">
-                <a:solidFill>
-                  <a:srgbClr val="00B050"/>
-                </a:solidFill>
-                <a:sym typeface="Wingdings" panose="05000000000000000000" pitchFamily="2" charset="2"/>
-              </a:rPr>
-              <a:t>generic</a:t>
-            </a:r>
-            <a:r>
-              <a:rPr lang="en-US" sz="2800" dirty="0" smtClean="0">
-                <a:sym typeface="Wingdings" panose="05000000000000000000" pitchFamily="2" charset="2"/>
-              </a:rPr>
-              <a:t> cases</a:t>
-            </a:r>
-            <a:endParaRPr lang="en-US" sz="2800" dirty="0"/>
+                <a:miter lim="800000"/>
+                <a:headEnd/>
+                <a:tailEnd/>
+              </a14:hiddenLine>
+            </a:ext>
+          </a:extLst>
+        </p:spPr>
+        <p:txBody>
+          <a:bodyPr wrap="none">
+            <a:spAutoFit/>
+          </a:bodyPr>
+          <a:lstStyle/>
+          <a:p>
+            <a:r>
+              <a:rPr lang="en-US" altLang="zh-CN"/>
+              <a:t>• ({}–&gt;nil) no code at all-&gt;code that employs nil </a:t>
+            </a:r>
+          </a:p>
+          <a:p>
+            <a:r>
+              <a:rPr lang="en-US" altLang="zh-CN"/>
+              <a:t>• (nil-&gt;constant) </a:t>
+            </a:r>
+          </a:p>
+          <a:p>
+            <a:r>
+              <a:rPr lang="en-US" altLang="zh-CN"/>
+              <a:t>• (constant-&gt;constant+) a simple constant to a more complex constant </a:t>
+            </a:r>
+          </a:p>
+          <a:p>
+            <a:r>
+              <a:rPr lang="en-US" altLang="zh-CN"/>
+              <a:t>• (constant-&gt;scalar) replacing a constant with a variable or an argument </a:t>
+            </a:r>
+          </a:p>
+          <a:p>
+            <a:r>
+              <a:rPr lang="en-US" altLang="zh-CN"/>
+              <a:t>• (statement-&gt;statements) adding more unconditional statements. </a:t>
+            </a:r>
+          </a:p>
+          <a:p>
+            <a:r>
+              <a:rPr lang="en-US" altLang="zh-CN"/>
+              <a:t>• (unconditional-&gt;if) splitting the execution path </a:t>
+            </a:r>
+          </a:p>
+          <a:p>
+            <a:r>
+              <a:rPr lang="en-US" altLang="zh-CN"/>
+              <a:t>• (scalar-&gt;array) </a:t>
+            </a:r>
+          </a:p>
+          <a:p>
+            <a:r>
+              <a:rPr lang="en-US" altLang="zh-CN"/>
+              <a:t>• (array-&gt;container) </a:t>
+            </a:r>
+          </a:p>
+          <a:p>
+            <a:r>
+              <a:rPr lang="en-US" altLang="zh-CN"/>
+              <a:t>• (statement-&gt;recursion) </a:t>
+            </a:r>
+          </a:p>
+          <a:p>
+            <a:r>
+              <a:rPr lang="en-US" altLang="zh-CN"/>
+              <a:t>• (if-&gt;while) </a:t>
+            </a:r>
+          </a:p>
+          <a:p>
+            <a:r>
+              <a:rPr lang="en-US" altLang="zh-CN"/>
+              <a:t>• (expression-&gt;function) replacing an expression with a function or algorithm </a:t>
+            </a:r>
+          </a:p>
+          <a:p>
+            <a:r>
+              <a:rPr lang="en-US" altLang="zh-CN"/>
+              <a:t>• (variable-&gt;assignment) replacing the value of a variable. </a:t>
+            </a:r>
           </a:p>
         </p:txBody>
       </p:sp>
     </p:spTree>
     <p:extLst>
       <p:ext uri="{BB962C8B-B14F-4D97-AF65-F5344CB8AC3E}">
-        <p14:creationId xmlns:p14="http://schemas.microsoft.com/office/powerpoint/2010/main" val="3685412025"/>
+        <p14:creationId xmlns:p14="http://schemas.microsoft.com/office/powerpoint/2010/main" val="92748445"/>
       </p:ext>
     </p:extLst>
   </p:cSld>
   <p:clrMapOvr>
     <a:masterClrMapping/>
   </p:clrMapOvr>
+  <p:timing>
+    <p:tnLst>
+      <p:par>
+        <p:cTn id="1" dur="indefinite" restart="never" nodeType="tmRoot"/>
+      </p:par>
+    </p:tnLst>
+  </p:timing>
 </p:sld>
 </file>
 
@@ -8112,10 +8584,214 @@
   <p:clrMapOvr>
     <a:masterClrMapping/>
   </p:clrMapOvr>
+  <p:timing>
+    <p:tnLst>
+      <p:par>
+        <p:cTn id="1" dur="indefinite" restart="never" nodeType="tmRoot"/>
+      </p:par>
+    </p:tnLst>
+  </p:timing>
 </p:sld>
 </file>
 
 <file path=ppt/slides/slide7.xml><?xml version="1.0" encoding="utf-8"?>
+<p:sld xmlns:a="http://schemas.openxmlformats.org/drawingml/2006/main" xmlns:r="http://schemas.openxmlformats.org/officeDocument/2006/relationships" xmlns:p="http://schemas.openxmlformats.org/presentationml/2006/main">
+  <p:cSld>
+    <p:spTree>
+      <p:nvGrpSpPr>
+        <p:cNvPr id="1" name=""/>
+        <p:cNvGrpSpPr/>
+        <p:nvPr/>
+      </p:nvGrpSpPr>
+      <p:grpSpPr>
+        <a:xfrm>
+          <a:off x="0" y="0"/>
+          <a:ext cx="0" cy="0"/>
+          <a:chOff x="0" y="0"/>
+          <a:chExt cx="0" cy="0"/>
+        </a:xfrm>
+      </p:grpSpPr>
+      <p:sp>
+        <p:nvSpPr>
+          <p:cNvPr id="4" name="Rectangle 3">
+            <a:hlinkClick r:id="rId2"/>
+          </p:cNvPr>
+          <p:cNvSpPr/>
+          <p:nvPr/>
+        </p:nvSpPr>
+        <p:spPr>
+          <a:xfrm>
+            <a:off x="685800" y="5715000"/>
+            <a:ext cx="7391400" cy="369332"/>
+          </a:xfrm>
+          <a:prstGeom prst="rect">
+            <a:avLst/>
+          </a:prstGeom>
+        </p:spPr>
+        <p:txBody>
+          <a:bodyPr wrap="square">
+            <a:spAutoFit/>
+          </a:bodyPr>
+          <a:lstStyle/>
+          <a:p>
+            <a:r>
+              <a:rPr lang="en-US" dirty="0">
+                <a:hlinkClick r:id="rId2"/>
+              </a:rPr>
+              <a:t>http://codurance.com/2015/05/12/does-tdd-lead-to-good-design/</a:t>
+            </a:r>
+            <a:endParaRPr lang="en-US" dirty="0"/>
+          </a:p>
+        </p:txBody>
+      </p:sp>
+      <p:sp>
+        <p:nvSpPr>
+          <p:cNvPr id="5" name="TextBox 4"/>
+          <p:cNvSpPr txBox="1"/>
+          <p:nvPr/>
+        </p:nvSpPr>
+        <p:spPr>
+          <a:xfrm>
+            <a:off x="533400" y="685800"/>
+            <a:ext cx="8305800" cy="4185761"/>
+          </a:xfrm>
+          <a:prstGeom prst="rect">
+            <a:avLst/>
+          </a:prstGeom>
+          <a:noFill/>
+        </p:spPr>
+        <p:txBody>
+          <a:bodyPr wrap="square" rtlCol="0">
+            <a:spAutoFit/>
+          </a:bodyPr>
+          <a:lstStyle/>
+          <a:p>
+            <a:r>
+              <a:rPr lang="en-US" sz="3200" dirty="0" smtClean="0"/>
+              <a:t>Classicist TDD</a:t>
+            </a:r>
+          </a:p>
+          <a:p>
+            <a:endParaRPr lang="en-US" dirty="0"/>
+          </a:p>
+          <a:p>
+            <a:pPr marL="342900" indent="-342900">
+              <a:buFont typeface="+mj-lt"/>
+              <a:buAutoNum type="arabicPeriod"/>
+            </a:pPr>
+            <a:r>
+              <a:rPr lang="en-US" dirty="0" smtClean="0"/>
+              <a:t>Design </a:t>
+            </a:r>
+            <a:r>
+              <a:rPr lang="en-US" dirty="0"/>
+              <a:t>happens during the refactoring phase.</a:t>
+            </a:r>
+          </a:p>
+          <a:p>
+            <a:pPr marL="342900" indent="-342900">
+              <a:buFont typeface="+mj-lt"/>
+              <a:buAutoNum type="arabicPeriod"/>
+            </a:pPr>
+            <a:r>
+              <a:rPr lang="en-US" dirty="0" smtClean="0"/>
+              <a:t>During </a:t>
+            </a:r>
+            <a:r>
+              <a:rPr lang="en-US" dirty="0"/>
+              <a:t>the refactoring phase, the unit under test may grow to multiple classes.</a:t>
+            </a:r>
+          </a:p>
+          <a:p>
+            <a:pPr marL="342900" indent="-342900">
+              <a:buFont typeface="+mj-lt"/>
+              <a:buAutoNum type="arabicPeriod"/>
+            </a:pPr>
+            <a:r>
+              <a:rPr lang="en-US" dirty="0"/>
+              <a:t>Mocks are rarely used, unless when isolating external systems.</a:t>
+            </a:r>
+          </a:p>
+          <a:p>
+            <a:pPr marL="342900" indent="-342900">
+              <a:buFont typeface="+mj-lt"/>
+              <a:buAutoNum type="arabicPeriod"/>
+            </a:pPr>
+            <a:r>
+              <a:rPr lang="en-US" dirty="0"/>
+              <a:t>No up-front design considerations are made. Design completely emerges from code.</a:t>
+            </a:r>
+          </a:p>
+          <a:p>
+            <a:pPr marL="342900" indent="-342900">
+              <a:buFont typeface="+mj-lt"/>
+              <a:buAutoNum type="arabicPeriod"/>
+            </a:pPr>
+            <a:r>
+              <a:rPr lang="en-US" dirty="0"/>
+              <a:t>It’s a great way to avoid over-engineering.</a:t>
+            </a:r>
+          </a:p>
+          <a:p>
+            <a:pPr marL="342900" indent="-342900">
+              <a:buFont typeface="+mj-lt"/>
+              <a:buAutoNum type="arabicPeriod"/>
+            </a:pPr>
+            <a:r>
+              <a:rPr lang="en-US" dirty="0" smtClean="0"/>
+              <a:t>Often </a:t>
+            </a:r>
+            <a:r>
+              <a:rPr lang="en-US" dirty="0"/>
+              <a:t>used in conjunction with the 4 Rules of Simple Design.</a:t>
+            </a:r>
+          </a:p>
+          <a:p>
+            <a:pPr marL="342900" indent="-342900">
+              <a:buFont typeface="+mj-lt"/>
+              <a:buAutoNum type="arabicPeriod"/>
+            </a:pPr>
+            <a:r>
+              <a:rPr lang="en-US" dirty="0"/>
+              <a:t>Good for exploration, when we know what the input and desired output are but we don’t really know how the implementation looks like.</a:t>
+            </a:r>
+          </a:p>
+          <a:p>
+            <a:pPr marL="342900" indent="-342900">
+              <a:buFont typeface="+mj-lt"/>
+              <a:buAutoNum type="arabicPeriod"/>
+            </a:pPr>
+            <a:r>
+              <a:rPr lang="en-US" dirty="0"/>
+              <a:t>Great for cases where we can’t rely on a domain expert or domain language (data transformation, algorithms, etc.)</a:t>
+            </a:r>
+          </a:p>
+          <a:p>
+            <a:endParaRPr lang="en-US" dirty="0"/>
+          </a:p>
+        </p:txBody>
+      </p:sp>
+    </p:spTree>
+    <p:extLst>
+      <p:ext uri="{BB962C8B-B14F-4D97-AF65-F5344CB8AC3E}">
+        <p14:creationId xmlns:p14="http://schemas.microsoft.com/office/powerpoint/2010/main" val="1321943776"/>
+      </p:ext>
+    </p:extLst>
+  </p:cSld>
+  <p:clrMapOvr>
+    <a:masterClrMapping/>
+  </p:clrMapOvr>
+  <p:timing>
+    <p:tnLst>
+      <p:par>
+        <p:cTn id="1" dur="indefinite" restart="never" nodeType="tmRoot"/>
+      </p:par>
+    </p:tnLst>
+  </p:timing>
+</p:sld>
+</file>
+
+<file path=ppt/slides/slide8.xml><?xml version="1.0" encoding="utf-8"?>
 <p:sld xmlns:a="http://schemas.openxmlformats.org/drawingml/2006/main" xmlns:r="http://schemas.openxmlformats.org/officeDocument/2006/relationships" xmlns:p="http://schemas.openxmlformats.org/presentationml/2006/main">
   <p:cSld>
     <p:spTree>
@@ -8140,8 +8816,205 @@
         </p:nvSpPr>
         <p:spPr>
           <a:xfrm>
-            <a:off x="1981200" y="2438400"/>
-            <a:ext cx="5551648" cy="1384995"/>
+            <a:off x="533400" y="685800"/>
+            <a:ext cx="7924800" cy="3908762"/>
+          </a:xfrm>
+          <a:prstGeom prst="rect">
+            <a:avLst/>
+          </a:prstGeom>
+          <a:noFill/>
+        </p:spPr>
+        <p:txBody>
+          <a:bodyPr wrap="square" rtlCol="0">
+            <a:spAutoFit/>
+          </a:bodyPr>
+          <a:lstStyle/>
+          <a:p>
+            <a:r>
+              <a:rPr lang="en-US" sz="3200" dirty="0" smtClean="0"/>
+              <a:t>Outside-In TDD</a:t>
+            </a:r>
+          </a:p>
+          <a:p>
+            <a:endParaRPr lang="en-US" dirty="0"/>
+          </a:p>
+          <a:p>
+            <a:pPr marL="342900" indent="-342900">
+              <a:buFont typeface="+mj-lt"/>
+              <a:buAutoNum type="arabicPeriod"/>
+            </a:pPr>
+            <a:r>
+              <a:rPr lang="en-US" dirty="0" smtClean="0"/>
+              <a:t>Prescribes </a:t>
+            </a:r>
+            <a:r>
+              <a:rPr lang="en-US" dirty="0"/>
+              <a:t>a direction in which we start test-driving our code: from </a:t>
+            </a:r>
+            <a:r>
+              <a:rPr lang="en-US" dirty="0" smtClean="0"/>
+              <a:t>outside </a:t>
+            </a:r>
+            <a:r>
+              <a:rPr lang="en-US" dirty="0"/>
+              <a:t>to the </a:t>
+            </a:r>
+            <a:r>
+              <a:rPr lang="en-US" dirty="0" smtClean="0"/>
+              <a:t>inside.</a:t>
+            </a:r>
+          </a:p>
+          <a:p>
+            <a:pPr marL="342900" indent="-342900">
+              <a:buFont typeface="+mj-lt"/>
+              <a:buAutoNum type="arabicPeriod"/>
+            </a:pPr>
+            <a:r>
+              <a:rPr lang="en-US" dirty="0"/>
+              <a:t>Design starts in the </a:t>
+            </a:r>
+            <a:r>
+              <a:rPr lang="en-US" i="1" dirty="0"/>
+              <a:t>red</a:t>
+            </a:r>
+            <a:r>
+              <a:rPr lang="en-US" dirty="0"/>
+              <a:t> phase, while writing the tests.</a:t>
+            </a:r>
+          </a:p>
+          <a:p>
+            <a:pPr marL="342900" indent="-342900">
+              <a:buFont typeface="+mj-lt"/>
+              <a:buAutoNum type="arabicPeriod"/>
+            </a:pPr>
+            <a:r>
+              <a:rPr lang="en-US" dirty="0"/>
+              <a:t>Design is refined during the </a:t>
+            </a:r>
+            <a:r>
+              <a:rPr lang="en-US" i="1" dirty="0"/>
+              <a:t>refactoring</a:t>
+            </a:r>
+            <a:r>
+              <a:rPr lang="en-US" dirty="0"/>
+              <a:t> phase</a:t>
+            </a:r>
+            <a:r>
+              <a:rPr lang="en-US" dirty="0" smtClean="0"/>
+              <a:t>.</a:t>
+            </a:r>
+            <a:endParaRPr lang="en-US" dirty="0"/>
+          </a:p>
+          <a:p>
+            <a:pPr marL="342900" indent="-342900">
+              <a:buFont typeface="+mj-lt"/>
+              <a:buAutoNum type="arabicPeriod"/>
+            </a:pPr>
+            <a:r>
+              <a:rPr lang="en-US" dirty="0"/>
+              <a:t>We normally start with an acceptance test which verifies if the feature as a whole works. </a:t>
+            </a:r>
+            <a:r>
+              <a:rPr lang="en-US" dirty="0" smtClean="0"/>
+              <a:t>With </a:t>
+            </a:r>
+            <a:r>
+              <a:rPr lang="en-US" dirty="0"/>
+              <a:t>a failing acceptance test informing why the feature is not yet </a:t>
+            </a:r>
+            <a:r>
+              <a:rPr lang="en-US" dirty="0" smtClean="0"/>
+              <a:t>complete. we </a:t>
+            </a:r>
+            <a:r>
+              <a:rPr lang="en-US" dirty="0"/>
+              <a:t>start writing unit tests. </a:t>
+            </a:r>
+            <a:endParaRPr lang="en-US" dirty="0" smtClean="0"/>
+          </a:p>
+          <a:p>
+            <a:pPr marL="342900" indent="-342900">
+              <a:buFont typeface="+mj-lt"/>
+              <a:buAutoNum type="arabicPeriod"/>
+            </a:pPr>
+            <a:r>
+              <a:rPr lang="en-US" dirty="0" smtClean="0"/>
+              <a:t>Starts </a:t>
+            </a:r>
+            <a:r>
+              <a:rPr lang="en-US" dirty="0"/>
+              <a:t>from classes that are closer to the input of the system (outside) and move towards the inside of our application </a:t>
+            </a:r>
+            <a:endParaRPr lang="en-US" dirty="0" smtClean="0"/>
+          </a:p>
+          <a:p>
+            <a:pPr marL="342900" indent="-342900">
+              <a:buFont typeface="+mj-lt"/>
+              <a:buAutoNum type="arabicPeriod"/>
+            </a:pPr>
+            <a:r>
+              <a:rPr lang="en-US" dirty="0" smtClean="0"/>
+              <a:t>Refactoring </a:t>
+            </a:r>
+            <a:r>
+              <a:rPr lang="en-US" dirty="0"/>
+              <a:t>phases are much smaller, when compared to the classicist approach</a:t>
+            </a:r>
+            <a:r>
+              <a:rPr lang="en-US" dirty="0" smtClean="0"/>
+              <a:t>.</a:t>
+            </a:r>
+            <a:endParaRPr lang="en-US" dirty="0"/>
+          </a:p>
+        </p:txBody>
+      </p:sp>
+    </p:spTree>
+    <p:extLst>
+      <p:ext uri="{BB962C8B-B14F-4D97-AF65-F5344CB8AC3E}">
+        <p14:creationId xmlns:p14="http://schemas.microsoft.com/office/powerpoint/2010/main" val="314860247"/>
+      </p:ext>
+    </p:extLst>
+  </p:cSld>
+  <p:clrMapOvr>
+    <a:masterClrMapping/>
+  </p:clrMapOvr>
+  <p:timing>
+    <p:tnLst>
+      <p:par>
+        <p:cTn id="1" dur="indefinite" restart="never" nodeType="tmRoot"/>
+      </p:par>
+    </p:tnLst>
+  </p:timing>
+</p:sld>
+</file>
+
+<file path=ppt/slides/slide9.xml><?xml version="1.0" encoding="utf-8"?>
+<p:sld xmlns:a="http://schemas.openxmlformats.org/drawingml/2006/main" xmlns:r="http://schemas.openxmlformats.org/officeDocument/2006/relationships" xmlns:p="http://schemas.openxmlformats.org/presentationml/2006/main">
+  <p:cSld>
+    <p:spTree>
+      <p:nvGrpSpPr>
+        <p:cNvPr id="1" name=""/>
+        <p:cNvGrpSpPr/>
+        <p:nvPr/>
+      </p:nvGrpSpPr>
+      <p:grpSpPr>
+        <a:xfrm>
+          <a:off x="0" y="0"/>
+          <a:ext cx="0" cy="0"/>
+          <a:chOff x="0" y="0"/>
+          <a:chExt cx="0" cy="0"/>
+        </a:xfrm>
+      </p:grpSpPr>
+      <p:sp>
+        <p:nvSpPr>
+          <p:cNvPr id="2" name="TextBox 1"/>
+          <p:cNvSpPr txBox="1"/>
+          <p:nvPr/>
+        </p:nvSpPr>
+        <p:spPr>
+          <a:xfrm>
+            <a:off x="1904999" y="2035452"/>
+            <a:ext cx="5034263" cy="769441"/>
           </a:xfrm>
           <a:prstGeom prst="rect">
             <a:avLst/>
@@ -8155,35 +9028,156 @@
           <a:lstStyle/>
           <a:p>
             <a:r>
-              <a:rPr lang="en-US" sz="2800" dirty="0" smtClean="0"/>
-              <a:t>What scenarios can TDD be used in? </a:t>
-            </a:r>
-          </a:p>
-          <a:p>
-            <a:r>
-              <a:rPr lang="en-US" sz="2800" dirty="0" smtClean="0"/>
-              <a:t>What *Not*? </a:t>
-            </a:r>
-          </a:p>
-          <a:p>
-            <a:r>
-              <a:rPr lang="en-US" sz="2800" dirty="0" smtClean="0"/>
-              <a:t>If *Not*, what do we do?</a:t>
-            </a:r>
-            <a:endParaRPr lang="en-US" sz="2800" dirty="0"/>
+              <a:rPr lang="en-US" sz="4400" dirty="0" smtClean="0"/>
+              <a:t>Which One Is Better?</a:t>
+            </a:r>
+            <a:endParaRPr lang="en-US" sz="4400" dirty="0"/>
+          </a:p>
+        </p:txBody>
+      </p:sp>
+      <p:sp>
+        <p:nvSpPr>
+          <p:cNvPr id="3" name="TextBox 2"/>
+          <p:cNvSpPr txBox="1"/>
+          <p:nvPr/>
+        </p:nvSpPr>
+        <p:spPr>
+          <a:xfrm>
+            <a:off x="2209800" y="3429000"/>
+            <a:ext cx="4114800" cy="1200329"/>
+          </a:xfrm>
+          <a:prstGeom prst="rect">
+            <a:avLst/>
+          </a:prstGeom>
+          <a:noFill/>
+        </p:spPr>
+        <p:txBody>
+          <a:bodyPr wrap="square" rtlCol="0">
+            <a:spAutoFit/>
+          </a:bodyPr>
+          <a:lstStyle/>
+          <a:p>
+            <a:pPr algn="ctr"/>
+            <a:r>
+              <a:rPr lang="en-US" sz="2400" dirty="0"/>
+              <a:t>TDD becomes much easier when we understand what </a:t>
+            </a:r>
+            <a:r>
+              <a:rPr lang="en-US" sz="2400" dirty="0">
+                <a:solidFill>
+                  <a:srgbClr val="FF0000"/>
+                </a:solidFill>
+              </a:rPr>
+              <a:t>good design</a:t>
+            </a:r>
+            <a:r>
+              <a:rPr lang="en-US" sz="2400" dirty="0"/>
+              <a:t> looks </a:t>
+            </a:r>
+            <a:r>
+              <a:rPr lang="en-US" sz="2400" dirty="0" smtClean="0"/>
+              <a:t>like.</a:t>
+            </a:r>
+            <a:endParaRPr lang="en-US" sz="2400" dirty="0"/>
           </a:p>
         </p:txBody>
       </p:sp>
     </p:spTree>
     <p:extLst>
       <p:ext uri="{BB962C8B-B14F-4D97-AF65-F5344CB8AC3E}">
-        <p14:creationId xmlns:p14="http://schemas.microsoft.com/office/powerpoint/2010/main" val="1321943776"/>
+        <p14:creationId xmlns:p14="http://schemas.microsoft.com/office/powerpoint/2010/main" val="557968879"/>
       </p:ext>
     </p:extLst>
   </p:cSld>
   <p:clrMapOvr>
     <a:masterClrMapping/>
   </p:clrMapOvr>
+  <p:timing>
+    <p:tnLst>
+      <p:par>
+        <p:cTn id="1" dur="indefinite" restart="never" nodeType="tmRoot">
+          <p:childTnLst>
+            <p:seq concurrent="1" nextAc="seek">
+              <p:cTn id="2" dur="indefinite" nodeType="mainSeq">
+                <p:childTnLst>
+                  <p:par>
+                    <p:cTn id="3" fill="hold">
+                      <p:stCondLst>
+                        <p:cond delay="indefinite"/>
+                      </p:stCondLst>
+                      <p:childTnLst>
+                        <p:par>
+                          <p:cTn id="4" fill="hold">
+                            <p:stCondLst>
+                              <p:cond delay="0"/>
+                            </p:stCondLst>
+                            <p:childTnLst>
+                              <p:par>
+                                <p:cTn id="5" presetID="10" presetClass="entr" presetSubtype="0" fill="hold" grpId="0" nodeType="clickEffect">
+                                  <p:stCondLst>
+                                    <p:cond delay="0"/>
+                                  </p:stCondLst>
+                                  <p:childTnLst>
+                                    <p:set>
+                                      <p:cBhvr>
+                                        <p:cTn id="6" dur="1" fill="hold">
+                                          <p:stCondLst>
+                                            <p:cond delay="0"/>
+                                          </p:stCondLst>
+                                        </p:cTn>
+                                        <p:tgtEl>
+                                          <p:spTgt spid="3"/>
+                                        </p:tgtEl>
+                                        <p:attrNameLst>
+                                          <p:attrName>style.visibility</p:attrName>
+                                        </p:attrNameLst>
+                                      </p:cBhvr>
+                                      <p:to>
+                                        <p:strVal val="visible"/>
+                                      </p:to>
+                                    </p:set>
+                                    <p:animEffect transition="in" filter="fade">
+                                      <p:cBhvr>
+                                        <p:cTn id="7" dur="500"/>
+                                        <p:tgtEl>
+                                          <p:spTgt spid="3"/>
+                                        </p:tgtEl>
+                                      </p:cBhvr>
+                                    </p:animEffect>
+                                  </p:childTnLst>
+                                </p:cTn>
+                              </p:par>
+                            </p:childTnLst>
+                          </p:cTn>
+                        </p:par>
+                      </p:childTnLst>
+                    </p:cTn>
+                  </p:par>
+                </p:childTnLst>
+              </p:cTn>
+              <p:prevCondLst>
+                <p:cond evt="onPrev" delay="0">
+                  <p:tgtEl>
+                    <p:sldTgt/>
+                  </p:tgtEl>
+                </p:cond>
+              </p:prevCondLst>
+              <p:nextCondLst>
+                <p:cond evt="onNext" delay="0">
+                  <p:tgtEl>
+                    <p:sldTgt/>
+                  </p:tgtEl>
+                </p:cond>
+              </p:nextCondLst>
+            </p:seq>
+          </p:childTnLst>
+        </p:cTn>
+      </p:par>
+    </p:tnLst>
+    <p:bldLst>
+      <p:bldP spid="3" grpId="0"/>
+    </p:bldLst>
+  </p:timing>
 </p:sld>
 </file>
 

--- a/Documents/TDD Hands-On 1 .pptx
+++ b/Documents/TDD Hands-On 1 .pptx
@@ -14,8 +14,9 @@
     <p:sldId id="260" r:id="rId8"/>
     <p:sldId id="264" r:id="rId9"/>
     <p:sldId id="266" r:id="rId10"/>
-    <p:sldId id="262" r:id="rId11"/>
-    <p:sldId id="265" r:id="rId12"/>
+    <p:sldId id="267" r:id="rId11"/>
+    <p:sldId id="262" r:id="rId12"/>
+    <p:sldId id="265" r:id="rId13"/>
   </p:sldIdLst>
   <p:sldSz cx="9144000" cy="6858000" type="screen4x3"/>
   <p:notesSz cx="6858000" cy="9144000"/>
@@ -7594,6 +7595,267 @@
         </p:nvSpPr>
         <p:spPr>
           <a:xfrm>
+            <a:off x="1143000" y="1142999"/>
+            <a:ext cx="4254691" cy="3631763"/>
+          </a:xfrm>
+          <a:prstGeom prst="rect">
+            <a:avLst/>
+          </a:prstGeom>
+          <a:noFill/>
+        </p:spPr>
+        <p:txBody>
+          <a:bodyPr wrap="none" rtlCol="0">
+            <a:spAutoFit/>
+          </a:bodyPr>
+          <a:lstStyle/>
+          <a:p>
+            <a:r>
+              <a:rPr lang="en-US" sz="3200" dirty="0" smtClean="0"/>
+              <a:t>Good Design Guidelines </a:t>
+            </a:r>
+          </a:p>
+          <a:p>
+            <a:endParaRPr lang="en-US" dirty="0"/>
+          </a:p>
+          <a:p>
+            <a:pPr marL="342900" indent="-342900">
+              <a:buFont typeface="+mj-lt"/>
+              <a:buAutoNum type="arabicPeriod"/>
+            </a:pPr>
+            <a:r>
+              <a:rPr lang="en-US" dirty="0" smtClean="0">
+                <a:hlinkClick r:id="rId2"/>
+              </a:rPr>
+              <a:t>4 </a:t>
+            </a:r>
+            <a:r>
+              <a:rPr lang="en-US" dirty="0">
+                <a:hlinkClick r:id="rId2"/>
+              </a:rPr>
+              <a:t>Rules of Simple </a:t>
+            </a:r>
+            <a:r>
+              <a:rPr lang="en-US" dirty="0" smtClean="0">
+                <a:hlinkClick r:id="rId2"/>
+              </a:rPr>
+              <a:t>Design</a:t>
+            </a:r>
+            <a:endParaRPr lang="en-US" dirty="0" smtClean="0"/>
+          </a:p>
+          <a:p>
+            <a:pPr marL="342900" indent="-342900">
+              <a:buFont typeface="+mj-lt"/>
+              <a:buAutoNum type="arabicPeriod"/>
+            </a:pPr>
+            <a:r>
+              <a:rPr lang="en-US" dirty="0" smtClean="0">
+                <a:hlinkClick r:id="rId3"/>
+              </a:rPr>
+              <a:t>Domain </a:t>
+            </a:r>
+            <a:r>
+              <a:rPr lang="en-US" dirty="0">
+                <a:hlinkClick r:id="rId3"/>
+              </a:rPr>
+              <a:t>Driven </a:t>
+            </a:r>
+            <a:r>
+              <a:rPr lang="en-US" dirty="0" smtClean="0">
+                <a:hlinkClick r:id="rId3"/>
+              </a:rPr>
+              <a:t>Design</a:t>
+            </a:r>
+            <a:endParaRPr lang="en-US" dirty="0" smtClean="0"/>
+          </a:p>
+          <a:p>
+            <a:pPr marL="342900" indent="-342900">
+              <a:buFont typeface="+mj-lt"/>
+              <a:buAutoNum type="arabicPeriod"/>
+            </a:pPr>
+            <a:r>
+              <a:rPr lang="en-US" dirty="0" smtClean="0">
+                <a:hlinkClick r:id="rId4"/>
+              </a:rPr>
+              <a:t>SOLID</a:t>
+            </a:r>
+            <a:endParaRPr lang="en-US" dirty="0" smtClean="0"/>
+          </a:p>
+          <a:p>
+            <a:pPr marL="342900" indent="-342900">
+              <a:buFont typeface="+mj-lt"/>
+              <a:buAutoNum type="arabicPeriod"/>
+            </a:pPr>
+            <a:r>
+              <a:rPr lang="en-US" dirty="0" smtClean="0"/>
+              <a:t>Patterns</a:t>
+            </a:r>
+          </a:p>
+          <a:p>
+            <a:pPr marL="342900" indent="-342900">
+              <a:buFont typeface="+mj-lt"/>
+              <a:buAutoNum type="arabicPeriod"/>
+            </a:pPr>
+            <a:r>
+              <a:rPr lang="en-US" dirty="0" smtClean="0">
+                <a:hlinkClick r:id="rId5"/>
+              </a:rPr>
+              <a:t>Law </a:t>
+            </a:r>
+            <a:r>
+              <a:rPr lang="en-US" dirty="0">
+                <a:hlinkClick r:id="rId5"/>
+              </a:rPr>
+              <a:t>of </a:t>
+            </a:r>
+            <a:r>
+              <a:rPr lang="en-US" dirty="0" smtClean="0">
+                <a:hlinkClick r:id="rId5"/>
+              </a:rPr>
+              <a:t>Demeter</a:t>
+            </a:r>
+            <a:endParaRPr lang="en-US" dirty="0" smtClean="0"/>
+          </a:p>
+          <a:p>
+            <a:pPr marL="342900" indent="-342900">
+              <a:buFont typeface="+mj-lt"/>
+              <a:buAutoNum type="arabicPeriod"/>
+            </a:pPr>
+            <a:r>
+              <a:rPr lang="en-US" dirty="0" smtClean="0">
+                <a:hlinkClick r:id="rId6"/>
+              </a:rPr>
+              <a:t>Tell </a:t>
+            </a:r>
+            <a:r>
+              <a:rPr lang="en-US" dirty="0">
+                <a:hlinkClick r:id="rId6"/>
+              </a:rPr>
+              <a:t>Don’t </a:t>
+            </a:r>
+            <a:r>
+              <a:rPr lang="en-US" dirty="0" smtClean="0">
+                <a:hlinkClick r:id="rId6"/>
+              </a:rPr>
+              <a:t>Ask</a:t>
+            </a:r>
+            <a:endParaRPr lang="en-US" dirty="0" smtClean="0"/>
+          </a:p>
+          <a:p>
+            <a:pPr marL="342900" indent="-342900">
+              <a:buFont typeface="+mj-lt"/>
+              <a:buAutoNum type="arabicPeriod"/>
+            </a:pPr>
+            <a:r>
+              <a:rPr lang="en-US" dirty="0" smtClean="0">
+                <a:hlinkClick r:id="rId7"/>
+              </a:rPr>
+              <a:t>Design </a:t>
+            </a:r>
+            <a:r>
+              <a:rPr lang="en-US" dirty="0">
+                <a:hlinkClick r:id="rId7"/>
+              </a:rPr>
+              <a:t>by </a:t>
+            </a:r>
+            <a:r>
+              <a:rPr lang="en-US" dirty="0" smtClean="0">
+                <a:hlinkClick r:id="rId7"/>
+              </a:rPr>
+              <a:t>Contract</a:t>
+            </a:r>
+            <a:endParaRPr lang="en-US" dirty="0" smtClean="0"/>
+          </a:p>
+          <a:p>
+            <a:pPr marL="342900" indent="-342900">
+              <a:buFont typeface="+mj-lt"/>
+              <a:buAutoNum type="arabicPeriod"/>
+            </a:pPr>
+            <a:r>
+              <a:rPr lang="en-US" dirty="0" smtClean="0">
+                <a:hlinkClick r:id="rId8"/>
+              </a:rPr>
+              <a:t>Feature Envy</a:t>
+            </a:r>
+            <a:endParaRPr lang="en-US" dirty="0" smtClean="0"/>
+          </a:p>
+          <a:p>
+            <a:pPr marL="342900" indent="-342900">
+              <a:buFont typeface="+mj-lt"/>
+              <a:buAutoNum type="arabicPeriod"/>
+            </a:pPr>
+            <a:r>
+              <a:rPr lang="en-US" dirty="0" smtClean="0">
+                <a:hlinkClick r:id="rId9"/>
+              </a:rPr>
+              <a:t>Cohesion and Coupling</a:t>
+            </a:r>
+            <a:endParaRPr lang="en-US" dirty="0" smtClean="0"/>
+          </a:p>
+          <a:p>
+            <a:pPr marL="342900" indent="-342900">
+              <a:buFont typeface="+mj-lt"/>
+              <a:buAutoNum type="arabicPeriod"/>
+            </a:pPr>
+            <a:r>
+              <a:rPr lang="en-US" dirty="0" smtClean="0">
+                <a:hlinkClick r:id="rId10"/>
+              </a:rPr>
+              <a:t>Balanced </a:t>
+            </a:r>
+            <a:r>
+              <a:rPr lang="en-US" dirty="0">
+                <a:hlinkClick r:id="rId10"/>
+              </a:rPr>
+              <a:t>Abstraction </a:t>
+            </a:r>
+            <a:r>
+              <a:rPr lang="en-US" dirty="0" smtClean="0">
+                <a:hlinkClick r:id="rId10"/>
+              </a:rPr>
+              <a:t>Principle</a:t>
+            </a:r>
+            <a:endParaRPr lang="en-US" dirty="0" smtClean="0"/>
+          </a:p>
+        </p:txBody>
+      </p:sp>
+    </p:spTree>
+    <p:extLst>
+      <p:ext uri="{BB962C8B-B14F-4D97-AF65-F5344CB8AC3E}">
+        <p14:creationId xmlns:p14="http://schemas.microsoft.com/office/powerpoint/2010/main" val="2017735004"/>
+      </p:ext>
+    </p:extLst>
+  </p:cSld>
+  <p:clrMapOvr>
+    <a:masterClrMapping/>
+  </p:clrMapOvr>
+</p:sld>
+</file>
+
+<file path=ppt/slides/slide11.xml><?xml version="1.0" encoding="utf-8"?>
+<p:sld xmlns:a="http://schemas.openxmlformats.org/drawingml/2006/main" xmlns:r="http://schemas.openxmlformats.org/officeDocument/2006/relationships" xmlns:p="http://schemas.openxmlformats.org/presentationml/2006/main">
+  <p:cSld>
+    <p:spTree>
+      <p:nvGrpSpPr>
+        <p:cNvPr id="1" name=""/>
+        <p:cNvGrpSpPr/>
+        <p:nvPr/>
+      </p:nvGrpSpPr>
+      <p:grpSpPr>
+        <a:xfrm>
+          <a:off x="0" y="0"/>
+          <a:ext cx="0" cy="0"/>
+          <a:chOff x="0" y="0"/>
+          <a:chExt cx="0" cy="0"/>
+        </a:xfrm>
+      </p:grpSpPr>
+      <p:sp>
+        <p:nvSpPr>
+          <p:cNvPr id="2" name="TextBox 1"/>
+          <p:cNvSpPr txBox="1"/>
+          <p:nvPr/>
+        </p:nvSpPr>
+        <p:spPr>
+          <a:xfrm>
             <a:off x="1752600" y="2209800"/>
             <a:ext cx="5181483" cy="2431435"/>
           </a:xfrm>
@@ -7749,7 +8011,7 @@
 </p:sld>
 </file>
 
-<file path=ppt/slides/slide11.xml><?xml version="1.0" encoding="utf-8"?>
+<file path=ppt/slides/slide12.xml><?xml version="1.0" encoding="utf-8"?>
 <p:sld xmlns:a="http://schemas.openxmlformats.org/drawingml/2006/main" xmlns:r="http://schemas.openxmlformats.org/officeDocument/2006/relationships" xmlns:p="http://schemas.openxmlformats.org/presentationml/2006/main">
   <p:cSld>
     <p:spTree>

--- a/Documents/TDD Hands-On 1 .pptx
+++ b/Documents/TDD Hands-On 1 .pptx
@@ -8,15 +8,16 @@
     <p:sldId id="256" r:id="rId2"/>
     <p:sldId id="257" r:id="rId3"/>
     <p:sldId id="258" r:id="rId4"/>
-    <p:sldId id="261" r:id="rId5"/>
-    <p:sldId id="263" r:id="rId6"/>
-    <p:sldId id="259" r:id="rId7"/>
-    <p:sldId id="260" r:id="rId8"/>
-    <p:sldId id="264" r:id="rId9"/>
-    <p:sldId id="266" r:id="rId10"/>
-    <p:sldId id="267" r:id="rId11"/>
-    <p:sldId id="262" r:id="rId12"/>
-    <p:sldId id="265" r:id="rId13"/>
+    <p:sldId id="268" r:id="rId5"/>
+    <p:sldId id="261" r:id="rId6"/>
+    <p:sldId id="263" r:id="rId7"/>
+    <p:sldId id="259" r:id="rId8"/>
+    <p:sldId id="260" r:id="rId9"/>
+    <p:sldId id="264" r:id="rId10"/>
+    <p:sldId id="266" r:id="rId11"/>
+    <p:sldId id="267" r:id="rId12"/>
+    <p:sldId id="262" r:id="rId13"/>
+    <p:sldId id="265" r:id="rId14"/>
   </p:sldIdLst>
   <p:sldSz cx="9144000" cy="6858000" type="screen4x3"/>
   <p:notesSz cx="6858000" cy="9144000"/>
@@ -1040,11 +1041,18 @@
 <file path=ppt/diagrams/data1.xml><?xml version="1.0" encoding="utf-8"?>
 <dgm:dataModel xmlns:dgm="http://schemas.openxmlformats.org/drawingml/2006/diagram" xmlns:a="http://schemas.openxmlformats.org/drawingml/2006/main">
   <dgm:ptLst>
-    <dgm:pt modelId="{2AFA53FB-0114-459B-B792-39D3836956BA}" type="doc">
-      <dgm:prSet loTypeId="urn:microsoft.com/office/officeart/2005/8/layout/cycle8" loCatId="cycle" qsTypeId="urn:microsoft.com/office/officeart/2005/8/quickstyle/simple1" qsCatId="simple" csTypeId="urn:microsoft.com/office/officeart/2005/8/colors/colorful1" csCatId="colorful" phldr="1"/>
+    <dgm:pt modelId="{088F8D27-CA81-4F22-ABD6-A9CF5D4C571F}" type="doc">
+      <dgm:prSet loTypeId="urn:microsoft.com/office/officeart/2005/8/layout/cycle2" loCatId="cycle" qsTypeId="urn:microsoft.com/office/officeart/2005/8/quickstyle/simple1" qsCatId="simple" csTypeId="urn:microsoft.com/office/officeart/2005/8/colors/colorful1" csCatId="colorful" phldr="1"/>
       <dgm:spPr/>
+      <dgm:t>
+        <a:bodyPr/>
+        <a:lstStyle/>
+        <a:p>
+          <a:endParaRPr lang="en-US"/>
+        </a:p>
+      </dgm:t>
     </dgm:pt>
-    <dgm:pt modelId="{A71C0724-6FFE-43F7-80C3-81F43AE9BF8C}">
+    <dgm:pt modelId="{108CC56C-7A21-4DFF-A435-7E6942E02246}">
       <dgm:prSet phldrT="[Text]"/>
       <dgm:spPr/>
       <dgm:t>
@@ -1053,13 +1061,13 @@
         <a:p>
           <a:r>
             <a:rPr lang="en-US" dirty="0" smtClean="0"/>
-            <a:t>Test fails</a:t>
+            <a:t>Test Fails</a:t>
           </a:r>
           <a:endParaRPr lang="en-US" dirty="0"/>
         </a:p>
       </dgm:t>
     </dgm:pt>
-    <dgm:pt modelId="{65B2F3FE-7D8E-4C1A-B1D5-4396C9D352D3}" type="parTrans" cxnId="{B003D4B1-9A81-476F-97F6-85C1883E5892}">
+    <dgm:pt modelId="{47463D4A-E774-4862-993E-A4686BA0B580}" type="parTrans" cxnId="{8638B2D5-D376-44FD-92A0-A81B245512AF}">
       <dgm:prSet/>
       <dgm:spPr/>
       <dgm:t>
@@ -1070,7 +1078,7 @@
         </a:p>
       </dgm:t>
     </dgm:pt>
-    <dgm:pt modelId="{5EC3DF63-C2D3-4D2A-A465-E8FB749C9F8E}" type="sibTrans" cxnId="{B003D4B1-9A81-476F-97F6-85C1883E5892}">
+    <dgm:pt modelId="{C363D082-95BC-467F-B4C6-0FC0A13102E7}" type="sibTrans" cxnId="{8638B2D5-D376-44FD-92A0-A81B245512AF}">
       <dgm:prSet/>
       <dgm:spPr/>
       <dgm:t>
@@ -1081,7 +1089,7 @@
         </a:p>
       </dgm:t>
     </dgm:pt>
-    <dgm:pt modelId="{2259E1D0-5A37-4B12-BEF5-634804BAAEAC}">
+    <dgm:pt modelId="{6AB3C784-DC46-43E5-80BA-45657763A245}">
       <dgm:prSet phldrT="[Text]"/>
       <dgm:spPr/>
       <dgm:t>
@@ -1090,13 +1098,13 @@
         <a:p>
           <a:r>
             <a:rPr lang="en-US" dirty="0" smtClean="0"/>
-            <a:t>Test pass</a:t>
+            <a:t>Test Pass</a:t>
           </a:r>
           <a:endParaRPr lang="en-US" dirty="0"/>
         </a:p>
       </dgm:t>
     </dgm:pt>
-    <dgm:pt modelId="{58B6EB27-91F5-4F65-A090-023FDA2B11E9}" type="parTrans" cxnId="{BC27D08C-648A-4454-996D-A555C2B4D61E}">
+    <dgm:pt modelId="{624B7121-724D-4EAF-A936-9DEB9AA9881A}" type="parTrans" cxnId="{57C0C91A-F539-4D47-925C-CA21550EB780}">
       <dgm:prSet/>
       <dgm:spPr/>
       <dgm:t>
@@ -1107,7 +1115,7 @@
         </a:p>
       </dgm:t>
     </dgm:pt>
-    <dgm:pt modelId="{9D78C808-A498-46B2-A34F-3F3FA725FD11}" type="sibTrans" cxnId="{BC27D08C-648A-4454-996D-A555C2B4D61E}">
+    <dgm:pt modelId="{EC1F87A5-7F78-49D9-89E5-34154D87BE51}" type="sibTrans" cxnId="{57C0C91A-F539-4D47-925C-CA21550EB780}">
       <dgm:prSet/>
       <dgm:spPr/>
       <dgm:t>
@@ -1118,7 +1126,7 @@
         </a:p>
       </dgm:t>
     </dgm:pt>
-    <dgm:pt modelId="{BCEC4B10-4BFB-4A34-9550-B5EAEFD571C6}">
+    <dgm:pt modelId="{8ACC854E-63BA-437C-B0E3-2565E0163AB1}">
       <dgm:prSet phldrT="[Text]"/>
       <dgm:spPr/>
       <dgm:t>
@@ -1133,7 +1141,7 @@
         </a:p>
       </dgm:t>
     </dgm:pt>
-    <dgm:pt modelId="{FE4E3178-A828-4B8E-9DC4-4EB171DC511D}" type="parTrans" cxnId="{FDAA25DD-6CC3-49E2-ADD6-6466BBB8FEE9}">
+    <dgm:pt modelId="{9035DD44-758F-4E11-945E-2D4778AA4B95}" type="parTrans" cxnId="{C70BD8F1-D5DA-4E5F-9E24-EA7C14FB2B94}">
       <dgm:prSet/>
       <dgm:spPr/>
       <dgm:t>
@@ -1144,7 +1152,7 @@
         </a:p>
       </dgm:t>
     </dgm:pt>
-    <dgm:pt modelId="{6093CAC0-8F30-4B82-81A2-2B4CC13667D8}" type="sibTrans" cxnId="{FDAA25DD-6CC3-49E2-ADD6-6466BBB8FEE9}">
+    <dgm:pt modelId="{FC2FAA9F-5A53-4040-9466-ECD83D31014C}" type="sibTrans" cxnId="{C70BD8F1-D5DA-4E5F-9E24-EA7C14FB2B94}">
       <dgm:prSet/>
       <dgm:spPr/>
       <dgm:t>
@@ -1155,163 +1163,87 @@
         </a:p>
       </dgm:t>
     </dgm:pt>
-    <dgm:pt modelId="{4EA2B361-6414-4CC1-A307-C69B0114A7AD}" type="pres">
-      <dgm:prSet presAssocID="{2AFA53FB-0114-459B-B792-39D3836956BA}" presName="compositeShape" presStyleCnt="0">
+    <dgm:pt modelId="{16A903C0-EA40-4669-B855-5639904017EB}" type="pres">
+      <dgm:prSet presAssocID="{088F8D27-CA81-4F22-ABD6-A9CF5D4C571F}" presName="cycle" presStyleCnt="0">
         <dgm:presLayoutVars>
-          <dgm:chMax val="7"/>
           <dgm:dir/>
           <dgm:resizeHandles val="exact"/>
         </dgm:presLayoutVars>
       </dgm:prSet>
       <dgm:spPr/>
     </dgm:pt>
-    <dgm:pt modelId="{676862D0-EBEC-4FC4-9C8A-CEF48DBE5F03}" type="pres">
-      <dgm:prSet presAssocID="{2AFA53FB-0114-459B-B792-39D3836956BA}" presName="wedge1" presStyleLbl="node1" presStyleIdx="0" presStyleCnt="3"/>
-      <dgm:spPr/>
-      <dgm:t>
-        <a:bodyPr/>
-        <a:lstStyle/>
-        <a:p>
-          <a:endParaRPr lang="en-US"/>
-        </a:p>
-      </dgm:t>
-    </dgm:pt>
-    <dgm:pt modelId="{4ECE4D35-EB4C-49C3-A87E-3F2CBA2A1D33}" type="pres">
-      <dgm:prSet presAssocID="{2AFA53FB-0114-459B-B792-39D3836956BA}" presName="dummy1a" presStyleCnt="0"/>
-      <dgm:spPr/>
-    </dgm:pt>
-    <dgm:pt modelId="{04287C3D-9D89-4583-B520-577739B26370}" type="pres">
-      <dgm:prSet presAssocID="{2AFA53FB-0114-459B-B792-39D3836956BA}" presName="dummy1b" presStyleCnt="0"/>
-      <dgm:spPr/>
-    </dgm:pt>
-    <dgm:pt modelId="{E5E5540F-DF09-439A-A293-8BB84A30BD51}" type="pres">
-      <dgm:prSet presAssocID="{2AFA53FB-0114-459B-B792-39D3836956BA}" presName="wedge1Tx" presStyleLbl="node1" presStyleIdx="0" presStyleCnt="3">
+    <dgm:pt modelId="{0A17427C-4781-46C8-B07A-CD494530B945}" type="pres">
+      <dgm:prSet presAssocID="{108CC56C-7A21-4DFF-A435-7E6942E02246}" presName="node" presStyleLbl="node1" presStyleIdx="0" presStyleCnt="3">
         <dgm:presLayoutVars>
-          <dgm:chMax val="0"/>
-          <dgm:chPref val="0"/>
           <dgm:bulletEnabled val="1"/>
         </dgm:presLayoutVars>
       </dgm:prSet>
       <dgm:spPr/>
-      <dgm:t>
-        <a:bodyPr/>
-        <a:lstStyle/>
-        <a:p>
-          <a:endParaRPr lang="en-US"/>
-        </a:p>
-      </dgm:t>
     </dgm:pt>
-    <dgm:pt modelId="{25B22506-8E7D-4BD6-BAD8-692043626662}" type="pres">
-      <dgm:prSet presAssocID="{2AFA53FB-0114-459B-B792-39D3836956BA}" presName="wedge2" presStyleLbl="node1" presStyleIdx="1" presStyleCnt="3"/>
-      <dgm:spPr/>
-      <dgm:t>
-        <a:bodyPr/>
-        <a:lstStyle/>
-        <a:p>
-          <a:endParaRPr lang="en-US"/>
-        </a:p>
-      </dgm:t>
-    </dgm:pt>
-    <dgm:pt modelId="{D30029F7-AAF5-42BD-8C08-FA0714DE3636}" type="pres">
-      <dgm:prSet presAssocID="{2AFA53FB-0114-459B-B792-39D3836956BA}" presName="dummy2a" presStyleCnt="0"/>
+    <dgm:pt modelId="{8C839A50-C260-43B7-A8F8-EF25EE470A14}" type="pres">
+      <dgm:prSet presAssocID="{C363D082-95BC-467F-B4C6-0FC0A13102E7}" presName="sibTrans" presStyleLbl="sibTrans2D1" presStyleIdx="0" presStyleCnt="3"/>
       <dgm:spPr/>
     </dgm:pt>
-    <dgm:pt modelId="{14730734-474B-4F5C-A051-6134200955AE}" type="pres">
-      <dgm:prSet presAssocID="{2AFA53FB-0114-459B-B792-39D3836956BA}" presName="dummy2b" presStyleCnt="0"/>
+    <dgm:pt modelId="{2AA0C42B-1BD0-473C-9ADA-DB16E6CC2156}" type="pres">
+      <dgm:prSet presAssocID="{C363D082-95BC-467F-B4C6-0FC0A13102E7}" presName="connectorText" presStyleLbl="sibTrans2D1" presStyleIdx="0" presStyleCnt="3"/>
       <dgm:spPr/>
     </dgm:pt>
-    <dgm:pt modelId="{52DD05EB-5BF8-4B42-A3E2-662D6E6B532A}" type="pres">
-      <dgm:prSet presAssocID="{2AFA53FB-0114-459B-B792-39D3836956BA}" presName="wedge2Tx" presStyleLbl="node1" presStyleIdx="1" presStyleCnt="3">
+    <dgm:pt modelId="{A9A5CDA1-8A36-4A69-82E9-A067F2907557}" type="pres">
+      <dgm:prSet presAssocID="{6AB3C784-DC46-43E5-80BA-45657763A245}" presName="node" presStyleLbl="node1" presStyleIdx="1" presStyleCnt="3">
         <dgm:presLayoutVars>
-          <dgm:chMax val="0"/>
-          <dgm:chPref val="0"/>
           <dgm:bulletEnabled val="1"/>
         </dgm:presLayoutVars>
       </dgm:prSet>
       <dgm:spPr/>
-      <dgm:t>
-        <a:bodyPr/>
-        <a:lstStyle/>
-        <a:p>
-          <a:endParaRPr lang="en-US"/>
-        </a:p>
-      </dgm:t>
     </dgm:pt>
-    <dgm:pt modelId="{C2D73D76-0D03-4311-AD22-2A7E8C1EECAC}" type="pres">
-      <dgm:prSet presAssocID="{2AFA53FB-0114-459B-B792-39D3836956BA}" presName="wedge3" presStyleLbl="node1" presStyleIdx="2" presStyleCnt="3"/>
-      <dgm:spPr/>
-      <dgm:t>
-        <a:bodyPr/>
-        <a:lstStyle/>
-        <a:p>
-          <a:endParaRPr lang="en-US"/>
-        </a:p>
-      </dgm:t>
-    </dgm:pt>
-    <dgm:pt modelId="{A4DA0001-ACEA-4118-8F42-5BA8E689AF43}" type="pres">
-      <dgm:prSet presAssocID="{2AFA53FB-0114-459B-B792-39D3836956BA}" presName="dummy3a" presStyleCnt="0"/>
+    <dgm:pt modelId="{5313E64F-AF46-4515-81C1-0C1DF6B794A8}" type="pres">
+      <dgm:prSet presAssocID="{EC1F87A5-7F78-49D9-89E5-34154D87BE51}" presName="sibTrans" presStyleLbl="sibTrans2D1" presStyleIdx="1" presStyleCnt="3"/>
       <dgm:spPr/>
     </dgm:pt>
-    <dgm:pt modelId="{DC39F1FF-54AF-4814-8AA2-C7820EBFE443}" type="pres">
-      <dgm:prSet presAssocID="{2AFA53FB-0114-459B-B792-39D3836956BA}" presName="dummy3b" presStyleCnt="0"/>
+    <dgm:pt modelId="{E1F1EBCB-D6CE-40C1-BD00-A726F9F029C5}" type="pres">
+      <dgm:prSet presAssocID="{EC1F87A5-7F78-49D9-89E5-34154D87BE51}" presName="connectorText" presStyleLbl="sibTrans2D1" presStyleIdx="1" presStyleCnt="3"/>
       <dgm:spPr/>
     </dgm:pt>
-    <dgm:pt modelId="{9A72FB9E-12FB-4300-9853-CA8A6F278D75}" type="pres">
-      <dgm:prSet presAssocID="{2AFA53FB-0114-459B-B792-39D3836956BA}" presName="wedge3Tx" presStyleLbl="node1" presStyleIdx="2" presStyleCnt="3">
+    <dgm:pt modelId="{274B6E7F-3C32-4F88-B766-0AFACB4B06E6}" type="pres">
+      <dgm:prSet presAssocID="{8ACC854E-63BA-437C-B0E3-2565E0163AB1}" presName="node" presStyleLbl="node1" presStyleIdx="2" presStyleCnt="3">
         <dgm:presLayoutVars>
-          <dgm:chMax val="0"/>
-          <dgm:chPref val="0"/>
           <dgm:bulletEnabled val="1"/>
         </dgm:presLayoutVars>
       </dgm:prSet>
       <dgm:spPr/>
-      <dgm:t>
-        <a:bodyPr/>
-        <a:lstStyle/>
-        <a:p>
-          <a:endParaRPr lang="en-US"/>
-        </a:p>
-      </dgm:t>
     </dgm:pt>
-    <dgm:pt modelId="{F8CAD7B6-C56B-48BE-8CA8-89DA08596786}" type="pres">
-      <dgm:prSet presAssocID="{5EC3DF63-C2D3-4D2A-A465-E8FB749C9F8E}" presName="arrowWedge1" presStyleLbl="fgSibTrans2D1" presStyleIdx="0" presStyleCnt="3"/>
+    <dgm:pt modelId="{AEE51F35-DEBD-4721-98F4-A03A6F536AEA}" type="pres">
+      <dgm:prSet presAssocID="{FC2FAA9F-5A53-4040-9466-ECD83D31014C}" presName="sibTrans" presStyleLbl="sibTrans2D1" presStyleIdx="2" presStyleCnt="3"/>
       <dgm:spPr/>
     </dgm:pt>
-    <dgm:pt modelId="{C12CB9BD-0CA2-4E59-8BBE-AA629003E438}" type="pres">
-      <dgm:prSet presAssocID="{9D78C808-A498-46B2-A34F-3F3FA725FD11}" presName="arrowWedge2" presStyleLbl="fgSibTrans2D1" presStyleIdx="1" presStyleCnt="3"/>
-      <dgm:spPr/>
-    </dgm:pt>
-    <dgm:pt modelId="{AC52E5E9-F7AD-4F47-BCBC-6E8F4A207509}" type="pres">
-      <dgm:prSet presAssocID="{6093CAC0-8F30-4B82-81A2-2B4CC13667D8}" presName="arrowWedge3" presStyleLbl="fgSibTrans2D1" presStyleIdx="2" presStyleCnt="3"/>
+    <dgm:pt modelId="{C29A07AE-89F8-4AAF-A0A5-879FE4297CA8}" type="pres">
+      <dgm:prSet presAssocID="{FC2FAA9F-5A53-4040-9466-ECD83D31014C}" presName="connectorText" presStyleLbl="sibTrans2D1" presStyleIdx="2" presStyleCnt="3"/>
       <dgm:spPr/>
     </dgm:pt>
   </dgm:ptLst>
   <dgm:cxnLst>
-    <dgm:cxn modelId="{FA62F1F5-9FD3-4DCB-95BC-E990234AE65C}" type="presOf" srcId="{2259E1D0-5A37-4B12-BEF5-634804BAAEAC}" destId="{25B22506-8E7D-4BD6-BAD8-692043626662}" srcOrd="0" destOrd="0" presId="urn:microsoft.com/office/officeart/2005/8/layout/cycle8"/>
-    <dgm:cxn modelId="{5F2D4070-CC19-4DC0-9BC2-C66864127698}" type="presOf" srcId="{A71C0724-6FFE-43F7-80C3-81F43AE9BF8C}" destId="{676862D0-EBEC-4FC4-9C8A-CEF48DBE5F03}" srcOrd="0" destOrd="0" presId="urn:microsoft.com/office/officeart/2005/8/layout/cycle8"/>
-    <dgm:cxn modelId="{AEACE70B-E9C3-4A14-AE20-7C6AEA038C9B}" type="presOf" srcId="{BCEC4B10-4BFB-4A34-9550-B5EAEFD571C6}" destId="{C2D73D76-0D03-4311-AD22-2A7E8C1EECAC}" srcOrd="0" destOrd="0" presId="urn:microsoft.com/office/officeart/2005/8/layout/cycle8"/>
-    <dgm:cxn modelId="{2B75FF5B-5449-42B4-B336-2DE72EB7A8FA}" type="presOf" srcId="{A71C0724-6FFE-43F7-80C3-81F43AE9BF8C}" destId="{E5E5540F-DF09-439A-A293-8BB84A30BD51}" srcOrd="1" destOrd="0" presId="urn:microsoft.com/office/officeart/2005/8/layout/cycle8"/>
-    <dgm:cxn modelId="{FDAA25DD-6CC3-49E2-ADD6-6466BBB8FEE9}" srcId="{2AFA53FB-0114-459B-B792-39D3836956BA}" destId="{BCEC4B10-4BFB-4A34-9550-B5EAEFD571C6}" srcOrd="2" destOrd="0" parTransId="{FE4E3178-A828-4B8E-9DC4-4EB171DC511D}" sibTransId="{6093CAC0-8F30-4B82-81A2-2B4CC13667D8}"/>
-    <dgm:cxn modelId="{455C4D85-3413-4543-B189-6B681C8F8470}" type="presOf" srcId="{2AFA53FB-0114-459B-B792-39D3836956BA}" destId="{4EA2B361-6414-4CC1-A307-C69B0114A7AD}" srcOrd="0" destOrd="0" presId="urn:microsoft.com/office/officeart/2005/8/layout/cycle8"/>
-    <dgm:cxn modelId="{BC27D08C-648A-4454-996D-A555C2B4D61E}" srcId="{2AFA53FB-0114-459B-B792-39D3836956BA}" destId="{2259E1D0-5A37-4B12-BEF5-634804BAAEAC}" srcOrd="1" destOrd="0" parTransId="{58B6EB27-91F5-4F65-A090-023FDA2B11E9}" sibTransId="{9D78C808-A498-46B2-A34F-3F3FA725FD11}"/>
-    <dgm:cxn modelId="{250AB928-63E3-42B9-A0DE-C44A71EC99F3}" type="presOf" srcId="{BCEC4B10-4BFB-4A34-9550-B5EAEFD571C6}" destId="{9A72FB9E-12FB-4300-9853-CA8A6F278D75}" srcOrd="1" destOrd="0" presId="urn:microsoft.com/office/officeart/2005/8/layout/cycle8"/>
-    <dgm:cxn modelId="{B003D4B1-9A81-476F-97F6-85C1883E5892}" srcId="{2AFA53FB-0114-459B-B792-39D3836956BA}" destId="{A71C0724-6FFE-43F7-80C3-81F43AE9BF8C}" srcOrd="0" destOrd="0" parTransId="{65B2F3FE-7D8E-4C1A-B1D5-4396C9D352D3}" sibTransId="{5EC3DF63-C2D3-4D2A-A465-E8FB749C9F8E}"/>
-    <dgm:cxn modelId="{01372AFF-82F5-42D0-A224-BB4C028F5499}" type="presOf" srcId="{2259E1D0-5A37-4B12-BEF5-634804BAAEAC}" destId="{52DD05EB-5BF8-4B42-A3E2-662D6E6B532A}" srcOrd="1" destOrd="0" presId="urn:microsoft.com/office/officeart/2005/8/layout/cycle8"/>
-    <dgm:cxn modelId="{5DF2F1FD-A203-4E5E-B970-FC3BBEA1BB86}" type="presParOf" srcId="{4EA2B361-6414-4CC1-A307-C69B0114A7AD}" destId="{676862D0-EBEC-4FC4-9C8A-CEF48DBE5F03}" srcOrd="0" destOrd="0" presId="urn:microsoft.com/office/officeart/2005/8/layout/cycle8"/>
-    <dgm:cxn modelId="{F6676A13-3832-49DD-817B-FE65BA3710FA}" type="presParOf" srcId="{4EA2B361-6414-4CC1-A307-C69B0114A7AD}" destId="{4ECE4D35-EB4C-49C3-A87E-3F2CBA2A1D33}" srcOrd="1" destOrd="0" presId="urn:microsoft.com/office/officeart/2005/8/layout/cycle8"/>
-    <dgm:cxn modelId="{34ADA83E-9231-4210-A5D1-BE3089469DA0}" type="presParOf" srcId="{4EA2B361-6414-4CC1-A307-C69B0114A7AD}" destId="{04287C3D-9D89-4583-B520-577739B26370}" srcOrd="2" destOrd="0" presId="urn:microsoft.com/office/officeart/2005/8/layout/cycle8"/>
-    <dgm:cxn modelId="{DE4B05E4-64AB-4026-BF0C-8B7D196E47C4}" type="presParOf" srcId="{4EA2B361-6414-4CC1-A307-C69B0114A7AD}" destId="{E5E5540F-DF09-439A-A293-8BB84A30BD51}" srcOrd="3" destOrd="0" presId="urn:microsoft.com/office/officeart/2005/8/layout/cycle8"/>
-    <dgm:cxn modelId="{CF6AEF66-52ED-42F9-ACE5-B2A1FF85F640}" type="presParOf" srcId="{4EA2B361-6414-4CC1-A307-C69B0114A7AD}" destId="{25B22506-8E7D-4BD6-BAD8-692043626662}" srcOrd="4" destOrd="0" presId="urn:microsoft.com/office/officeart/2005/8/layout/cycle8"/>
-    <dgm:cxn modelId="{BEFA2E52-3218-4C10-9E8E-300510F55108}" type="presParOf" srcId="{4EA2B361-6414-4CC1-A307-C69B0114A7AD}" destId="{D30029F7-AAF5-42BD-8C08-FA0714DE3636}" srcOrd="5" destOrd="0" presId="urn:microsoft.com/office/officeart/2005/8/layout/cycle8"/>
-    <dgm:cxn modelId="{A28D3944-8D67-4660-8EEB-E8674E40E98A}" type="presParOf" srcId="{4EA2B361-6414-4CC1-A307-C69B0114A7AD}" destId="{14730734-474B-4F5C-A051-6134200955AE}" srcOrd="6" destOrd="0" presId="urn:microsoft.com/office/officeart/2005/8/layout/cycle8"/>
-    <dgm:cxn modelId="{8980FDBF-1109-416A-B371-D5B8E11BC228}" type="presParOf" srcId="{4EA2B361-6414-4CC1-A307-C69B0114A7AD}" destId="{52DD05EB-5BF8-4B42-A3E2-662D6E6B532A}" srcOrd="7" destOrd="0" presId="urn:microsoft.com/office/officeart/2005/8/layout/cycle8"/>
-    <dgm:cxn modelId="{A164993F-E220-4AFE-8423-FD581686F42B}" type="presParOf" srcId="{4EA2B361-6414-4CC1-A307-C69B0114A7AD}" destId="{C2D73D76-0D03-4311-AD22-2A7E8C1EECAC}" srcOrd="8" destOrd="0" presId="urn:microsoft.com/office/officeart/2005/8/layout/cycle8"/>
-    <dgm:cxn modelId="{A3F066B6-B6CD-4EA0-AD31-F254FAF3A5EB}" type="presParOf" srcId="{4EA2B361-6414-4CC1-A307-C69B0114A7AD}" destId="{A4DA0001-ACEA-4118-8F42-5BA8E689AF43}" srcOrd="9" destOrd="0" presId="urn:microsoft.com/office/officeart/2005/8/layout/cycle8"/>
-    <dgm:cxn modelId="{50E50180-4894-4700-8E91-CBCC63DE47C0}" type="presParOf" srcId="{4EA2B361-6414-4CC1-A307-C69B0114A7AD}" destId="{DC39F1FF-54AF-4814-8AA2-C7820EBFE443}" srcOrd="10" destOrd="0" presId="urn:microsoft.com/office/officeart/2005/8/layout/cycle8"/>
-    <dgm:cxn modelId="{89F90149-D2AD-46E4-8C71-61D9991C68E9}" type="presParOf" srcId="{4EA2B361-6414-4CC1-A307-C69B0114A7AD}" destId="{9A72FB9E-12FB-4300-9853-CA8A6F278D75}" srcOrd="11" destOrd="0" presId="urn:microsoft.com/office/officeart/2005/8/layout/cycle8"/>
-    <dgm:cxn modelId="{A16375B8-589E-4C8C-82E2-D03B4392E56C}" type="presParOf" srcId="{4EA2B361-6414-4CC1-A307-C69B0114A7AD}" destId="{F8CAD7B6-C56B-48BE-8CA8-89DA08596786}" srcOrd="12" destOrd="0" presId="urn:microsoft.com/office/officeart/2005/8/layout/cycle8"/>
-    <dgm:cxn modelId="{3DBBE70B-C435-497B-9119-98260BC9635B}" type="presParOf" srcId="{4EA2B361-6414-4CC1-A307-C69B0114A7AD}" destId="{C12CB9BD-0CA2-4E59-8BBE-AA629003E438}" srcOrd="13" destOrd="0" presId="urn:microsoft.com/office/officeart/2005/8/layout/cycle8"/>
-    <dgm:cxn modelId="{D4FA67BD-A569-4538-A6B1-9354666A98FF}" type="presParOf" srcId="{4EA2B361-6414-4CC1-A307-C69B0114A7AD}" destId="{AC52E5E9-F7AD-4F47-BCBC-6E8F4A207509}" srcOrd="14" destOrd="0" presId="urn:microsoft.com/office/officeart/2005/8/layout/cycle8"/>
+    <dgm:cxn modelId="{995F3FC7-9BB1-48D2-9A0C-C1DCF2999DBE}" type="presOf" srcId="{088F8D27-CA81-4F22-ABD6-A9CF5D4C571F}" destId="{16A903C0-EA40-4669-B855-5639904017EB}" srcOrd="0" destOrd="0" presId="urn:microsoft.com/office/officeart/2005/8/layout/cycle2"/>
+    <dgm:cxn modelId="{F67A3B64-57D4-4343-8A22-F704E05CB4DF}" type="presOf" srcId="{FC2FAA9F-5A53-4040-9466-ECD83D31014C}" destId="{C29A07AE-89F8-4AAF-A0A5-879FE4297CA8}" srcOrd="1" destOrd="0" presId="urn:microsoft.com/office/officeart/2005/8/layout/cycle2"/>
+    <dgm:cxn modelId="{39E090FA-FD5C-4A61-9282-FC5ECB8D602D}" type="presOf" srcId="{6AB3C784-DC46-43E5-80BA-45657763A245}" destId="{A9A5CDA1-8A36-4A69-82E9-A067F2907557}" srcOrd="0" destOrd="0" presId="urn:microsoft.com/office/officeart/2005/8/layout/cycle2"/>
+    <dgm:cxn modelId="{0B5830C2-CD37-4233-8939-2848F827AF5C}" type="presOf" srcId="{8ACC854E-63BA-437C-B0E3-2565E0163AB1}" destId="{274B6E7F-3C32-4F88-B766-0AFACB4B06E6}" srcOrd="0" destOrd="0" presId="urn:microsoft.com/office/officeart/2005/8/layout/cycle2"/>
+    <dgm:cxn modelId="{DC957AB4-2CDB-40A3-BD8C-8ECD5CC3E946}" type="presOf" srcId="{EC1F87A5-7F78-49D9-89E5-34154D87BE51}" destId="{E1F1EBCB-D6CE-40C1-BD00-A726F9F029C5}" srcOrd="1" destOrd="0" presId="urn:microsoft.com/office/officeart/2005/8/layout/cycle2"/>
+    <dgm:cxn modelId="{525D04E3-F7EB-4EEE-B4E1-1FDF98B8FE4B}" type="presOf" srcId="{C363D082-95BC-467F-B4C6-0FC0A13102E7}" destId="{2AA0C42B-1BD0-473C-9ADA-DB16E6CC2156}" srcOrd="1" destOrd="0" presId="urn:microsoft.com/office/officeart/2005/8/layout/cycle2"/>
+    <dgm:cxn modelId="{C70BD8F1-D5DA-4E5F-9E24-EA7C14FB2B94}" srcId="{088F8D27-CA81-4F22-ABD6-A9CF5D4C571F}" destId="{8ACC854E-63BA-437C-B0E3-2565E0163AB1}" srcOrd="2" destOrd="0" parTransId="{9035DD44-758F-4E11-945E-2D4778AA4B95}" sibTransId="{FC2FAA9F-5A53-4040-9466-ECD83D31014C}"/>
+    <dgm:cxn modelId="{81507927-BF86-4AA7-8BC6-F32C8E1520E6}" type="presOf" srcId="{EC1F87A5-7F78-49D9-89E5-34154D87BE51}" destId="{5313E64F-AF46-4515-81C1-0C1DF6B794A8}" srcOrd="0" destOrd="0" presId="urn:microsoft.com/office/officeart/2005/8/layout/cycle2"/>
+    <dgm:cxn modelId="{9EA3A9FB-E6F2-46C8-AB97-0EFB255E73F4}" type="presOf" srcId="{108CC56C-7A21-4DFF-A435-7E6942E02246}" destId="{0A17427C-4781-46C8-B07A-CD494530B945}" srcOrd="0" destOrd="0" presId="urn:microsoft.com/office/officeart/2005/8/layout/cycle2"/>
+    <dgm:cxn modelId="{7D38712D-321D-4E50-8331-23842EC46480}" type="presOf" srcId="{C363D082-95BC-467F-B4C6-0FC0A13102E7}" destId="{8C839A50-C260-43B7-A8F8-EF25EE470A14}" srcOrd="0" destOrd="0" presId="urn:microsoft.com/office/officeart/2005/8/layout/cycle2"/>
+    <dgm:cxn modelId="{3AB8DEFC-8F37-4D6A-8692-DBF85A072C51}" type="presOf" srcId="{FC2FAA9F-5A53-4040-9466-ECD83D31014C}" destId="{AEE51F35-DEBD-4721-98F4-A03A6F536AEA}" srcOrd="0" destOrd="0" presId="urn:microsoft.com/office/officeart/2005/8/layout/cycle2"/>
+    <dgm:cxn modelId="{57C0C91A-F539-4D47-925C-CA21550EB780}" srcId="{088F8D27-CA81-4F22-ABD6-A9CF5D4C571F}" destId="{6AB3C784-DC46-43E5-80BA-45657763A245}" srcOrd="1" destOrd="0" parTransId="{624B7121-724D-4EAF-A936-9DEB9AA9881A}" sibTransId="{EC1F87A5-7F78-49D9-89E5-34154D87BE51}"/>
+    <dgm:cxn modelId="{8638B2D5-D376-44FD-92A0-A81B245512AF}" srcId="{088F8D27-CA81-4F22-ABD6-A9CF5D4C571F}" destId="{108CC56C-7A21-4DFF-A435-7E6942E02246}" srcOrd="0" destOrd="0" parTransId="{47463D4A-E774-4862-993E-A4686BA0B580}" sibTransId="{C363D082-95BC-467F-B4C6-0FC0A13102E7}"/>
+    <dgm:cxn modelId="{0120DCAF-F67E-4096-AAF4-008649817E3E}" type="presParOf" srcId="{16A903C0-EA40-4669-B855-5639904017EB}" destId="{0A17427C-4781-46C8-B07A-CD494530B945}" srcOrd="0" destOrd="0" presId="urn:microsoft.com/office/officeart/2005/8/layout/cycle2"/>
+    <dgm:cxn modelId="{ECD720CE-4795-4E28-942B-EAC463ED585E}" type="presParOf" srcId="{16A903C0-EA40-4669-B855-5639904017EB}" destId="{8C839A50-C260-43B7-A8F8-EF25EE470A14}" srcOrd="1" destOrd="0" presId="urn:microsoft.com/office/officeart/2005/8/layout/cycle2"/>
+    <dgm:cxn modelId="{5051135B-C181-419D-B371-E5A587866FA4}" type="presParOf" srcId="{8C839A50-C260-43B7-A8F8-EF25EE470A14}" destId="{2AA0C42B-1BD0-473C-9ADA-DB16E6CC2156}" srcOrd="0" destOrd="0" presId="urn:microsoft.com/office/officeart/2005/8/layout/cycle2"/>
+    <dgm:cxn modelId="{DD5049BC-A44B-4135-A763-9EBD94DDAFCF}" type="presParOf" srcId="{16A903C0-EA40-4669-B855-5639904017EB}" destId="{A9A5CDA1-8A36-4A69-82E9-A067F2907557}" srcOrd="2" destOrd="0" presId="urn:microsoft.com/office/officeart/2005/8/layout/cycle2"/>
+    <dgm:cxn modelId="{958C8EBE-2E59-4647-816C-ED2EC30E06D5}" type="presParOf" srcId="{16A903C0-EA40-4669-B855-5639904017EB}" destId="{5313E64F-AF46-4515-81C1-0C1DF6B794A8}" srcOrd="3" destOrd="0" presId="urn:microsoft.com/office/officeart/2005/8/layout/cycle2"/>
+    <dgm:cxn modelId="{86E812BD-A442-4C4A-AB39-174792BEDD01}" type="presParOf" srcId="{5313E64F-AF46-4515-81C1-0C1DF6B794A8}" destId="{E1F1EBCB-D6CE-40C1-BD00-A726F9F029C5}" srcOrd="0" destOrd="0" presId="urn:microsoft.com/office/officeart/2005/8/layout/cycle2"/>
+    <dgm:cxn modelId="{70DB9C19-E7EC-4F7A-A2D0-5ABE5621C227}" type="presParOf" srcId="{16A903C0-EA40-4669-B855-5639904017EB}" destId="{274B6E7F-3C32-4F88-B766-0AFACB4B06E6}" srcOrd="4" destOrd="0" presId="urn:microsoft.com/office/officeart/2005/8/layout/cycle2"/>
+    <dgm:cxn modelId="{C2B58D5E-0B77-47C5-91E1-C8DE88C937D1}" type="presParOf" srcId="{16A903C0-EA40-4669-B855-5639904017EB}" destId="{AEE51F35-DEBD-4721-98F4-A03A6F536AEA}" srcOrd="5" destOrd="0" presId="urn:microsoft.com/office/officeart/2005/8/layout/cycle2"/>
+    <dgm:cxn modelId="{5CB01099-6088-4ADD-B270-765C8CE072D3}" type="presParOf" srcId="{AEE51F35-DEBD-4721-98F4-A03A6F536AEA}" destId="{C29A07AE-89F8-4AAF-A0A5-879FE4297CA8}" srcOrd="0" destOrd="0" presId="urn:microsoft.com/office/officeart/2005/8/layout/cycle2"/>
   </dgm:cxnLst>
   <dgm:bg/>
   <dgm:whole/>
@@ -1331,21 +1263,18 @@
       <dsp:cNvGrpSpPr/>
     </dsp:nvGrpSpPr>
     <dsp:grpSpPr/>
-    <dsp:sp modelId="{676862D0-EBEC-4FC4-9C8A-CEF48DBE5F03}">
+    <dsp:sp modelId="{0A17427C-4781-46C8-B07A-CD494530B945}">
       <dsp:nvSpPr>
         <dsp:cNvPr id="0" name=""/>
         <dsp:cNvSpPr/>
       </dsp:nvSpPr>
       <dsp:spPr>
         <a:xfrm>
-          <a:off x="1411427" y="264159"/>
-          <a:ext cx="3413760" cy="3413760"/>
+          <a:off x="2165449" y="606"/>
+          <a:ext cx="1765101" cy="1765101"/>
         </a:xfrm>
-        <a:prstGeom prst="pie">
-          <a:avLst>
-            <a:gd name="adj1" fmla="val 16200000"/>
-            <a:gd name="adj2" fmla="val 1800000"/>
-          </a:avLst>
+        <a:prstGeom prst="ellipse">
+          <a:avLst/>
         </a:prstGeom>
         <a:solidFill>
           <a:schemeClr val="accent2">
@@ -1383,12 +1312,12 @@
         </a:fontRef>
       </dsp:style>
       <dsp:txBody>
-        <a:bodyPr spcFirstLastPara="0" vert="horz" wrap="square" lIns="33020" tIns="33020" rIns="33020" bIns="33020" numCol="1" spcCol="1270" anchor="ctr" anchorCtr="0">
+        <a:bodyPr spcFirstLastPara="0" vert="horz" wrap="square" lIns="34290" tIns="34290" rIns="34290" bIns="34290" numCol="1" spcCol="1270" anchor="ctr" anchorCtr="0">
           <a:noAutofit/>
         </a:bodyPr>
         <a:lstStyle/>
         <a:p>
-          <a:pPr lvl="0" algn="ctr" defTabSz="1155700">
+          <a:pPr lvl="0" algn="ctr" defTabSz="1200150">
             <a:lnSpc>
               <a:spcPct val="90000"/>
             </a:lnSpc>
@@ -1400,32 +1329,97 @@
             </a:spcAft>
           </a:pPr>
           <a:r>
-            <a:rPr lang="en-US" sz="2600" kern="1200" dirty="0" smtClean="0"/>
-            <a:t>Test fails</a:t>
+            <a:rPr lang="en-US" sz="2700" kern="1200" dirty="0" smtClean="0"/>
+            <a:t>Test Fails</a:t>
           </a:r>
-          <a:endParaRPr lang="en-US" sz="2600" kern="1200" dirty="0"/>
+          <a:endParaRPr lang="en-US" sz="2700" kern="1200" dirty="0"/>
         </a:p>
       </dsp:txBody>
       <dsp:txXfrm>
-        <a:off x="3210560" y="987551"/>
-        <a:ext cx="1219200" cy="1016000"/>
+        <a:off x="2423942" y="259099"/>
+        <a:ext cx="1248115" cy="1248115"/>
       </dsp:txXfrm>
     </dsp:sp>
-    <dsp:sp modelId="{25B22506-8E7D-4BD6-BAD8-692043626662}">
+    <dsp:sp modelId="{8C839A50-C260-43B7-A8F8-EF25EE470A14}">
+      <dsp:nvSpPr>
+        <dsp:cNvPr id="0" name=""/>
+        <dsp:cNvSpPr/>
+      </dsp:nvSpPr>
+      <dsp:spPr>
+        <a:xfrm rot="3600000">
+          <a:off x="3469294" y="1722603"/>
+          <a:ext cx="470660" cy="595721"/>
+        </a:xfrm>
+        <a:prstGeom prst="rightArrow">
+          <a:avLst>
+            <a:gd name="adj1" fmla="val 60000"/>
+            <a:gd name="adj2" fmla="val 50000"/>
+          </a:avLst>
+        </a:prstGeom>
+        <a:solidFill>
+          <a:schemeClr val="accent2">
+            <a:hueOff val="0"/>
+            <a:satOff val="0"/>
+            <a:lumOff val="0"/>
+            <a:alphaOff val="0"/>
+          </a:schemeClr>
+        </a:solidFill>
+        <a:ln>
+          <a:noFill/>
+        </a:ln>
+        <a:effectLst/>
+      </dsp:spPr>
+      <dsp:style>
+        <a:lnRef idx="0">
+          <a:scrgbClr r="0" g="0" b="0"/>
+        </a:lnRef>
+        <a:fillRef idx="1">
+          <a:scrgbClr r="0" g="0" b="0"/>
+        </a:fillRef>
+        <a:effectRef idx="0">
+          <a:scrgbClr r="0" g="0" b="0"/>
+        </a:effectRef>
+        <a:fontRef idx="minor">
+          <a:schemeClr val="lt1"/>
+        </a:fontRef>
+      </dsp:style>
+      <dsp:txBody>
+        <a:bodyPr spcFirstLastPara="0" vert="horz" wrap="square" lIns="0" tIns="0" rIns="0" bIns="0" numCol="1" spcCol="1270" anchor="ctr" anchorCtr="0">
+          <a:noAutofit/>
+        </a:bodyPr>
+        <a:lstStyle/>
+        <a:p>
+          <a:pPr lvl="0" algn="ctr" defTabSz="977900">
+            <a:lnSpc>
+              <a:spcPct val="90000"/>
+            </a:lnSpc>
+            <a:spcBef>
+              <a:spcPct val="0"/>
+            </a:spcBef>
+            <a:spcAft>
+              <a:spcPct val="35000"/>
+            </a:spcAft>
+          </a:pPr>
+          <a:endParaRPr lang="en-US" sz="2200" kern="1200"/>
+        </a:p>
+      </dsp:txBody>
+      <dsp:txXfrm>
+        <a:off x="3504594" y="1780606"/>
+        <a:ext cx="329462" cy="357433"/>
+      </dsp:txXfrm>
+    </dsp:sp>
+    <dsp:sp modelId="{A9A5CDA1-8A36-4A69-82E9-A067F2907557}">
       <dsp:nvSpPr>
         <dsp:cNvPr id="0" name=""/>
         <dsp:cNvSpPr/>
       </dsp:nvSpPr>
       <dsp:spPr>
         <a:xfrm>
-          <a:off x="1341120" y="386079"/>
-          <a:ext cx="3413760" cy="3413760"/>
+          <a:off x="3492018" y="2298292"/>
+          <a:ext cx="1765101" cy="1765101"/>
         </a:xfrm>
-        <a:prstGeom prst="pie">
-          <a:avLst>
-            <a:gd name="adj1" fmla="val 1800000"/>
-            <a:gd name="adj2" fmla="val 9000000"/>
-          </a:avLst>
+        <a:prstGeom prst="ellipse">
+          <a:avLst/>
         </a:prstGeom>
         <a:solidFill>
           <a:schemeClr val="accent3">
@@ -1463,12 +1457,12 @@
         </a:fontRef>
       </dsp:style>
       <dsp:txBody>
-        <a:bodyPr spcFirstLastPara="0" vert="horz" wrap="square" lIns="33020" tIns="33020" rIns="33020" bIns="33020" numCol="1" spcCol="1270" anchor="ctr" anchorCtr="0">
+        <a:bodyPr spcFirstLastPara="0" vert="horz" wrap="square" lIns="34290" tIns="34290" rIns="34290" bIns="34290" numCol="1" spcCol="1270" anchor="ctr" anchorCtr="0">
           <a:noAutofit/>
         </a:bodyPr>
         <a:lstStyle/>
         <a:p>
-          <a:pPr lvl="0" algn="ctr" defTabSz="1155700">
+          <a:pPr lvl="0" algn="ctr" defTabSz="1200150">
             <a:lnSpc>
               <a:spcPct val="90000"/>
             </a:lnSpc>
@@ -1480,32 +1474,97 @@
             </a:spcAft>
           </a:pPr>
           <a:r>
-            <a:rPr lang="en-US" sz="2600" kern="1200" dirty="0" smtClean="0"/>
-            <a:t>Test pass</a:t>
+            <a:rPr lang="en-US" sz="2700" kern="1200" dirty="0" smtClean="0"/>
+            <a:t>Test Pass</a:t>
           </a:r>
-          <a:endParaRPr lang="en-US" sz="2600" kern="1200" dirty="0"/>
+          <a:endParaRPr lang="en-US" sz="2700" kern="1200" dirty="0"/>
         </a:p>
       </dsp:txBody>
       <dsp:txXfrm>
-        <a:off x="2153920" y="2600960"/>
-        <a:ext cx="1828800" cy="894080"/>
+        <a:off x="3750511" y="2556785"/>
+        <a:ext cx="1248115" cy="1248115"/>
       </dsp:txXfrm>
     </dsp:sp>
-    <dsp:sp modelId="{C2D73D76-0D03-4311-AD22-2A7E8C1EECAC}">
+    <dsp:sp modelId="{5313E64F-AF46-4515-81C1-0C1DF6B794A8}">
+      <dsp:nvSpPr>
+        <dsp:cNvPr id="0" name=""/>
+        <dsp:cNvSpPr/>
+      </dsp:nvSpPr>
+      <dsp:spPr>
+        <a:xfrm rot="10800000">
+          <a:off x="2825990" y="2882982"/>
+          <a:ext cx="470660" cy="595721"/>
+        </a:xfrm>
+        <a:prstGeom prst="rightArrow">
+          <a:avLst>
+            <a:gd name="adj1" fmla="val 60000"/>
+            <a:gd name="adj2" fmla="val 50000"/>
+          </a:avLst>
+        </a:prstGeom>
+        <a:solidFill>
+          <a:schemeClr val="accent3">
+            <a:hueOff val="0"/>
+            <a:satOff val="0"/>
+            <a:lumOff val="0"/>
+            <a:alphaOff val="0"/>
+          </a:schemeClr>
+        </a:solidFill>
+        <a:ln>
+          <a:noFill/>
+        </a:ln>
+        <a:effectLst/>
+      </dsp:spPr>
+      <dsp:style>
+        <a:lnRef idx="0">
+          <a:scrgbClr r="0" g="0" b="0"/>
+        </a:lnRef>
+        <a:fillRef idx="1">
+          <a:scrgbClr r="0" g="0" b="0"/>
+        </a:fillRef>
+        <a:effectRef idx="0">
+          <a:scrgbClr r="0" g="0" b="0"/>
+        </a:effectRef>
+        <a:fontRef idx="minor">
+          <a:schemeClr val="lt1"/>
+        </a:fontRef>
+      </dsp:style>
+      <dsp:txBody>
+        <a:bodyPr spcFirstLastPara="0" vert="horz" wrap="square" lIns="0" tIns="0" rIns="0" bIns="0" numCol="1" spcCol="1270" anchor="ctr" anchorCtr="0">
+          <a:noAutofit/>
+        </a:bodyPr>
+        <a:lstStyle/>
+        <a:p>
+          <a:pPr lvl="0" algn="ctr" defTabSz="977900">
+            <a:lnSpc>
+              <a:spcPct val="90000"/>
+            </a:lnSpc>
+            <a:spcBef>
+              <a:spcPct val="0"/>
+            </a:spcBef>
+            <a:spcAft>
+              <a:spcPct val="35000"/>
+            </a:spcAft>
+          </a:pPr>
+          <a:endParaRPr lang="en-US" sz="2200" kern="1200"/>
+        </a:p>
+      </dsp:txBody>
+      <dsp:txXfrm rot="10800000">
+        <a:off x="2967188" y="3002126"/>
+        <a:ext cx="329462" cy="357433"/>
+      </dsp:txXfrm>
+    </dsp:sp>
+    <dsp:sp modelId="{274B6E7F-3C32-4F88-B766-0AFACB4B06E6}">
       <dsp:nvSpPr>
         <dsp:cNvPr id="0" name=""/>
         <dsp:cNvSpPr/>
       </dsp:nvSpPr>
       <dsp:spPr>
         <a:xfrm>
-          <a:off x="1270812" y="264159"/>
-          <a:ext cx="3413760" cy="3413760"/>
+          <a:off x="838879" y="2298292"/>
+          <a:ext cx="1765101" cy="1765101"/>
         </a:xfrm>
-        <a:prstGeom prst="pie">
-          <a:avLst>
-            <a:gd name="adj1" fmla="val 9000000"/>
-            <a:gd name="adj2" fmla="val 16200000"/>
-          </a:avLst>
+        <a:prstGeom prst="ellipse">
+          <a:avLst/>
         </a:prstGeom>
         <a:solidFill>
           <a:schemeClr val="accent4">
@@ -1543,12 +1602,12 @@
         </a:fontRef>
       </dsp:style>
       <dsp:txBody>
-        <a:bodyPr spcFirstLastPara="0" vert="horz" wrap="square" lIns="33020" tIns="33020" rIns="33020" bIns="33020" numCol="1" spcCol="1270" anchor="ctr" anchorCtr="0">
+        <a:bodyPr spcFirstLastPara="0" vert="horz" wrap="square" lIns="34290" tIns="34290" rIns="34290" bIns="34290" numCol="1" spcCol="1270" anchor="ctr" anchorCtr="0">
           <a:noAutofit/>
         </a:bodyPr>
         <a:lstStyle/>
         <a:p>
-          <a:pPr lvl="0" algn="ctr" defTabSz="1155700">
+          <a:pPr lvl="0" algn="ctr" defTabSz="1200150">
             <a:lnSpc>
               <a:spcPct val="90000"/>
             </a:lnSpc>
@@ -1560,128 +1619,31 @@
             </a:spcAft>
           </a:pPr>
           <a:r>
-            <a:rPr lang="en-US" sz="2600" kern="1200" dirty="0" smtClean="0"/>
+            <a:rPr lang="en-US" sz="2700" kern="1200" dirty="0" smtClean="0"/>
             <a:t>Refactor</a:t>
           </a:r>
-          <a:endParaRPr lang="en-US" sz="2600" kern="1200" dirty="0"/>
+          <a:endParaRPr lang="en-US" sz="2700" kern="1200" dirty="0"/>
         </a:p>
       </dsp:txBody>
       <dsp:txXfrm>
-        <a:off x="1666240" y="987551"/>
-        <a:ext cx="1219200" cy="1016000"/>
+        <a:off x="1097372" y="2556785"/>
+        <a:ext cx="1248115" cy="1248115"/>
       </dsp:txXfrm>
     </dsp:sp>
-    <dsp:sp modelId="{F8CAD7B6-C56B-48BE-8CA8-89DA08596786}">
+    <dsp:sp modelId="{AEE51F35-DEBD-4721-98F4-A03A6F536AEA}">
       <dsp:nvSpPr>
         <dsp:cNvPr id="0" name=""/>
         <dsp:cNvSpPr/>
       </dsp:nvSpPr>
       <dsp:spPr>
-        <a:xfrm>
-          <a:off x="1200380" y="52831"/>
-          <a:ext cx="3836416" cy="3836416"/>
+        <a:xfrm rot="18000000">
+          <a:off x="2142724" y="1745675"/>
+          <a:ext cx="470660" cy="595721"/>
         </a:xfrm>
-        <a:prstGeom prst="circularArrow">
+        <a:prstGeom prst="rightArrow">
           <a:avLst>
-            <a:gd name="adj1" fmla="val 5085"/>
-            <a:gd name="adj2" fmla="val 327528"/>
-            <a:gd name="adj3" fmla="val 1472472"/>
-            <a:gd name="adj4" fmla="val 16199432"/>
-            <a:gd name="adj5" fmla="val 5932"/>
-          </a:avLst>
-        </a:prstGeom>
-        <a:solidFill>
-          <a:schemeClr val="accent2">
-            <a:hueOff val="0"/>
-            <a:satOff val="0"/>
-            <a:lumOff val="0"/>
-            <a:alphaOff val="0"/>
-          </a:schemeClr>
-        </a:solidFill>
-        <a:ln>
-          <a:noFill/>
-        </a:ln>
-        <a:effectLst/>
-      </dsp:spPr>
-      <dsp:style>
-        <a:lnRef idx="0">
-          <a:scrgbClr r="0" g="0" b="0"/>
-        </a:lnRef>
-        <a:fillRef idx="1">
-          <a:scrgbClr r="0" g="0" b="0"/>
-        </a:fillRef>
-        <a:effectRef idx="0">
-          <a:scrgbClr r="0" g="0" b="0"/>
-        </a:effectRef>
-        <a:fontRef idx="minor">
-          <a:schemeClr val="lt1"/>
-        </a:fontRef>
-      </dsp:style>
-    </dsp:sp>
-    <dsp:sp modelId="{C12CB9BD-0CA2-4E59-8BBE-AA629003E438}">
-      <dsp:nvSpPr>
-        <dsp:cNvPr id="0" name=""/>
-        <dsp:cNvSpPr/>
-      </dsp:nvSpPr>
-      <dsp:spPr>
-        <a:xfrm>
-          <a:off x="1129792" y="174536"/>
-          <a:ext cx="3836416" cy="3836416"/>
-        </a:xfrm>
-        <a:prstGeom prst="circularArrow">
-          <a:avLst>
-            <a:gd name="adj1" fmla="val 5085"/>
-            <a:gd name="adj2" fmla="val 327528"/>
-            <a:gd name="adj3" fmla="val 8671970"/>
-            <a:gd name="adj4" fmla="val 1800502"/>
-            <a:gd name="adj5" fmla="val 5932"/>
-          </a:avLst>
-        </a:prstGeom>
-        <a:solidFill>
-          <a:schemeClr val="accent3">
-            <a:hueOff val="0"/>
-            <a:satOff val="0"/>
-            <a:lumOff val="0"/>
-            <a:alphaOff val="0"/>
-          </a:schemeClr>
-        </a:solidFill>
-        <a:ln>
-          <a:noFill/>
-        </a:ln>
-        <a:effectLst/>
-      </dsp:spPr>
-      <dsp:style>
-        <a:lnRef idx="0">
-          <a:scrgbClr r="0" g="0" b="0"/>
-        </a:lnRef>
-        <a:fillRef idx="1">
-          <a:scrgbClr r="0" g="0" b="0"/>
-        </a:fillRef>
-        <a:effectRef idx="0">
-          <a:scrgbClr r="0" g="0" b="0"/>
-        </a:effectRef>
-        <a:fontRef idx="minor">
-          <a:schemeClr val="lt1"/>
-        </a:fontRef>
-      </dsp:style>
-    </dsp:sp>
-    <dsp:sp modelId="{AC52E5E9-F7AD-4F47-BCBC-6E8F4A207509}">
-      <dsp:nvSpPr>
-        <dsp:cNvPr id="0" name=""/>
-        <dsp:cNvSpPr/>
-      </dsp:nvSpPr>
-      <dsp:spPr>
-        <a:xfrm>
-          <a:off x="1059203" y="52831"/>
-          <a:ext cx="3836416" cy="3836416"/>
-        </a:xfrm>
-        <a:prstGeom prst="circularArrow">
-          <a:avLst>
-            <a:gd name="adj1" fmla="val 5085"/>
-            <a:gd name="adj2" fmla="val 327528"/>
-            <a:gd name="adj3" fmla="val 15873039"/>
-            <a:gd name="adj4" fmla="val 9000000"/>
-            <a:gd name="adj5" fmla="val 5932"/>
+            <a:gd name="adj1" fmla="val 60000"/>
+            <a:gd name="adj2" fmla="val 50000"/>
           </a:avLst>
         </a:prstGeom>
         <a:solidFill>
@@ -1711,28 +1673,87 @@
           <a:schemeClr val="lt1"/>
         </a:fontRef>
       </dsp:style>
+      <dsp:txBody>
+        <a:bodyPr spcFirstLastPara="0" vert="horz" wrap="square" lIns="0" tIns="0" rIns="0" bIns="0" numCol="1" spcCol="1270" anchor="ctr" anchorCtr="0">
+          <a:noAutofit/>
+        </a:bodyPr>
+        <a:lstStyle/>
+        <a:p>
+          <a:pPr lvl="0" algn="ctr" defTabSz="977900">
+            <a:lnSpc>
+              <a:spcPct val="90000"/>
+            </a:lnSpc>
+            <a:spcBef>
+              <a:spcPct val="0"/>
+            </a:spcBef>
+            <a:spcAft>
+              <a:spcPct val="35000"/>
+            </a:spcAft>
+          </a:pPr>
+          <a:endParaRPr lang="en-US" sz="2200" kern="1200"/>
+        </a:p>
+      </dsp:txBody>
+      <dsp:txXfrm>
+        <a:off x="2178024" y="1925960"/>
+        <a:ext cx="329462" cy="357433"/>
+      </dsp:txXfrm>
     </dsp:sp>
   </dsp:spTree>
 </dsp:drawing>
 </file>
 
 <file path=ppt/diagrams/layout1.xml><?xml version="1.0" encoding="utf-8"?>
-<dgm:layoutDef xmlns:dgm="http://schemas.openxmlformats.org/drawingml/2006/diagram" xmlns:a="http://schemas.openxmlformats.org/drawingml/2006/main" uniqueId="urn:microsoft.com/office/officeart/2005/8/layout/cycle8">
+<dgm:layoutDef xmlns:dgm="http://schemas.openxmlformats.org/drawingml/2006/diagram" xmlns:a="http://schemas.openxmlformats.org/drawingml/2006/main" uniqueId="urn:microsoft.com/office/officeart/2005/8/layout/cycle2">
   <dgm:title val=""/>
   <dgm:desc val=""/>
   <dgm:catLst>
-    <dgm:cat type="cycle" pri="7000"/>
+    <dgm:cat type="cycle" pri="1000"/>
+    <dgm:cat type="convert" pri="10000"/>
   </dgm:catLst>
-  <dgm:sampData useDef="1">
+  <dgm:sampData>
     <dgm:dataModel>
-      <dgm:ptLst/>
+      <dgm:ptLst>
+        <dgm:pt modelId="0" type="doc"/>
+        <dgm:pt modelId="1">
+          <dgm:prSet phldr="1"/>
+        </dgm:pt>
+        <dgm:pt modelId="2">
+          <dgm:prSet phldr="1"/>
+        </dgm:pt>
+        <dgm:pt modelId="3">
+          <dgm:prSet phldr="1"/>
+        </dgm:pt>
+        <dgm:pt modelId="4">
+          <dgm:prSet phldr="1"/>
+        </dgm:pt>
+        <dgm:pt modelId="5">
+          <dgm:prSet phldr="1"/>
+        </dgm:pt>
+      </dgm:ptLst>
+      <dgm:cxnLst>
+        <dgm:cxn modelId="6" srcId="0" destId="1" srcOrd="0" destOrd="0"/>
+        <dgm:cxn modelId="7" srcId="0" destId="2" srcOrd="1" destOrd="0"/>
+        <dgm:cxn modelId="8" srcId="0" destId="3" srcOrd="2" destOrd="0"/>
+        <dgm:cxn modelId="9" srcId="0" destId="4" srcOrd="3" destOrd="0"/>
+        <dgm:cxn modelId="10" srcId="0" destId="5" srcOrd="4" destOrd="0"/>
+      </dgm:cxnLst>
       <dgm:bg/>
       <dgm:whole/>
     </dgm:dataModel>
   </dgm:sampData>
-  <dgm:styleData useDef="1">
+  <dgm:styleData>
     <dgm:dataModel>
-      <dgm:ptLst/>
+      <dgm:ptLst>
+        <dgm:pt modelId="0" type="doc"/>
+        <dgm:pt modelId="1"/>
+        <dgm:pt modelId="2"/>
+        <dgm:pt modelId="3"/>
+      </dgm:ptLst>
+      <dgm:cxnLst>
+        <dgm:cxn modelId="4" srcId="0" destId="1" srcOrd="0" destOrd="0"/>
+        <dgm:cxn modelId="5" srcId="0" destId="2" srcOrd="1" destOrd="0"/>
+        <dgm:cxn modelId="6" srcId="0" destId="3" srcOrd="2" destOrd="0"/>
+      </dgm:cxnLst>
       <dgm:bg/>
       <dgm:whole/>
     </dgm:dataModel>
@@ -1746,6 +1767,7 @@
         <dgm:pt modelId="3"/>
         <dgm:pt modelId="4"/>
         <dgm:pt modelId="5"/>
+        <dgm:pt modelId="6"/>
       </dgm:ptLst>
       <dgm:cxnLst>
         <dgm:cxn modelId="7" srcId="0" destId="1" srcOrd="0" destOrd="0"/>
@@ -1753,1724 +1775,139 @@
         <dgm:cxn modelId="9" srcId="0" destId="3" srcOrd="2" destOrd="0"/>
         <dgm:cxn modelId="10" srcId="0" destId="4" srcOrd="3" destOrd="0"/>
         <dgm:cxn modelId="11" srcId="0" destId="5" srcOrd="4" destOrd="0"/>
+        <dgm:cxn modelId="12" srcId="0" destId="6" srcOrd="5" destOrd="0"/>
       </dgm:cxnLst>
       <dgm:bg/>
       <dgm:whole/>
     </dgm:dataModel>
   </dgm:clrData>
-  <dgm:layoutNode name="compositeShape">
+  <dgm:layoutNode name="cycle">
     <dgm:varLst>
-      <dgm:chMax val="7"/>
       <dgm:dir/>
       <dgm:resizeHandles val="exact"/>
     </dgm:varLst>
-    <dgm:alg type="composite">
-      <dgm:param type="horzAlign" val="ctr"/>
-      <dgm:param type="vertAlign" val="mid"/>
-      <dgm:param type="ar" val="1"/>
-    </dgm:alg>
+    <dgm:choose name="Name0">
+      <dgm:if name="Name1" func="var" arg="dir" op="equ" val="norm">
+        <dgm:choose name="Name2">
+          <dgm:if name="Name3" axis="ch" ptType="node" func="cnt" op="gt" val="2">
+            <dgm:alg type="cycle">
+              <dgm:param type="stAng" val="0"/>
+              <dgm:param type="spanAng" val="360"/>
+            </dgm:alg>
+          </dgm:if>
+          <dgm:else name="Name4">
+            <dgm:alg type="cycle">
+              <dgm:param type="stAng" val="-90"/>
+              <dgm:param type="spanAng" val="360"/>
+            </dgm:alg>
+          </dgm:else>
+        </dgm:choose>
+      </dgm:if>
+      <dgm:else name="Name5">
+        <dgm:choose name="Name6">
+          <dgm:if name="Name7" axis="ch" ptType="node" func="cnt" op="gt" val="2">
+            <dgm:alg type="cycle">
+              <dgm:param type="stAng" val="0"/>
+              <dgm:param type="spanAng" val="-360"/>
+            </dgm:alg>
+          </dgm:if>
+          <dgm:else name="Name8">
+            <dgm:alg type="cycle">
+              <dgm:param type="stAng" val="90"/>
+              <dgm:param type="spanAng" val="-360"/>
+            </dgm:alg>
+          </dgm:else>
+        </dgm:choose>
+      </dgm:else>
+    </dgm:choose>
     <dgm:shape xmlns:r="http://schemas.openxmlformats.org/officeDocument/2006/relationships" r:blip="">
       <dgm:adjLst/>
     </dgm:shape>
     <dgm:presOf/>
-    <dgm:choose name="Name0">
-      <dgm:if name="Name1" axis="ch" ptType="node" func="cnt" op="equ" val="1">
+    <dgm:constrLst>
+      <dgm:constr type="w" for="ch" ptType="node" refType="w"/>
+      <dgm:constr type="w" for="ch" ptType="sibTrans" refType="w" refFor="ch" refPtType="node" op="equ" fact="0.25"/>
+      <dgm:constr type="sibSp" refType="w" refFor="ch" refPtType="node" fact="0.5"/>
+      <dgm:constr type="primFontSz" for="ch" ptType="node" op="equ" val="65"/>
+      <dgm:constr type="primFontSz" for="des" forName="connectorText" op="equ" val="55"/>
+      <dgm:constr type="primFontSz" for="des" forName="connectorText" refType="primFontSz" refFor="ch" refPtType="node" op="lte" fact="0.8"/>
+    </dgm:constrLst>
+    <dgm:ruleLst/>
+    <dgm:forEach name="nodesForEach" axis="ch" ptType="node">
+      <dgm:layoutNode name="node">
+        <dgm:varLst>
+          <dgm:bulletEnabled val="1"/>
+        </dgm:varLst>
+        <dgm:alg type="tx">
+          <dgm:param type="txAnchorVertCh" val="mid"/>
+        </dgm:alg>
+        <dgm:shape xmlns:r="http://schemas.openxmlformats.org/officeDocument/2006/relationships" type="ellipse" r:blip="">
+          <dgm:adjLst/>
+        </dgm:shape>
+        <dgm:presOf axis="desOrSelf" ptType="node"/>
         <dgm:constrLst>
-          <dgm:constr type="l" for="ch" forName="wedge1" refType="w" fact="0.08"/>
-          <dgm:constr type="t" for="ch" forName="wedge1" refType="w" fact="0.08"/>
-          <dgm:constr type="w" for="ch" forName="wedge1" refType="w" fact="0.84"/>
-          <dgm:constr type="h" for="ch" forName="wedge1" refType="h" fact="0.84"/>
-          <dgm:constr type="l" for="ch" forName="dummy1a" refType="w" fact="0.5"/>
-          <dgm:constr type="t" for="ch" forName="dummy1a" refType="h" fact="0.08"/>
-          <dgm:constr type="l" for="ch" forName="dummy1b" refType="w" fact="0.5"/>
-          <dgm:constr type="t" for="ch" forName="dummy1b" refType="h" fact="0.08"/>
-          <dgm:constr type="l" for="ch" forName="wedge1Tx" refType="w" fact="0.22"/>
-          <dgm:constr type="t" for="ch" forName="wedge1Tx" refType="h" fact="0.22"/>
-          <dgm:constr type="w" for="ch" forName="wedge1Tx" refType="w" fact="0.56"/>
-          <dgm:constr type="h" for="ch" forName="wedge1Tx" refType="h" fact="0.56"/>
-          <dgm:constr type="h" for="ch" forName="arrowWedge1single" refType="w" fact="0.08"/>
-          <dgm:constr type="diam" for="ch" forName="arrowWedge1single" refType="w" fact="0.84"/>
-          <dgm:constr type="l" for="ch" forName="arrowWedge1single" refType="w" fact="0.5"/>
-          <dgm:constr type="t" for="ch" forName="arrowWedge1single" refType="w" fact="0.5"/>
-          <dgm:constr type="primFontSz" for="ch" ptType="node" op="equ"/>
+          <dgm:constr type="h" refType="w"/>
+          <dgm:constr type="lMarg" refType="primFontSz" fact="0.1"/>
+          <dgm:constr type="rMarg" refType="primFontSz" fact="0.1"/>
+          <dgm:constr type="tMarg" refType="primFontSz" fact="0.1"/>
+          <dgm:constr type="bMarg" refType="primFontSz" fact="0.1"/>
         </dgm:constrLst>
-      </dgm:if>
-      <dgm:if name="Name2" axis="ch" ptType="node" func="cnt" op="equ" val="2">
-        <dgm:constrLst>
-          <dgm:constr type="l" for="ch" forName="wedge1" refType="w" fact="0.1"/>
-          <dgm:constr type="t" for="ch" forName="wedge1" refType="w" fact="0.08"/>
-          <dgm:constr type="w" for="ch" forName="wedge1" refType="w" fact="0.84"/>
-          <dgm:constr type="h" for="ch" forName="wedge1" refType="h" fact="0.84"/>
-          <dgm:constr type="l" for="ch" forName="dummy1a" refType="w" fact="0.52"/>
-          <dgm:constr type="t" for="ch" forName="dummy1a" refType="h" fact="0.08"/>
-          <dgm:constr type="l" for="ch" forName="dummy1b" refType="w" fact="0.52"/>
-          <dgm:constr type="t" for="ch" forName="dummy1b" refType="h" fact="0.92"/>
-          <dgm:constr type="l" for="ch" forName="wedge1Tx" refType="w" fact="0.559"/>
-          <dgm:constr type="t" for="ch" forName="wedge1Tx" refType="h" fact="0.3"/>
-          <dgm:constr type="w" for="ch" forName="wedge1Tx" refType="w" fact="0.3"/>
-          <dgm:constr type="h" for="ch" forName="wedge1Tx" refType="h" fact="0.4"/>
-          <dgm:constr type="l" for="ch" forName="wedge2" refType="w" fact="0.06"/>
-          <dgm:constr type="t" for="ch" forName="wedge2" refType="w" fact="0.08"/>
-          <dgm:constr type="w" for="ch" forName="wedge2" refType="w" fact="0.84"/>
-          <dgm:constr type="h" for="ch" forName="wedge2" refType="h" fact="0.84"/>
-          <dgm:constr type="l" for="ch" forName="dummy2a" refType="w" fact="0.48"/>
-          <dgm:constr type="t" for="ch" forName="dummy2a" refType="h" fact="0.92"/>
-          <dgm:constr type="l" for="ch" forName="dummy2b" refType="w" fact="0.48"/>
-          <dgm:constr type="t" for="ch" forName="dummy2b" refType="h" fact="0.08"/>
-          <dgm:constr type="r" for="ch" forName="wedge2Tx" refType="w" fact="0.441"/>
-          <dgm:constr type="t" for="ch" forName="wedge2Tx" refType="h" fact="0.3"/>
-          <dgm:constr type="w" for="ch" forName="wedge2Tx" refType="w" fact="0.3"/>
-          <dgm:constr type="h" for="ch" forName="wedge2Tx" refType="h" fact="0.4"/>
-          <dgm:constr type="h" for="ch" forName="arrowWedge1" refType="w" fact="0.08"/>
-          <dgm:constr type="diam" for="ch" forName="arrowWedge1" refType="w" fact="0.84"/>
-          <dgm:constr type="l" for="ch" forName="arrowWedge1" refType="w" fact="0.5"/>
-          <dgm:constr type="t" for="ch" forName="arrowWedge1" refType="w" fact="0.5"/>
-          <dgm:constr type="h" for="ch" forName="arrowWedge2" refType="w" fact="0.08"/>
-          <dgm:constr type="diam" for="ch" forName="arrowWedge2" refType="w" fact="0.84"/>
-          <dgm:constr type="l" for="ch" forName="arrowWedge2" refType="w" fact="0.5"/>
-          <dgm:constr type="t" for="ch" forName="arrowWedge2" refType="w" fact="0.5"/>
-          <dgm:constr type="primFontSz" for="ch" ptType="node" op="equ"/>
-        </dgm:constrLst>
-      </dgm:if>
-      <dgm:if name="Name3" axis="ch" ptType="node" func="cnt" op="equ" val="3">
-        <dgm:constrLst>
-          <dgm:constr type="l" for="ch" forName="wedge1" refType="w" fact="0.0973"/>
-          <dgm:constr type="t" for="ch" forName="wedge1" refType="w" fact="0.07"/>
-          <dgm:constr type="w" for="ch" forName="wedge1" refType="w" fact="0.84"/>
-          <dgm:constr type="h" for="ch" forName="wedge1" refType="h" fact="0.84"/>
-          <dgm:constr type="l" for="ch" forName="dummy1a" refType="w" fact="0.5173"/>
-          <dgm:constr type="t" for="ch" forName="dummy1a" refType="h" fact="0.07"/>
-          <dgm:constr type="l" for="ch" forName="dummy1b" refType="w" fact="0.8811"/>
-          <dgm:constr type="t" for="ch" forName="dummy1b" refType="h" fact="0.7"/>
-          <dgm:constr type="l" for="ch" forName="wedge1Tx" refType="w" fact="0.54"/>
-          <dgm:constr type="t" for="ch" forName="wedge1Tx" refType="h" fact="0.248"/>
-          <dgm:constr type="w" for="ch" forName="wedge1Tx" refType="w" fact="0.3"/>
-          <dgm:constr type="h" for="ch" forName="wedge1Tx" refType="h" fact="0.25"/>
-          <dgm:constr type="l" for="ch" forName="wedge2" refType="w" fact="0.08"/>
-          <dgm:constr type="t" for="ch" forName="wedge2" refType="w" fact="0.1"/>
-          <dgm:constr type="w" for="ch" forName="wedge2" refType="w" fact="0.84"/>
-          <dgm:constr type="h" for="ch" forName="wedge2" refType="h" fact="0.84"/>
-          <dgm:constr type="l" for="ch" forName="dummy2a" refType="w" fact="0.8637"/>
-          <dgm:constr type="t" for="ch" forName="dummy2a" refType="h" fact="0.73"/>
-          <dgm:constr type="l" for="ch" forName="dummy2b" refType="w" fact="0.1363"/>
-          <dgm:constr type="t" for="ch" forName="dummy2b" refType="h" fact="0.73"/>
-          <dgm:constr type="l" for="ch" forName="wedge2Tx" refType="w" fact="0.28"/>
-          <dgm:constr type="t" for="ch" forName="wedge2Tx" refType="h" fact="0.645"/>
-          <dgm:constr type="w" for="ch" forName="wedge2Tx" refType="w" fact="0.45"/>
-          <dgm:constr type="h" for="ch" forName="wedge2Tx" refType="h" fact="0.22"/>
-          <dgm:constr type="l" for="ch" forName="wedge3" refType="w" fact="0.0627"/>
-          <dgm:constr type="t" for="ch" forName="wedge3" refType="w" fact="0.07"/>
-          <dgm:constr type="w" for="ch" forName="wedge3" refType="w" fact="0.84"/>
-          <dgm:constr type="h" for="ch" forName="wedge3" refType="h" fact="0.84"/>
-          <dgm:constr type="l" for="ch" forName="dummy3a" refType="w" fact="0.1189"/>
-          <dgm:constr type="t" for="ch" forName="dummy3a" refType="h" fact="0.7"/>
-          <dgm:constr type="l" for="ch" forName="dummy3b" refType="w" fact="0.4827"/>
-          <dgm:constr type="t" for="ch" forName="dummy3b" refType="h" fact="0.07"/>
-          <dgm:constr type="r" for="ch" forName="wedge3Tx" refType="w" fact="0.46"/>
-          <dgm:constr type="t" for="ch" forName="wedge3Tx" refType="h" fact="0.248"/>
-          <dgm:constr type="w" for="ch" forName="wedge3Tx" refType="w" fact="0.3"/>
-          <dgm:constr type="h" for="ch" forName="wedge3Tx" refType="h" fact="0.25"/>
-          <dgm:constr type="h" for="ch" forName="arrowWedge1" refType="w" fact="0.08"/>
-          <dgm:constr type="diam" for="ch" forName="arrowWedge1" refType="w" fact="0.84"/>
-          <dgm:constr type="l" for="ch" forName="arrowWedge1" refType="w" fact="0.5"/>
-          <dgm:constr type="t" for="ch" forName="arrowWedge1" refType="w" fact="0.5"/>
-          <dgm:constr type="h" for="ch" forName="arrowWedge2" refType="w" fact="0.08"/>
-          <dgm:constr type="diam" for="ch" forName="arrowWedge2" refType="w" fact="0.84"/>
-          <dgm:constr type="l" for="ch" forName="arrowWedge2" refType="w" fact="0.5"/>
-          <dgm:constr type="t" for="ch" forName="arrowWedge2" refType="w" fact="0.5"/>
-          <dgm:constr type="h" for="ch" forName="arrowWedge3" refType="w" fact="0.08"/>
-          <dgm:constr type="diam" for="ch" forName="arrowWedge3" refType="w" fact="0.84"/>
-          <dgm:constr type="l" for="ch" forName="arrowWedge3" refType="w" fact="0.5"/>
-          <dgm:constr type="t" for="ch" forName="arrowWedge3" refType="w" fact="0.5"/>
-          <dgm:constr type="primFontSz" for="ch" ptType="node" op="equ"/>
-        </dgm:constrLst>
-      </dgm:if>
-      <dgm:if name="Name4" axis="ch" ptType="node" func="cnt" op="equ" val="4">
-        <dgm:constrLst>
-          <dgm:constr type="l" for="ch" forName="wedge1" refType="w" fact="0.0941"/>
-          <dgm:constr type="t" for="ch" forName="wedge1" refType="w" fact="0.0659"/>
-          <dgm:constr type="w" for="ch" forName="wedge1" refType="w" fact="0.84"/>
-          <dgm:constr type="h" for="ch" forName="wedge1" refType="h" fact="0.84"/>
-          <dgm:constr type="l" for="ch" forName="dummy1a" refType="w" fact="0.5141"/>
-          <dgm:constr type="t" for="ch" forName="dummy1a" refType="h" fact="0.0659"/>
-          <dgm:constr type="l" for="ch" forName="dummy1b" refType="w" fact="0.9341"/>
-          <dgm:constr type="t" for="ch" forName="dummy1b" refType="h" fact="0.4859"/>
-          <dgm:constr type="l" for="ch" forName="wedge1Tx" refType="w" fact="0.54"/>
-          <dgm:constr type="t" for="ch" forName="wedge1Tx" refType="h" fact="0.24"/>
-          <dgm:constr type="w" for="ch" forName="wedge1Tx" refType="w" fact="0.31"/>
-          <dgm:constr type="h" for="ch" forName="wedge1Tx" refType="h" fact="0.23"/>
-          <dgm:constr type="l" for="ch" forName="wedge2" refType="w" fact="0.0941"/>
-          <dgm:constr type="t" for="ch" forName="wedge2" refType="w" fact="0.0941"/>
-          <dgm:constr type="w" for="ch" forName="wedge2" refType="w" fact="0.84"/>
-          <dgm:constr type="h" for="ch" forName="wedge2" refType="h" fact="0.84"/>
-          <dgm:constr type="l" for="ch" forName="dummy2a" refType="w" fact="0.9341"/>
-          <dgm:constr type="t" for="ch" forName="dummy2a" refType="h" fact="0.5141"/>
-          <dgm:constr type="l" for="ch" forName="dummy2b" refType="w" fact="0.5141"/>
-          <dgm:constr type="t" for="ch" forName="dummy2b" refType="h" fact="0.9341"/>
-          <dgm:constr type="l" for="ch" forName="wedge2Tx" refType="w" fact="0.54"/>
-          <dgm:constr type="t" for="ch" forName="wedge2Tx" refType="h" fact="0.53"/>
-          <dgm:constr type="w" for="ch" forName="wedge2Tx" refType="w" fact="0.31"/>
-          <dgm:constr type="h" for="ch" forName="wedge2Tx" refType="h" fact="0.23"/>
-          <dgm:constr type="l" for="ch" forName="wedge3" refType="w" fact="0.0659"/>
-          <dgm:constr type="t" for="ch" forName="wedge3" refType="w" fact="0.0941"/>
-          <dgm:constr type="w" for="ch" forName="wedge3" refType="w" fact="0.84"/>
-          <dgm:constr type="h" for="ch" forName="wedge3" refType="h" fact="0.84"/>
-          <dgm:constr type="l" for="ch" forName="dummy3a" refType="w" fact="0.4859"/>
-          <dgm:constr type="t" for="ch" forName="dummy3a" refType="h" fact="0.9341"/>
-          <dgm:constr type="l" for="ch" forName="dummy3b" refType="w" fact="0.0659"/>
-          <dgm:constr type="t" for="ch" forName="dummy3b" refType="h" fact="0.5141"/>
-          <dgm:constr type="r" for="ch" forName="wedge3Tx" refType="w" fact="0.46"/>
-          <dgm:constr type="t" for="ch" forName="wedge3Tx" refType="h" fact="0.53"/>
-          <dgm:constr type="w" for="ch" forName="wedge3Tx" refType="w" fact="0.31"/>
-          <dgm:constr type="h" for="ch" forName="wedge3Tx" refType="h" fact="0.23"/>
-          <dgm:constr type="l" for="ch" forName="wedge4" refType="w" fact="0.0659"/>
-          <dgm:constr type="t" for="ch" forName="wedge4" refType="h" fact="0.0659"/>
-          <dgm:constr type="w" for="ch" forName="wedge4" refType="w" fact="0.84"/>
-          <dgm:constr type="h" for="ch" forName="wedge4" refType="h" fact="0.84"/>
-          <dgm:constr type="l" for="ch" forName="dummy4a" refType="w" fact="0.0659"/>
-          <dgm:constr type="t" for="ch" forName="dummy4a" refType="h" fact="0.4859"/>
-          <dgm:constr type="l" for="ch" forName="dummy4b" refType="w" fact="0.4859"/>
-          <dgm:constr type="t" for="ch" forName="dummy4b" refType="h" fact="0.0659"/>
-          <dgm:constr type="r" for="ch" forName="wedge4Tx" refType="w" fact="0.46"/>
-          <dgm:constr type="t" for="ch" forName="wedge4Tx" refType="h" fact="0.24"/>
-          <dgm:constr type="w" for="ch" forName="wedge4Tx" refType="w" fact="0.31"/>
-          <dgm:constr type="h" for="ch" forName="wedge4Tx" refType="h" fact="0.23"/>
-          <dgm:constr type="h" for="ch" forName="arrowWedge1" refType="w" fact="0.08"/>
-          <dgm:constr type="diam" for="ch" forName="arrowWedge1" refType="w" fact="0.84"/>
-          <dgm:constr type="l" for="ch" forName="arrowWedge1" refType="w" fact="0.5"/>
-          <dgm:constr type="t" for="ch" forName="arrowWedge1" refType="w" fact="0.5"/>
-          <dgm:constr type="h" for="ch" forName="arrowWedge2" refType="w" fact="0.08"/>
-          <dgm:constr type="diam" for="ch" forName="arrowWedge2" refType="w" fact="0.84"/>
-          <dgm:constr type="l" for="ch" forName="arrowWedge2" refType="w" fact="0.5"/>
-          <dgm:constr type="t" for="ch" forName="arrowWedge2" refType="w" fact="0.5"/>
-          <dgm:constr type="h" for="ch" forName="arrowWedge3" refType="w" fact="0.08"/>
-          <dgm:constr type="diam" for="ch" forName="arrowWedge3" refType="w" fact="0.84"/>
-          <dgm:constr type="l" for="ch" forName="arrowWedge3" refType="w" fact="0.5"/>
-          <dgm:constr type="t" for="ch" forName="arrowWedge3" refType="w" fact="0.5"/>
-          <dgm:constr type="h" for="ch" forName="arrowWedge4" refType="w" fact="0.08"/>
-          <dgm:constr type="diam" for="ch" forName="arrowWedge4" refType="w" fact="0.84"/>
-          <dgm:constr type="l" for="ch" forName="arrowWedge4" refType="w" fact="0.5"/>
-          <dgm:constr type="t" for="ch" forName="arrowWedge4" refType="w" fact="0.5"/>
-          <dgm:constr type="primFontSz" for="ch" ptType="node" op="equ"/>
-        </dgm:constrLst>
-      </dgm:if>
-      <dgm:if name="Name5" axis="ch" ptType="node" func="cnt" op="equ" val="5">
-        <dgm:constrLst>
-          <dgm:constr type="l" for="ch" forName="wedge1" refType="w" fact="0.0918"/>
-          <dgm:constr type="t" for="ch" forName="wedge1" refType="w" fact="0.0638"/>
-          <dgm:constr type="w" for="ch" forName="wedge1" refType="w" fact="0.84"/>
-          <dgm:constr type="h" for="ch" forName="wedge1" refType="h" fact="0.84"/>
-          <dgm:constr type="l" for="ch" forName="dummy1a" refType="w" fact="0.5118"/>
-          <dgm:constr type="t" for="ch" forName="dummy1a" refType="h" fact="0.0638"/>
-          <dgm:constr type="l" for="ch" forName="dummy1b" refType="w" fact="0.9112"/>
-          <dgm:constr type="t" for="ch" forName="dummy1b" refType="h" fact="0.354"/>
-          <dgm:constr type="l" for="ch" forName="wedge1Tx" refType="w" fact="0.53"/>
-          <dgm:constr type="t" for="ch" forName="wedge1Tx" refType="h" fact="0.205"/>
-          <dgm:constr type="w" for="ch" forName="wedge1Tx" refType="w" fact="0.27"/>
-          <dgm:constr type="h" for="ch" forName="wedge1Tx" refType="h" fact="0.18"/>
-          <dgm:constr type="l" for="ch" forName="wedge2" refType="w" fact="0.099"/>
-          <dgm:constr type="t" for="ch" forName="wedge2" refType="w" fact="0.0862"/>
-          <dgm:constr type="w" for="ch" forName="wedge2" refType="w" fact="0.84"/>
-          <dgm:constr type="h" for="ch" forName="wedge2" refType="h" fact="0.84"/>
-          <dgm:constr type="l" for="ch" forName="dummy2a" refType="w" fact="0.9185"/>
-          <dgm:constr type="t" for="ch" forName="dummy2a" refType="h" fact="0.3764"/>
-          <dgm:constr type="l" for="ch" forName="dummy2b" refType="w" fact="0.7659"/>
-          <dgm:constr type="t" for="ch" forName="dummy2b" refType="h" fact="0.846"/>
-          <dgm:constr type="l" for="ch" forName="wedge2Tx" refType="w" fact="0.64"/>
-          <dgm:constr type="t" for="ch" forName="wedge2Tx" refType="h" fact="0.47"/>
-          <dgm:constr type="w" for="ch" forName="wedge2Tx" refType="w" fact="0.25"/>
-          <dgm:constr type="h" for="ch" forName="wedge2Tx" refType="h" fact="0.2"/>
-          <dgm:constr type="l" for="ch" forName="wedge3" refType="w" fact="0.08"/>
-          <dgm:constr type="t" for="ch" forName="wedge3" refType="w" fact="0.1"/>
-          <dgm:constr type="w" for="ch" forName="wedge3" refType="w" fact="0.84"/>
-          <dgm:constr type="h" for="ch" forName="wedge3" refType="h" fact="0.84"/>
-          <dgm:constr type="l" for="ch" forName="dummy3a" refType="w" fact="0.7469"/>
-          <dgm:constr type="t" for="ch" forName="dummy3a" refType="h" fact="0.8598"/>
-          <dgm:constr type="l" for="ch" forName="dummy3b" refType="w" fact="0.2531"/>
-          <dgm:constr type="t" for="ch" forName="dummy3b" refType="h" fact="0.8598"/>
-          <dgm:constr type="l" for="ch" forName="wedge3Tx" refType="w" fact="0.38"/>
-          <dgm:constr type="t" for="ch" forName="wedge3Tx" refType="h" fact="0.69"/>
-          <dgm:constr type="w" for="ch" forName="wedge3Tx" refType="w" fact="0.24"/>
-          <dgm:constr type="h" for="ch" forName="wedge3Tx" refType="h" fact="0.22"/>
-          <dgm:constr type="l" for="ch" forName="wedge4" refType="w" fact="0.061"/>
-          <dgm:constr type="t" for="ch" forName="wedge4" refType="h" fact="0.0862"/>
-          <dgm:constr type="w" for="ch" forName="wedge4" refType="w" fact="0.84"/>
-          <dgm:constr type="h" for="ch" forName="wedge4" refType="h" fact="0.84"/>
-          <dgm:constr type="l" for="ch" forName="dummy4a" refType="w" fact="0.2341"/>
-          <dgm:constr type="t" for="ch" forName="dummy4a" refType="h" fact="0.846"/>
-          <dgm:constr type="l" for="ch" forName="dummy4b" refType="w" fact="0.0815"/>
-          <dgm:constr type="t" for="ch" forName="dummy4b" refType="h" fact="0.3764"/>
-          <dgm:constr type="r" for="ch" forName="wedge4Tx" refType="w" fact="0.36"/>
-          <dgm:constr type="t" for="ch" forName="wedge4Tx" refType="h" fact="0.47"/>
-          <dgm:constr type="w" for="ch" forName="wedge4Tx" refType="w" fact="0.25"/>
-          <dgm:constr type="h" for="ch" forName="wedge4Tx" refType="h" fact="0.2"/>
-          <dgm:constr type="l" for="ch" forName="wedge5" refType="w" fact="0.0682"/>
-          <dgm:constr type="t" for="ch" forName="wedge5" refType="h" fact="0.0638"/>
-          <dgm:constr type="w" for="ch" forName="wedge5" refType="w" fact="0.84"/>
-          <dgm:constr type="h" for="ch" forName="wedge5" refType="h" fact="0.84"/>
-          <dgm:constr type="l" for="ch" forName="dummy5a" refType="w" fact="0.0888"/>
-          <dgm:constr type="t" for="ch" forName="dummy5a" refType="h" fact="0.354"/>
-          <dgm:constr type="l" for="ch" forName="dummy5b" refType="w" fact="0.4882"/>
-          <dgm:constr type="t" for="ch" forName="dummy5b" refType="h" fact="0.0638"/>
-          <dgm:constr type="r" for="ch" forName="wedge5Tx" refType="w" fact="0.47"/>
-          <dgm:constr type="t" for="ch" forName="wedge5Tx" refType="h" fact="0.205"/>
-          <dgm:constr type="w" for="ch" forName="wedge5Tx" refType="w" fact="0.27"/>
-          <dgm:constr type="h" for="ch" forName="wedge5Tx" refType="h" fact="0.18"/>
-          <dgm:constr type="h" for="ch" forName="arrowWedge1" refType="w" fact="0.08"/>
-          <dgm:constr type="diam" for="ch" forName="arrowWedge1" refType="w" fact="0.84"/>
-          <dgm:constr type="l" for="ch" forName="arrowWedge1" refType="w" fact="0.5"/>
-          <dgm:constr type="t" for="ch" forName="arrowWedge1" refType="w" fact="0.5"/>
-          <dgm:constr type="h" for="ch" forName="arrowWedge2" refType="w" fact="0.08"/>
-          <dgm:constr type="diam" for="ch" forName="arrowWedge2" refType="w" fact="0.84"/>
-          <dgm:constr type="l" for="ch" forName="arrowWedge2" refType="w" fact="0.5"/>
-          <dgm:constr type="t" for="ch" forName="arrowWedge2" refType="w" fact="0.5"/>
-          <dgm:constr type="h" for="ch" forName="arrowWedge3" refType="w" fact="0.08"/>
-          <dgm:constr type="diam" for="ch" forName="arrowWedge3" refType="w" fact="0.84"/>
-          <dgm:constr type="l" for="ch" forName="arrowWedge3" refType="w" fact="0.5"/>
-          <dgm:constr type="t" for="ch" forName="arrowWedge3" refType="w" fact="0.5"/>
-          <dgm:constr type="h" for="ch" forName="arrowWedge4" refType="w" fact="0.08"/>
-          <dgm:constr type="diam" for="ch" forName="arrowWedge4" refType="w" fact="0.84"/>
-          <dgm:constr type="l" for="ch" forName="arrowWedge4" refType="w" fact="0.5"/>
-          <dgm:constr type="t" for="ch" forName="arrowWedge4" refType="w" fact="0.5"/>
-          <dgm:constr type="h" for="ch" forName="arrowWedge5" refType="w" fact="0.08"/>
-          <dgm:constr type="diam" for="ch" forName="arrowWedge5" refType="w" fact="0.84"/>
-          <dgm:constr type="l" for="ch" forName="arrowWedge5" refType="w" fact="0.5"/>
-          <dgm:constr type="t" for="ch" forName="arrowWedge5" refType="w" fact="0.5"/>
-          <dgm:constr type="primFontSz" for="ch" ptType="node" op="equ"/>
-        </dgm:constrLst>
-      </dgm:if>
-      <dgm:if name="Name6" axis="ch" ptType="node" func="cnt" op="equ" val="6">
-        <dgm:constrLst>
-          <dgm:constr type="l" for="ch" forName="wedge1" refType="w" fact="0.09"/>
-          <dgm:constr type="t" for="ch" forName="wedge1" refType="w" fact="0.0627"/>
-          <dgm:constr type="w" for="ch" forName="wedge1" refType="w" fact="0.84"/>
-          <dgm:constr type="h" for="ch" forName="wedge1" refType="h" fact="0.84"/>
-          <dgm:constr type="l" for="ch" forName="dummy1a" refType="w" fact="0.51"/>
-          <dgm:constr type="t" for="ch" forName="dummy1a" refType="h" fact="0.0627"/>
-          <dgm:constr type="l" for="ch" forName="dummy1b" refType="w" fact="0.8737"/>
-          <dgm:constr type="t" for="ch" forName="dummy1b" refType="h" fact="0.2727"/>
-          <dgm:constr type="l" for="ch" forName="wedge1Tx" refType="w" fact="0.53"/>
-          <dgm:constr type="t" for="ch" forName="wedge1Tx" refType="h" fact="0.17"/>
-          <dgm:constr type="w" for="ch" forName="wedge1Tx" refType="w" fact="0.22"/>
-          <dgm:constr type="h" for="ch" forName="wedge1Tx" refType="h" fact="0.17"/>
-          <dgm:constr type="l" for="ch" forName="wedge2" refType="w" fact="0.1"/>
-          <dgm:constr type="t" for="ch" forName="wedge2" refType="w" fact="0.08"/>
-          <dgm:constr type="w" for="ch" forName="wedge2" refType="w" fact="0.84"/>
-          <dgm:constr type="h" for="ch" forName="wedge2" refType="h" fact="0.84"/>
-          <dgm:constr type="l" for="ch" forName="dummy2a" refType="w" fact="0.8837"/>
-          <dgm:constr type="t" for="ch" forName="dummy2a" refType="h" fact="0.29"/>
-          <dgm:constr type="l" for="ch" forName="dummy2b" refType="w" fact="0.8837"/>
-          <dgm:constr type="t" for="ch" forName="dummy2b" refType="h" fact="0.71"/>
-          <dgm:constr type="l" for="ch" forName="wedge2Tx" refType="w" fact="0.67"/>
-          <dgm:constr type="t" for="ch" forName="wedge2Tx" refType="h" fact="0.42"/>
-          <dgm:constr type="w" for="ch" forName="wedge2Tx" refType="w" fact="0.23"/>
-          <dgm:constr type="h" for="ch" forName="wedge2Tx" refType="h" fact="0.165"/>
-          <dgm:constr type="l" for="ch" forName="wedge3" refType="w" fact="0.09"/>
-          <dgm:constr type="t" for="ch" forName="wedge3" refType="w" fact="0.0973"/>
-          <dgm:constr type="w" for="ch" forName="wedge3" refType="w" fact="0.84"/>
-          <dgm:constr type="h" for="ch" forName="wedge3" refType="h" fact="0.84"/>
-          <dgm:constr type="l" for="ch" forName="dummy3a" refType="w" fact="0.8737"/>
-          <dgm:constr type="t" for="ch" forName="dummy3a" refType="h" fact="0.7273"/>
-          <dgm:constr type="l" for="ch" forName="dummy3b" refType="w" fact="0.51"/>
-          <dgm:constr type="t" for="ch" forName="dummy3b" refType="h" fact="0.9373"/>
-          <dgm:constr type="l" for="ch" forName="wedge3Tx" refType="w" fact="0.53"/>
-          <dgm:constr type="t" for="ch" forName="wedge3Tx" refType="h" fact="0.665"/>
-          <dgm:constr type="w" for="ch" forName="wedge3Tx" refType="w" fact="0.22"/>
-          <dgm:constr type="h" for="ch" forName="wedge3Tx" refType="h" fact="0.17"/>
-          <dgm:constr type="l" for="ch" forName="wedge4" refType="w" fact="0.07"/>
-          <dgm:constr type="t" for="ch" forName="wedge4" refType="h" fact="0.0973"/>
-          <dgm:constr type="w" for="ch" forName="wedge4" refType="w" fact="0.84"/>
-          <dgm:constr type="h" for="ch" forName="wedge4" refType="h" fact="0.84"/>
-          <dgm:constr type="l" for="ch" forName="dummy4a" refType="w" fact="0.49"/>
-          <dgm:constr type="t" for="ch" forName="dummy4a" refType="h" fact="0.9373"/>
-          <dgm:constr type="l" for="ch" forName="dummy4b" refType="w" fact="0.1263"/>
-          <dgm:constr type="t" for="ch" forName="dummy4b" refType="h" fact="0.7273"/>
-          <dgm:constr type="r" for="ch" forName="wedge4Tx" refType="w" fact="0.47"/>
-          <dgm:constr type="t" for="ch" forName="wedge4Tx" refType="h" fact="0.665"/>
-          <dgm:constr type="w" for="ch" forName="wedge4Tx" refType="w" fact="0.22"/>
-          <dgm:constr type="h" for="ch" forName="wedge4Tx" refType="h" fact="0.17"/>
-          <dgm:constr type="l" for="ch" forName="wedge5" refType="w" fact="0.06"/>
-          <dgm:constr type="t" for="ch" forName="wedge5" refType="h" fact="0.08"/>
-          <dgm:constr type="w" for="ch" forName="wedge5" refType="w" fact="0.84"/>
-          <dgm:constr type="h" for="ch" forName="wedge5" refType="h" fact="0.84"/>
-          <dgm:constr type="l" for="ch" forName="dummy5a" refType="w" fact="0.1163"/>
-          <dgm:constr type="t" for="ch" forName="dummy5a" refType="h" fact="0.71"/>
-          <dgm:constr type="l" for="ch" forName="dummy5b" refType="w" fact="0.1163"/>
-          <dgm:constr type="t" for="ch" forName="dummy5b" refType="h" fact="0.29"/>
-          <dgm:constr type="r" for="ch" forName="wedge5Tx" refType="w" fact="0.33"/>
-          <dgm:constr type="t" for="ch" forName="wedge5Tx" refType="h" fact="0.42"/>
-          <dgm:constr type="w" for="ch" forName="wedge5Tx" refType="w" fact="0.23"/>
-          <dgm:constr type="h" for="ch" forName="wedge5Tx" refType="h" fact="0.165"/>
-          <dgm:constr type="l" for="ch" forName="wedge6" refType="w" fact="0.07"/>
-          <dgm:constr type="t" for="ch" forName="wedge6" refType="h" fact="0.0627"/>
-          <dgm:constr type="w" for="ch" forName="wedge6" refType="w" fact="0.84"/>
-          <dgm:constr type="h" for="ch" forName="wedge6" refType="h" fact="0.84"/>
-          <dgm:constr type="l" for="ch" forName="dummy6a" refType="w" fact="0.1263"/>
-          <dgm:constr type="t" for="ch" forName="dummy6a" refType="h" fact="0.2727"/>
-          <dgm:constr type="l" for="ch" forName="dummy6b" refType="w" fact="0.49"/>
-          <dgm:constr type="t" for="ch" forName="dummy6b" refType="h" fact="0.0627"/>
-          <dgm:constr type="r" for="ch" forName="wedge6Tx" refType="w" fact="0.47"/>
-          <dgm:constr type="t" for="ch" forName="wedge6Tx" refType="h" fact="0.17"/>
-          <dgm:constr type="w" for="ch" forName="wedge6Tx" refType="w" fact="0.22"/>
-          <dgm:constr type="h" for="ch" forName="wedge6Tx" refType="h" fact="0.17"/>
-          <dgm:constr type="h" for="ch" forName="arrowWedge1" refType="w" fact="0.08"/>
-          <dgm:constr type="diam" for="ch" forName="arrowWedge1" refType="w" fact="0.84"/>
-          <dgm:constr type="l" for="ch" forName="arrowWedge1" refType="w" fact="0.5"/>
-          <dgm:constr type="t" for="ch" forName="arrowWedge1" refType="w" fact="0.5"/>
-          <dgm:constr type="h" for="ch" forName="arrowWedge2" refType="w" fact="0.08"/>
-          <dgm:constr type="diam" for="ch" forName="arrowWedge2" refType="w" fact="0.84"/>
-          <dgm:constr type="l" for="ch" forName="arrowWedge2" refType="w" fact="0.5"/>
-          <dgm:constr type="t" for="ch" forName="arrowWedge2" refType="w" fact="0.5"/>
-          <dgm:constr type="h" for="ch" forName="arrowWedge3" refType="w" fact="0.08"/>
-          <dgm:constr type="diam" for="ch" forName="arrowWedge3" refType="w" fact="0.84"/>
-          <dgm:constr type="l" for="ch" forName="arrowWedge3" refType="w" fact="0.5"/>
-          <dgm:constr type="t" for="ch" forName="arrowWedge3" refType="w" fact="0.5"/>
-          <dgm:constr type="h" for="ch" forName="arrowWedge4" refType="w" fact="0.08"/>
-          <dgm:constr type="diam" for="ch" forName="arrowWedge4" refType="w" fact="0.84"/>
-          <dgm:constr type="l" for="ch" forName="arrowWedge4" refType="w" fact="0.5"/>
-          <dgm:constr type="t" for="ch" forName="arrowWedge4" refType="w" fact="0.5"/>
-          <dgm:constr type="h" for="ch" forName="arrowWedge5" refType="w" fact="0.08"/>
-          <dgm:constr type="diam" for="ch" forName="arrowWedge5" refType="w" fact="0.84"/>
-          <dgm:constr type="l" for="ch" forName="arrowWedge5" refType="w" fact="0.5"/>
-          <dgm:constr type="t" for="ch" forName="arrowWedge5" refType="w" fact="0.5"/>
-          <dgm:constr type="h" for="ch" forName="arrowWedge6" refType="w" fact="0.08"/>
-          <dgm:constr type="diam" for="ch" forName="arrowWedge6" refType="w" fact="0.84"/>
-          <dgm:constr type="l" for="ch" forName="arrowWedge6" refType="w" fact="0.5"/>
-          <dgm:constr type="t" for="ch" forName="arrowWedge6" refType="w" fact="0.5"/>
-          <dgm:constr type="primFontSz" for="ch" ptType="node" op="equ"/>
-        </dgm:constrLst>
-      </dgm:if>
-      <dgm:else name="Name7">
-        <dgm:constrLst>
-          <dgm:constr type="l" for="ch" forName="wedge1" refType="w" fact="0.0887"/>
-          <dgm:constr type="t" for="ch" forName="wedge1" refType="w" fact="0.062"/>
-          <dgm:constr type="w" for="ch" forName="wedge1" refType="w" fact="0.84"/>
-          <dgm:constr type="h" for="ch" forName="wedge1" refType="h" fact="0.84"/>
-          <dgm:constr type="l" for="ch" forName="dummy1a" refType="w" fact="0.5087"/>
-          <dgm:constr type="t" for="ch" forName="dummy1a" refType="h" fact="0.062"/>
-          <dgm:constr type="l" for="ch" forName="dummy1b" refType="w" fact="0.837"/>
-          <dgm:constr type="t" for="ch" forName="dummy1b" refType="h" fact="0.2201"/>
-          <dgm:constr type="l" for="ch" forName="wedge1Tx" refType="w" fact="0.53"/>
-          <dgm:constr type="t" for="ch" forName="wedge1Tx" refType="h" fact="0.14"/>
-          <dgm:constr type="w" for="ch" forName="wedge1Tx" refType="w" fact="0.2"/>
-          <dgm:constr type="h" for="ch" forName="wedge1Tx" refType="h" fact="0.16"/>
-          <dgm:constr type="l" for="ch" forName="wedge2" refType="w" fact="0.0995"/>
-          <dgm:constr type="t" for="ch" forName="wedge2" refType="w" fact="0.0755"/>
-          <dgm:constr type="w" for="ch" forName="wedge2" refType="w" fact="0.84"/>
-          <dgm:constr type="h" for="ch" forName="wedge2" refType="h" fact="0.84"/>
-          <dgm:constr type="l" for="ch" forName="dummy2a" refType="w" fact="0.8479"/>
-          <dgm:constr type="t" for="ch" forName="dummy2a" refType="h" fact="0.2337"/>
-          <dgm:constr type="l" for="ch" forName="dummy2b" refType="w" fact="0.929"/>
-          <dgm:constr type="t" for="ch" forName="dummy2b" refType="h" fact="0.589"/>
-          <dgm:constr type="l" for="ch" forName="wedge2Tx" refType="w" fact="0.67"/>
-          <dgm:constr type="t" for="ch" forName="wedge2Tx" refType="h" fact="0.38"/>
-          <dgm:constr type="w" for="ch" forName="wedge2Tx" refType="w" fact="0.23"/>
-          <dgm:constr type="h" for="ch" forName="wedge2Tx" refType="h" fact="0.14"/>
-          <dgm:constr type="l" for="ch" forName="wedge3" refType="w" fact="0.0956"/>
-          <dgm:constr type="t" for="ch" forName="wedge3" refType="w" fact="0.0925"/>
-          <dgm:constr type="w" for="ch" forName="wedge3" refType="w" fact="0.84"/>
-          <dgm:constr type="h" for="ch" forName="wedge3" refType="h" fact="0.84"/>
-          <dgm:constr type="l" for="ch" forName="dummy3a" refType="w" fact="0.9251"/>
-          <dgm:constr type="t" for="ch" forName="dummy3a" refType="h" fact="0.6059"/>
-          <dgm:constr type="l" for="ch" forName="dummy3b" refType="w" fact="0.6979"/>
-          <dgm:constr type="t" for="ch" forName="dummy3b" refType="h" fact="0.8909"/>
-          <dgm:constr type="l" for="ch" forName="wedge3Tx" refType="w" fact="0.635"/>
-          <dgm:constr type="t" for="ch" forName="wedge3Tx" refType="h" fact="0.59"/>
-          <dgm:constr type="w" for="ch" forName="wedge3Tx" refType="w" fact="0.2"/>
-          <dgm:constr type="h" for="ch" forName="wedge3Tx" refType="h" fact="0.155"/>
-          <dgm:constr type="l" for="ch" forName="wedge4" refType="w" fact="0.08"/>
-          <dgm:constr type="t" for="ch" forName="wedge4" refType="h" fact="0.1"/>
-          <dgm:constr type="w" for="ch" forName="wedge4" refType="w" fact="0.84"/>
-          <dgm:constr type="h" for="ch" forName="wedge4" refType="h" fact="0.84"/>
-          <dgm:constr type="l" for="ch" forName="dummy4a" refType="w" fact="0.6822"/>
-          <dgm:constr type="t" for="ch" forName="dummy4a" refType="h" fact="0.8984"/>
-          <dgm:constr type="l" for="ch" forName="dummy4b" refType="w" fact="0.3178"/>
-          <dgm:constr type="t" for="ch" forName="dummy4b" refType="h" fact="0.8984"/>
-          <dgm:constr type="l" for="ch" forName="wedge4Tx" refType="w" fact="0.4025"/>
-          <dgm:constr type="t" for="ch" forName="wedge4Tx" refType="h" fact="0.76"/>
-          <dgm:constr type="w" for="ch" forName="wedge4Tx" refType="w" fact="0.195"/>
-          <dgm:constr type="h" for="ch" forName="wedge4Tx" refType="h" fact="0.14"/>
-          <dgm:constr type="l" for="ch" forName="wedge5" refType="w" fact="0.0644"/>
-          <dgm:constr type="t" for="ch" forName="wedge5" refType="h" fact="0.0925"/>
-          <dgm:constr type="w" for="ch" forName="wedge5" refType="w" fact="0.84"/>
-          <dgm:constr type="h" for="ch" forName="wedge5" refType="h" fact="0.84"/>
-          <dgm:constr type="l" for="ch" forName="dummy5a" refType="w" fact="0.3021"/>
-          <dgm:constr type="t" for="ch" forName="dummy5a" refType="h" fact="0.8909"/>
-          <dgm:constr type="l" for="ch" forName="dummy5b" refType="w" fact="0.0749"/>
-          <dgm:constr type="t" for="ch" forName="dummy5b" refType="h" fact="0.6059"/>
-          <dgm:constr type="r" for="ch" forName="wedge5Tx" refType="w" fact="0.365"/>
-          <dgm:constr type="t" for="ch" forName="wedge5Tx" refType="h" fact="0.59"/>
-          <dgm:constr type="w" for="ch" forName="wedge5Tx" refType="w" fact="0.2"/>
-          <dgm:constr type="h" for="ch" forName="wedge5Tx" refType="h" fact="0.155"/>
-          <dgm:constr type="l" for="ch" forName="wedge6" refType="w" fact="0.0605"/>
-          <dgm:constr type="t" for="ch" forName="wedge6" refType="h" fact="0.0755"/>
-          <dgm:constr type="w" for="ch" forName="wedge6" refType="w" fact="0.84"/>
-          <dgm:constr type="h" for="ch" forName="wedge6" refType="h" fact="0.84"/>
-          <dgm:constr type="l" for="ch" forName="dummy6a" refType="w" fact="0.071"/>
-          <dgm:constr type="t" for="ch" forName="dummy6a" refType="h" fact="0.589"/>
-          <dgm:constr type="l" for="ch" forName="dummy6b" refType="w" fact="0.1521"/>
-          <dgm:constr type="t" for="ch" forName="dummy6b" refType="h" fact="0.2337"/>
-          <dgm:constr type="r" for="ch" forName="wedge6Tx" refType="w" fact="0.33"/>
-          <dgm:constr type="t" for="ch" forName="wedge6Tx" refType="h" fact="0.38"/>
-          <dgm:constr type="w" for="ch" forName="wedge6Tx" refType="w" fact="0.23"/>
-          <dgm:constr type="h" for="ch" forName="wedge6Tx" refType="h" fact="0.14"/>
-          <dgm:constr type="l" for="ch" forName="wedge7" refType="w" fact="0.0713"/>
-          <dgm:constr type="t" for="ch" forName="wedge7" refType="h" fact="0.062"/>
-          <dgm:constr type="w" for="ch" forName="wedge7" refType="w" fact="0.84"/>
-          <dgm:constr type="h" for="ch" forName="wedge7" refType="h" fact="0.84"/>
-          <dgm:constr type="l" for="ch" forName="dummy7a" refType="w" fact="0.163"/>
-          <dgm:constr type="t" for="ch" forName="dummy7a" refType="h" fact="0.2201"/>
-          <dgm:constr type="l" for="ch" forName="dummy7b" refType="w" fact="0.4913"/>
-          <dgm:constr type="t" for="ch" forName="dummy7b" refType="h" fact="0.062"/>
-          <dgm:constr type="r" for="ch" forName="wedge7Tx" refType="w" fact="0.47"/>
-          <dgm:constr type="t" for="ch" forName="wedge7Tx" refType="h" fact="0.14"/>
-          <dgm:constr type="w" for="ch" forName="wedge7Tx" refType="w" fact="0.2"/>
-          <dgm:constr type="h" for="ch" forName="wedge7Tx" refType="h" fact="0.16"/>
-          <dgm:constr type="h" for="ch" forName="arrowWedge1" refType="w" fact="0.08"/>
-          <dgm:constr type="diam" for="ch" forName="arrowWedge1" refType="w" fact="0.84"/>
-          <dgm:constr type="l" for="ch" forName="arrowWedge1" refType="w" fact="0.5"/>
-          <dgm:constr type="t" for="ch" forName="arrowWedge1" refType="w" fact="0.5"/>
-          <dgm:constr type="h" for="ch" forName="arrowWedge2" refType="w" fact="0.08"/>
-          <dgm:constr type="diam" for="ch" forName="arrowWedge2" refType="w" fact="0.84"/>
-          <dgm:constr type="l" for="ch" forName="arrowWedge2" refType="w" fact="0.5"/>
-          <dgm:constr type="t" for="ch" forName="arrowWedge2" refType="w" fact="0.5"/>
-          <dgm:constr type="h" for="ch" forName="arrowWedge3" refType="w" fact="0.08"/>
-          <dgm:constr type="diam" for="ch" forName="arrowWedge3" refType="w" fact="0.84"/>
-          <dgm:constr type="l" for="ch" forName="arrowWedge3" refType="w" fact="0.5"/>
-          <dgm:constr type="t" for="ch" forName="arrowWedge3" refType="w" fact="0.5"/>
-          <dgm:constr type="h" for="ch" forName="arrowWedge4" refType="w" fact="0.08"/>
-          <dgm:constr type="diam" for="ch" forName="arrowWedge4" refType="w" fact="0.84"/>
-          <dgm:constr type="l" for="ch" forName="arrowWedge4" refType="w" fact="0.5"/>
-          <dgm:constr type="t" for="ch" forName="arrowWedge4" refType="w" fact="0.5"/>
-          <dgm:constr type="h" for="ch" forName="arrowWedge5" refType="w" fact="0.08"/>
-          <dgm:constr type="diam" for="ch" forName="arrowWedge5" refType="w" fact="0.84"/>
-          <dgm:constr type="l" for="ch" forName="arrowWedge5" refType="w" fact="0.5"/>
-          <dgm:constr type="t" for="ch" forName="arrowWedge5" refType="w" fact="0.5"/>
-          <dgm:constr type="h" for="ch" forName="arrowWedge6" refType="w" fact="0.08"/>
-          <dgm:constr type="diam" for="ch" forName="arrowWedge6" refType="w" fact="0.84"/>
-          <dgm:constr type="l" for="ch" forName="arrowWedge6" refType="w" fact="0.5"/>
-          <dgm:constr type="t" for="ch" forName="arrowWedge6" refType="w" fact="0.5"/>
-          <dgm:constr type="h" for="ch" forName="arrowWedge7" refType="w" fact="0.08"/>
-          <dgm:constr type="diam" for="ch" forName="arrowWedge7" refType="w" fact="0.84"/>
-          <dgm:constr type="l" for="ch" forName="arrowWedge7" refType="w" fact="0.5"/>
-          <dgm:constr type="t" for="ch" forName="arrowWedge7" refType="w" fact="0.5"/>
-          <dgm:constr type="primFontSz" for="ch" ptType="node" op="equ"/>
-        </dgm:constrLst>
-      </dgm:else>
-    </dgm:choose>
-    <dgm:ruleLst/>
-    <dgm:choose name="Name8">
-      <dgm:if name="Name9" axis="ch" ptType="node" func="cnt" op="gte" val="1">
-        <dgm:layoutNode name="wedge1">
-          <dgm:alg type="sp"/>
-          <dgm:choose name="Name10">
-            <dgm:if name="Name11" axis="ch" ptType="node" func="cnt" op="equ" val="1">
-              <dgm:shape xmlns:r="http://schemas.openxmlformats.org/officeDocument/2006/relationships" type="ellipse" r:blip="">
+        <dgm:ruleLst>
+          <dgm:rule type="primFontSz" val="5" fact="NaN" max="NaN"/>
+        </dgm:ruleLst>
+      </dgm:layoutNode>
+      <dgm:choose name="Name9">
+        <dgm:if name="Name10" axis="par ch" ptType="doc node" func="cnt" op="gt" val="1">
+          <dgm:forEach name="sibTransForEach" axis="followSib" ptType="sibTrans" hideLastTrans="0" cnt="1">
+            <dgm:layoutNode name="sibTrans">
+              <dgm:choose name="Name11">
+                <dgm:if name="Name12" axis="par ch" ptType="doc node" func="cnt" op="lt" val="3">
+                  <dgm:alg type="conn">
+                    <dgm:param type="begPts" val="radial"/>
+                    <dgm:param type="endPts" val="radial"/>
+                  </dgm:alg>
+                </dgm:if>
+                <dgm:else name="Name13">
+                  <dgm:alg type="conn">
+                    <dgm:param type="begPts" val="auto"/>
+                    <dgm:param type="endPts" val="auto"/>
+                  </dgm:alg>
+                </dgm:else>
+              </dgm:choose>
+              <dgm:shape xmlns:r="http://schemas.openxmlformats.org/officeDocument/2006/relationships" type="conn" r:blip="">
                 <dgm:adjLst/>
               </dgm:shape>
-            </dgm:if>
-            <dgm:if name="Name12" axis="ch" ptType="node" func="cnt" op="equ" val="2">
-              <dgm:shape xmlns:r="http://schemas.openxmlformats.org/officeDocument/2006/relationships" type="pie" r:blip="">
-                <dgm:adjLst>
-                  <dgm:adj idx="1" val="270"/>
-                  <dgm:adj idx="2" val="90"/>
-                </dgm:adjLst>
-              </dgm:shape>
-            </dgm:if>
-            <dgm:if name="Name13" axis="ch" ptType="node" func="cnt" op="equ" val="3">
-              <dgm:shape xmlns:r="http://schemas.openxmlformats.org/officeDocument/2006/relationships" type="pie" r:blip="">
-                <dgm:adjLst>
-                  <dgm:adj idx="1" val="270"/>
-                  <dgm:adj idx="2" val="30"/>
-                </dgm:adjLst>
-              </dgm:shape>
-            </dgm:if>
-            <dgm:if name="Name14" axis="ch" ptType="node" func="cnt" op="equ" val="4">
-              <dgm:shape xmlns:r="http://schemas.openxmlformats.org/officeDocument/2006/relationships" type="pie" r:blip="">
-                <dgm:adjLst>
-                  <dgm:adj idx="1" val="270"/>
-                  <dgm:adj idx="2" val="0"/>
-                </dgm:adjLst>
-              </dgm:shape>
-            </dgm:if>
-            <dgm:if name="Name15" axis="ch" ptType="node" func="cnt" op="equ" val="5">
-              <dgm:shape xmlns:r="http://schemas.openxmlformats.org/officeDocument/2006/relationships" type="pie" r:blip="">
-                <dgm:adjLst>
-                  <dgm:adj idx="1" val="270"/>
-                  <dgm:adj idx="2" val="342"/>
-                </dgm:adjLst>
-              </dgm:shape>
-            </dgm:if>
-            <dgm:if name="Name16" axis="ch" ptType="node" func="cnt" op="equ" val="6">
-              <dgm:shape xmlns:r="http://schemas.openxmlformats.org/officeDocument/2006/relationships" type="pie" r:blip="">
-                <dgm:adjLst>
-                  <dgm:adj idx="1" val="270"/>
-                  <dgm:adj idx="2" val="330"/>
-                </dgm:adjLst>
-              </dgm:shape>
-            </dgm:if>
-            <dgm:else name="Name17">
-              <dgm:shape xmlns:r="http://schemas.openxmlformats.org/officeDocument/2006/relationships" type="pie" r:blip="">
-                <dgm:adjLst>
-                  <dgm:adj idx="1" val="270"/>
-                  <dgm:adj idx="2" val="321.4286"/>
-                </dgm:adjLst>
-              </dgm:shape>
-            </dgm:else>
-          </dgm:choose>
-          <dgm:choose name="Name18">
-            <dgm:if name="Name19" func="var" arg="dir" op="equ" val="norm">
-              <dgm:presOf axis="ch desOrSelf" ptType="node node" st="1 1" cnt="1 0"/>
-            </dgm:if>
-            <dgm:else name="Name20">
-              <dgm:choose name="Name21">
-                <dgm:if name="Name22" axis="ch" ptType="node" func="cnt" op="equ" val="1">
-                  <dgm:presOf axis="ch desOrSelf" ptType="node node" st="1 1" cnt="1 0"/>
-                </dgm:if>
-                <dgm:if name="Name23" axis="ch" ptType="node" func="cnt" op="equ" val="2">
-                  <dgm:presOf axis="ch desOrSelf" ptType="node node" st="2 1" cnt="1 0"/>
-                </dgm:if>
-                <dgm:if name="Name24" axis="ch" ptType="node" func="cnt" op="equ" val="3">
-                  <dgm:presOf axis="ch desOrSelf" ptType="node node" st="3 1" cnt="1 0"/>
-                </dgm:if>
-                <dgm:if name="Name25" axis="ch" ptType="node" func="cnt" op="equ" val="4">
-                  <dgm:presOf axis="ch desOrSelf" ptType="node node" st="4 1" cnt="1 0"/>
-                </dgm:if>
-                <dgm:if name="Name26" axis="ch" ptType="node" func="cnt" op="equ" val="5">
-                  <dgm:presOf axis="ch desOrSelf" ptType="node node" st="5 1" cnt="1 0"/>
-                </dgm:if>
-                <dgm:if name="Name27" axis="ch" ptType="node" func="cnt" op="equ" val="6">
-                  <dgm:presOf axis="ch desOrSelf" ptType="node node" st="6 1" cnt="1 0"/>
-                </dgm:if>
-                <dgm:else name="Name28">
-                  <dgm:presOf axis="ch desOrSelf" ptType="node node" st="7 1" cnt="1 0"/>
-                </dgm:else>
-              </dgm:choose>
-            </dgm:else>
-          </dgm:choose>
-          <dgm:constrLst/>
-          <dgm:ruleLst/>
-        </dgm:layoutNode>
-        <dgm:layoutNode name="dummy1a" moveWith="wedge1">
-          <dgm:alg type="sp"/>
-          <dgm:shape xmlns:r="http://schemas.openxmlformats.org/officeDocument/2006/relationships" r:blip="">
-            <dgm:adjLst/>
-          </dgm:shape>
-          <dgm:presOf/>
-          <dgm:constrLst>
-            <dgm:constr type="w" val="1"/>
-            <dgm:constr type="h" val="1"/>
-          </dgm:constrLst>
-          <dgm:ruleLst/>
-        </dgm:layoutNode>
-        <dgm:layoutNode name="dummy1b" moveWith="wedge1">
-          <dgm:alg type="sp"/>
-          <dgm:shape xmlns:r="http://schemas.openxmlformats.org/officeDocument/2006/relationships" r:blip="">
-            <dgm:adjLst/>
-          </dgm:shape>
-          <dgm:presOf/>
-          <dgm:constrLst>
-            <dgm:constr type="w" val="1"/>
-            <dgm:constr type="h" val="1"/>
-          </dgm:constrLst>
-          <dgm:ruleLst/>
-        </dgm:layoutNode>
-        <dgm:layoutNode name="wedge1Tx" moveWith="wedge1">
-          <dgm:varLst>
-            <dgm:chMax val="0"/>
-            <dgm:chPref val="0"/>
-            <dgm:bulletEnabled val="1"/>
-          </dgm:varLst>
-          <dgm:alg type="tx"/>
-          <dgm:shape xmlns:r="http://schemas.openxmlformats.org/officeDocument/2006/relationships" type="rect" r:blip="" hideGeom="1">
-            <dgm:adjLst/>
-          </dgm:shape>
-          <dgm:choose name="Name29">
-            <dgm:if name="Name30" func="var" arg="dir" op="equ" val="norm">
-              <dgm:presOf axis="ch desOrSelf" ptType="node node" st="1 1" cnt="1 0"/>
-            </dgm:if>
-            <dgm:else name="Name31">
-              <dgm:choose name="Name32">
-                <dgm:if name="Name33" axis="ch" ptType="node" func="cnt" op="equ" val="1">
-                  <dgm:presOf axis="ch desOrSelf" ptType="node node" st="1 1" cnt="1 0"/>
-                </dgm:if>
-                <dgm:if name="Name34" axis="ch" ptType="node" func="cnt" op="equ" val="2">
-                  <dgm:presOf axis="ch desOrSelf" ptType="node node" st="2 1" cnt="1 0"/>
-                </dgm:if>
-                <dgm:if name="Name35" axis="ch" ptType="node" func="cnt" op="equ" val="3">
-                  <dgm:presOf axis="ch desOrSelf" ptType="node node" st="3 1" cnt="1 0"/>
-                </dgm:if>
-                <dgm:if name="Name36" axis="ch" ptType="node" func="cnt" op="equ" val="4">
-                  <dgm:presOf axis="ch desOrSelf" ptType="node node" st="4 1" cnt="1 0"/>
-                </dgm:if>
-                <dgm:if name="Name37" axis="ch" ptType="node" func="cnt" op="equ" val="5">
-                  <dgm:presOf axis="ch desOrSelf" ptType="node node" st="5 1" cnt="1 0"/>
-                </dgm:if>
-                <dgm:if name="Name38" axis="ch" ptType="node" func="cnt" op="equ" val="6">
-                  <dgm:presOf axis="ch desOrSelf" ptType="node node" st="6 1" cnt="1 0"/>
-                </dgm:if>
-                <dgm:else name="Name39">
-                  <dgm:presOf axis="ch desOrSelf" ptType="node node" st="7 1" cnt="1 0"/>
-                </dgm:else>
-              </dgm:choose>
-            </dgm:else>
-          </dgm:choose>
-          <dgm:constrLst>
-            <dgm:constr type="tMarg" refType="primFontSz" fact="0.1"/>
-            <dgm:constr type="bMarg" refType="primFontSz" fact="0.1"/>
-            <dgm:constr type="lMarg" refType="primFontSz" fact="0.1"/>
-            <dgm:constr type="rMarg" refType="primFontSz" fact="0.1"/>
-            <dgm:constr type="primFontSz" val="65"/>
-          </dgm:constrLst>
-          <dgm:ruleLst>
-            <dgm:rule type="primFontSz" val="5" fact="NaN" max="NaN"/>
-          </dgm:ruleLst>
-        </dgm:layoutNode>
-      </dgm:if>
-      <dgm:else name="Name40"/>
-    </dgm:choose>
-    <dgm:choose name="Name41">
-      <dgm:if name="Name42" axis="ch" ptType="node" func="cnt" op="gte" val="2">
-        <dgm:layoutNode name="wedge2">
-          <dgm:alg type="sp"/>
-          <dgm:choose name="Name43">
-            <dgm:if name="Name44" axis="ch" ptType="node" func="cnt" op="equ" val="2">
-              <dgm:shape xmlns:r="http://schemas.openxmlformats.org/officeDocument/2006/relationships" type="pie" r:blip="">
-                <dgm:adjLst>
-                  <dgm:adj idx="1" val="90"/>
-                  <dgm:adj idx="2" val="270"/>
-                </dgm:adjLst>
-              </dgm:shape>
-            </dgm:if>
-            <dgm:if name="Name45" axis="ch" ptType="node" func="cnt" op="equ" val="3">
-              <dgm:shape xmlns:r="http://schemas.openxmlformats.org/officeDocument/2006/relationships" type="pie" r:blip="">
-                <dgm:adjLst>
-                  <dgm:adj idx="1" val="30"/>
-                  <dgm:adj idx="2" val="150"/>
-                </dgm:adjLst>
-              </dgm:shape>
-            </dgm:if>
-            <dgm:if name="Name46" axis="ch" ptType="node" func="cnt" op="equ" val="4">
-              <dgm:shape xmlns:r="http://schemas.openxmlformats.org/officeDocument/2006/relationships" type="pie" r:blip="">
-                <dgm:adjLst>
-                  <dgm:adj idx="1" val="0"/>
-                  <dgm:adj idx="2" val="90"/>
-                </dgm:adjLst>
-              </dgm:shape>
-            </dgm:if>
-            <dgm:if name="Name47" axis="ch" ptType="node" func="cnt" op="equ" val="5">
-              <dgm:shape xmlns:r="http://schemas.openxmlformats.org/officeDocument/2006/relationships" type="pie" r:blip="">
-                <dgm:adjLst>
-                  <dgm:adj idx="1" val="342"/>
-                  <dgm:adj idx="2" val="54"/>
-                </dgm:adjLst>
-              </dgm:shape>
-            </dgm:if>
-            <dgm:if name="Name48" axis="ch" ptType="node" func="cnt" op="equ" val="6">
-              <dgm:shape xmlns:r="http://schemas.openxmlformats.org/officeDocument/2006/relationships" type="pie" r:blip="">
-                <dgm:adjLst>
-                  <dgm:adj idx="1" val="330"/>
-                  <dgm:adj idx="2" val="30"/>
-                </dgm:adjLst>
-              </dgm:shape>
-            </dgm:if>
-            <dgm:else name="Name49">
-              <dgm:shape xmlns:r="http://schemas.openxmlformats.org/officeDocument/2006/relationships" type="pie" r:blip="">
-                <dgm:adjLst>
-                  <dgm:adj idx="1" val="321.4286"/>
-                  <dgm:adj idx="2" val="12.85714"/>
-                </dgm:adjLst>
-              </dgm:shape>
-            </dgm:else>
-          </dgm:choose>
-          <dgm:choose name="Name50">
-            <dgm:if name="Name51" func="var" arg="dir" op="equ" val="norm">
-              <dgm:presOf axis="ch desOrSelf" ptType="node node" st="2 1" cnt="1 0"/>
-            </dgm:if>
-            <dgm:else name="Name52">
-              <dgm:choose name="Name53">
-                <dgm:if name="Name54" axis="ch" ptType="node" func="cnt" op="equ" val="2">
-                  <dgm:presOf axis="ch desOrSelf" ptType="node node" st="1 1" cnt="1 0"/>
-                </dgm:if>
-                <dgm:if name="Name55" axis="ch" ptType="node" func="cnt" op="equ" val="3">
-                  <dgm:presOf axis="ch desOrSelf" ptType="node node" st="2 1" cnt="1 0"/>
-                </dgm:if>
-                <dgm:if name="Name56" axis="ch" ptType="node" func="cnt" op="equ" val="4">
-                  <dgm:presOf axis="ch desOrSelf" ptType="node node" st="3 1" cnt="1 0"/>
-                </dgm:if>
-                <dgm:if name="Name57" axis="ch" ptType="node" func="cnt" op="equ" val="5">
-                  <dgm:presOf axis="ch desOrSelf" ptType="node node" st="4 1" cnt="1 0"/>
-                </dgm:if>
-                <dgm:if name="Name58" axis="ch" ptType="node" func="cnt" op="equ" val="6">
-                  <dgm:presOf axis="ch desOrSelf" ptType="node node" st="5 1" cnt="1 0"/>
-                </dgm:if>
-                <dgm:else name="Name59">
-                  <dgm:presOf axis="ch desOrSelf" ptType="node node" st="6 1" cnt="1 0"/>
-                </dgm:else>
-              </dgm:choose>
-            </dgm:else>
-          </dgm:choose>
-          <dgm:constrLst/>
-          <dgm:ruleLst/>
-        </dgm:layoutNode>
-        <dgm:layoutNode name="dummy2a" moveWith="wedge2">
-          <dgm:alg type="sp"/>
-          <dgm:shape xmlns:r="http://schemas.openxmlformats.org/officeDocument/2006/relationships" r:blip="">
-            <dgm:adjLst/>
-          </dgm:shape>
-          <dgm:presOf/>
-          <dgm:constrLst>
-            <dgm:constr type="w" val="1"/>
-            <dgm:constr type="h" val="1"/>
-          </dgm:constrLst>
-          <dgm:ruleLst/>
-        </dgm:layoutNode>
-        <dgm:layoutNode name="dummy2b" moveWith="wedge2">
-          <dgm:alg type="sp"/>
-          <dgm:shape xmlns:r="http://schemas.openxmlformats.org/officeDocument/2006/relationships" r:blip="">
-            <dgm:adjLst/>
-          </dgm:shape>
-          <dgm:presOf/>
-          <dgm:constrLst>
-            <dgm:constr type="w" val="1"/>
-            <dgm:constr type="h" val="1"/>
-          </dgm:constrLst>
-          <dgm:ruleLst/>
-        </dgm:layoutNode>
-        <dgm:layoutNode name="wedge2Tx" moveWith="wedge2">
-          <dgm:varLst>
-            <dgm:chMax val="0"/>
-            <dgm:chPref val="0"/>
-            <dgm:bulletEnabled val="1"/>
-          </dgm:varLst>
-          <dgm:alg type="tx"/>
-          <dgm:shape xmlns:r="http://schemas.openxmlformats.org/officeDocument/2006/relationships" type="rect" r:blip="" hideGeom="1">
-            <dgm:adjLst/>
-          </dgm:shape>
-          <dgm:choose name="Name60">
-            <dgm:if name="Name61" func="var" arg="dir" op="equ" val="norm">
-              <dgm:presOf axis="ch desOrSelf" ptType="node node" st="2 1" cnt="1 0"/>
-            </dgm:if>
-            <dgm:else name="Name62">
-              <dgm:choose name="Name63">
-                <dgm:if name="Name64" axis="ch" ptType="node" func="cnt" op="equ" val="2">
-                  <dgm:presOf axis="ch desOrSelf" ptType="node node" st="1 1" cnt="1 0"/>
-                </dgm:if>
-                <dgm:if name="Name65" axis="ch" ptType="node" func="cnt" op="equ" val="3">
-                  <dgm:presOf axis="ch desOrSelf" ptType="node node" st="2 1" cnt="1 0"/>
-                </dgm:if>
-                <dgm:if name="Name66" axis="ch" ptType="node" func="cnt" op="equ" val="4">
-                  <dgm:presOf axis="ch desOrSelf" ptType="node node" st="3 1" cnt="1 0"/>
-                </dgm:if>
-                <dgm:if name="Name67" axis="ch" ptType="node" func="cnt" op="equ" val="5">
-                  <dgm:presOf axis="ch desOrSelf" ptType="node node" st="4 1" cnt="1 0"/>
-                </dgm:if>
-                <dgm:if name="Name68" axis="ch" ptType="node" func="cnt" op="equ" val="6">
-                  <dgm:presOf axis="ch desOrSelf" ptType="node node" st="5 1" cnt="1 0"/>
-                </dgm:if>
-                <dgm:else name="Name69">
-                  <dgm:presOf axis="ch desOrSelf" ptType="node node" st="6 1" cnt="1 0"/>
-                </dgm:else>
-              </dgm:choose>
-            </dgm:else>
-          </dgm:choose>
-          <dgm:constrLst>
-            <dgm:constr type="tMarg" refType="primFontSz" fact="0.1"/>
-            <dgm:constr type="bMarg" refType="primFontSz" fact="0.1"/>
-            <dgm:constr type="lMarg" refType="primFontSz" fact="0.1"/>
-            <dgm:constr type="rMarg" refType="primFontSz" fact="0.1"/>
-            <dgm:constr type="primFontSz" val="65"/>
-          </dgm:constrLst>
-          <dgm:ruleLst>
-            <dgm:rule type="primFontSz" val="5" fact="NaN" max="NaN"/>
-          </dgm:ruleLst>
-        </dgm:layoutNode>
-      </dgm:if>
-      <dgm:else name="Name70"/>
-    </dgm:choose>
-    <dgm:choose name="Name71">
-      <dgm:if name="Name72" axis="ch" ptType="node" func="cnt" op="gte" val="3">
-        <dgm:layoutNode name="wedge3">
-          <dgm:alg type="sp"/>
-          <dgm:choose name="Name73">
-            <dgm:if name="Name74" axis="ch" ptType="node" func="cnt" op="equ" val="3">
-              <dgm:shape xmlns:r="http://schemas.openxmlformats.org/officeDocument/2006/relationships" type="pie" r:blip="">
-                <dgm:adjLst>
-                  <dgm:adj idx="1" val="150"/>
-                  <dgm:adj idx="2" val="270"/>
-                </dgm:adjLst>
-              </dgm:shape>
-            </dgm:if>
-            <dgm:if name="Name75" axis="ch" ptType="node" func="cnt" op="equ" val="4">
-              <dgm:shape xmlns:r="http://schemas.openxmlformats.org/officeDocument/2006/relationships" type="pie" r:blip="">
-                <dgm:adjLst>
-                  <dgm:adj idx="1" val="90"/>
-                  <dgm:adj idx="2" val="180"/>
-                </dgm:adjLst>
-              </dgm:shape>
-            </dgm:if>
-            <dgm:if name="Name76" axis="ch" ptType="node" func="cnt" op="equ" val="5">
-              <dgm:shape xmlns:r="http://schemas.openxmlformats.org/officeDocument/2006/relationships" type="pie" r:blip="">
-                <dgm:adjLst>
-                  <dgm:adj idx="1" val="54"/>
-                  <dgm:adj idx="2" val="126"/>
-                </dgm:adjLst>
-              </dgm:shape>
-            </dgm:if>
-            <dgm:if name="Name77" axis="ch" ptType="node" func="cnt" op="equ" val="6">
-              <dgm:shape xmlns:r="http://schemas.openxmlformats.org/officeDocument/2006/relationships" type="pie" r:blip="">
-                <dgm:adjLst>
-                  <dgm:adj idx="1" val="30"/>
-                  <dgm:adj idx="2" val="90"/>
-                </dgm:adjLst>
-              </dgm:shape>
-            </dgm:if>
-            <dgm:else name="Name78">
-              <dgm:shape xmlns:r="http://schemas.openxmlformats.org/officeDocument/2006/relationships" type="pie" r:blip="">
-                <dgm:adjLst>
-                  <dgm:adj idx="1" val="12.85714"/>
-                  <dgm:adj idx="2" val="64.28571"/>
-                </dgm:adjLst>
-              </dgm:shape>
-            </dgm:else>
-          </dgm:choose>
-          <dgm:choose name="Name79">
-            <dgm:if name="Name80" func="var" arg="dir" op="equ" val="norm">
-              <dgm:presOf axis="ch desOrSelf" ptType="node node" st="3 1" cnt="1 0"/>
-            </dgm:if>
-            <dgm:else name="Name81">
-              <dgm:choose name="Name82">
-                <dgm:if name="Name83" axis="ch" ptType="node" func="cnt" op="equ" val="3">
-                  <dgm:presOf axis="ch desOrSelf" ptType="node node" st="1 1" cnt="1 0"/>
-                </dgm:if>
-                <dgm:if name="Name84" axis="ch" ptType="node" func="cnt" op="equ" val="4">
-                  <dgm:presOf axis="ch desOrSelf" ptType="node node" st="2 1" cnt="1 0"/>
-                </dgm:if>
-                <dgm:if name="Name85" axis="ch" ptType="node" func="cnt" op="equ" val="5">
-                  <dgm:presOf axis="ch desOrSelf" ptType="node node" st="3 1" cnt="1 0"/>
-                </dgm:if>
-                <dgm:if name="Name86" axis="ch" ptType="node" func="cnt" op="equ" val="6">
-                  <dgm:presOf axis="ch desOrSelf" ptType="node node" st="4 1" cnt="1 0"/>
-                </dgm:if>
-                <dgm:else name="Name87">
-                  <dgm:presOf axis="ch desOrSelf" ptType="node node" st="5 1" cnt="1 0"/>
-                </dgm:else>
-              </dgm:choose>
-            </dgm:else>
-          </dgm:choose>
-          <dgm:constrLst/>
-          <dgm:ruleLst/>
-        </dgm:layoutNode>
-        <dgm:layoutNode name="dummy3a" moveWith="wedge3">
-          <dgm:alg type="sp"/>
-          <dgm:shape xmlns:r="http://schemas.openxmlformats.org/officeDocument/2006/relationships" r:blip="">
-            <dgm:adjLst/>
-          </dgm:shape>
-          <dgm:presOf/>
-          <dgm:constrLst>
-            <dgm:constr type="w" val="1"/>
-            <dgm:constr type="h" val="1"/>
-          </dgm:constrLst>
-          <dgm:ruleLst/>
-        </dgm:layoutNode>
-        <dgm:layoutNode name="dummy3b" moveWith="wedge3">
-          <dgm:alg type="sp"/>
-          <dgm:shape xmlns:r="http://schemas.openxmlformats.org/officeDocument/2006/relationships" r:blip="">
-            <dgm:adjLst/>
-          </dgm:shape>
-          <dgm:presOf/>
-          <dgm:constrLst>
-            <dgm:constr type="w" val="1"/>
-            <dgm:constr type="h" val="1"/>
-          </dgm:constrLst>
-          <dgm:ruleLst/>
-        </dgm:layoutNode>
-        <dgm:layoutNode name="wedge3Tx" moveWith="wedge3">
-          <dgm:varLst>
-            <dgm:chMax val="0"/>
-            <dgm:chPref val="0"/>
-            <dgm:bulletEnabled val="1"/>
-          </dgm:varLst>
-          <dgm:alg type="tx"/>
-          <dgm:shape xmlns:r="http://schemas.openxmlformats.org/officeDocument/2006/relationships" type="rect" r:blip="" hideGeom="1">
-            <dgm:adjLst/>
-          </dgm:shape>
-          <dgm:choose name="Name88">
-            <dgm:if name="Name89" func="var" arg="dir" op="equ" val="norm">
-              <dgm:presOf axis="ch desOrSelf" ptType="node node" st="3 1" cnt="1 0"/>
-            </dgm:if>
-            <dgm:else name="Name90">
-              <dgm:choose name="Name91">
-                <dgm:if name="Name92" axis="ch" ptType="node" func="cnt" op="equ" val="3">
-                  <dgm:presOf axis="ch desOrSelf" ptType="node node" st="1 1" cnt="1 0"/>
-                </dgm:if>
-                <dgm:if name="Name93" axis="ch" ptType="node" func="cnt" op="equ" val="4">
-                  <dgm:presOf axis="ch desOrSelf" ptType="node node" st="2 1" cnt="1 0"/>
-                </dgm:if>
-                <dgm:if name="Name94" axis="ch" ptType="node" func="cnt" op="equ" val="5">
-                  <dgm:presOf axis="ch desOrSelf" ptType="node node" st="3 1" cnt="1 0"/>
-                </dgm:if>
-                <dgm:if name="Name95" axis="ch" ptType="node" func="cnt" op="equ" val="6">
-                  <dgm:presOf axis="ch desOrSelf" ptType="node node" st="4 1" cnt="1 0"/>
-                </dgm:if>
-                <dgm:else name="Name96">
-                  <dgm:presOf axis="ch desOrSelf" ptType="node node" st="5 1" cnt="1 0"/>
-                </dgm:else>
-              </dgm:choose>
-            </dgm:else>
-          </dgm:choose>
-          <dgm:constrLst>
-            <dgm:constr type="tMarg" refType="primFontSz" fact="0.1"/>
-            <dgm:constr type="bMarg" refType="primFontSz" fact="0.1"/>
-            <dgm:constr type="lMarg" refType="primFontSz" fact="0.1"/>
-            <dgm:constr type="rMarg" refType="primFontSz" fact="0.1"/>
-            <dgm:constr type="primFontSz" val="65"/>
-          </dgm:constrLst>
-          <dgm:ruleLst>
-            <dgm:rule type="primFontSz" val="5" fact="NaN" max="NaN"/>
-          </dgm:ruleLst>
-        </dgm:layoutNode>
-      </dgm:if>
-      <dgm:else name="Name97"/>
-    </dgm:choose>
-    <dgm:choose name="Name98">
-      <dgm:if name="Name99" axis="ch" ptType="node" func="cnt" op="gte" val="4">
-        <dgm:layoutNode name="wedge4">
-          <dgm:alg type="sp"/>
-          <dgm:choose name="Name100">
-            <dgm:if name="Name101" axis="ch" ptType="node" func="cnt" op="equ" val="4">
-              <dgm:shape xmlns:r="http://schemas.openxmlformats.org/officeDocument/2006/relationships" type="pie" r:blip="">
-                <dgm:adjLst>
-                  <dgm:adj idx="1" val="180"/>
-                  <dgm:adj idx="2" val="270"/>
-                </dgm:adjLst>
-              </dgm:shape>
-            </dgm:if>
-            <dgm:if name="Name102" axis="ch" ptType="node" func="cnt" op="equ" val="5">
-              <dgm:shape xmlns:r="http://schemas.openxmlformats.org/officeDocument/2006/relationships" type="pie" r:blip="">
-                <dgm:adjLst>
-                  <dgm:adj idx="1" val="126"/>
-                  <dgm:adj idx="2" val="198"/>
-                </dgm:adjLst>
-              </dgm:shape>
-            </dgm:if>
-            <dgm:if name="Name103" axis="ch" ptType="node" func="cnt" op="equ" val="6">
-              <dgm:shape xmlns:r="http://schemas.openxmlformats.org/officeDocument/2006/relationships" type="pie" r:blip="">
-                <dgm:adjLst>
-                  <dgm:adj idx="1" val="90"/>
-                  <dgm:adj idx="2" val="150"/>
-                </dgm:adjLst>
-              </dgm:shape>
-            </dgm:if>
-            <dgm:else name="Name104">
-              <dgm:shape xmlns:r="http://schemas.openxmlformats.org/officeDocument/2006/relationships" type="pie" r:blip="">
-                <dgm:adjLst>
-                  <dgm:adj idx="1" val="64.2871"/>
-                  <dgm:adj idx="2" val="115.7143"/>
-                </dgm:adjLst>
-              </dgm:shape>
-            </dgm:else>
-          </dgm:choose>
-          <dgm:choose name="Name105">
-            <dgm:if name="Name106" func="var" arg="dir" op="equ" val="norm">
-              <dgm:presOf axis="ch desOrSelf" ptType="node node" st="4 1" cnt="1 0"/>
-            </dgm:if>
-            <dgm:else name="Name107">
-              <dgm:choose name="Name108">
-                <dgm:if name="Name109" axis="ch" ptType="node" func="cnt" op="equ" val="4">
-                  <dgm:presOf axis="ch desOrSelf" ptType="node node" st="1 1" cnt="1 0"/>
-                </dgm:if>
-                <dgm:if name="Name110" axis="ch" ptType="node" func="cnt" op="equ" val="5">
-                  <dgm:presOf axis="ch desOrSelf" ptType="node node" st="2 1" cnt="1 0"/>
-                </dgm:if>
-                <dgm:if name="Name111" axis="ch" ptType="node" func="cnt" op="equ" val="6">
-                  <dgm:presOf axis="ch desOrSelf" ptType="node node" st="3 1" cnt="1 0"/>
-                </dgm:if>
-                <dgm:else name="Name112">
-                  <dgm:presOf axis="ch desOrSelf" ptType="node node" st="4 1" cnt="1 0"/>
-                </dgm:else>
-              </dgm:choose>
-            </dgm:else>
-          </dgm:choose>
-          <dgm:constrLst/>
-          <dgm:ruleLst/>
-        </dgm:layoutNode>
-        <dgm:layoutNode name="dummy4a" moveWith="wedge4">
-          <dgm:alg type="sp"/>
-          <dgm:shape xmlns:r="http://schemas.openxmlformats.org/officeDocument/2006/relationships" r:blip="">
-            <dgm:adjLst/>
-          </dgm:shape>
-          <dgm:presOf/>
-          <dgm:constrLst>
-            <dgm:constr type="w" val="1"/>
-            <dgm:constr type="h" val="1"/>
-          </dgm:constrLst>
-          <dgm:ruleLst/>
-        </dgm:layoutNode>
-        <dgm:layoutNode name="dummy4b" moveWith="wedge4">
-          <dgm:alg type="sp"/>
-          <dgm:shape xmlns:r="http://schemas.openxmlformats.org/officeDocument/2006/relationships" r:blip="">
-            <dgm:adjLst/>
-          </dgm:shape>
-          <dgm:presOf/>
-          <dgm:constrLst>
-            <dgm:constr type="w" val="1"/>
-            <dgm:constr type="h" val="1"/>
-          </dgm:constrLst>
-          <dgm:ruleLst/>
-        </dgm:layoutNode>
-        <dgm:layoutNode name="wedge4Tx" moveWith="wedge4">
-          <dgm:varLst>
-            <dgm:chMax val="0"/>
-            <dgm:chPref val="0"/>
-            <dgm:bulletEnabled val="1"/>
-          </dgm:varLst>
-          <dgm:alg type="tx"/>
-          <dgm:shape xmlns:r="http://schemas.openxmlformats.org/officeDocument/2006/relationships" type="rect" r:blip="" hideGeom="1">
-            <dgm:adjLst/>
-          </dgm:shape>
-          <dgm:choose name="Name113">
-            <dgm:if name="Name114" func="var" arg="dir" op="equ" val="norm">
-              <dgm:presOf axis="ch desOrSelf" ptType="node node" st="4 1" cnt="1 0"/>
-            </dgm:if>
-            <dgm:else name="Name115">
-              <dgm:choose name="Name116">
-                <dgm:if name="Name117" axis="ch" ptType="node" func="cnt" op="equ" val="4">
-                  <dgm:presOf axis="ch desOrSelf" ptType="node node" st="1 1" cnt="1 0"/>
-                </dgm:if>
-                <dgm:if name="Name118" axis="ch" ptType="node" func="cnt" op="equ" val="5">
-                  <dgm:presOf axis="ch desOrSelf" ptType="node node" st="2 1" cnt="1 0"/>
-                </dgm:if>
-                <dgm:if name="Name119" axis="ch" ptType="node" func="cnt" op="equ" val="6">
-                  <dgm:presOf axis="ch desOrSelf" ptType="node node" st="3 1" cnt="1 0"/>
-                </dgm:if>
-                <dgm:else name="Name120">
-                  <dgm:presOf axis="ch desOrSelf" ptType="node node" st="4 1" cnt="1 0"/>
-                </dgm:else>
-              </dgm:choose>
-            </dgm:else>
-          </dgm:choose>
-          <dgm:constrLst>
-            <dgm:constr type="tMarg" refType="primFontSz" fact="0.1"/>
-            <dgm:constr type="bMarg" refType="primFontSz" fact="0.1"/>
-            <dgm:constr type="lMarg" refType="primFontSz" fact="0.1"/>
-            <dgm:constr type="rMarg" refType="primFontSz" fact="0.1"/>
-            <dgm:constr type="primFontSz" val="65"/>
-          </dgm:constrLst>
-          <dgm:ruleLst>
-            <dgm:rule type="primFontSz" val="5" fact="NaN" max="NaN"/>
-          </dgm:ruleLst>
-        </dgm:layoutNode>
-      </dgm:if>
-      <dgm:else name="Name121"/>
-    </dgm:choose>
-    <dgm:choose name="Name122">
-      <dgm:if name="Name123" axis="ch" ptType="node" func="cnt" op="gte" val="5">
-        <dgm:layoutNode name="wedge5">
-          <dgm:alg type="sp"/>
-          <dgm:choose name="Name124">
-            <dgm:if name="Name125" axis="ch" ptType="node" func="cnt" op="equ" val="5">
-              <dgm:shape xmlns:r="http://schemas.openxmlformats.org/officeDocument/2006/relationships" type="pie" r:blip="">
-                <dgm:adjLst>
-                  <dgm:adj idx="1" val="198"/>
-                  <dgm:adj idx="2" val="270"/>
-                </dgm:adjLst>
-              </dgm:shape>
-            </dgm:if>
-            <dgm:if name="Name126" axis="ch" ptType="node" func="cnt" op="equ" val="6">
-              <dgm:shape xmlns:r="http://schemas.openxmlformats.org/officeDocument/2006/relationships" type="pie" r:blip="">
-                <dgm:adjLst>
-                  <dgm:adj idx="1" val="150"/>
-                  <dgm:adj idx="2" val="210"/>
-                </dgm:adjLst>
-              </dgm:shape>
-            </dgm:if>
-            <dgm:else name="Name127">
-              <dgm:shape xmlns:r="http://schemas.openxmlformats.org/officeDocument/2006/relationships" type="pie" r:blip="">
-                <dgm:adjLst>
-                  <dgm:adj idx="1" val="115.7143"/>
-                  <dgm:adj idx="2" val="167.1429"/>
-                </dgm:adjLst>
-              </dgm:shape>
-            </dgm:else>
-          </dgm:choose>
-          <dgm:choose name="Name128">
-            <dgm:if name="Name129" func="var" arg="dir" op="equ" val="norm">
-              <dgm:presOf axis="ch desOrSelf" ptType="node node" st="5 1" cnt="1 0"/>
-            </dgm:if>
-            <dgm:else name="Name130">
-              <dgm:choose name="Name131">
-                <dgm:if name="Name132" axis="ch" ptType="node" func="cnt" op="equ" val="5">
-                  <dgm:presOf axis="ch desOrSelf" ptType="node node" st="1 1" cnt="1 0"/>
-                </dgm:if>
-                <dgm:if name="Name133" axis="ch" ptType="node" func="cnt" op="equ" val="6">
-                  <dgm:presOf axis="ch desOrSelf" ptType="node node" st="2 1" cnt="1 0"/>
-                </dgm:if>
-                <dgm:else name="Name134">
-                  <dgm:presOf axis="ch desOrSelf" ptType="node node" st="3 1" cnt="1 0"/>
-                </dgm:else>
-              </dgm:choose>
-            </dgm:else>
-          </dgm:choose>
-          <dgm:constrLst/>
-          <dgm:ruleLst/>
-        </dgm:layoutNode>
-        <dgm:layoutNode name="dummy5a" moveWith="wedge5">
-          <dgm:alg type="sp"/>
-          <dgm:shape xmlns:r="http://schemas.openxmlformats.org/officeDocument/2006/relationships" r:blip="">
-            <dgm:adjLst/>
-          </dgm:shape>
-          <dgm:presOf/>
-          <dgm:constrLst>
-            <dgm:constr type="w" val="1"/>
-            <dgm:constr type="h" val="1"/>
-          </dgm:constrLst>
-          <dgm:ruleLst/>
-        </dgm:layoutNode>
-        <dgm:layoutNode name="dummy5b" moveWith="wedge5">
-          <dgm:alg type="sp"/>
-          <dgm:shape xmlns:r="http://schemas.openxmlformats.org/officeDocument/2006/relationships" r:blip="">
-            <dgm:adjLst/>
-          </dgm:shape>
-          <dgm:presOf/>
-          <dgm:constrLst>
-            <dgm:constr type="w" val="1"/>
-            <dgm:constr type="h" val="1"/>
-          </dgm:constrLst>
-          <dgm:ruleLst/>
-        </dgm:layoutNode>
-        <dgm:layoutNode name="wedge5Tx" moveWith="wedge5">
-          <dgm:varLst>
-            <dgm:chMax val="0"/>
-            <dgm:chPref val="0"/>
-            <dgm:bulletEnabled val="1"/>
-          </dgm:varLst>
-          <dgm:alg type="tx"/>
-          <dgm:shape xmlns:r="http://schemas.openxmlformats.org/officeDocument/2006/relationships" type="rect" r:blip="" hideGeom="1">
-            <dgm:adjLst/>
-          </dgm:shape>
-          <dgm:choose name="Name135">
-            <dgm:if name="Name136" func="var" arg="dir" op="equ" val="norm">
-              <dgm:presOf axis="ch desOrSelf" ptType="node node" st="5 1" cnt="1 0"/>
-            </dgm:if>
-            <dgm:else name="Name137">
-              <dgm:choose name="Name138">
-                <dgm:if name="Name139" axis="ch" ptType="node" func="cnt" op="equ" val="5">
-                  <dgm:presOf axis="ch desOrSelf" ptType="node node" st="1 1" cnt="1 0"/>
-                </dgm:if>
-                <dgm:if name="Name140" axis="ch" ptType="node" func="cnt" op="equ" val="6">
-                  <dgm:presOf axis="ch desOrSelf" ptType="node node" st="2 1" cnt="1 0"/>
-                </dgm:if>
-                <dgm:else name="Name141">
-                  <dgm:presOf axis="ch desOrSelf" ptType="node node" st="3 1" cnt="1 0"/>
-                </dgm:else>
-              </dgm:choose>
-            </dgm:else>
-          </dgm:choose>
-          <dgm:constrLst>
-            <dgm:constr type="tMarg" refType="primFontSz" fact="0.1"/>
-            <dgm:constr type="bMarg" refType="primFontSz" fact="0.1"/>
-            <dgm:constr type="lMarg" refType="primFontSz" fact="0.1"/>
-            <dgm:constr type="rMarg" refType="primFontSz" fact="0.1"/>
-            <dgm:constr type="primFontSz" val="65"/>
-          </dgm:constrLst>
-          <dgm:ruleLst>
-            <dgm:rule type="primFontSz" val="5" fact="NaN" max="NaN"/>
-          </dgm:ruleLst>
-        </dgm:layoutNode>
-      </dgm:if>
-      <dgm:else name="Name142"/>
-    </dgm:choose>
-    <dgm:choose name="Name143">
-      <dgm:if name="Name144" axis="ch" ptType="node" func="cnt" op="gte" val="6">
-        <dgm:layoutNode name="wedge6">
-          <dgm:alg type="sp"/>
-          <dgm:choose name="Name145">
-            <dgm:if name="Name146" axis="ch" ptType="node" func="cnt" op="equ" val="6">
-              <dgm:shape xmlns:r="http://schemas.openxmlformats.org/officeDocument/2006/relationships" type="pie" r:blip="">
-                <dgm:adjLst>
-                  <dgm:adj idx="1" val="210"/>
-                  <dgm:adj idx="2" val="270"/>
-                </dgm:adjLst>
-              </dgm:shape>
-            </dgm:if>
-            <dgm:else name="Name147">
-              <dgm:shape xmlns:r="http://schemas.openxmlformats.org/officeDocument/2006/relationships" type="pie" r:blip="">
-                <dgm:adjLst>
-                  <dgm:adj idx="1" val="167.1429"/>
-                  <dgm:adj idx="2" val="218.5714"/>
-                </dgm:adjLst>
-              </dgm:shape>
-            </dgm:else>
-          </dgm:choose>
-          <dgm:choose name="Name148">
-            <dgm:if name="Name149" func="var" arg="dir" op="equ" val="norm">
-              <dgm:presOf axis="ch desOrSelf" ptType="node node" st="6 1" cnt="1 0"/>
-            </dgm:if>
-            <dgm:else name="Name150">
-              <dgm:choose name="Name151">
-                <dgm:if name="Name152" axis="ch" ptType="node" func="cnt" op="equ" val="6">
-                  <dgm:presOf axis="ch desOrSelf" ptType="node node" st="1 1" cnt="1 0"/>
-                </dgm:if>
-                <dgm:else name="Name153">
-                  <dgm:presOf axis="ch desOrSelf" ptType="node node" st="2 1" cnt="1 0"/>
-                </dgm:else>
-              </dgm:choose>
-            </dgm:else>
-          </dgm:choose>
-          <dgm:constrLst/>
-          <dgm:ruleLst/>
-        </dgm:layoutNode>
-        <dgm:layoutNode name="dummy6a" moveWith="wedge6">
-          <dgm:alg type="sp"/>
-          <dgm:shape xmlns:r="http://schemas.openxmlformats.org/officeDocument/2006/relationships" r:blip="">
-            <dgm:adjLst/>
-          </dgm:shape>
-          <dgm:presOf/>
-          <dgm:constrLst>
-            <dgm:constr type="w" val="1"/>
-            <dgm:constr type="h" val="1"/>
-          </dgm:constrLst>
-          <dgm:ruleLst/>
-        </dgm:layoutNode>
-        <dgm:layoutNode name="dummy6b" moveWith="wedge6">
-          <dgm:alg type="sp"/>
-          <dgm:shape xmlns:r="http://schemas.openxmlformats.org/officeDocument/2006/relationships" r:blip="">
-            <dgm:adjLst/>
-          </dgm:shape>
-          <dgm:presOf/>
-          <dgm:constrLst>
-            <dgm:constr type="w" val="1"/>
-            <dgm:constr type="h" val="1"/>
-          </dgm:constrLst>
-          <dgm:ruleLst/>
-        </dgm:layoutNode>
-        <dgm:layoutNode name="wedge6Tx" moveWith="wedge6">
-          <dgm:varLst>
-            <dgm:chMax val="0"/>
-            <dgm:chPref val="0"/>
-            <dgm:bulletEnabled val="1"/>
-          </dgm:varLst>
-          <dgm:alg type="tx"/>
-          <dgm:shape xmlns:r="http://schemas.openxmlformats.org/officeDocument/2006/relationships" type="rect" r:blip="" hideGeom="1">
-            <dgm:adjLst/>
-          </dgm:shape>
-          <dgm:choose name="Name154">
-            <dgm:if name="Name155" func="var" arg="dir" op="equ" val="norm">
-              <dgm:presOf axis="ch desOrSelf" ptType="node node" st="6 1" cnt="1 0"/>
-            </dgm:if>
-            <dgm:else name="Name156">
-              <dgm:choose name="Name157">
-                <dgm:if name="Name158" axis="ch" ptType="node" func="cnt" op="equ" val="6">
-                  <dgm:presOf axis="ch desOrSelf" ptType="node node" st="1 1" cnt="1 0"/>
-                </dgm:if>
-                <dgm:else name="Name159">
-                  <dgm:presOf axis="ch desOrSelf" ptType="node node" st="2 1" cnt="1 0"/>
-                </dgm:else>
-              </dgm:choose>
-            </dgm:else>
-          </dgm:choose>
-          <dgm:constrLst>
-            <dgm:constr type="tMarg" refType="primFontSz" fact="0.1"/>
-            <dgm:constr type="bMarg" refType="primFontSz" fact="0.1"/>
-            <dgm:constr type="lMarg" refType="primFontSz" fact="0.1"/>
-            <dgm:constr type="rMarg" refType="primFontSz" fact="0.1"/>
-            <dgm:constr type="primFontSz" val="65"/>
-          </dgm:constrLst>
-          <dgm:ruleLst>
-            <dgm:rule type="primFontSz" val="5" fact="NaN" max="NaN"/>
-          </dgm:ruleLst>
-        </dgm:layoutNode>
-      </dgm:if>
-      <dgm:else name="Name160"/>
-    </dgm:choose>
-    <dgm:choose name="Name161">
-      <dgm:if name="Name162" axis="ch" ptType="node" func="cnt" op="gte" val="7">
-        <dgm:layoutNode name="wedge7">
-          <dgm:alg type="sp"/>
-          <dgm:shape xmlns:r="http://schemas.openxmlformats.org/officeDocument/2006/relationships" type="pie" r:blip="">
-            <dgm:adjLst>
-              <dgm:adj idx="1" val="218.5714"/>
-              <dgm:adj idx="2" val="270"/>
-            </dgm:adjLst>
-          </dgm:shape>
-          <dgm:choose name="Name163">
-            <dgm:if name="Name164" func="var" arg="dir" op="equ" val="norm">
-              <dgm:presOf axis="ch desOrSelf" ptType="node node" st="7 1" cnt="1 0"/>
-            </dgm:if>
-            <dgm:else name="Name165">
-              <dgm:presOf axis="ch desOrSelf" ptType="node node" st="1 1" cnt="1 0"/>
-            </dgm:else>
-          </dgm:choose>
-          <dgm:constrLst/>
-          <dgm:ruleLst/>
-        </dgm:layoutNode>
-        <dgm:layoutNode name="dummy7a" moveWith="wedge7">
-          <dgm:alg type="sp"/>
-          <dgm:shape xmlns:r="http://schemas.openxmlformats.org/officeDocument/2006/relationships" r:blip="">
-            <dgm:adjLst/>
-          </dgm:shape>
-          <dgm:presOf/>
-          <dgm:constrLst>
-            <dgm:constr type="w" val="1"/>
-            <dgm:constr type="h" val="1"/>
-          </dgm:constrLst>
-          <dgm:ruleLst/>
-        </dgm:layoutNode>
-        <dgm:layoutNode name="dummy7b" moveWith="wedge7">
-          <dgm:alg type="sp"/>
-          <dgm:shape xmlns:r="http://schemas.openxmlformats.org/officeDocument/2006/relationships" r:blip="">
-            <dgm:adjLst/>
-          </dgm:shape>
-          <dgm:presOf/>
-          <dgm:constrLst>
-            <dgm:constr type="w" val="1"/>
-            <dgm:constr type="h" val="1"/>
-          </dgm:constrLst>
-          <dgm:ruleLst/>
-        </dgm:layoutNode>
-        <dgm:layoutNode name="wedge7Tx" moveWith="wedge7">
-          <dgm:varLst>
-            <dgm:chMax val="0"/>
-            <dgm:chPref val="0"/>
-            <dgm:bulletEnabled val="1"/>
-          </dgm:varLst>
-          <dgm:alg type="tx"/>
-          <dgm:shape xmlns:r="http://schemas.openxmlformats.org/officeDocument/2006/relationships" type="rect" r:blip="" hideGeom="1">
-            <dgm:adjLst/>
-          </dgm:shape>
-          <dgm:choose name="Name166">
-            <dgm:if name="Name167" func="var" arg="dir" op="equ" val="norm">
-              <dgm:presOf axis="ch desOrSelf" ptType="node node" st="7 1" cnt="1 0"/>
-            </dgm:if>
-            <dgm:else name="Name168">
-              <dgm:presOf axis="ch desOrSelf" ptType="node node" st="1 1" cnt="1 0"/>
-            </dgm:else>
-          </dgm:choose>
-          <dgm:constrLst>
-            <dgm:constr type="tMarg" refType="primFontSz" fact="0.1"/>
-            <dgm:constr type="bMarg" refType="primFontSz" fact="0.1"/>
-            <dgm:constr type="lMarg" refType="primFontSz" fact="0.1"/>
-            <dgm:constr type="rMarg" refType="primFontSz" fact="0.1"/>
-            <dgm:constr type="primFontSz" val="65"/>
-          </dgm:constrLst>
-          <dgm:ruleLst>
-            <dgm:rule type="primFontSz" val="5" fact="NaN" max="NaN"/>
-          </dgm:ruleLst>
-        </dgm:layoutNode>
-      </dgm:if>
-      <dgm:else name="Name169"/>
-    </dgm:choose>
-    <dgm:choose name="Name170">
-      <dgm:if name="Name171" axis="ch" ptType="node" func="cnt" op="equ" val="1">
-        <dgm:forEach name="Name172" axis="ch" ptType="sibTrans" hideLastTrans="0" cnt="1">
-          <dgm:layoutNode name="arrowWedge1single" styleLbl="fgSibTrans2D1">
-            <dgm:choose name="Name173">
-              <dgm:if name="Name174" func="var" arg="dir" op="equ" val="norm">
-                <dgm:alg type="conn">
-                  <dgm:param type="connRout" val="longCurve"/>
-                  <dgm:param type="srcNode" val="dummy1a"/>
-                  <dgm:param type="dstNode" val="dummy1b"/>
-                  <dgm:param type="begPts" val="tL"/>
-                  <dgm:param type="endPts" val="tR"/>
-                  <dgm:param type="begSty" val="arr"/>
-                  <dgm:param type="endSty" val="noArr"/>
+              <dgm:presOf axis="self"/>
+              <dgm:constrLst>
+                <dgm:constr type="h" refType="w" fact="1.35"/>
+                <dgm:constr type="connDist"/>
+                <dgm:constr type="w" for="ch" refType="connDist" fact="0.45"/>
+                <dgm:constr type="h" for="ch" refType="h"/>
+              </dgm:constrLst>
+              <dgm:ruleLst/>
+              <dgm:layoutNode name="connectorText">
+                <dgm:alg type="tx">
+                  <dgm:param type="autoTxRot" val="grav"/>
                 </dgm:alg>
-              </dgm:if>
-              <dgm:else name="Name175">
-                <dgm:alg type="conn">
-                  <dgm:param type="connRout" val="longCurve"/>
-                  <dgm:param type="srcNode" val="dummy1a"/>
-                  <dgm:param type="dstNode" val="dummy1b"/>
-                  <dgm:param type="begPts" val="tL"/>
-                  <dgm:param type="endPts" val="tR"/>
-                  <dgm:param type="begSty" val="noArr"/>
-                  <dgm:param type="endSty" val="arr"/>
-                </dgm:alg>
-              </dgm:else>
-            </dgm:choose>
-            <dgm:shape xmlns:r="http://schemas.openxmlformats.org/officeDocument/2006/relationships" type="conn" r:blip="">
-              <dgm:adjLst/>
-            </dgm:shape>
-            <dgm:presOf/>
-            <dgm:constrLst>
-              <dgm:constr type="w" val="1"/>
-              <dgm:constr type="begPad"/>
-              <dgm:constr type="endPad"/>
-            </dgm:constrLst>
-            <dgm:ruleLst/>
-          </dgm:layoutNode>
-        </dgm:forEach>
-      </dgm:if>
-      <dgm:if name="Name176" axis="ch" ptType="node" func="cnt" op="gte" val="2">
-        <dgm:forEach name="Name177" axis="ch" ptType="sibTrans" hideLastTrans="0" cnt="1">
-          <dgm:layoutNode name="arrowWedge1" styleLbl="fgSibTrans2D1">
-            <dgm:choose name="Name178">
-              <dgm:if name="Name179" func="var" arg="dir" op="equ" val="norm">
-                <dgm:alg type="conn">
-                  <dgm:param type="connRout" val="curve"/>
-                  <dgm:param type="srcNode" val="dummy1a"/>
-                  <dgm:param type="dstNode" val="dummy1b"/>
-                  <dgm:param type="begPts" val="tL"/>
-                  <dgm:param type="endPts" val="tL"/>
-                  <dgm:param type="begSty" val="noArr"/>
-                  <dgm:param type="endSty" val="arr"/>
-                </dgm:alg>
-              </dgm:if>
-              <dgm:else name="Name180">
-                <dgm:alg type="conn">
-                  <dgm:param type="connRout" val="curve"/>
-                  <dgm:param type="srcNode" val="dummy1a"/>
-                  <dgm:param type="dstNode" val="dummy1b"/>
-                  <dgm:param type="begPts" val="tL"/>
-                  <dgm:param type="endPts" val="tL"/>
-                  <dgm:param type="begSty" val="arr"/>
-                  <dgm:param type="endSty" val="noArr"/>
-                </dgm:alg>
-              </dgm:else>
-            </dgm:choose>
-            <dgm:shape xmlns:r="http://schemas.openxmlformats.org/officeDocument/2006/relationships" type="conn" r:blip="">
-              <dgm:adjLst/>
-            </dgm:shape>
-            <dgm:presOf/>
-            <dgm:constrLst>
-              <dgm:constr type="w" val="1"/>
-              <dgm:constr type="begPad"/>
-              <dgm:constr type="endPad"/>
-            </dgm:constrLst>
-            <dgm:ruleLst/>
-          </dgm:layoutNode>
-        </dgm:forEach>
-      </dgm:if>
-      <dgm:else name="Name181"/>
-    </dgm:choose>
-    <dgm:forEach name="Name182" axis="ch" ptType="sibTrans" hideLastTrans="0" st="2" cnt="1">
-      <dgm:layoutNode name="arrowWedge2" styleLbl="fgSibTrans2D1">
-        <dgm:choose name="Name183">
-          <dgm:if name="Name184" func="var" arg="dir" op="equ" val="norm">
-            <dgm:alg type="conn">
-              <dgm:param type="connRout" val="curve"/>
-              <dgm:param type="srcNode" val="dummy2a"/>
-              <dgm:param type="dstNode" val="dummy2b"/>
-              <dgm:param type="begPts" val="tL"/>
-              <dgm:param type="endPts" val="tL"/>
-              <dgm:param type="begSty" val="noArr"/>
-              <dgm:param type="endSty" val="arr"/>
-            </dgm:alg>
-          </dgm:if>
-          <dgm:else name="Name185">
-            <dgm:alg type="conn">
-              <dgm:param type="connRout" val="curve"/>
-              <dgm:param type="srcNode" val="dummy2a"/>
-              <dgm:param type="dstNode" val="dummy2b"/>
-              <dgm:param type="begPts" val="tL"/>
-              <dgm:param type="endPts" val="tL"/>
-              <dgm:param type="begSty" val="arr"/>
-              <dgm:param type="endSty" val="noArr"/>
-            </dgm:alg>
-          </dgm:else>
-        </dgm:choose>
-        <dgm:shape xmlns:r="http://schemas.openxmlformats.org/officeDocument/2006/relationships" type="conn" r:blip="">
-          <dgm:adjLst/>
-        </dgm:shape>
-        <dgm:presOf/>
-        <dgm:constrLst>
-          <dgm:constr type="w" val="1"/>
-          <dgm:constr type="begPad"/>
-          <dgm:constr type="endPad"/>
-        </dgm:constrLst>
-        <dgm:ruleLst/>
-      </dgm:layoutNode>
-    </dgm:forEach>
-    <dgm:forEach name="Name186" axis="ch" ptType="sibTrans" hideLastTrans="0" st="3" cnt="1">
-      <dgm:layoutNode name="arrowWedge3" styleLbl="fgSibTrans2D1">
-        <dgm:choose name="Name187">
-          <dgm:if name="Name188" func="var" arg="dir" op="equ" val="norm">
-            <dgm:alg type="conn">
-              <dgm:param type="connRout" val="curve"/>
-              <dgm:param type="srcNode" val="dummy3a"/>
-              <dgm:param type="dstNode" val="dummy3b"/>
-              <dgm:param type="begPts" val="tL"/>
-              <dgm:param type="endPts" val="tL"/>
-              <dgm:param type="begSty" val="noArr"/>
-              <dgm:param type="endSty" val="arr"/>
-            </dgm:alg>
-          </dgm:if>
-          <dgm:else name="Name189">
-            <dgm:alg type="conn">
-              <dgm:param type="connRout" val="curve"/>
-              <dgm:param type="srcNode" val="dummy3a"/>
-              <dgm:param type="dstNode" val="dummy3b"/>
-              <dgm:param type="begPts" val="tL"/>
-              <dgm:param type="endPts" val="tL"/>
-              <dgm:param type="begSty" val="arr"/>
-              <dgm:param type="endSty" val="noArr"/>
-            </dgm:alg>
-          </dgm:else>
-        </dgm:choose>
-        <dgm:shape xmlns:r="http://schemas.openxmlformats.org/officeDocument/2006/relationships" type="conn" r:blip="">
-          <dgm:adjLst/>
-        </dgm:shape>
-        <dgm:presOf/>
-        <dgm:constrLst>
-          <dgm:constr type="w" val="1"/>
-          <dgm:constr type="begPad"/>
-          <dgm:constr type="endPad"/>
-        </dgm:constrLst>
-        <dgm:ruleLst/>
-      </dgm:layoutNode>
-    </dgm:forEach>
-    <dgm:forEach name="Name190" axis="ch" ptType="sibTrans" hideLastTrans="0" st="4" cnt="1">
-      <dgm:layoutNode name="arrowWedge4" styleLbl="fgSibTrans2D1">
-        <dgm:choose name="Name191">
-          <dgm:if name="Name192" func="var" arg="dir" op="equ" val="norm">
-            <dgm:alg type="conn">
-              <dgm:param type="connRout" val="curve"/>
-              <dgm:param type="srcNode" val="dummy4a"/>
-              <dgm:param type="dstNode" val="dummy4b"/>
-              <dgm:param type="begPts" val="tL"/>
-              <dgm:param type="endPts" val="tL"/>
-              <dgm:param type="begSty" val="noArr"/>
-              <dgm:param type="endSty" val="arr"/>
-            </dgm:alg>
-          </dgm:if>
-          <dgm:else name="Name193">
-            <dgm:alg type="conn">
-              <dgm:param type="connRout" val="curve"/>
-              <dgm:param type="srcNode" val="dummy4a"/>
-              <dgm:param type="dstNode" val="dummy4b"/>
-              <dgm:param type="begPts" val="tL"/>
-              <dgm:param type="endPts" val="tL"/>
-              <dgm:param type="begSty" val="arr"/>
-              <dgm:param type="endSty" val="noArr"/>
-            </dgm:alg>
-          </dgm:else>
-        </dgm:choose>
-        <dgm:shape xmlns:r="http://schemas.openxmlformats.org/officeDocument/2006/relationships" type="conn" r:blip="">
-          <dgm:adjLst/>
-        </dgm:shape>
-        <dgm:presOf/>
-        <dgm:constrLst>
-          <dgm:constr type="w" val="1"/>
-          <dgm:constr type="begPad"/>
-          <dgm:constr type="endPad"/>
-        </dgm:constrLst>
-        <dgm:ruleLst/>
-      </dgm:layoutNode>
-    </dgm:forEach>
-    <dgm:forEach name="Name194" axis="ch" ptType="sibTrans" hideLastTrans="0" st="5" cnt="1">
-      <dgm:layoutNode name="arrowWedge5" styleLbl="fgSibTrans2D1">
-        <dgm:choose name="Name195">
-          <dgm:if name="Name196" func="var" arg="dir" op="equ" val="norm">
-            <dgm:alg type="conn">
-              <dgm:param type="connRout" val="curve"/>
-              <dgm:param type="srcNode" val="dummy5a"/>
-              <dgm:param type="dstNode" val="dummy5b"/>
-              <dgm:param type="begPts" val="tL"/>
-              <dgm:param type="endPts" val="tL"/>
-              <dgm:param type="begSty" val="noArr"/>
-              <dgm:param type="endSty" val="arr"/>
-            </dgm:alg>
-          </dgm:if>
-          <dgm:else name="Name197">
-            <dgm:alg type="conn">
-              <dgm:param type="connRout" val="curve"/>
-              <dgm:param type="srcNode" val="dummy5a"/>
-              <dgm:param type="dstNode" val="dummy5b"/>
-              <dgm:param type="begPts" val="tL"/>
-              <dgm:param type="endPts" val="tL"/>
-              <dgm:param type="begSty" val="arr"/>
-              <dgm:param type="endSty" val="noArr"/>
-            </dgm:alg>
-          </dgm:else>
-        </dgm:choose>
-        <dgm:shape xmlns:r="http://schemas.openxmlformats.org/officeDocument/2006/relationships" type="conn" r:blip="">
-          <dgm:adjLst/>
-        </dgm:shape>
-        <dgm:presOf/>
-        <dgm:constrLst>
-          <dgm:constr type="w" val="1"/>
-          <dgm:constr type="begPad"/>
-          <dgm:constr type="endPad"/>
-        </dgm:constrLst>
-        <dgm:ruleLst/>
-      </dgm:layoutNode>
-    </dgm:forEach>
-    <dgm:forEach name="Name198" axis="ch" ptType="sibTrans" hideLastTrans="0" st="6" cnt="1">
-      <dgm:layoutNode name="arrowWedge6" styleLbl="fgSibTrans2D1">
-        <dgm:choose name="Name199">
-          <dgm:if name="Name200" func="var" arg="dir" op="equ" val="norm">
-            <dgm:alg type="conn">
-              <dgm:param type="connRout" val="curve"/>
-              <dgm:param type="srcNode" val="dummy6a"/>
-              <dgm:param type="dstNode" val="dummy6b"/>
-              <dgm:param type="begPts" val="tL"/>
-              <dgm:param type="endPts" val="tL"/>
-              <dgm:param type="begSty" val="noArr"/>
-              <dgm:param type="endSty" val="arr"/>
-            </dgm:alg>
-          </dgm:if>
-          <dgm:else name="Name201">
-            <dgm:alg type="conn">
-              <dgm:param type="connRout" val="curve"/>
-              <dgm:param type="srcNode" val="dummy6a"/>
-              <dgm:param type="dstNode" val="dummy6b"/>
-              <dgm:param type="begPts" val="tL"/>
-              <dgm:param type="endPts" val="tL"/>
-              <dgm:param type="begSty" val="arr"/>
-              <dgm:param type="endSty" val="noArr"/>
-            </dgm:alg>
-          </dgm:else>
-        </dgm:choose>
-        <dgm:shape xmlns:r="http://schemas.openxmlformats.org/officeDocument/2006/relationships" type="conn" r:blip="">
-          <dgm:adjLst/>
-        </dgm:shape>
-        <dgm:presOf/>
-        <dgm:constrLst>
-          <dgm:constr type="w" val="1"/>
-          <dgm:constr type="begPad"/>
-          <dgm:constr type="endPad"/>
-        </dgm:constrLst>
-        <dgm:ruleLst/>
-      </dgm:layoutNode>
-    </dgm:forEach>
-    <dgm:forEach name="Name202" axis="ch" ptType="sibTrans" hideLastTrans="0" st="7" cnt="1">
-      <dgm:layoutNode name="arrowWedge7" styleLbl="fgSibTrans2D1">
-        <dgm:choose name="Name203">
-          <dgm:if name="Name204" func="var" arg="dir" op="equ" val="norm">
-            <dgm:alg type="conn">
-              <dgm:param type="connRout" val="curve"/>
-              <dgm:param type="srcNode" val="dummy7a"/>
-              <dgm:param type="dstNode" val="dummy7b"/>
-              <dgm:param type="begPts" val="tL"/>
-              <dgm:param type="endPts" val="tL"/>
-              <dgm:param type="begSty" val="noArr"/>
-              <dgm:param type="endSty" val="arr"/>
-            </dgm:alg>
-          </dgm:if>
-          <dgm:else name="Name205">
-            <dgm:alg type="conn">
-              <dgm:param type="connRout" val="curve"/>
-              <dgm:param type="srcNode" val="dummy7a"/>
-              <dgm:param type="dstNode" val="dummy7b"/>
-              <dgm:param type="begPts" val="tL"/>
-              <dgm:param type="endPts" val="tL"/>
-              <dgm:param type="begSty" val="arr"/>
-              <dgm:param type="endSty" val="noArr"/>
-            </dgm:alg>
-          </dgm:else>
-        </dgm:choose>
-        <dgm:shape xmlns:r="http://schemas.openxmlformats.org/officeDocument/2006/relationships" type="conn" r:blip="">
-          <dgm:adjLst/>
-        </dgm:shape>
-        <dgm:presOf/>
-        <dgm:constrLst>
-          <dgm:constr type="w" val="1"/>
-          <dgm:constr type="begPad"/>
-          <dgm:constr type="endPad"/>
-        </dgm:constrLst>
-        <dgm:ruleLst/>
-      </dgm:layoutNode>
+                <dgm:shape xmlns:r="http://schemas.openxmlformats.org/officeDocument/2006/relationships" type="conn" r:blip="" hideGeom="1">
+                  <dgm:adjLst/>
+                </dgm:shape>
+                <dgm:presOf axis="self"/>
+                <dgm:constrLst>
+                  <dgm:constr type="lMarg"/>
+                  <dgm:constr type="rMarg"/>
+                  <dgm:constr type="tMarg"/>
+                  <dgm:constr type="bMarg"/>
+                </dgm:constrLst>
+                <dgm:ruleLst>
+                  <dgm:rule type="primFontSz" val="5" fact="NaN" max="NaN"/>
+                </dgm:ruleLst>
+              </dgm:layoutNode>
+            </dgm:layoutNode>
+          </dgm:forEach>
+        </dgm:if>
+        <dgm:else name="Name14"/>
+      </dgm:choose>
     </dgm:forEach>
   </dgm:layoutNode>
 </dgm:layoutDef>
@@ -4691,7 +3128,7 @@
           <a:p>
             <a:fld id="{C989FEB5-2A31-4E33-8453-8B990C35E1EC}" type="datetimeFigureOut">
               <a:rPr lang="en-US" smtClean="0"/>
-              <a:t>6/11/2015</a:t>
+              <a:t>6/16/2015</a:t>
             </a:fld>
             <a:endParaRPr lang="en-US"/>
           </a:p>
@@ -4861,7 +3298,7 @@
           <a:p>
             <a:fld id="{C989FEB5-2A31-4E33-8453-8B990C35E1EC}" type="datetimeFigureOut">
               <a:rPr lang="en-US" smtClean="0"/>
-              <a:t>6/11/2015</a:t>
+              <a:t>6/16/2015</a:t>
             </a:fld>
             <a:endParaRPr lang="en-US"/>
           </a:p>
@@ -5041,7 +3478,7 @@
           <a:p>
             <a:fld id="{C989FEB5-2A31-4E33-8453-8B990C35E1EC}" type="datetimeFigureOut">
               <a:rPr lang="en-US" smtClean="0"/>
-              <a:t>6/11/2015</a:t>
+              <a:t>6/16/2015</a:t>
             </a:fld>
             <a:endParaRPr lang="en-US"/>
           </a:p>
@@ -5211,7 +3648,7 @@
           <a:p>
             <a:fld id="{C989FEB5-2A31-4E33-8453-8B990C35E1EC}" type="datetimeFigureOut">
               <a:rPr lang="en-US" smtClean="0"/>
-              <a:t>6/11/2015</a:t>
+              <a:t>6/16/2015</a:t>
             </a:fld>
             <a:endParaRPr lang="en-US"/>
           </a:p>
@@ -5457,7 +3894,7 @@
           <a:p>
             <a:fld id="{C989FEB5-2A31-4E33-8453-8B990C35E1EC}" type="datetimeFigureOut">
               <a:rPr lang="en-US" smtClean="0"/>
-              <a:t>6/11/2015</a:t>
+              <a:t>6/16/2015</a:t>
             </a:fld>
             <a:endParaRPr lang="en-US"/>
           </a:p>
@@ -5745,7 +4182,7 @@
           <a:p>
             <a:fld id="{C989FEB5-2A31-4E33-8453-8B990C35E1EC}" type="datetimeFigureOut">
               <a:rPr lang="en-US" smtClean="0"/>
-              <a:t>6/11/2015</a:t>
+              <a:t>6/16/2015</a:t>
             </a:fld>
             <a:endParaRPr lang="en-US"/>
           </a:p>
@@ -6167,7 +4604,7 @@
           <a:p>
             <a:fld id="{C989FEB5-2A31-4E33-8453-8B990C35E1EC}" type="datetimeFigureOut">
               <a:rPr lang="en-US" smtClean="0"/>
-              <a:t>6/11/2015</a:t>
+              <a:t>6/16/2015</a:t>
             </a:fld>
             <a:endParaRPr lang="en-US"/>
           </a:p>
@@ -6285,7 +4722,7 @@
           <a:p>
             <a:fld id="{C989FEB5-2A31-4E33-8453-8B990C35E1EC}" type="datetimeFigureOut">
               <a:rPr lang="en-US" smtClean="0"/>
-              <a:t>6/11/2015</a:t>
+              <a:t>6/16/2015</a:t>
             </a:fld>
             <a:endParaRPr lang="en-US"/>
           </a:p>
@@ -6380,7 +4817,7 @@
           <a:p>
             <a:fld id="{C989FEB5-2A31-4E33-8453-8B990C35E1EC}" type="datetimeFigureOut">
               <a:rPr lang="en-US" smtClean="0"/>
-              <a:t>6/11/2015</a:t>
+              <a:t>6/16/2015</a:t>
             </a:fld>
             <a:endParaRPr lang="en-US"/>
           </a:p>
@@ -6657,7 +5094,7 @@
           <a:p>
             <a:fld id="{C989FEB5-2A31-4E33-8453-8B990C35E1EC}" type="datetimeFigureOut">
               <a:rPr lang="en-US" smtClean="0"/>
-              <a:t>6/11/2015</a:t>
+              <a:t>6/16/2015</a:t>
             </a:fld>
             <a:endParaRPr lang="en-US"/>
           </a:p>
@@ -6910,7 +5347,7 @@
           <a:p>
             <a:fld id="{C989FEB5-2A31-4E33-8453-8B990C35E1EC}" type="datetimeFigureOut">
               <a:rPr lang="en-US" smtClean="0"/>
-              <a:t>6/11/2015</a:t>
+              <a:t>6/16/2015</a:t>
             </a:fld>
             <a:endParaRPr lang="en-US"/>
           </a:p>
@@ -7123,7 +5560,7 @@
           <a:p>
             <a:fld id="{C989FEB5-2A31-4E33-8453-8B990C35E1EC}" type="datetimeFigureOut">
               <a:rPr lang="en-US" smtClean="0"/>
-              <a:t>6/11/2015</a:t>
+              <a:t>6/16/2015</a:t>
             </a:fld>
             <a:endParaRPr lang="en-US"/>
           </a:p>
@@ -7595,1686 +6032,6 @@
         </p:nvSpPr>
         <p:spPr>
           <a:xfrm>
-            <a:off x="1143000" y="1142999"/>
-            <a:ext cx="4254691" cy="3631763"/>
-          </a:xfrm>
-          <a:prstGeom prst="rect">
-            <a:avLst/>
-          </a:prstGeom>
-          <a:noFill/>
-        </p:spPr>
-        <p:txBody>
-          <a:bodyPr wrap="none" rtlCol="0">
-            <a:spAutoFit/>
-          </a:bodyPr>
-          <a:lstStyle/>
-          <a:p>
-            <a:r>
-              <a:rPr lang="en-US" sz="3200" dirty="0" smtClean="0"/>
-              <a:t>Good Design Guidelines </a:t>
-            </a:r>
-          </a:p>
-          <a:p>
-            <a:endParaRPr lang="en-US" dirty="0"/>
-          </a:p>
-          <a:p>
-            <a:pPr marL="342900" indent="-342900">
-              <a:buFont typeface="+mj-lt"/>
-              <a:buAutoNum type="arabicPeriod"/>
-            </a:pPr>
-            <a:r>
-              <a:rPr lang="en-US" dirty="0" smtClean="0">
-                <a:hlinkClick r:id="rId2"/>
-              </a:rPr>
-              <a:t>4 </a:t>
-            </a:r>
-            <a:r>
-              <a:rPr lang="en-US" dirty="0">
-                <a:hlinkClick r:id="rId2"/>
-              </a:rPr>
-              <a:t>Rules of Simple </a:t>
-            </a:r>
-            <a:r>
-              <a:rPr lang="en-US" dirty="0" smtClean="0">
-                <a:hlinkClick r:id="rId2"/>
-              </a:rPr>
-              <a:t>Design</a:t>
-            </a:r>
-            <a:endParaRPr lang="en-US" dirty="0" smtClean="0"/>
-          </a:p>
-          <a:p>
-            <a:pPr marL="342900" indent="-342900">
-              <a:buFont typeface="+mj-lt"/>
-              <a:buAutoNum type="arabicPeriod"/>
-            </a:pPr>
-            <a:r>
-              <a:rPr lang="en-US" dirty="0" smtClean="0">
-                <a:hlinkClick r:id="rId3"/>
-              </a:rPr>
-              <a:t>Domain </a:t>
-            </a:r>
-            <a:r>
-              <a:rPr lang="en-US" dirty="0">
-                <a:hlinkClick r:id="rId3"/>
-              </a:rPr>
-              <a:t>Driven </a:t>
-            </a:r>
-            <a:r>
-              <a:rPr lang="en-US" dirty="0" smtClean="0">
-                <a:hlinkClick r:id="rId3"/>
-              </a:rPr>
-              <a:t>Design</a:t>
-            </a:r>
-            <a:endParaRPr lang="en-US" dirty="0" smtClean="0"/>
-          </a:p>
-          <a:p>
-            <a:pPr marL="342900" indent="-342900">
-              <a:buFont typeface="+mj-lt"/>
-              <a:buAutoNum type="arabicPeriod"/>
-            </a:pPr>
-            <a:r>
-              <a:rPr lang="en-US" dirty="0" smtClean="0">
-                <a:hlinkClick r:id="rId4"/>
-              </a:rPr>
-              <a:t>SOLID</a:t>
-            </a:r>
-            <a:endParaRPr lang="en-US" dirty="0" smtClean="0"/>
-          </a:p>
-          <a:p>
-            <a:pPr marL="342900" indent="-342900">
-              <a:buFont typeface="+mj-lt"/>
-              <a:buAutoNum type="arabicPeriod"/>
-            </a:pPr>
-            <a:r>
-              <a:rPr lang="en-US" dirty="0" smtClean="0"/>
-              <a:t>Patterns</a:t>
-            </a:r>
-          </a:p>
-          <a:p>
-            <a:pPr marL="342900" indent="-342900">
-              <a:buFont typeface="+mj-lt"/>
-              <a:buAutoNum type="arabicPeriod"/>
-            </a:pPr>
-            <a:r>
-              <a:rPr lang="en-US" dirty="0" smtClean="0">
-                <a:hlinkClick r:id="rId5"/>
-              </a:rPr>
-              <a:t>Law </a:t>
-            </a:r>
-            <a:r>
-              <a:rPr lang="en-US" dirty="0">
-                <a:hlinkClick r:id="rId5"/>
-              </a:rPr>
-              <a:t>of </a:t>
-            </a:r>
-            <a:r>
-              <a:rPr lang="en-US" dirty="0" smtClean="0">
-                <a:hlinkClick r:id="rId5"/>
-              </a:rPr>
-              <a:t>Demeter</a:t>
-            </a:r>
-            <a:endParaRPr lang="en-US" dirty="0" smtClean="0"/>
-          </a:p>
-          <a:p>
-            <a:pPr marL="342900" indent="-342900">
-              <a:buFont typeface="+mj-lt"/>
-              <a:buAutoNum type="arabicPeriod"/>
-            </a:pPr>
-            <a:r>
-              <a:rPr lang="en-US" dirty="0" smtClean="0">
-                <a:hlinkClick r:id="rId6"/>
-              </a:rPr>
-              <a:t>Tell </a:t>
-            </a:r>
-            <a:r>
-              <a:rPr lang="en-US" dirty="0">
-                <a:hlinkClick r:id="rId6"/>
-              </a:rPr>
-              <a:t>Don’t </a:t>
-            </a:r>
-            <a:r>
-              <a:rPr lang="en-US" dirty="0" smtClean="0">
-                <a:hlinkClick r:id="rId6"/>
-              </a:rPr>
-              <a:t>Ask</a:t>
-            </a:r>
-            <a:endParaRPr lang="en-US" dirty="0" smtClean="0"/>
-          </a:p>
-          <a:p>
-            <a:pPr marL="342900" indent="-342900">
-              <a:buFont typeface="+mj-lt"/>
-              <a:buAutoNum type="arabicPeriod"/>
-            </a:pPr>
-            <a:r>
-              <a:rPr lang="en-US" dirty="0" smtClean="0">
-                <a:hlinkClick r:id="rId7"/>
-              </a:rPr>
-              <a:t>Design </a:t>
-            </a:r>
-            <a:r>
-              <a:rPr lang="en-US" dirty="0">
-                <a:hlinkClick r:id="rId7"/>
-              </a:rPr>
-              <a:t>by </a:t>
-            </a:r>
-            <a:r>
-              <a:rPr lang="en-US" dirty="0" smtClean="0">
-                <a:hlinkClick r:id="rId7"/>
-              </a:rPr>
-              <a:t>Contract</a:t>
-            </a:r>
-            <a:endParaRPr lang="en-US" dirty="0" smtClean="0"/>
-          </a:p>
-          <a:p>
-            <a:pPr marL="342900" indent="-342900">
-              <a:buFont typeface="+mj-lt"/>
-              <a:buAutoNum type="arabicPeriod"/>
-            </a:pPr>
-            <a:r>
-              <a:rPr lang="en-US" dirty="0" smtClean="0">
-                <a:hlinkClick r:id="rId8"/>
-              </a:rPr>
-              <a:t>Feature Envy</a:t>
-            </a:r>
-            <a:endParaRPr lang="en-US" dirty="0" smtClean="0"/>
-          </a:p>
-          <a:p>
-            <a:pPr marL="342900" indent="-342900">
-              <a:buFont typeface="+mj-lt"/>
-              <a:buAutoNum type="arabicPeriod"/>
-            </a:pPr>
-            <a:r>
-              <a:rPr lang="en-US" dirty="0" smtClean="0">
-                <a:hlinkClick r:id="rId9"/>
-              </a:rPr>
-              <a:t>Cohesion and Coupling</a:t>
-            </a:r>
-            <a:endParaRPr lang="en-US" dirty="0" smtClean="0"/>
-          </a:p>
-          <a:p>
-            <a:pPr marL="342900" indent="-342900">
-              <a:buFont typeface="+mj-lt"/>
-              <a:buAutoNum type="arabicPeriod"/>
-            </a:pPr>
-            <a:r>
-              <a:rPr lang="en-US" dirty="0" smtClean="0">
-                <a:hlinkClick r:id="rId10"/>
-              </a:rPr>
-              <a:t>Balanced </a:t>
-            </a:r>
-            <a:r>
-              <a:rPr lang="en-US" dirty="0">
-                <a:hlinkClick r:id="rId10"/>
-              </a:rPr>
-              <a:t>Abstraction </a:t>
-            </a:r>
-            <a:r>
-              <a:rPr lang="en-US" dirty="0" smtClean="0">
-                <a:hlinkClick r:id="rId10"/>
-              </a:rPr>
-              <a:t>Principle</a:t>
-            </a:r>
-            <a:endParaRPr lang="en-US" dirty="0" smtClean="0"/>
-          </a:p>
-        </p:txBody>
-      </p:sp>
-    </p:spTree>
-    <p:extLst>
-      <p:ext uri="{BB962C8B-B14F-4D97-AF65-F5344CB8AC3E}">
-        <p14:creationId xmlns:p14="http://schemas.microsoft.com/office/powerpoint/2010/main" val="2017735004"/>
-      </p:ext>
-    </p:extLst>
-  </p:cSld>
-  <p:clrMapOvr>
-    <a:masterClrMapping/>
-  </p:clrMapOvr>
-</p:sld>
-</file>
-
-<file path=ppt/slides/slide11.xml><?xml version="1.0" encoding="utf-8"?>
-<p:sld xmlns:a="http://schemas.openxmlformats.org/drawingml/2006/main" xmlns:r="http://schemas.openxmlformats.org/officeDocument/2006/relationships" xmlns:p="http://schemas.openxmlformats.org/presentationml/2006/main">
-  <p:cSld>
-    <p:spTree>
-      <p:nvGrpSpPr>
-        <p:cNvPr id="1" name=""/>
-        <p:cNvGrpSpPr/>
-        <p:nvPr/>
-      </p:nvGrpSpPr>
-      <p:grpSpPr>
-        <a:xfrm>
-          <a:off x="0" y="0"/>
-          <a:ext cx="0" cy="0"/>
-          <a:chOff x="0" y="0"/>
-          <a:chExt cx="0" cy="0"/>
-        </a:xfrm>
-      </p:grpSpPr>
-      <p:sp>
-        <p:nvSpPr>
-          <p:cNvPr id="2" name="TextBox 1"/>
-          <p:cNvSpPr txBox="1"/>
-          <p:nvPr/>
-        </p:nvSpPr>
-        <p:spPr>
-          <a:xfrm>
-            <a:off x="1752600" y="2209800"/>
-            <a:ext cx="5181483" cy="2431435"/>
-          </a:xfrm>
-          <a:prstGeom prst="rect">
-            <a:avLst/>
-          </a:prstGeom>
-          <a:noFill/>
-        </p:spPr>
-        <p:txBody>
-          <a:bodyPr wrap="none" rtlCol="0">
-            <a:spAutoFit/>
-          </a:bodyPr>
-          <a:lstStyle/>
-          <a:p>
-            <a:r>
-              <a:rPr lang="en-US" sz="4000" dirty="0" smtClean="0"/>
-              <a:t>TDD</a:t>
-            </a:r>
-            <a:r>
-              <a:rPr lang="en-US" sz="2800" dirty="0" smtClean="0"/>
-              <a:t> </a:t>
-            </a:r>
-            <a:r>
-              <a:rPr lang="en-US" sz="4000" dirty="0"/>
-              <a:t>is workflow</a:t>
-            </a:r>
-          </a:p>
-          <a:p>
-            <a:pPr marL="457200" indent="-457200">
-              <a:buFont typeface="Arial" panose="020B0604020202020204" pitchFamily="34" charset="0"/>
-              <a:buChar char="•"/>
-            </a:pPr>
-            <a:r>
-              <a:rPr lang="en-US" sz="2800" dirty="0" smtClean="0"/>
-              <a:t>Starts with </a:t>
-            </a:r>
-            <a:r>
-              <a:rPr lang="en-US" sz="2800" dirty="0" smtClean="0">
-                <a:solidFill>
-                  <a:srgbClr val="00B0F0"/>
-                </a:solidFill>
-              </a:rPr>
-              <a:t>confidence</a:t>
-            </a:r>
-          </a:p>
-          <a:p>
-            <a:pPr marL="457200" indent="-457200">
-              <a:buFont typeface="Arial" panose="020B0604020202020204" pitchFamily="34" charset="0"/>
-              <a:buChar char="•"/>
-            </a:pPr>
-            <a:r>
-              <a:rPr lang="en-US" sz="2800" dirty="0" smtClean="0"/>
-              <a:t>Deals with </a:t>
-            </a:r>
-            <a:r>
-              <a:rPr lang="en-US" sz="2800" dirty="0" smtClean="0">
-                <a:solidFill>
-                  <a:srgbClr val="FF0000"/>
-                </a:solidFill>
-              </a:rPr>
-              <a:t>specific</a:t>
-            </a:r>
-            <a:r>
-              <a:rPr lang="en-US" sz="2800" dirty="0" smtClean="0"/>
-              <a:t> </a:t>
-            </a:r>
-            <a:r>
-              <a:rPr lang="en-US" sz="2800" dirty="0" smtClean="0">
-                <a:sym typeface="Wingdings" panose="05000000000000000000" pitchFamily="2" charset="2"/>
-              </a:rPr>
-              <a:t>cases then</a:t>
-            </a:r>
-            <a:endParaRPr lang="en-US" sz="2800" dirty="0">
-              <a:sym typeface="Wingdings" panose="05000000000000000000" pitchFamily="2" charset="2"/>
-            </a:endParaRPr>
-          </a:p>
-          <a:p>
-            <a:pPr marL="914400" lvl="1" indent="-457200">
-              <a:buFont typeface="Arial" panose="020B0604020202020204" pitchFamily="34" charset="0"/>
-              <a:buChar char="•"/>
-            </a:pPr>
-            <a:r>
-              <a:rPr lang="en-US" sz="2800" dirty="0" smtClean="0">
-                <a:sym typeface="Wingdings" panose="05000000000000000000" pitchFamily="2" charset="2"/>
-              </a:rPr>
-              <a:t>Concludes </a:t>
-            </a:r>
-            <a:r>
-              <a:rPr lang="en-US" sz="2800" dirty="0" smtClean="0">
-                <a:solidFill>
-                  <a:srgbClr val="00B050"/>
-                </a:solidFill>
-                <a:sym typeface="Wingdings" panose="05000000000000000000" pitchFamily="2" charset="2"/>
-              </a:rPr>
-              <a:t>generic</a:t>
-            </a:r>
-            <a:r>
-              <a:rPr lang="en-US" sz="2800" dirty="0" smtClean="0">
-                <a:sym typeface="Wingdings" panose="05000000000000000000" pitchFamily="2" charset="2"/>
-              </a:rPr>
-              <a:t> cases</a:t>
-            </a:r>
-          </a:p>
-          <a:p>
-            <a:pPr marL="457200" indent="-457200">
-              <a:buFont typeface="Arial" panose="020B0604020202020204" pitchFamily="34" charset="0"/>
-              <a:buChar char="•"/>
-            </a:pPr>
-            <a:r>
-              <a:rPr lang="en-US" sz="2800" dirty="0" smtClean="0">
-                <a:sym typeface="Wingdings" panose="05000000000000000000" pitchFamily="2" charset="2"/>
-              </a:rPr>
-              <a:t>Prompts for code </a:t>
-            </a:r>
-            <a:r>
-              <a:rPr lang="en-US" sz="2800" dirty="0" smtClean="0">
-                <a:solidFill>
-                  <a:schemeClr val="accent6">
-                    <a:lumMod val="75000"/>
-                  </a:schemeClr>
-                </a:solidFill>
-                <a:sym typeface="Wingdings" panose="05000000000000000000" pitchFamily="2" charset="2"/>
-              </a:rPr>
-              <a:t>improvement</a:t>
-            </a:r>
-            <a:endParaRPr lang="en-US" sz="2800" dirty="0">
-              <a:solidFill>
-                <a:schemeClr val="accent6">
-                  <a:lumMod val="75000"/>
-                </a:schemeClr>
-              </a:solidFill>
-            </a:endParaRPr>
-          </a:p>
-        </p:txBody>
-      </p:sp>
-    </p:spTree>
-    <p:extLst>
-      <p:ext uri="{BB962C8B-B14F-4D97-AF65-F5344CB8AC3E}">
-        <p14:creationId xmlns:p14="http://schemas.microsoft.com/office/powerpoint/2010/main" val="3685412025"/>
-      </p:ext>
-    </p:extLst>
-  </p:cSld>
-  <p:clrMapOvr>
-    <a:masterClrMapping/>
-  </p:clrMapOvr>
-  <p:timing>
-    <p:tnLst>
-      <p:par>
-        <p:cTn id="1" dur="indefinite" restart="never" nodeType="tmRoot"/>
-      </p:par>
-    </p:tnLst>
-  </p:timing>
-</p:sld>
-</file>
-
-<file path=ppt/slides/slide12.xml><?xml version="1.0" encoding="utf-8"?>
-<p:sld xmlns:a="http://schemas.openxmlformats.org/drawingml/2006/main" xmlns:r="http://schemas.openxmlformats.org/officeDocument/2006/relationships" xmlns:p="http://schemas.openxmlformats.org/presentationml/2006/main">
-  <p:cSld>
-    <p:spTree>
-      <p:nvGrpSpPr>
-        <p:cNvPr id="1" name=""/>
-        <p:cNvGrpSpPr/>
-        <p:nvPr/>
-      </p:nvGrpSpPr>
-      <p:grpSpPr>
-        <a:xfrm>
-          <a:off x="0" y="0"/>
-          <a:ext cx="0" cy="0"/>
-          <a:chOff x="0" y="0"/>
-          <a:chExt cx="0" cy="0"/>
-        </a:xfrm>
-      </p:grpSpPr>
-      <p:sp>
-        <p:nvSpPr>
-          <p:cNvPr id="2" name="TextBox 1"/>
-          <p:cNvSpPr txBox="1"/>
-          <p:nvPr/>
-        </p:nvSpPr>
-        <p:spPr>
-          <a:xfrm>
-            <a:off x="3124200" y="1143000"/>
-            <a:ext cx="2022348" cy="584775"/>
-          </a:xfrm>
-          <a:prstGeom prst="rect">
-            <a:avLst/>
-          </a:prstGeom>
-          <a:noFill/>
-        </p:spPr>
-        <p:txBody>
-          <a:bodyPr wrap="none" rtlCol="0">
-            <a:spAutoFit/>
-          </a:bodyPr>
-          <a:lstStyle/>
-          <a:p>
-            <a:r>
-              <a:rPr lang="en-US" sz="3200" dirty="0" smtClean="0"/>
-              <a:t>Homework</a:t>
-            </a:r>
-            <a:endParaRPr lang="en-US" sz="3200" dirty="0"/>
-          </a:p>
-        </p:txBody>
-      </p:sp>
-      <p:sp>
-        <p:nvSpPr>
-          <p:cNvPr id="3" name="TextBox 2"/>
-          <p:cNvSpPr txBox="1"/>
-          <p:nvPr/>
-        </p:nvSpPr>
-        <p:spPr>
-          <a:xfrm>
-            <a:off x="914400" y="2133600"/>
-            <a:ext cx="5661806" cy="2031325"/>
-          </a:xfrm>
-          <a:prstGeom prst="rect">
-            <a:avLst/>
-          </a:prstGeom>
-          <a:noFill/>
-        </p:spPr>
-        <p:txBody>
-          <a:bodyPr wrap="none" rtlCol="0">
-            <a:spAutoFit/>
-          </a:bodyPr>
-          <a:lstStyle/>
-          <a:p>
-            <a:r>
-              <a:rPr lang="en-US" altLang="zh-CN" dirty="0" smtClean="0"/>
-              <a:t>Give number between 0 to 99, return its </a:t>
-            </a:r>
-            <a:r>
-              <a:rPr lang="en-US" altLang="zh-CN" dirty="0"/>
-              <a:t>E</a:t>
-            </a:r>
-            <a:r>
-              <a:rPr lang="en-US" altLang="zh-CN" dirty="0" smtClean="0"/>
-              <a:t>nglish word, E.g.</a:t>
-            </a:r>
-          </a:p>
-          <a:p>
-            <a:r>
-              <a:rPr lang="zh-CN" altLang="en-US" dirty="0" smtClean="0"/>
-              <a:t>给出任意个</a:t>
-            </a:r>
-            <a:r>
-              <a:rPr lang="en-US" altLang="zh-CN" dirty="0" smtClean="0"/>
-              <a:t>0-99</a:t>
-            </a:r>
-            <a:r>
-              <a:rPr lang="zh-CN" altLang="en-US" dirty="0" smtClean="0"/>
-              <a:t>的数字，返回数字的英文。比如</a:t>
-            </a:r>
-            <a:endParaRPr lang="en-US" altLang="zh-CN" dirty="0" smtClean="0"/>
-          </a:p>
-          <a:p>
-            <a:endParaRPr lang="en-US" dirty="0"/>
-          </a:p>
-          <a:p>
-            <a:r>
-              <a:rPr lang="en-US" dirty="0" smtClean="0"/>
-              <a:t>0 </a:t>
-            </a:r>
-            <a:r>
-              <a:rPr lang="en-US" dirty="0" smtClean="0">
-                <a:sym typeface="Wingdings" panose="05000000000000000000" pitchFamily="2" charset="2"/>
-              </a:rPr>
-              <a:t> </a:t>
-            </a:r>
-            <a:r>
-              <a:rPr lang="en-US" altLang="zh-CN" dirty="0" smtClean="0">
-                <a:sym typeface="Wingdings" panose="05000000000000000000" pitchFamily="2" charset="2"/>
-              </a:rPr>
-              <a:t>Zero</a:t>
-            </a:r>
-          </a:p>
-          <a:p>
-            <a:r>
-              <a:rPr lang="en-US" dirty="0" smtClean="0">
-                <a:sym typeface="Wingdings" panose="05000000000000000000" pitchFamily="2" charset="2"/>
-              </a:rPr>
-              <a:t>10  </a:t>
-            </a:r>
-            <a:r>
-              <a:rPr lang="en-US" altLang="zh-CN" dirty="0" smtClean="0">
-                <a:sym typeface="Wingdings" panose="05000000000000000000" pitchFamily="2" charset="2"/>
-              </a:rPr>
-              <a:t>Ten</a:t>
-            </a:r>
-          </a:p>
-          <a:p>
-            <a:r>
-              <a:rPr lang="en-US" dirty="0" smtClean="0">
-                <a:sym typeface="Wingdings" panose="05000000000000000000" pitchFamily="2" charset="2"/>
-              </a:rPr>
-              <a:t>21  </a:t>
-            </a:r>
-            <a:r>
-              <a:rPr lang="en-US" altLang="zh-CN" dirty="0" smtClean="0">
-                <a:sym typeface="Wingdings" panose="05000000000000000000" pitchFamily="2" charset="2"/>
-              </a:rPr>
-              <a:t>Twenty One</a:t>
-            </a:r>
-          </a:p>
-          <a:p>
-            <a:r>
-              <a:rPr lang="en-US" dirty="0" smtClean="0">
-                <a:sym typeface="Wingdings" panose="05000000000000000000" pitchFamily="2" charset="2"/>
-              </a:rPr>
-              <a:t>99  </a:t>
-            </a:r>
-            <a:r>
-              <a:rPr lang="en-US" altLang="zh-CN" dirty="0" smtClean="0">
-                <a:sym typeface="Wingdings" panose="05000000000000000000" pitchFamily="2" charset="2"/>
-              </a:rPr>
-              <a:t>Ninety Nine</a:t>
-            </a:r>
-            <a:endParaRPr lang="en-US" dirty="0"/>
-          </a:p>
-        </p:txBody>
-      </p:sp>
-    </p:spTree>
-    <p:extLst>
-      <p:ext uri="{BB962C8B-B14F-4D97-AF65-F5344CB8AC3E}">
-        <p14:creationId xmlns:p14="http://schemas.microsoft.com/office/powerpoint/2010/main" val="2195504767"/>
-      </p:ext>
-    </p:extLst>
-  </p:cSld>
-  <p:clrMapOvr>
-    <a:masterClrMapping/>
-  </p:clrMapOvr>
-  <p:timing>
-    <p:tnLst>
-      <p:par>
-        <p:cTn id="1" dur="indefinite" restart="never" nodeType="tmRoot"/>
-      </p:par>
-    </p:tnLst>
-  </p:timing>
-</p:sld>
-</file>
-
-<file path=ppt/slides/slide2.xml><?xml version="1.0" encoding="utf-8"?>
-<p:sld xmlns:a="http://schemas.openxmlformats.org/drawingml/2006/main" xmlns:r="http://schemas.openxmlformats.org/officeDocument/2006/relationships" xmlns:p="http://schemas.openxmlformats.org/presentationml/2006/main">
-  <p:cSld>
-    <p:spTree>
-      <p:nvGrpSpPr>
-        <p:cNvPr id="1" name=""/>
-        <p:cNvGrpSpPr/>
-        <p:nvPr/>
-      </p:nvGrpSpPr>
-      <p:grpSpPr>
-        <a:xfrm>
-          <a:off x="0" y="0"/>
-          <a:ext cx="0" cy="0"/>
-          <a:chOff x="0" y="0"/>
-          <a:chExt cx="0" cy="0"/>
-        </a:xfrm>
-      </p:grpSpPr>
-      <p:sp>
-        <p:nvSpPr>
-          <p:cNvPr id="2" name="TextBox 1"/>
-          <p:cNvSpPr txBox="1"/>
-          <p:nvPr/>
-        </p:nvSpPr>
-        <p:spPr>
-          <a:xfrm>
-            <a:off x="589547" y="742030"/>
-            <a:ext cx="2060757" cy="646331"/>
-          </a:xfrm>
-          <a:prstGeom prst="rect">
-            <a:avLst/>
-          </a:prstGeom>
-          <a:noFill/>
-        </p:spPr>
-        <p:txBody>
-          <a:bodyPr wrap="none" rtlCol="0">
-            <a:spAutoFit/>
-          </a:bodyPr>
-          <a:lstStyle/>
-          <a:p>
-            <a:r>
-              <a:rPr lang="en-US" sz="3600" dirty="0" smtClean="0"/>
-              <a:t>TDD Cycle</a:t>
-            </a:r>
-            <a:endParaRPr lang="en-US" sz="3600" dirty="0"/>
-          </a:p>
-        </p:txBody>
-      </p:sp>
-      <p:graphicFrame>
-        <p:nvGraphicFramePr>
-          <p:cNvPr id="3" name="Diagram 2"/>
-          <p:cNvGraphicFramePr/>
-          <p:nvPr>
-            <p:extLst>
-              <p:ext uri="{D42A27DB-BD31-4B8C-83A1-F6EECF244321}">
-                <p14:modId xmlns:p14="http://schemas.microsoft.com/office/powerpoint/2010/main" val="403189659"/>
-              </p:ext>
-            </p:extLst>
-          </p:nvPr>
-        </p:nvGraphicFramePr>
-        <p:xfrm>
-          <a:off x="1524000" y="1397000"/>
-          <a:ext cx="6096000" cy="4064000"/>
-        </p:xfrm>
-        <a:graphic>
-          <a:graphicData uri="http://schemas.openxmlformats.org/drawingml/2006/diagram">
-            <dgm:relIds xmlns:dgm="http://schemas.openxmlformats.org/drawingml/2006/diagram" xmlns:r="http://schemas.openxmlformats.org/officeDocument/2006/relationships" r:dm="rId2" r:lo="rId3" r:qs="rId4" r:cs="rId5"/>
-          </a:graphicData>
-        </a:graphic>
-      </p:graphicFrame>
-    </p:spTree>
-    <p:extLst>
-      <p:ext uri="{BB962C8B-B14F-4D97-AF65-F5344CB8AC3E}">
-        <p14:creationId xmlns:p14="http://schemas.microsoft.com/office/powerpoint/2010/main" val="1554123537"/>
-      </p:ext>
-    </p:extLst>
-  </p:cSld>
-  <p:clrMapOvr>
-    <a:masterClrMapping/>
-  </p:clrMapOvr>
-  <p:timing>
-    <p:tnLst>
-      <p:par>
-        <p:cTn id="1" dur="indefinite" restart="never" nodeType="tmRoot"/>
-      </p:par>
-    </p:tnLst>
-  </p:timing>
-</p:sld>
-</file>
-
-<file path=ppt/slides/slide3.xml><?xml version="1.0" encoding="utf-8"?>
-<p:sld xmlns:a="http://schemas.openxmlformats.org/drawingml/2006/main" xmlns:r="http://schemas.openxmlformats.org/officeDocument/2006/relationships" xmlns:p="http://schemas.openxmlformats.org/presentationml/2006/main">
-  <p:cSld>
-    <p:spTree>
-      <p:nvGrpSpPr>
-        <p:cNvPr id="1" name=""/>
-        <p:cNvGrpSpPr/>
-        <p:nvPr/>
-      </p:nvGrpSpPr>
-      <p:grpSpPr>
-        <a:xfrm>
-          <a:off x="0" y="0"/>
-          <a:ext cx="0" cy="0"/>
-          <a:chOff x="0" y="0"/>
-          <a:chExt cx="0" cy="0"/>
-        </a:xfrm>
-      </p:grpSpPr>
-      <p:sp>
-        <p:nvSpPr>
-          <p:cNvPr id="2" name="TextBox 1"/>
-          <p:cNvSpPr txBox="1"/>
-          <p:nvPr/>
-        </p:nvSpPr>
-        <p:spPr>
-          <a:xfrm>
-            <a:off x="589547" y="742030"/>
-            <a:ext cx="1693412" cy="646331"/>
-          </a:xfrm>
-          <a:prstGeom prst="rect">
-            <a:avLst/>
-          </a:prstGeom>
-          <a:noFill/>
-        </p:spPr>
-        <p:txBody>
-          <a:bodyPr wrap="none" rtlCol="0">
-            <a:spAutoFit/>
-          </a:bodyPr>
-          <a:lstStyle/>
-          <a:p>
-            <a:r>
-              <a:rPr lang="en-US" sz="3600" dirty="0" smtClean="0"/>
-              <a:t>Exercise</a:t>
-            </a:r>
-            <a:endParaRPr lang="en-US" sz="3600" dirty="0"/>
-          </a:p>
-        </p:txBody>
-      </p:sp>
-      <p:sp>
-        <p:nvSpPr>
-          <p:cNvPr id="3" name="TextBox 2"/>
-          <p:cNvSpPr txBox="1"/>
-          <p:nvPr/>
-        </p:nvSpPr>
-        <p:spPr>
-          <a:xfrm>
-            <a:off x="990600" y="1688068"/>
-            <a:ext cx="7307898" cy="830997"/>
-          </a:xfrm>
-          <a:prstGeom prst="rect">
-            <a:avLst/>
-          </a:prstGeom>
-          <a:noFill/>
-        </p:spPr>
-        <p:txBody>
-          <a:bodyPr wrap="none" rtlCol="0">
-            <a:spAutoFit/>
-          </a:bodyPr>
-          <a:lstStyle/>
-          <a:p>
-            <a:r>
-              <a:rPr lang="en-US" sz="2400" dirty="0"/>
-              <a:t>Factorize a positive integer number into its prime factors</a:t>
-            </a:r>
-            <a:r>
-              <a:rPr lang="en-US" sz="2400" dirty="0" smtClean="0"/>
-              <a:t>.</a:t>
-            </a:r>
-          </a:p>
-          <a:p>
-            <a:r>
-              <a:rPr lang="zh-CN" altLang="en-US" sz="2400" dirty="0"/>
-              <a:t>找</a:t>
-            </a:r>
-            <a:r>
-              <a:rPr lang="zh-CN" altLang="en-US" sz="2400" dirty="0" smtClean="0"/>
-              <a:t>出一个正整数的所有质因数</a:t>
-            </a:r>
-            <a:endParaRPr lang="en-US" sz="2400" dirty="0"/>
-          </a:p>
-        </p:txBody>
-      </p:sp>
-      <p:pic>
-        <p:nvPicPr>
-          <p:cNvPr id="1026" name="Picture 2" descr="alt text"/>
-          <p:cNvPicPr>
-            <a:picLocks noChangeAspect="1" noChangeArrowheads="1"/>
-          </p:cNvPicPr>
-          <p:nvPr/>
-        </p:nvPicPr>
-        <p:blipFill>
-          <a:blip r:embed="rId2">
-            <a:extLst>
-              <a:ext uri="{28A0092B-C50C-407E-A947-70E740481C1C}">
-                <a14:useLocalDpi xmlns:a14="http://schemas.microsoft.com/office/drawing/2010/main" val="0"/>
-              </a:ext>
-            </a:extLst>
-          </a:blip>
-          <a:srcRect/>
-          <a:stretch>
-            <a:fillRect/>
-          </a:stretch>
-        </p:blipFill>
-        <p:spPr bwMode="auto">
-          <a:xfrm>
-            <a:off x="2362200" y="2667000"/>
-            <a:ext cx="3924300" cy="3676651"/>
-          </a:xfrm>
-          <a:prstGeom prst="rect">
-            <a:avLst/>
-          </a:prstGeom>
-          <a:noFill/>
-          <a:extLst>
-            <a:ext uri="{909E8E84-426E-40DD-AFC4-6F175D3DCCD1}">
-              <a14:hiddenFill xmlns:a14="http://schemas.microsoft.com/office/drawing/2010/main">
-                <a:solidFill>
-                  <a:srgbClr val="FFFFFF"/>
-                </a:solidFill>
-              </a14:hiddenFill>
-            </a:ext>
-          </a:extLst>
-        </p:spPr>
-      </p:pic>
-    </p:spTree>
-    <p:extLst>
-      <p:ext uri="{BB962C8B-B14F-4D97-AF65-F5344CB8AC3E}">
-        <p14:creationId xmlns:p14="http://schemas.microsoft.com/office/powerpoint/2010/main" val="711699999"/>
-      </p:ext>
-    </p:extLst>
-  </p:cSld>
-  <p:clrMapOvr>
-    <a:masterClrMapping/>
-  </p:clrMapOvr>
-  <p:timing>
-    <p:tnLst>
-      <p:par>
-        <p:cTn id="1" dur="indefinite" restart="never" nodeType="tmRoot"/>
-      </p:par>
-    </p:tnLst>
-  </p:timing>
-</p:sld>
-</file>
-
-<file path=ppt/slides/slide4.xml><?xml version="1.0" encoding="utf-8"?>
-<p:sld xmlns:a="http://schemas.openxmlformats.org/drawingml/2006/main" xmlns:r="http://schemas.openxmlformats.org/officeDocument/2006/relationships" xmlns:p="http://schemas.openxmlformats.org/presentationml/2006/main">
-  <p:cSld>
-    <p:spTree>
-      <p:nvGrpSpPr>
-        <p:cNvPr id="1" name=""/>
-        <p:cNvGrpSpPr/>
-        <p:nvPr/>
-      </p:nvGrpSpPr>
-      <p:grpSpPr>
-        <a:xfrm>
-          <a:off x="0" y="0"/>
-          <a:ext cx="0" cy="0"/>
-          <a:chOff x="0" y="0"/>
-          <a:chExt cx="0" cy="0"/>
-        </a:xfrm>
-      </p:grpSpPr>
-      <p:sp>
-        <p:nvSpPr>
-          <p:cNvPr id="2" name="TextBox 1"/>
-          <p:cNvSpPr txBox="1"/>
-          <p:nvPr/>
-        </p:nvSpPr>
-        <p:spPr>
-          <a:xfrm>
-            <a:off x="3657600" y="2581937"/>
-            <a:ext cx="1261884" cy="584775"/>
-          </a:xfrm>
-          <a:prstGeom prst="rect">
-            <a:avLst/>
-          </a:prstGeom>
-          <a:noFill/>
-        </p:spPr>
-        <p:txBody>
-          <a:bodyPr wrap="none" rtlCol="0">
-            <a:spAutoFit/>
-          </a:bodyPr>
-          <a:lstStyle/>
-          <a:p>
-            <a:r>
-              <a:rPr lang="en-US" sz="3200" dirty="0" smtClean="0"/>
-              <a:t>DEMO</a:t>
-            </a:r>
-            <a:endParaRPr lang="en-US" sz="3200" dirty="0"/>
-          </a:p>
-        </p:txBody>
-      </p:sp>
-      <p:sp>
-        <p:nvSpPr>
-          <p:cNvPr id="3" name="Rectangle 2"/>
-          <p:cNvSpPr/>
-          <p:nvPr/>
-        </p:nvSpPr>
-        <p:spPr>
-          <a:xfrm>
-            <a:off x="2971800" y="3505200"/>
-            <a:ext cx="2971839" cy="646331"/>
-          </a:xfrm>
-          <a:prstGeom prst="rect">
-            <a:avLst/>
-          </a:prstGeom>
-        </p:spPr>
-        <p:txBody>
-          <a:bodyPr wrap="none">
-            <a:spAutoFit/>
-          </a:bodyPr>
-          <a:lstStyle/>
-          <a:p>
-            <a:r>
-              <a:rPr lang="en-US" u="sng" dirty="0">
-                <a:hlinkClick r:id="rId2"/>
-              </a:rPr>
-              <a:t>https://</a:t>
-            </a:r>
-            <a:r>
-              <a:rPr lang="en-US" u="sng" dirty="0" smtClean="0">
-                <a:hlinkClick r:id="rId2"/>
-              </a:rPr>
-              <a:t>vimeo.com/97516288</a:t>
-            </a:r>
-            <a:endParaRPr lang="en-US" u="sng" dirty="0" smtClean="0"/>
-          </a:p>
-          <a:p>
-            <a:pPr algn="ctr"/>
-            <a:r>
-              <a:rPr lang="en-US" u="sng" dirty="0" smtClean="0"/>
-              <a:t>Start from 32’50</a:t>
-            </a:r>
-            <a:endParaRPr lang="en-US" dirty="0"/>
-          </a:p>
-        </p:txBody>
-      </p:sp>
-    </p:spTree>
-    <p:extLst>
-      <p:ext uri="{BB962C8B-B14F-4D97-AF65-F5344CB8AC3E}">
-        <p14:creationId xmlns:p14="http://schemas.microsoft.com/office/powerpoint/2010/main" val="655841564"/>
-      </p:ext>
-    </p:extLst>
-  </p:cSld>
-  <p:clrMapOvr>
-    <a:masterClrMapping/>
-  </p:clrMapOvr>
-  <p:timing>
-    <p:tnLst>
-      <p:par>
-        <p:cTn id="1" dur="indefinite" restart="never" nodeType="tmRoot"/>
-      </p:par>
-    </p:tnLst>
-  </p:timing>
-</p:sld>
-</file>
-
-<file path=ppt/slides/slide5.xml><?xml version="1.0" encoding="utf-8"?>
-<p:sld xmlns:a="http://schemas.openxmlformats.org/drawingml/2006/main" xmlns:r="http://schemas.openxmlformats.org/officeDocument/2006/relationships" xmlns:p="http://schemas.openxmlformats.org/presentationml/2006/main">
-  <p:cSld>
-    <p:spTree>
-      <p:nvGrpSpPr>
-        <p:cNvPr id="1" name=""/>
-        <p:cNvGrpSpPr/>
-        <p:nvPr/>
-      </p:nvGrpSpPr>
-      <p:grpSpPr>
-        <a:xfrm>
-          <a:off x="0" y="0"/>
-          <a:ext cx="0" cy="0"/>
-          <a:chOff x="0" y="0"/>
-          <a:chExt cx="0" cy="0"/>
-        </a:xfrm>
-      </p:grpSpPr>
-      <p:sp>
-        <p:nvSpPr>
-          <p:cNvPr id="2" name="Text Box 2"/>
-          <p:cNvSpPr txBox="1">
-            <a:spLocks noChangeArrowheads="1"/>
-          </p:cNvSpPr>
-          <p:nvPr/>
-        </p:nvSpPr>
-        <p:spPr bwMode="auto">
-          <a:xfrm>
-            <a:off x="685800" y="990600"/>
-            <a:ext cx="6172200" cy="655638"/>
-          </a:xfrm>
-          <a:prstGeom prst="rect">
-            <a:avLst/>
-          </a:prstGeom>
-          <a:noFill/>
-          <a:ln>
-            <a:noFill/>
-          </a:ln>
-          <a:extLst>
-            <a:ext uri="{909E8E84-426E-40DD-AFC4-6F175D3DCCD1}">
-              <a14:hiddenFill xmlns:a14="http://schemas.microsoft.com/office/drawing/2010/main">
-                <a:solidFill>
-                  <a:srgbClr val="FFFFFF"/>
-                </a:solidFill>
-              </a14:hiddenFill>
-            </a:ext>
-            <a:ext uri="{91240B29-F687-4F45-9708-019B960494DF}">
-              <a14:hiddenLine xmlns:a14="http://schemas.microsoft.com/office/drawing/2010/main" w="9525">
-                <a:solidFill>
-                  <a:srgbClr val="000000"/>
-                </a:solidFill>
-                <a:miter lim="800000"/>
-                <a:headEnd/>
-                <a:tailEnd/>
-              </a14:hiddenLine>
-            </a:ext>
-          </a:extLst>
-        </p:spPr>
-        <p:txBody>
-          <a:bodyPr>
-            <a:spAutoFit/>
-          </a:bodyPr>
-          <a:lstStyle/>
-          <a:p>
-            <a:r>
-              <a:rPr lang="zh-CN" altLang="en-US" sz="2800" dirty="0"/>
-              <a:t>Transformation Priority Premise (TPP)</a:t>
-            </a:r>
-          </a:p>
-          <a:p>
-            <a:r>
-              <a:rPr lang="en-US" altLang="en-US" sz="900" dirty="0">
-                <a:hlinkClick r:id="rId2"/>
-              </a:rPr>
-              <a:t>http://blog.8thlight.com/uncle-bob/2013/05/27/TheTransformationPriorityPremise.html</a:t>
-            </a:r>
-          </a:p>
-        </p:txBody>
-      </p:sp>
-      <p:sp>
-        <p:nvSpPr>
-          <p:cNvPr id="3" name="Text Box 3"/>
-          <p:cNvSpPr txBox="1">
-            <a:spLocks noChangeArrowheads="1"/>
-          </p:cNvSpPr>
-          <p:nvPr/>
-        </p:nvSpPr>
-        <p:spPr bwMode="auto">
-          <a:xfrm>
-            <a:off x="685800" y="1752600"/>
-            <a:ext cx="7926388" cy="3382963"/>
-          </a:xfrm>
-          <a:prstGeom prst="rect">
-            <a:avLst/>
-          </a:prstGeom>
-          <a:noFill/>
-          <a:ln>
-            <a:noFill/>
-          </a:ln>
-          <a:extLst>
-            <a:ext uri="{909E8E84-426E-40DD-AFC4-6F175D3DCCD1}">
-              <a14:hiddenFill xmlns:a14="http://schemas.microsoft.com/office/drawing/2010/main">
-                <a:solidFill>
-                  <a:srgbClr val="FFFFFF"/>
-                </a:solidFill>
-              </a14:hiddenFill>
-            </a:ext>
-            <a:ext uri="{91240B29-F687-4F45-9708-019B960494DF}">
-              <a14:hiddenLine xmlns:a14="http://schemas.microsoft.com/office/drawing/2010/main" w="9525">
-                <a:solidFill>
-                  <a:srgbClr val="000000"/>
-                </a:solidFill>
-                <a:miter lim="800000"/>
-                <a:headEnd/>
-                <a:tailEnd/>
-              </a14:hiddenLine>
-            </a:ext>
-          </a:extLst>
-        </p:spPr>
-        <p:txBody>
-          <a:bodyPr wrap="none">
-            <a:spAutoFit/>
-          </a:bodyPr>
-          <a:lstStyle/>
-          <a:p>
-            <a:r>
-              <a:rPr lang="en-US" altLang="zh-CN"/>
-              <a:t>• ({}–&gt;nil) no code at all-&gt;code that employs nil </a:t>
-            </a:r>
-          </a:p>
-          <a:p>
-            <a:r>
-              <a:rPr lang="en-US" altLang="zh-CN"/>
-              <a:t>• (nil-&gt;constant) </a:t>
-            </a:r>
-          </a:p>
-          <a:p>
-            <a:r>
-              <a:rPr lang="en-US" altLang="zh-CN"/>
-              <a:t>• (constant-&gt;constant+) a simple constant to a more complex constant </a:t>
-            </a:r>
-          </a:p>
-          <a:p>
-            <a:r>
-              <a:rPr lang="en-US" altLang="zh-CN"/>
-              <a:t>• (constant-&gt;scalar) replacing a constant with a variable or an argument </a:t>
-            </a:r>
-          </a:p>
-          <a:p>
-            <a:r>
-              <a:rPr lang="en-US" altLang="zh-CN"/>
-              <a:t>• (statement-&gt;statements) adding more unconditional statements. </a:t>
-            </a:r>
-          </a:p>
-          <a:p>
-            <a:r>
-              <a:rPr lang="en-US" altLang="zh-CN"/>
-              <a:t>• (unconditional-&gt;if) splitting the execution path </a:t>
-            </a:r>
-          </a:p>
-          <a:p>
-            <a:r>
-              <a:rPr lang="en-US" altLang="zh-CN"/>
-              <a:t>• (scalar-&gt;array) </a:t>
-            </a:r>
-          </a:p>
-          <a:p>
-            <a:r>
-              <a:rPr lang="en-US" altLang="zh-CN"/>
-              <a:t>• (array-&gt;container) </a:t>
-            </a:r>
-          </a:p>
-          <a:p>
-            <a:r>
-              <a:rPr lang="en-US" altLang="zh-CN"/>
-              <a:t>• (statement-&gt;recursion) </a:t>
-            </a:r>
-          </a:p>
-          <a:p>
-            <a:r>
-              <a:rPr lang="en-US" altLang="zh-CN"/>
-              <a:t>• (if-&gt;while) </a:t>
-            </a:r>
-          </a:p>
-          <a:p>
-            <a:r>
-              <a:rPr lang="en-US" altLang="zh-CN"/>
-              <a:t>• (expression-&gt;function) replacing an expression with a function or algorithm </a:t>
-            </a:r>
-          </a:p>
-          <a:p>
-            <a:r>
-              <a:rPr lang="en-US" altLang="zh-CN"/>
-              <a:t>• (variable-&gt;assignment) replacing the value of a variable. </a:t>
-            </a:r>
-          </a:p>
-        </p:txBody>
-      </p:sp>
-    </p:spTree>
-    <p:extLst>
-      <p:ext uri="{BB962C8B-B14F-4D97-AF65-F5344CB8AC3E}">
-        <p14:creationId xmlns:p14="http://schemas.microsoft.com/office/powerpoint/2010/main" val="92748445"/>
-      </p:ext>
-    </p:extLst>
-  </p:cSld>
-  <p:clrMapOvr>
-    <a:masterClrMapping/>
-  </p:clrMapOvr>
-  <p:timing>
-    <p:tnLst>
-      <p:par>
-        <p:cTn id="1" dur="indefinite" restart="never" nodeType="tmRoot"/>
-      </p:par>
-    </p:tnLst>
-  </p:timing>
-</p:sld>
-</file>
-
-<file path=ppt/slides/slide6.xml><?xml version="1.0" encoding="utf-8"?>
-<p:sld xmlns:a="http://schemas.openxmlformats.org/drawingml/2006/main" xmlns:r="http://schemas.openxmlformats.org/officeDocument/2006/relationships" xmlns:p="http://schemas.openxmlformats.org/presentationml/2006/main">
-  <p:cSld>
-    <p:spTree>
-      <p:nvGrpSpPr>
-        <p:cNvPr id="1" name=""/>
-        <p:cNvGrpSpPr/>
-        <p:nvPr/>
-      </p:nvGrpSpPr>
-      <p:grpSpPr>
-        <a:xfrm>
-          <a:off x="0" y="0"/>
-          <a:ext cx="0" cy="0"/>
-          <a:chOff x="0" y="0"/>
-          <a:chExt cx="0" cy="0"/>
-        </a:xfrm>
-      </p:grpSpPr>
-      <p:sp>
-        <p:nvSpPr>
-          <p:cNvPr id="2" name="TextBox 1"/>
-          <p:cNvSpPr txBox="1"/>
-          <p:nvPr/>
-        </p:nvSpPr>
-        <p:spPr>
-          <a:xfrm>
-            <a:off x="1229737" y="2819399"/>
-            <a:ext cx="6904583" cy="646331"/>
-          </a:xfrm>
-          <a:prstGeom prst="rect">
-            <a:avLst/>
-          </a:prstGeom>
-          <a:noFill/>
-        </p:spPr>
-        <p:txBody>
-          <a:bodyPr wrap="none" rtlCol="0" anchor="ctr">
-            <a:spAutoFit/>
-          </a:bodyPr>
-          <a:lstStyle/>
-          <a:p>
-            <a:pPr algn="ctr"/>
-            <a:r>
-              <a:rPr lang="en-US" sz="3600" dirty="0" smtClean="0"/>
-              <a:t>TDD is </a:t>
-            </a:r>
-            <a:r>
-              <a:rPr lang="en-US" sz="3600" dirty="0" smtClean="0">
-                <a:solidFill>
-                  <a:srgbClr val="FF0000"/>
-                </a:solidFill>
-              </a:rPr>
-              <a:t>design</a:t>
-            </a:r>
-            <a:r>
-              <a:rPr lang="en-US" sz="3600" dirty="0" smtClean="0"/>
-              <a:t> tool or </a:t>
-            </a:r>
-            <a:r>
-              <a:rPr lang="en-US" sz="3600" dirty="0" smtClean="0">
-                <a:solidFill>
-                  <a:srgbClr val="00B0F0"/>
-                </a:solidFill>
-              </a:rPr>
-              <a:t>testing</a:t>
-            </a:r>
-            <a:r>
-              <a:rPr lang="en-US" sz="3600" dirty="0" smtClean="0"/>
-              <a:t> tool ??</a:t>
-            </a:r>
-            <a:endParaRPr lang="en-US" sz="3600" dirty="0"/>
-          </a:p>
-        </p:txBody>
-      </p:sp>
-    </p:spTree>
-    <p:extLst>
-      <p:ext uri="{BB962C8B-B14F-4D97-AF65-F5344CB8AC3E}">
-        <p14:creationId xmlns:p14="http://schemas.microsoft.com/office/powerpoint/2010/main" val="2155431146"/>
-      </p:ext>
-    </p:extLst>
-  </p:cSld>
-  <p:clrMapOvr>
-    <a:masterClrMapping/>
-  </p:clrMapOvr>
-  <p:timing>
-    <p:tnLst>
-      <p:par>
-        <p:cTn id="1" dur="indefinite" restart="never" nodeType="tmRoot"/>
-      </p:par>
-    </p:tnLst>
-  </p:timing>
-</p:sld>
-</file>
-
-<file path=ppt/slides/slide7.xml><?xml version="1.0" encoding="utf-8"?>
-<p:sld xmlns:a="http://schemas.openxmlformats.org/drawingml/2006/main" xmlns:r="http://schemas.openxmlformats.org/officeDocument/2006/relationships" xmlns:p="http://schemas.openxmlformats.org/presentationml/2006/main">
-  <p:cSld>
-    <p:spTree>
-      <p:nvGrpSpPr>
-        <p:cNvPr id="1" name=""/>
-        <p:cNvGrpSpPr/>
-        <p:nvPr/>
-      </p:nvGrpSpPr>
-      <p:grpSpPr>
-        <a:xfrm>
-          <a:off x="0" y="0"/>
-          <a:ext cx="0" cy="0"/>
-          <a:chOff x="0" y="0"/>
-          <a:chExt cx="0" cy="0"/>
-        </a:xfrm>
-      </p:grpSpPr>
-      <p:sp>
-        <p:nvSpPr>
-          <p:cNvPr id="4" name="Rectangle 3">
-            <a:hlinkClick r:id="rId2"/>
-          </p:cNvPr>
-          <p:cNvSpPr/>
-          <p:nvPr/>
-        </p:nvSpPr>
-        <p:spPr>
-          <a:xfrm>
-            <a:off x="685800" y="5715000"/>
-            <a:ext cx="7391400" cy="369332"/>
-          </a:xfrm>
-          <a:prstGeom prst="rect">
-            <a:avLst/>
-          </a:prstGeom>
-        </p:spPr>
-        <p:txBody>
-          <a:bodyPr wrap="square">
-            <a:spAutoFit/>
-          </a:bodyPr>
-          <a:lstStyle/>
-          <a:p>
-            <a:r>
-              <a:rPr lang="en-US" dirty="0">
-                <a:hlinkClick r:id="rId2"/>
-              </a:rPr>
-              <a:t>http://codurance.com/2015/05/12/does-tdd-lead-to-good-design/</a:t>
-            </a:r>
-            <a:endParaRPr lang="en-US" dirty="0"/>
-          </a:p>
-        </p:txBody>
-      </p:sp>
-      <p:sp>
-        <p:nvSpPr>
-          <p:cNvPr id="5" name="TextBox 4"/>
-          <p:cNvSpPr txBox="1"/>
-          <p:nvPr/>
-        </p:nvSpPr>
-        <p:spPr>
-          <a:xfrm>
-            <a:off x="533400" y="685800"/>
-            <a:ext cx="8305800" cy="4185761"/>
-          </a:xfrm>
-          <a:prstGeom prst="rect">
-            <a:avLst/>
-          </a:prstGeom>
-          <a:noFill/>
-        </p:spPr>
-        <p:txBody>
-          <a:bodyPr wrap="square" rtlCol="0">
-            <a:spAutoFit/>
-          </a:bodyPr>
-          <a:lstStyle/>
-          <a:p>
-            <a:r>
-              <a:rPr lang="en-US" sz="3200" dirty="0" smtClean="0"/>
-              <a:t>Classicist TDD</a:t>
-            </a:r>
-          </a:p>
-          <a:p>
-            <a:endParaRPr lang="en-US" dirty="0"/>
-          </a:p>
-          <a:p>
-            <a:pPr marL="342900" indent="-342900">
-              <a:buFont typeface="+mj-lt"/>
-              <a:buAutoNum type="arabicPeriod"/>
-            </a:pPr>
-            <a:r>
-              <a:rPr lang="en-US" dirty="0" smtClean="0"/>
-              <a:t>Design </a:t>
-            </a:r>
-            <a:r>
-              <a:rPr lang="en-US" dirty="0"/>
-              <a:t>happens during the refactoring phase.</a:t>
-            </a:r>
-          </a:p>
-          <a:p>
-            <a:pPr marL="342900" indent="-342900">
-              <a:buFont typeface="+mj-lt"/>
-              <a:buAutoNum type="arabicPeriod"/>
-            </a:pPr>
-            <a:r>
-              <a:rPr lang="en-US" dirty="0" smtClean="0"/>
-              <a:t>During </a:t>
-            </a:r>
-            <a:r>
-              <a:rPr lang="en-US" dirty="0"/>
-              <a:t>the refactoring phase, the unit under test may grow to multiple classes.</a:t>
-            </a:r>
-          </a:p>
-          <a:p>
-            <a:pPr marL="342900" indent="-342900">
-              <a:buFont typeface="+mj-lt"/>
-              <a:buAutoNum type="arabicPeriod"/>
-            </a:pPr>
-            <a:r>
-              <a:rPr lang="en-US" dirty="0"/>
-              <a:t>Mocks are rarely used, unless when isolating external systems.</a:t>
-            </a:r>
-          </a:p>
-          <a:p>
-            <a:pPr marL="342900" indent="-342900">
-              <a:buFont typeface="+mj-lt"/>
-              <a:buAutoNum type="arabicPeriod"/>
-            </a:pPr>
-            <a:r>
-              <a:rPr lang="en-US" dirty="0"/>
-              <a:t>No up-front design considerations are made. Design completely emerges from code.</a:t>
-            </a:r>
-          </a:p>
-          <a:p>
-            <a:pPr marL="342900" indent="-342900">
-              <a:buFont typeface="+mj-lt"/>
-              <a:buAutoNum type="arabicPeriod"/>
-            </a:pPr>
-            <a:r>
-              <a:rPr lang="en-US" dirty="0"/>
-              <a:t>It’s a great way to avoid over-engineering.</a:t>
-            </a:r>
-          </a:p>
-          <a:p>
-            <a:pPr marL="342900" indent="-342900">
-              <a:buFont typeface="+mj-lt"/>
-              <a:buAutoNum type="arabicPeriod"/>
-            </a:pPr>
-            <a:r>
-              <a:rPr lang="en-US" dirty="0" smtClean="0"/>
-              <a:t>Often </a:t>
-            </a:r>
-            <a:r>
-              <a:rPr lang="en-US" dirty="0"/>
-              <a:t>used in conjunction with the 4 Rules of Simple Design.</a:t>
-            </a:r>
-          </a:p>
-          <a:p>
-            <a:pPr marL="342900" indent="-342900">
-              <a:buFont typeface="+mj-lt"/>
-              <a:buAutoNum type="arabicPeriod"/>
-            </a:pPr>
-            <a:r>
-              <a:rPr lang="en-US" dirty="0"/>
-              <a:t>Good for exploration, when we know what the input and desired output are but we don’t really know how the implementation looks like.</a:t>
-            </a:r>
-          </a:p>
-          <a:p>
-            <a:pPr marL="342900" indent="-342900">
-              <a:buFont typeface="+mj-lt"/>
-              <a:buAutoNum type="arabicPeriod"/>
-            </a:pPr>
-            <a:r>
-              <a:rPr lang="en-US" dirty="0"/>
-              <a:t>Great for cases where we can’t rely on a domain expert or domain language (data transformation, algorithms, etc.)</a:t>
-            </a:r>
-          </a:p>
-          <a:p>
-            <a:endParaRPr lang="en-US" dirty="0"/>
-          </a:p>
-        </p:txBody>
-      </p:sp>
-    </p:spTree>
-    <p:extLst>
-      <p:ext uri="{BB962C8B-B14F-4D97-AF65-F5344CB8AC3E}">
-        <p14:creationId xmlns:p14="http://schemas.microsoft.com/office/powerpoint/2010/main" val="1321943776"/>
-      </p:ext>
-    </p:extLst>
-  </p:cSld>
-  <p:clrMapOvr>
-    <a:masterClrMapping/>
-  </p:clrMapOvr>
-  <p:timing>
-    <p:tnLst>
-      <p:par>
-        <p:cTn id="1" dur="indefinite" restart="never" nodeType="tmRoot"/>
-      </p:par>
-    </p:tnLst>
-  </p:timing>
-</p:sld>
-</file>
-
-<file path=ppt/slides/slide8.xml><?xml version="1.0" encoding="utf-8"?>
-<p:sld xmlns:a="http://schemas.openxmlformats.org/drawingml/2006/main" xmlns:r="http://schemas.openxmlformats.org/officeDocument/2006/relationships" xmlns:p="http://schemas.openxmlformats.org/presentationml/2006/main">
-  <p:cSld>
-    <p:spTree>
-      <p:nvGrpSpPr>
-        <p:cNvPr id="1" name=""/>
-        <p:cNvGrpSpPr/>
-        <p:nvPr/>
-      </p:nvGrpSpPr>
-      <p:grpSpPr>
-        <a:xfrm>
-          <a:off x="0" y="0"/>
-          <a:ext cx="0" cy="0"/>
-          <a:chOff x="0" y="0"/>
-          <a:chExt cx="0" cy="0"/>
-        </a:xfrm>
-      </p:grpSpPr>
-      <p:sp>
-        <p:nvSpPr>
-          <p:cNvPr id="2" name="TextBox 1"/>
-          <p:cNvSpPr txBox="1"/>
-          <p:nvPr/>
-        </p:nvSpPr>
-        <p:spPr>
-          <a:xfrm>
-            <a:off x="533400" y="685800"/>
-            <a:ext cx="7924800" cy="3908762"/>
-          </a:xfrm>
-          <a:prstGeom prst="rect">
-            <a:avLst/>
-          </a:prstGeom>
-          <a:noFill/>
-        </p:spPr>
-        <p:txBody>
-          <a:bodyPr wrap="square" rtlCol="0">
-            <a:spAutoFit/>
-          </a:bodyPr>
-          <a:lstStyle/>
-          <a:p>
-            <a:r>
-              <a:rPr lang="en-US" sz="3200" dirty="0" smtClean="0"/>
-              <a:t>Outside-In TDD</a:t>
-            </a:r>
-          </a:p>
-          <a:p>
-            <a:endParaRPr lang="en-US" dirty="0"/>
-          </a:p>
-          <a:p>
-            <a:pPr marL="342900" indent="-342900">
-              <a:buFont typeface="+mj-lt"/>
-              <a:buAutoNum type="arabicPeriod"/>
-            </a:pPr>
-            <a:r>
-              <a:rPr lang="en-US" dirty="0" smtClean="0"/>
-              <a:t>Prescribes </a:t>
-            </a:r>
-            <a:r>
-              <a:rPr lang="en-US" dirty="0"/>
-              <a:t>a direction in which we start test-driving our code: from </a:t>
-            </a:r>
-            <a:r>
-              <a:rPr lang="en-US" dirty="0" smtClean="0"/>
-              <a:t>outside </a:t>
-            </a:r>
-            <a:r>
-              <a:rPr lang="en-US" dirty="0"/>
-              <a:t>to the </a:t>
-            </a:r>
-            <a:r>
-              <a:rPr lang="en-US" dirty="0" smtClean="0"/>
-              <a:t>inside.</a:t>
-            </a:r>
-          </a:p>
-          <a:p>
-            <a:pPr marL="342900" indent="-342900">
-              <a:buFont typeface="+mj-lt"/>
-              <a:buAutoNum type="arabicPeriod"/>
-            </a:pPr>
-            <a:r>
-              <a:rPr lang="en-US" dirty="0"/>
-              <a:t>Design starts in the </a:t>
-            </a:r>
-            <a:r>
-              <a:rPr lang="en-US" i="1" dirty="0"/>
-              <a:t>red</a:t>
-            </a:r>
-            <a:r>
-              <a:rPr lang="en-US" dirty="0"/>
-              <a:t> phase, while writing the tests.</a:t>
-            </a:r>
-          </a:p>
-          <a:p>
-            <a:pPr marL="342900" indent="-342900">
-              <a:buFont typeface="+mj-lt"/>
-              <a:buAutoNum type="arabicPeriod"/>
-            </a:pPr>
-            <a:r>
-              <a:rPr lang="en-US" dirty="0"/>
-              <a:t>Design is refined during the </a:t>
-            </a:r>
-            <a:r>
-              <a:rPr lang="en-US" i="1" dirty="0"/>
-              <a:t>refactoring</a:t>
-            </a:r>
-            <a:r>
-              <a:rPr lang="en-US" dirty="0"/>
-              <a:t> phase</a:t>
-            </a:r>
-            <a:r>
-              <a:rPr lang="en-US" dirty="0" smtClean="0"/>
-              <a:t>.</a:t>
-            </a:r>
-            <a:endParaRPr lang="en-US" dirty="0"/>
-          </a:p>
-          <a:p>
-            <a:pPr marL="342900" indent="-342900">
-              <a:buFont typeface="+mj-lt"/>
-              <a:buAutoNum type="arabicPeriod"/>
-            </a:pPr>
-            <a:r>
-              <a:rPr lang="en-US" dirty="0"/>
-              <a:t>We normally start with an acceptance test which verifies if the feature as a whole works. </a:t>
-            </a:r>
-            <a:r>
-              <a:rPr lang="en-US" dirty="0" smtClean="0"/>
-              <a:t>With </a:t>
-            </a:r>
-            <a:r>
-              <a:rPr lang="en-US" dirty="0"/>
-              <a:t>a failing acceptance test informing why the feature is not yet </a:t>
-            </a:r>
-            <a:r>
-              <a:rPr lang="en-US" dirty="0" smtClean="0"/>
-              <a:t>complete. we </a:t>
-            </a:r>
-            <a:r>
-              <a:rPr lang="en-US" dirty="0"/>
-              <a:t>start writing unit tests. </a:t>
-            </a:r>
-            <a:endParaRPr lang="en-US" dirty="0" smtClean="0"/>
-          </a:p>
-          <a:p>
-            <a:pPr marL="342900" indent="-342900">
-              <a:buFont typeface="+mj-lt"/>
-              <a:buAutoNum type="arabicPeriod"/>
-            </a:pPr>
-            <a:r>
-              <a:rPr lang="en-US" dirty="0" smtClean="0"/>
-              <a:t>Starts </a:t>
-            </a:r>
-            <a:r>
-              <a:rPr lang="en-US" dirty="0"/>
-              <a:t>from classes that are closer to the input of the system (outside) and move towards the inside of our application </a:t>
-            </a:r>
-            <a:endParaRPr lang="en-US" dirty="0" smtClean="0"/>
-          </a:p>
-          <a:p>
-            <a:pPr marL="342900" indent="-342900">
-              <a:buFont typeface="+mj-lt"/>
-              <a:buAutoNum type="arabicPeriod"/>
-            </a:pPr>
-            <a:r>
-              <a:rPr lang="en-US" dirty="0" smtClean="0"/>
-              <a:t>Refactoring </a:t>
-            </a:r>
-            <a:r>
-              <a:rPr lang="en-US" dirty="0"/>
-              <a:t>phases are much smaller, when compared to the classicist approach</a:t>
-            </a:r>
-            <a:r>
-              <a:rPr lang="en-US" dirty="0" smtClean="0"/>
-              <a:t>.</a:t>
-            </a:r>
-            <a:endParaRPr lang="en-US" dirty="0"/>
-          </a:p>
-        </p:txBody>
-      </p:sp>
-    </p:spTree>
-    <p:extLst>
-      <p:ext uri="{BB962C8B-B14F-4D97-AF65-F5344CB8AC3E}">
-        <p14:creationId xmlns:p14="http://schemas.microsoft.com/office/powerpoint/2010/main" val="314860247"/>
-      </p:ext>
-    </p:extLst>
-  </p:cSld>
-  <p:clrMapOvr>
-    <a:masterClrMapping/>
-  </p:clrMapOvr>
-  <p:timing>
-    <p:tnLst>
-      <p:par>
-        <p:cTn id="1" dur="indefinite" restart="never" nodeType="tmRoot"/>
-      </p:par>
-    </p:tnLst>
-  </p:timing>
-</p:sld>
-</file>
-
-<file path=ppt/slides/slide9.xml><?xml version="1.0" encoding="utf-8"?>
-<p:sld xmlns:a="http://schemas.openxmlformats.org/drawingml/2006/main" xmlns:r="http://schemas.openxmlformats.org/officeDocument/2006/relationships" xmlns:p="http://schemas.openxmlformats.org/presentationml/2006/main">
-  <p:cSld>
-    <p:spTree>
-      <p:nvGrpSpPr>
-        <p:cNvPr id="1" name=""/>
-        <p:cNvGrpSpPr/>
-        <p:nvPr/>
-      </p:nvGrpSpPr>
-      <p:grpSpPr>
-        <a:xfrm>
-          <a:off x="0" y="0"/>
-          <a:ext cx="0" cy="0"/>
-          <a:chOff x="0" y="0"/>
-          <a:chExt cx="0" cy="0"/>
-        </a:xfrm>
-      </p:grpSpPr>
-      <p:sp>
-        <p:nvSpPr>
-          <p:cNvPr id="2" name="TextBox 1"/>
-          <p:cNvSpPr txBox="1"/>
-          <p:nvPr/>
-        </p:nvSpPr>
-        <p:spPr>
-          <a:xfrm>
             <a:off x="1904999" y="2035452"/>
             <a:ext cx="5034263" cy="769441"/>
           </a:xfrm>
@@ -9439,6 +6196,2172 @@
     <p:bldLst>
       <p:bldP spid="3" grpId="0"/>
     </p:bldLst>
+  </p:timing>
+</p:sld>
+</file>
+
+<file path=ppt/slides/slide11.xml><?xml version="1.0" encoding="utf-8"?>
+<p:sld xmlns:a="http://schemas.openxmlformats.org/drawingml/2006/main" xmlns:r="http://schemas.openxmlformats.org/officeDocument/2006/relationships" xmlns:p="http://schemas.openxmlformats.org/presentationml/2006/main">
+  <p:cSld>
+    <p:spTree>
+      <p:nvGrpSpPr>
+        <p:cNvPr id="1" name=""/>
+        <p:cNvGrpSpPr/>
+        <p:nvPr/>
+      </p:nvGrpSpPr>
+      <p:grpSpPr>
+        <a:xfrm>
+          <a:off x="0" y="0"/>
+          <a:ext cx="0" cy="0"/>
+          <a:chOff x="0" y="0"/>
+          <a:chExt cx="0" cy="0"/>
+        </a:xfrm>
+      </p:grpSpPr>
+      <p:sp>
+        <p:nvSpPr>
+          <p:cNvPr id="2" name="TextBox 1"/>
+          <p:cNvSpPr txBox="1"/>
+          <p:nvPr/>
+        </p:nvSpPr>
+        <p:spPr>
+          <a:xfrm>
+            <a:off x="1143000" y="1142999"/>
+            <a:ext cx="4254691" cy="3631763"/>
+          </a:xfrm>
+          <a:prstGeom prst="rect">
+            <a:avLst/>
+          </a:prstGeom>
+          <a:noFill/>
+        </p:spPr>
+        <p:txBody>
+          <a:bodyPr wrap="none" rtlCol="0">
+            <a:spAutoFit/>
+          </a:bodyPr>
+          <a:lstStyle/>
+          <a:p>
+            <a:r>
+              <a:rPr lang="en-US" sz="3200" dirty="0" smtClean="0"/>
+              <a:t>Good Design Guidelines </a:t>
+            </a:r>
+          </a:p>
+          <a:p>
+            <a:endParaRPr lang="en-US" dirty="0"/>
+          </a:p>
+          <a:p>
+            <a:pPr marL="342900" indent="-342900">
+              <a:buFont typeface="+mj-lt"/>
+              <a:buAutoNum type="arabicPeriod"/>
+            </a:pPr>
+            <a:r>
+              <a:rPr lang="en-US" dirty="0" smtClean="0">
+                <a:hlinkClick r:id="rId2"/>
+              </a:rPr>
+              <a:t>4 </a:t>
+            </a:r>
+            <a:r>
+              <a:rPr lang="en-US" dirty="0">
+                <a:hlinkClick r:id="rId2"/>
+              </a:rPr>
+              <a:t>Rules of Simple </a:t>
+            </a:r>
+            <a:r>
+              <a:rPr lang="en-US" dirty="0" smtClean="0">
+                <a:hlinkClick r:id="rId2"/>
+              </a:rPr>
+              <a:t>Design</a:t>
+            </a:r>
+            <a:endParaRPr lang="en-US" dirty="0" smtClean="0"/>
+          </a:p>
+          <a:p>
+            <a:pPr marL="342900" indent="-342900">
+              <a:buFont typeface="+mj-lt"/>
+              <a:buAutoNum type="arabicPeriod"/>
+            </a:pPr>
+            <a:r>
+              <a:rPr lang="en-US" dirty="0" smtClean="0">
+                <a:hlinkClick r:id="rId3"/>
+              </a:rPr>
+              <a:t>Domain </a:t>
+            </a:r>
+            <a:r>
+              <a:rPr lang="en-US" dirty="0">
+                <a:hlinkClick r:id="rId3"/>
+              </a:rPr>
+              <a:t>Driven </a:t>
+            </a:r>
+            <a:r>
+              <a:rPr lang="en-US" dirty="0" smtClean="0">
+                <a:hlinkClick r:id="rId3"/>
+              </a:rPr>
+              <a:t>Design</a:t>
+            </a:r>
+            <a:endParaRPr lang="en-US" dirty="0" smtClean="0"/>
+          </a:p>
+          <a:p>
+            <a:pPr marL="342900" indent="-342900">
+              <a:buFont typeface="+mj-lt"/>
+              <a:buAutoNum type="arabicPeriod"/>
+            </a:pPr>
+            <a:r>
+              <a:rPr lang="en-US" dirty="0" smtClean="0">
+                <a:hlinkClick r:id="rId4"/>
+              </a:rPr>
+              <a:t>SOLID</a:t>
+            </a:r>
+            <a:endParaRPr lang="en-US" dirty="0" smtClean="0"/>
+          </a:p>
+          <a:p>
+            <a:pPr marL="342900" indent="-342900">
+              <a:buFont typeface="+mj-lt"/>
+              <a:buAutoNum type="arabicPeriod"/>
+            </a:pPr>
+            <a:r>
+              <a:rPr lang="en-US" dirty="0" smtClean="0"/>
+              <a:t>Patterns</a:t>
+            </a:r>
+          </a:p>
+          <a:p>
+            <a:pPr marL="342900" indent="-342900">
+              <a:buFont typeface="+mj-lt"/>
+              <a:buAutoNum type="arabicPeriod"/>
+            </a:pPr>
+            <a:r>
+              <a:rPr lang="en-US" dirty="0" smtClean="0">
+                <a:hlinkClick r:id="rId5"/>
+              </a:rPr>
+              <a:t>Law </a:t>
+            </a:r>
+            <a:r>
+              <a:rPr lang="en-US" dirty="0">
+                <a:hlinkClick r:id="rId5"/>
+              </a:rPr>
+              <a:t>of </a:t>
+            </a:r>
+            <a:r>
+              <a:rPr lang="en-US" dirty="0" smtClean="0">
+                <a:hlinkClick r:id="rId5"/>
+              </a:rPr>
+              <a:t>Demeter</a:t>
+            </a:r>
+            <a:endParaRPr lang="en-US" dirty="0" smtClean="0"/>
+          </a:p>
+          <a:p>
+            <a:pPr marL="342900" indent="-342900">
+              <a:buFont typeface="+mj-lt"/>
+              <a:buAutoNum type="arabicPeriod"/>
+            </a:pPr>
+            <a:r>
+              <a:rPr lang="en-US" dirty="0" smtClean="0">
+                <a:hlinkClick r:id="rId6"/>
+              </a:rPr>
+              <a:t>Tell </a:t>
+            </a:r>
+            <a:r>
+              <a:rPr lang="en-US" dirty="0">
+                <a:hlinkClick r:id="rId6"/>
+              </a:rPr>
+              <a:t>Don’t </a:t>
+            </a:r>
+            <a:r>
+              <a:rPr lang="en-US" dirty="0" smtClean="0">
+                <a:hlinkClick r:id="rId6"/>
+              </a:rPr>
+              <a:t>Ask</a:t>
+            </a:r>
+            <a:endParaRPr lang="en-US" dirty="0" smtClean="0"/>
+          </a:p>
+          <a:p>
+            <a:pPr marL="342900" indent="-342900">
+              <a:buFont typeface="+mj-lt"/>
+              <a:buAutoNum type="arabicPeriod"/>
+            </a:pPr>
+            <a:r>
+              <a:rPr lang="en-US" dirty="0" smtClean="0">
+                <a:hlinkClick r:id="rId7"/>
+              </a:rPr>
+              <a:t>Design </a:t>
+            </a:r>
+            <a:r>
+              <a:rPr lang="en-US" dirty="0">
+                <a:hlinkClick r:id="rId7"/>
+              </a:rPr>
+              <a:t>by </a:t>
+            </a:r>
+            <a:r>
+              <a:rPr lang="en-US" dirty="0" smtClean="0">
+                <a:hlinkClick r:id="rId7"/>
+              </a:rPr>
+              <a:t>Contract</a:t>
+            </a:r>
+            <a:endParaRPr lang="en-US" dirty="0" smtClean="0"/>
+          </a:p>
+          <a:p>
+            <a:pPr marL="342900" indent="-342900">
+              <a:buFont typeface="+mj-lt"/>
+              <a:buAutoNum type="arabicPeriod"/>
+            </a:pPr>
+            <a:r>
+              <a:rPr lang="en-US" dirty="0" smtClean="0">
+                <a:hlinkClick r:id="rId8"/>
+              </a:rPr>
+              <a:t>Feature Envy</a:t>
+            </a:r>
+            <a:endParaRPr lang="en-US" dirty="0" smtClean="0"/>
+          </a:p>
+          <a:p>
+            <a:pPr marL="342900" indent="-342900">
+              <a:buFont typeface="+mj-lt"/>
+              <a:buAutoNum type="arabicPeriod"/>
+            </a:pPr>
+            <a:r>
+              <a:rPr lang="en-US" dirty="0" smtClean="0">
+                <a:hlinkClick r:id="rId9"/>
+              </a:rPr>
+              <a:t>Cohesion and Coupling</a:t>
+            </a:r>
+            <a:endParaRPr lang="en-US" dirty="0" smtClean="0"/>
+          </a:p>
+          <a:p>
+            <a:pPr marL="342900" indent="-342900">
+              <a:buFont typeface="+mj-lt"/>
+              <a:buAutoNum type="arabicPeriod"/>
+            </a:pPr>
+            <a:r>
+              <a:rPr lang="en-US" dirty="0" smtClean="0">
+                <a:hlinkClick r:id="rId10"/>
+              </a:rPr>
+              <a:t>Balanced </a:t>
+            </a:r>
+            <a:r>
+              <a:rPr lang="en-US" dirty="0">
+                <a:hlinkClick r:id="rId10"/>
+              </a:rPr>
+              <a:t>Abstraction </a:t>
+            </a:r>
+            <a:r>
+              <a:rPr lang="en-US" dirty="0" smtClean="0">
+                <a:hlinkClick r:id="rId10"/>
+              </a:rPr>
+              <a:t>Principle</a:t>
+            </a:r>
+            <a:endParaRPr lang="en-US" dirty="0" smtClean="0"/>
+          </a:p>
+        </p:txBody>
+      </p:sp>
+    </p:spTree>
+    <p:extLst>
+      <p:ext uri="{BB962C8B-B14F-4D97-AF65-F5344CB8AC3E}">
+        <p14:creationId xmlns:p14="http://schemas.microsoft.com/office/powerpoint/2010/main" val="2017735004"/>
+      </p:ext>
+    </p:extLst>
+  </p:cSld>
+  <p:clrMapOvr>
+    <a:masterClrMapping/>
+  </p:clrMapOvr>
+</p:sld>
+</file>
+
+<file path=ppt/slides/slide12.xml><?xml version="1.0" encoding="utf-8"?>
+<p:sld xmlns:a="http://schemas.openxmlformats.org/drawingml/2006/main" xmlns:r="http://schemas.openxmlformats.org/officeDocument/2006/relationships" xmlns:p="http://schemas.openxmlformats.org/presentationml/2006/main">
+  <p:cSld>
+    <p:spTree>
+      <p:nvGrpSpPr>
+        <p:cNvPr id="1" name=""/>
+        <p:cNvGrpSpPr/>
+        <p:nvPr/>
+      </p:nvGrpSpPr>
+      <p:grpSpPr>
+        <a:xfrm>
+          <a:off x="0" y="0"/>
+          <a:ext cx="0" cy="0"/>
+          <a:chOff x="0" y="0"/>
+          <a:chExt cx="0" cy="0"/>
+        </a:xfrm>
+      </p:grpSpPr>
+      <p:sp>
+        <p:nvSpPr>
+          <p:cNvPr id="2" name="TextBox 1"/>
+          <p:cNvSpPr txBox="1"/>
+          <p:nvPr/>
+        </p:nvSpPr>
+        <p:spPr>
+          <a:xfrm>
+            <a:off x="1752600" y="2209800"/>
+            <a:ext cx="5181483" cy="2431435"/>
+          </a:xfrm>
+          <a:prstGeom prst="rect">
+            <a:avLst/>
+          </a:prstGeom>
+          <a:noFill/>
+        </p:spPr>
+        <p:txBody>
+          <a:bodyPr wrap="none" rtlCol="0">
+            <a:spAutoFit/>
+          </a:bodyPr>
+          <a:lstStyle/>
+          <a:p>
+            <a:r>
+              <a:rPr lang="en-US" sz="4000" dirty="0" smtClean="0"/>
+              <a:t>TDD</a:t>
+            </a:r>
+            <a:r>
+              <a:rPr lang="en-US" sz="2800" dirty="0" smtClean="0"/>
+              <a:t> </a:t>
+            </a:r>
+            <a:r>
+              <a:rPr lang="en-US" sz="4000" dirty="0"/>
+              <a:t>is workflow</a:t>
+            </a:r>
+          </a:p>
+          <a:p>
+            <a:pPr marL="457200" indent="-457200">
+              <a:buFont typeface="Arial" panose="020B0604020202020204" pitchFamily="34" charset="0"/>
+              <a:buChar char="•"/>
+            </a:pPr>
+            <a:r>
+              <a:rPr lang="en-US" sz="2800" dirty="0" smtClean="0"/>
+              <a:t>Starts with </a:t>
+            </a:r>
+            <a:r>
+              <a:rPr lang="en-US" sz="2800" dirty="0" smtClean="0">
+                <a:solidFill>
+                  <a:srgbClr val="00B0F0"/>
+                </a:solidFill>
+              </a:rPr>
+              <a:t>confidence</a:t>
+            </a:r>
+          </a:p>
+          <a:p>
+            <a:pPr marL="457200" indent="-457200">
+              <a:buFont typeface="Arial" panose="020B0604020202020204" pitchFamily="34" charset="0"/>
+              <a:buChar char="•"/>
+            </a:pPr>
+            <a:r>
+              <a:rPr lang="en-US" sz="2800" dirty="0" smtClean="0"/>
+              <a:t>Deals with </a:t>
+            </a:r>
+            <a:r>
+              <a:rPr lang="en-US" sz="2800" dirty="0" smtClean="0">
+                <a:solidFill>
+                  <a:srgbClr val="FF0000"/>
+                </a:solidFill>
+              </a:rPr>
+              <a:t>specific</a:t>
+            </a:r>
+            <a:r>
+              <a:rPr lang="en-US" sz="2800" dirty="0" smtClean="0"/>
+              <a:t> </a:t>
+            </a:r>
+            <a:r>
+              <a:rPr lang="en-US" sz="2800" dirty="0" smtClean="0">
+                <a:sym typeface="Wingdings" panose="05000000000000000000" pitchFamily="2" charset="2"/>
+              </a:rPr>
+              <a:t>cases then</a:t>
+            </a:r>
+            <a:endParaRPr lang="en-US" sz="2800" dirty="0">
+              <a:sym typeface="Wingdings" panose="05000000000000000000" pitchFamily="2" charset="2"/>
+            </a:endParaRPr>
+          </a:p>
+          <a:p>
+            <a:pPr marL="914400" lvl="1" indent="-457200">
+              <a:buFont typeface="Arial" panose="020B0604020202020204" pitchFamily="34" charset="0"/>
+              <a:buChar char="•"/>
+            </a:pPr>
+            <a:r>
+              <a:rPr lang="en-US" sz="2800" dirty="0" smtClean="0">
+                <a:sym typeface="Wingdings" panose="05000000000000000000" pitchFamily="2" charset="2"/>
+              </a:rPr>
+              <a:t>Concludes </a:t>
+            </a:r>
+            <a:r>
+              <a:rPr lang="en-US" sz="2800" dirty="0" smtClean="0">
+                <a:solidFill>
+                  <a:srgbClr val="00B050"/>
+                </a:solidFill>
+                <a:sym typeface="Wingdings" panose="05000000000000000000" pitchFamily="2" charset="2"/>
+              </a:rPr>
+              <a:t>generic</a:t>
+            </a:r>
+            <a:r>
+              <a:rPr lang="en-US" sz="2800" dirty="0" smtClean="0">
+                <a:sym typeface="Wingdings" panose="05000000000000000000" pitchFamily="2" charset="2"/>
+              </a:rPr>
+              <a:t> cases</a:t>
+            </a:r>
+          </a:p>
+          <a:p>
+            <a:pPr marL="457200" indent="-457200">
+              <a:buFont typeface="Arial" panose="020B0604020202020204" pitchFamily="34" charset="0"/>
+              <a:buChar char="•"/>
+            </a:pPr>
+            <a:r>
+              <a:rPr lang="en-US" sz="2800" dirty="0" smtClean="0">
+                <a:sym typeface="Wingdings" panose="05000000000000000000" pitchFamily="2" charset="2"/>
+              </a:rPr>
+              <a:t>Prompts for code </a:t>
+            </a:r>
+            <a:r>
+              <a:rPr lang="en-US" sz="2800" dirty="0" smtClean="0">
+                <a:solidFill>
+                  <a:schemeClr val="accent6">
+                    <a:lumMod val="75000"/>
+                  </a:schemeClr>
+                </a:solidFill>
+                <a:sym typeface="Wingdings" panose="05000000000000000000" pitchFamily="2" charset="2"/>
+              </a:rPr>
+              <a:t>improvement</a:t>
+            </a:r>
+            <a:endParaRPr lang="en-US" sz="2800" dirty="0">
+              <a:solidFill>
+                <a:schemeClr val="accent6">
+                  <a:lumMod val="75000"/>
+                </a:schemeClr>
+              </a:solidFill>
+            </a:endParaRPr>
+          </a:p>
+        </p:txBody>
+      </p:sp>
+    </p:spTree>
+    <p:extLst>
+      <p:ext uri="{BB962C8B-B14F-4D97-AF65-F5344CB8AC3E}">
+        <p14:creationId xmlns:p14="http://schemas.microsoft.com/office/powerpoint/2010/main" val="3685412025"/>
+      </p:ext>
+    </p:extLst>
+  </p:cSld>
+  <p:clrMapOvr>
+    <a:masterClrMapping/>
+  </p:clrMapOvr>
+  <p:timing>
+    <p:tnLst>
+      <p:par>
+        <p:cTn id="1" dur="indefinite" restart="never" nodeType="tmRoot"/>
+      </p:par>
+    </p:tnLst>
+  </p:timing>
+</p:sld>
+</file>
+
+<file path=ppt/slides/slide13.xml><?xml version="1.0" encoding="utf-8"?>
+<p:sld xmlns:a="http://schemas.openxmlformats.org/drawingml/2006/main" xmlns:r="http://schemas.openxmlformats.org/officeDocument/2006/relationships" xmlns:p="http://schemas.openxmlformats.org/presentationml/2006/main">
+  <p:cSld>
+    <p:spTree>
+      <p:nvGrpSpPr>
+        <p:cNvPr id="1" name=""/>
+        <p:cNvGrpSpPr/>
+        <p:nvPr/>
+      </p:nvGrpSpPr>
+      <p:grpSpPr>
+        <a:xfrm>
+          <a:off x="0" y="0"/>
+          <a:ext cx="0" cy="0"/>
+          <a:chOff x="0" y="0"/>
+          <a:chExt cx="0" cy="0"/>
+        </a:xfrm>
+      </p:grpSpPr>
+      <p:sp>
+        <p:nvSpPr>
+          <p:cNvPr id="2" name="TextBox 1"/>
+          <p:cNvSpPr txBox="1"/>
+          <p:nvPr/>
+        </p:nvSpPr>
+        <p:spPr>
+          <a:xfrm>
+            <a:off x="3124200" y="1143000"/>
+            <a:ext cx="2022348" cy="584775"/>
+          </a:xfrm>
+          <a:prstGeom prst="rect">
+            <a:avLst/>
+          </a:prstGeom>
+          <a:noFill/>
+        </p:spPr>
+        <p:txBody>
+          <a:bodyPr wrap="none" rtlCol="0">
+            <a:spAutoFit/>
+          </a:bodyPr>
+          <a:lstStyle/>
+          <a:p>
+            <a:r>
+              <a:rPr lang="en-US" sz="3200" dirty="0" smtClean="0"/>
+              <a:t>Homework</a:t>
+            </a:r>
+            <a:endParaRPr lang="en-US" sz="3200" dirty="0"/>
+          </a:p>
+        </p:txBody>
+      </p:sp>
+      <p:sp>
+        <p:nvSpPr>
+          <p:cNvPr id="3" name="TextBox 2"/>
+          <p:cNvSpPr txBox="1"/>
+          <p:nvPr/>
+        </p:nvSpPr>
+        <p:spPr>
+          <a:xfrm>
+            <a:off x="914400" y="2133600"/>
+            <a:ext cx="5661806" cy="2031325"/>
+          </a:xfrm>
+          <a:prstGeom prst="rect">
+            <a:avLst/>
+          </a:prstGeom>
+          <a:noFill/>
+        </p:spPr>
+        <p:txBody>
+          <a:bodyPr wrap="none" rtlCol="0">
+            <a:spAutoFit/>
+          </a:bodyPr>
+          <a:lstStyle/>
+          <a:p>
+            <a:r>
+              <a:rPr lang="en-US" altLang="zh-CN" dirty="0" smtClean="0"/>
+              <a:t>Give number between 0 to 99, return its </a:t>
+            </a:r>
+            <a:r>
+              <a:rPr lang="en-US" altLang="zh-CN" dirty="0"/>
+              <a:t>E</a:t>
+            </a:r>
+            <a:r>
+              <a:rPr lang="en-US" altLang="zh-CN" dirty="0" smtClean="0"/>
+              <a:t>nglish word, E.g.</a:t>
+            </a:r>
+          </a:p>
+          <a:p>
+            <a:r>
+              <a:rPr lang="zh-CN" altLang="en-US" dirty="0" smtClean="0"/>
+              <a:t>给出任意个</a:t>
+            </a:r>
+            <a:r>
+              <a:rPr lang="en-US" altLang="zh-CN" dirty="0" smtClean="0"/>
+              <a:t>0-99</a:t>
+            </a:r>
+            <a:r>
+              <a:rPr lang="zh-CN" altLang="en-US" dirty="0" smtClean="0"/>
+              <a:t>的数字，返回数字的英文。比如</a:t>
+            </a:r>
+            <a:endParaRPr lang="en-US" altLang="zh-CN" dirty="0" smtClean="0"/>
+          </a:p>
+          <a:p>
+            <a:endParaRPr lang="en-US" dirty="0"/>
+          </a:p>
+          <a:p>
+            <a:r>
+              <a:rPr lang="en-US" dirty="0" smtClean="0"/>
+              <a:t>0 </a:t>
+            </a:r>
+            <a:r>
+              <a:rPr lang="en-US" dirty="0" smtClean="0">
+                <a:sym typeface="Wingdings" panose="05000000000000000000" pitchFamily="2" charset="2"/>
+              </a:rPr>
+              <a:t> </a:t>
+            </a:r>
+            <a:r>
+              <a:rPr lang="en-US" altLang="zh-CN" dirty="0" smtClean="0">
+                <a:sym typeface="Wingdings" panose="05000000000000000000" pitchFamily="2" charset="2"/>
+              </a:rPr>
+              <a:t>Zero</a:t>
+            </a:r>
+          </a:p>
+          <a:p>
+            <a:r>
+              <a:rPr lang="en-US" dirty="0" smtClean="0">
+                <a:sym typeface="Wingdings" panose="05000000000000000000" pitchFamily="2" charset="2"/>
+              </a:rPr>
+              <a:t>10  </a:t>
+            </a:r>
+            <a:r>
+              <a:rPr lang="en-US" altLang="zh-CN" dirty="0" smtClean="0">
+                <a:sym typeface="Wingdings" panose="05000000000000000000" pitchFamily="2" charset="2"/>
+              </a:rPr>
+              <a:t>Ten</a:t>
+            </a:r>
+          </a:p>
+          <a:p>
+            <a:r>
+              <a:rPr lang="en-US" dirty="0" smtClean="0">
+                <a:sym typeface="Wingdings" panose="05000000000000000000" pitchFamily="2" charset="2"/>
+              </a:rPr>
+              <a:t>21  </a:t>
+            </a:r>
+            <a:r>
+              <a:rPr lang="en-US" altLang="zh-CN" dirty="0" smtClean="0">
+                <a:sym typeface="Wingdings" panose="05000000000000000000" pitchFamily="2" charset="2"/>
+              </a:rPr>
+              <a:t>Twenty One</a:t>
+            </a:r>
+          </a:p>
+          <a:p>
+            <a:r>
+              <a:rPr lang="en-US" dirty="0" smtClean="0">
+                <a:sym typeface="Wingdings" panose="05000000000000000000" pitchFamily="2" charset="2"/>
+              </a:rPr>
+              <a:t>99  </a:t>
+            </a:r>
+            <a:r>
+              <a:rPr lang="en-US" altLang="zh-CN" dirty="0" smtClean="0">
+                <a:sym typeface="Wingdings" panose="05000000000000000000" pitchFamily="2" charset="2"/>
+              </a:rPr>
+              <a:t>Ninety Nine</a:t>
+            </a:r>
+            <a:endParaRPr lang="en-US" dirty="0"/>
+          </a:p>
+        </p:txBody>
+      </p:sp>
+    </p:spTree>
+    <p:extLst>
+      <p:ext uri="{BB962C8B-B14F-4D97-AF65-F5344CB8AC3E}">
+        <p14:creationId xmlns:p14="http://schemas.microsoft.com/office/powerpoint/2010/main" val="2195504767"/>
+      </p:ext>
+    </p:extLst>
+  </p:cSld>
+  <p:clrMapOvr>
+    <a:masterClrMapping/>
+  </p:clrMapOvr>
+  <p:timing>
+    <p:tnLst>
+      <p:par>
+        <p:cTn id="1" dur="indefinite" restart="never" nodeType="tmRoot"/>
+      </p:par>
+    </p:tnLst>
+  </p:timing>
+</p:sld>
+</file>
+
+<file path=ppt/slides/slide2.xml><?xml version="1.0" encoding="utf-8"?>
+<p:sld xmlns:a="http://schemas.openxmlformats.org/drawingml/2006/main" xmlns:r="http://schemas.openxmlformats.org/officeDocument/2006/relationships" xmlns:p="http://schemas.openxmlformats.org/presentationml/2006/main">
+  <p:cSld>
+    <p:spTree>
+      <p:nvGrpSpPr>
+        <p:cNvPr id="1" name=""/>
+        <p:cNvGrpSpPr/>
+        <p:nvPr/>
+      </p:nvGrpSpPr>
+      <p:grpSpPr>
+        <a:xfrm>
+          <a:off x="0" y="0"/>
+          <a:ext cx="0" cy="0"/>
+          <a:chOff x="0" y="0"/>
+          <a:chExt cx="0" cy="0"/>
+        </a:xfrm>
+      </p:grpSpPr>
+      <p:sp>
+        <p:nvSpPr>
+          <p:cNvPr id="2" name="TextBox 1"/>
+          <p:cNvSpPr txBox="1"/>
+          <p:nvPr/>
+        </p:nvSpPr>
+        <p:spPr>
+          <a:xfrm>
+            <a:off x="589547" y="742030"/>
+            <a:ext cx="2060757" cy="646331"/>
+          </a:xfrm>
+          <a:prstGeom prst="rect">
+            <a:avLst/>
+          </a:prstGeom>
+          <a:noFill/>
+        </p:spPr>
+        <p:txBody>
+          <a:bodyPr wrap="none" rtlCol="0">
+            <a:spAutoFit/>
+          </a:bodyPr>
+          <a:lstStyle/>
+          <a:p>
+            <a:r>
+              <a:rPr lang="en-US" sz="3600" dirty="0" smtClean="0"/>
+              <a:t>TDD Cycle</a:t>
+            </a:r>
+            <a:endParaRPr lang="en-US" sz="3600" dirty="0"/>
+          </a:p>
+        </p:txBody>
+      </p:sp>
+      <p:graphicFrame>
+        <p:nvGraphicFramePr>
+          <p:cNvPr id="5" name="Diagram 4"/>
+          <p:cNvGraphicFramePr/>
+          <p:nvPr>
+            <p:extLst>
+              <p:ext uri="{D42A27DB-BD31-4B8C-83A1-F6EECF244321}">
+                <p14:modId xmlns:p14="http://schemas.microsoft.com/office/powerpoint/2010/main" val="1592243303"/>
+              </p:ext>
+            </p:extLst>
+          </p:nvPr>
+        </p:nvGraphicFramePr>
+        <p:xfrm>
+          <a:off x="1524000" y="1397000"/>
+          <a:ext cx="6096000" cy="4064000"/>
+        </p:xfrm>
+        <a:graphic>
+          <a:graphicData uri="http://schemas.openxmlformats.org/drawingml/2006/diagram">
+            <dgm:relIds xmlns:dgm="http://schemas.openxmlformats.org/drawingml/2006/diagram" xmlns:r="http://schemas.openxmlformats.org/officeDocument/2006/relationships" r:dm="rId2" r:lo="rId3" r:qs="rId4" r:cs="rId5"/>
+          </a:graphicData>
+        </a:graphic>
+      </p:graphicFrame>
+    </p:spTree>
+    <p:extLst>
+      <p:ext uri="{BB962C8B-B14F-4D97-AF65-F5344CB8AC3E}">
+        <p14:creationId xmlns:p14="http://schemas.microsoft.com/office/powerpoint/2010/main" val="1554123537"/>
+      </p:ext>
+    </p:extLst>
+  </p:cSld>
+  <p:clrMapOvr>
+    <a:masterClrMapping/>
+  </p:clrMapOvr>
+  <p:timing>
+    <p:tnLst>
+      <p:par>
+        <p:cTn id="1" dur="indefinite" restart="never" nodeType="tmRoot"/>
+      </p:par>
+    </p:tnLst>
+  </p:timing>
+</p:sld>
+</file>
+
+<file path=ppt/slides/slide3.xml><?xml version="1.0" encoding="utf-8"?>
+<p:sld xmlns:a="http://schemas.openxmlformats.org/drawingml/2006/main" xmlns:r="http://schemas.openxmlformats.org/officeDocument/2006/relationships" xmlns:p="http://schemas.openxmlformats.org/presentationml/2006/main">
+  <p:cSld>
+    <p:spTree>
+      <p:nvGrpSpPr>
+        <p:cNvPr id="1" name=""/>
+        <p:cNvGrpSpPr/>
+        <p:nvPr/>
+      </p:nvGrpSpPr>
+      <p:grpSpPr>
+        <a:xfrm>
+          <a:off x="0" y="0"/>
+          <a:ext cx="0" cy="0"/>
+          <a:chOff x="0" y="0"/>
+          <a:chExt cx="0" cy="0"/>
+        </a:xfrm>
+      </p:grpSpPr>
+      <p:sp>
+        <p:nvSpPr>
+          <p:cNvPr id="2" name="TextBox 1"/>
+          <p:cNvSpPr txBox="1"/>
+          <p:nvPr/>
+        </p:nvSpPr>
+        <p:spPr>
+          <a:xfrm>
+            <a:off x="589547" y="742030"/>
+            <a:ext cx="1693412" cy="646331"/>
+          </a:xfrm>
+          <a:prstGeom prst="rect">
+            <a:avLst/>
+          </a:prstGeom>
+          <a:noFill/>
+        </p:spPr>
+        <p:txBody>
+          <a:bodyPr wrap="none" rtlCol="0">
+            <a:spAutoFit/>
+          </a:bodyPr>
+          <a:lstStyle/>
+          <a:p>
+            <a:r>
+              <a:rPr lang="en-US" sz="3600" dirty="0" smtClean="0"/>
+              <a:t>Exercise</a:t>
+            </a:r>
+            <a:endParaRPr lang="en-US" sz="3600" dirty="0"/>
+          </a:p>
+        </p:txBody>
+      </p:sp>
+      <p:sp>
+        <p:nvSpPr>
+          <p:cNvPr id="3" name="TextBox 2"/>
+          <p:cNvSpPr txBox="1"/>
+          <p:nvPr/>
+        </p:nvSpPr>
+        <p:spPr>
+          <a:xfrm>
+            <a:off x="990600" y="1688068"/>
+            <a:ext cx="7307898" cy="830997"/>
+          </a:xfrm>
+          <a:prstGeom prst="rect">
+            <a:avLst/>
+          </a:prstGeom>
+          <a:noFill/>
+        </p:spPr>
+        <p:txBody>
+          <a:bodyPr wrap="none" rtlCol="0">
+            <a:spAutoFit/>
+          </a:bodyPr>
+          <a:lstStyle/>
+          <a:p>
+            <a:r>
+              <a:rPr lang="en-US" sz="2400" dirty="0"/>
+              <a:t>Factorize a positive integer number into its prime factors</a:t>
+            </a:r>
+            <a:r>
+              <a:rPr lang="en-US" sz="2400" dirty="0" smtClean="0"/>
+              <a:t>.</a:t>
+            </a:r>
+          </a:p>
+          <a:p>
+            <a:r>
+              <a:rPr lang="zh-CN" altLang="en-US" sz="2400" dirty="0"/>
+              <a:t>找</a:t>
+            </a:r>
+            <a:r>
+              <a:rPr lang="zh-CN" altLang="en-US" sz="2400" dirty="0" smtClean="0"/>
+              <a:t>出一个正整数的所有质因数</a:t>
+            </a:r>
+            <a:endParaRPr lang="en-US" sz="2400" dirty="0"/>
+          </a:p>
+        </p:txBody>
+      </p:sp>
+      <p:pic>
+        <p:nvPicPr>
+          <p:cNvPr id="1026" name="Picture 2" descr="alt text"/>
+          <p:cNvPicPr>
+            <a:picLocks noChangeAspect="1" noChangeArrowheads="1"/>
+          </p:cNvPicPr>
+          <p:nvPr/>
+        </p:nvPicPr>
+        <p:blipFill>
+          <a:blip r:embed="rId2">
+            <a:extLst>
+              <a:ext uri="{28A0092B-C50C-407E-A947-70E740481C1C}">
+                <a14:useLocalDpi xmlns:a14="http://schemas.microsoft.com/office/drawing/2010/main" val="0"/>
+              </a:ext>
+            </a:extLst>
+          </a:blip>
+          <a:srcRect/>
+          <a:stretch>
+            <a:fillRect/>
+          </a:stretch>
+        </p:blipFill>
+        <p:spPr bwMode="auto">
+          <a:xfrm>
+            <a:off x="2362200" y="2667000"/>
+            <a:ext cx="3924300" cy="3676651"/>
+          </a:xfrm>
+          <a:prstGeom prst="rect">
+            <a:avLst/>
+          </a:prstGeom>
+          <a:noFill/>
+          <a:extLst>
+            <a:ext uri="{909E8E84-426E-40DD-AFC4-6F175D3DCCD1}">
+              <a14:hiddenFill xmlns:a14="http://schemas.microsoft.com/office/drawing/2010/main">
+                <a:solidFill>
+                  <a:srgbClr val="FFFFFF"/>
+                </a:solidFill>
+              </a14:hiddenFill>
+            </a:ext>
+          </a:extLst>
+        </p:spPr>
+      </p:pic>
+    </p:spTree>
+    <p:extLst>
+      <p:ext uri="{BB962C8B-B14F-4D97-AF65-F5344CB8AC3E}">
+        <p14:creationId xmlns:p14="http://schemas.microsoft.com/office/powerpoint/2010/main" val="711699999"/>
+      </p:ext>
+    </p:extLst>
+  </p:cSld>
+  <p:clrMapOvr>
+    <a:masterClrMapping/>
+  </p:clrMapOvr>
+  <p:timing>
+    <p:tnLst>
+      <p:par>
+        <p:cTn id="1" dur="indefinite" restart="never" nodeType="tmRoot"/>
+      </p:par>
+    </p:tnLst>
+  </p:timing>
+</p:sld>
+</file>
+
+<file path=ppt/slides/slide4.xml><?xml version="1.0" encoding="utf-8"?>
+<p:sld xmlns:a="http://schemas.openxmlformats.org/drawingml/2006/main" xmlns:r="http://schemas.openxmlformats.org/officeDocument/2006/relationships" xmlns:p="http://schemas.openxmlformats.org/presentationml/2006/main">
+  <p:cSld>
+    <p:spTree>
+      <p:nvGrpSpPr>
+        <p:cNvPr id="1" name=""/>
+        <p:cNvGrpSpPr/>
+        <p:nvPr/>
+      </p:nvGrpSpPr>
+      <p:grpSpPr>
+        <a:xfrm>
+          <a:off x="0" y="0"/>
+          <a:ext cx="0" cy="0"/>
+          <a:chOff x="0" y="0"/>
+          <a:chExt cx="0" cy="0"/>
+        </a:xfrm>
+      </p:grpSpPr>
+      <p:sp>
+        <p:nvSpPr>
+          <p:cNvPr id="2" name="TextBox 1"/>
+          <p:cNvSpPr txBox="1"/>
+          <p:nvPr/>
+        </p:nvSpPr>
+        <p:spPr>
+          <a:xfrm>
+            <a:off x="612808" y="533400"/>
+            <a:ext cx="4247766" cy="646331"/>
+          </a:xfrm>
+          <a:prstGeom prst="rect">
+            <a:avLst/>
+          </a:prstGeom>
+          <a:noFill/>
+        </p:spPr>
+        <p:txBody>
+          <a:bodyPr wrap="none" rtlCol="0">
+            <a:spAutoFit/>
+          </a:bodyPr>
+          <a:lstStyle/>
+          <a:p>
+            <a:r>
+              <a:rPr lang="en-US" sz="3600" dirty="0" smtClean="0"/>
+              <a:t>Arrange – Act - Assert</a:t>
+            </a:r>
+            <a:endParaRPr lang="en-US" sz="3600" dirty="0"/>
+          </a:p>
+        </p:txBody>
+      </p:sp>
+      <p:sp>
+        <p:nvSpPr>
+          <p:cNvPr id="3" name="Rectangle 2"/>
+          <p:cNvSpPr/>
+          <p:nvPr/>
+        </p:nvSpPr>
+        <p:spPr>
+          <a:xfrm>
+            <a:off x="762000" y="1179731"/>
+            <a:ext cx="7182853" cy="2308324"/>
+          </a:xfrm>
+          <a:prstGeom prst="rect">
+            <a:avLst/>
+          </a:prstGeom>
+          <a:solidFill>
+            <a:schemeClr val="accent3">
+              <a:lumMod val="20000"/>
+              <a:lumOff val="80000"/>
+            </a:schemeClr>
+          </a:solidFill>
+        </p:spPr>
+        <p:txBody>
+          <a:bodyPr wrap="square">
+            <a:spAutoFit/>
+          </a:bodyPr>
+          <a:lstStyle/>
+          <a:p>
+            <a:r>
+              <a:rPr lang="en-US" sz="1600" dirty="0"/>
+              <a:t>[Test] </a:t>
+            </a:r>
+            <a:endParaRPr lang="en-US" sz="1600" dirty="0" smtClean="0"/>
+          </a:p>
+          <a:p>
+            <a:r>
+              <a:rPr lang="en-US" sz="1600" dirty="0" smtClean="0"/>
+              <a:t>public </a:t>
+            </a:r>
+            <a:r>
+              <a:rPr lang="en-US" sz="1600" dirty="0"/>
+              <a:t>void </a:t>
+            </a:r>
+            <a:r>
+              <a:rPr lang="en-US" sz="1600" dirty="0" err="1"/>
+              <a:t>should_be_able_to_add_two_numbers_together</a:t>
+            </a:r>
+            <a:r>
+              <a:rPr lang="en-US" sz="1600" dirty="0"/>
+              <a:t>() </a:t>
+            </a:r>
+            <a:endParaRPr lang="en-US" sz="1600" dirty="0" smtClean="0"/>
+          </a:p>
+          <a:p>
+            <a:r>
+              <a:rPr lang="en-US" sz="1600" dirty="0" smtClean="0"/>
+              <a:t>{ </a:t>
+            </a:r>
+          </a:p>
+          <a:p>
+            <a:r>
+              <a:rPr lang="en-US" sz="1600" dirty="0"/>
+              <a:t>	</a:t>
+            </a:r>
+            <a:r>
+              <a:rPr lang="en-US" sz="1600" dirty="0" err="1" smtClean="0"/>
+              <a:t>int</a:t>
+            </a:r>
+            <a:r>
+              <a:rPr lang="en-US" sz="1600" dirty="0" smtClean="0"/>
+              <a:t> </a:t>
+            </a:r>
+            <a:r>
+              <a:rPr lang="en-US" sz="1600" dirty="0" err="1"/>
+              <a:t>firstNumber</a:t>
+            </a:r>
+            <a:r>
+              <a:rPr lang="en-US" sz="1600" dirty="0"/>
+              <a:t> = 1; </a:t>
+            </a:r>
+            <a:endParaRPr lang="en-US" sz="1600" dirty="0" smtClean="0"/>
+          </a:p>
+          <a:p>
+            <a:r>
+              <a:rPr lang="en-US" sz="1600" dirty="0"/>
+              <a:t>	</a:t>
+            </a:r>
+            <a:r>
+              <a:rPr lang="en-US" sz="1600" dirty="0" smtClean="0"/>
+              <a:t>Calculator </a:t>
+            </a:r>
+            <a:r>
+              <a:rPr lang="en-US" sz="1600" dirty="0" err="1"/>
+              <a:t>calculator</a:t>
+            </a:r>
+            <a:r>
+              <a:rPr lang="en-US" sz="1600" dirty="0"/>
+              <a:t> = new Calculator(); </a:t>
+            </a:r>
+            <a:endParaRPr lang="en-US" sz="1600" dirty="0" smtClean="0"/>
+          </a:p>
+          <a:p>
+            <a:r>
+              <a:rPr lang="en-US" sz="1600" dirty="0"/>
+              <a:t>	</a:t>
+            </a:r>
+            <a:r>
+              <a:rPr lang="en-US" sz="1600" dirty="0" err="1" smtClean="0"/>
+              <a:t>int</a:t>
+            </a:r>
+            <a:r>
+              <a:rPr lang="en-US" sz="1600" dirty="0" smtClean="0"/>
+              <a:t> </a:t>
+            </a:r>
+            <a:r>
+              <a:rPr lang="en-US" sz="1600" dirty="0" err="1"/>
+              <a:t>secondNumber</a:t>
+            </a:r>
+            <a:r>
+              <a:rPr lang="en-US" sz="1600" dirty="0"/>
+              <a:t> = 2; </a:t>
+            </a:r>
+            <a:endParaRPr lang="en-US" sz="1600" dirty="0" smtClean="0"/>
+          </a:p>
+          <a:p>
+            <a:r>
+              <a:rPr lang="en-US" sz="1600" dirty="0"/>
+              <a:t>	</a:t>
+            </a:r>
+            <a:r>
+              <a:rPr lang="en-US" sz="1600" dirty="0" err="1" smtClean="0"/>
+              <a:t>var</a:t>
+            </a:r>
+            <a:r>
+              <a:rPr lang="en-US" sz="1600" dirty="0" smtClean="0"/>
+              <a:t> </a:t>
+            </a:r>
+            <a:r>
+              <a:rPr lang="en-US" sz="1600" dirty="0"/>
+              <a:t>result = </a:t>
+            </a:r>
+            <a:r>
+              <a:rPr lang="en-US" sz="1600" dirty="0" err="1"/>
+              <a:t>calculator.Add</a:t>
+            </a:r>
+            <a:r>
+              <a:rPr lang="en-US" sz="1600" dirty="0"/>
+              <a:t>(</a:t>
+            </a:r>
+            <a:r>
+              <a:rPr lang="en-US" sz="1600" dirty="0" err="1"/>
+              <a:t>firstNumber</a:t>
+            </a:r>
+            <a:r>
+              <a:rPr lang="en-US" sz="1600" dirty="0"/>
+              <a:t>, </a:t>
+            </a:r>
+            <a:r>
+              <a:rPr lang="en-US" sz="1600" dirty="0" err="1"/>
+              <a:t>secondNumber</a:t>
+            </a:r>
+            <a:r>
+              <a:rPr lang="en-US" sz="1600" dirty="0"/>
+              <a:t>); </a:t>
+            </a:r>
+            <a:r>
+              <a:rPr lang="en-US" sz="1600" dirty="0" smtClean="0"/>
+              <a:t>	</a:t>
+            </a:r>
+            <a:r>
+              <a:rPr lang="en-US" sz="1600" dirty="0" err="1" smtClean="0"/>
+              <a:t>result.ShouldEqual</a:t>
+            </a:r>
+            <a:r>
+              <a:rPr lang="en-US" sz="1600" dirty="0" smtClean="0"/>
+              <a:t>(3</a:t>
+            </a:r>
+            <a:r>
+              <a:rPr lang="en-US" sz="1600" dirty="0"/>
+              <a:t>); </a:t>
+            </a:r>
+            <a:endParaRPr lang="en-US" sz="1600" dirty="0" smtClean="0"/>
+          </a:p>
+          <a:p>
+            <a:r>
+              <a:rPr lang="en-US" sz="1600" dirty="0" smtClean="0"/>
+              <a:t>}</a:t>
+            </a:r>
+            <a:endParaRPr lang="en-US" sz="1600" dirty="0"/>
+          </a:p>
+        </p:txBody>
+      </p:sp>
+      <p:sp>
+        <p:nvSpPr>
+          <p:cNvPr id="18" name="Rectangle 17"/>
+          <p:cNvSpPr/>
+          <p:nvPr/>
+        </p:nvSpPr>
+        <p:spPr>
+          <a:xfrm>
+            <a:off x="781251" y="3759826"/>
+            <a:ext cx="7163602" cy="2800767"/>
+          </a:xfrm>
+          <a:prstGeom prst="rect">
+            <a:avLst/>
+          </a:prstGeom>
+          <a:solidFill>
+            <a:schemeClr val="accent6">
+              <a:lumMod val="20000"/>
+              <a:lumOff val="80000"/>
+            </a:schemeClr>
+          </a:solidFill>
+        </p:spPr>
+        <p:txBody>
+          <a:bodyPr wrap="square">
+            <a:spAutoFit/>
+          </a:bodyPr>
+          <a:lstStyle/>
+          <a:p>
+            <a:r>
+              <a:rPr lang="en-US" sz="1600" dirty="0"/>
+              <a:t>[Test] public void </a:t>
+            </a:r>
+            <a:r>
+              <a:rPr lang="en-US" sz="1600" dirty="0" err="1"/>
+              <a:t>should_be_able_to_add_two_numbers_together</a:t>
+            </a:r>
+            <a:r>
+              <a:rPr lang="en-US" sz="1600" dirty="0"/>
+              <a:t>() </a:t>
+            </a:r>
+            <a:endParaRPr lang="en-US" sz="1600" dirty="0" smtClean="0"/>
+          </a:p>
+          <a:p>
+            <a:r>
+              <a:rPr lang="en-US" sz="1600" dirty="0" smtClean="0"/>
+              <a:t>{ </a:t>
+            </a:r>
+          </a:p>
+          <a:p>
+            <a:r>
+              <a:rPr lang="en-US" sz="1600" dirty="0"/>
+              <a:t>	</a:t>
+            </a:r>
+            <a:r>
+              <a:rPr lang="en-US" sz="1600" dirty="0" smtClean="0"/>
+              <a:t>// </a:t>
+            </a:r>
+            <a:r>
+              <a:rPr lang="en-US" sz="1600" dirty="0"/>
+              <a:t>Arrange </a:t>
+            </a:r>
+            <a:endParaRPr lang="en-US" sz="1600" dirty="0" smtClean="0"/>
+          </a:p>
+          <a:p>
+            <a:r>
+              <a:rPr lang="en-US" sz="1600" dirty="0"/>
+              <a:t>	</a:t>
+            </a:r>
+            <a:r>
+              <a:rPr lang="en-US" sz="1600" dirty="0" err="1" smtClean="0"/>
+              <a:t>int</a:t>
+            </a:r>
+            <a:r>
+              <a:rPr lang="en-US" sz="1600" dirty="0" smtClean="0"/>
+              <a:t> </a:t>
+            </a:r>
+            <a:r>
+              <a:rPr lang="en-US" sz="1600" dirty="0" err="1"/>
+              <a:t>firstNumber</a:t>
+            </a:r>
+            <a:r>
+              <a:rPr lang="en-US" sz="1600" dirty="0"/>
+              <a:t> = 1; </a:t>
+            </a:r>
+            <a:endParaRPr lang="en-US" sz="1600" dirty="0" smtClean="0"/>
+          </a:p>
+          <a:p>
+            <a:r>
+              <a:rPr lang="en-US" sz="1600" dirty="0"/>
+              <a:t>	</a:t>
+            </a:r>
+            <a:r>
+              <a:rPr lang="en-US" sz="1600" dirty="0" err="1" smtClean="0"/>
+              <a:t>int</a:t>
+            </a:r>
+            <a:r>
+              <a:rPr lang="en-US" sz="1600" dirty="0" smtClean="0"/>
+              <a:t> </a:t>
+            </a:r>
+            <a:r>
+              <a:rPr lang="en-US" sz="1600" dirty="0" err="1"/>
+              <a:t>secondNumber</a:t>
+            </a:r>
+            <a:r>
+              <a:rPr lang="en-US" sz="1600" dirty="0"/>
+              <a:t> = 2; </a:t>
+            </a:r>
+            <a:endParaRPr lang="en-US" sz="1600" dirty="0" smtClean="0"/>
+          </a:p>
+          <a:p>
+            <a:r>
+              <a:rPr lang="en-US" sz="1600" dirty="0"/>
+              <a:t>	</a:t>
+            </a:r>
+            <a:r>
+              <a:rPr lang="en-US" sz="1600" dirty="0" smtClean="0"/>
+              <a:t>Calculator </a:t>
+            </a:r>
+            <a:r>
+              <a:rPr lang="en-US" sz="1600" dirty="0" err="1"/>
+              <a:t>calculator</a:t>
+            </a:r>
+            <a:r>
+              <a:rPr lang="en-US" sz="1600" dirty="0"/>
+              <a:t> = new Calculator(); </a:t>
+            </a:r>
+            <a:endParaRPr lang="en-US" sz="1600" dirty="0" smtClean="0"/>
+          </a:p>
+          <a:p>
+            <a:r>
+              <a:rPr lang="en-US" sz="1600" dirty="0"/>
+              <a:t>	</a:t>
+            </a:r>
+            <a:r>
+              <a:rPr lang="en-US" sz="1600" dirty="0" smtClean="0"/>
+              <a:t>// </a:t>
+            </a:r>
+            <a:r>
+              <a:rPr lang="en-US" sz="1600" dirty="0"/>
+              <a:t>Act </a:t>
+            </a:r>
+            <a:endParaRPr lang="en-US" sz="1600" dirty="0" smtClean="0"/>
+          </a:p>
+          <a:p>
+            <a:r>
+              <a:rPr lang="en-US" sz="1600" dirty="0"/>
+              <a:t>	</a:t>
+            </a:r>
+            <a:r>
+              <a:rPr lang="en-US" sz="1600" dirty="0" err="1" smtClean="0"/>
+              <a:t>var</a:t>
+            </a:r>
+            <a:r>
+              <a:rPr lang="en-US" sz="1600" dirty="0" smtClean="0"/>
+              <a:t> </a:t>
+            </a:r>
+            <a:r>
+              <a:rPr lang="en-US" sz="1600" dirty="0"/>
+              <a:t>result = </a:t>
+            </a:r>
+            <a:r>
+              <a:rPr lang="en-US" sz="1600" dirty="0" err="1"/>
+              <a:t>calculator.Add</a:t>
+            </a:r>
+            <a:r>
+              <a:rPr lang="en-US" sz="1600" dirty="0"/>
+              <a:t>(</a:t>
+            </a:r>
+            <a:r>
+              <a:rPr lang="en-US" sz="1600" dirty="0" err="1"/>
+              <a:t>firstNumber</a:t>
+            </a:r>
+            <a:r>
+              <a:rPr lang="en-US" sz="1600" dirty="0"/>
+              <a:t>, </a:t>
+            </a:r>
+            <a:r>
+              <a:rPr lang="en-US" sz="1600" dirty="0" err="1"/>
+              <a:t>secondNumber</a:t>
+            </a:r>
+            <a:r>
+              <a:rPr lang="en-US" sz="1600"/>
+              <a:t>); </a:t>
+            </a:r>
+            <a:endParaRPr lang="en-US" sz="1600" dirty="0" smtClean="0"/>
+          </a:p>
+          <a:p>
+            <a:r>
+              <a:rPr lang="en-US" sz="1600" dirty="0"/>
+              <a:t>	</a:t>
+            </a:r>
+            <a:r>
+              <a:rPr lang="en-US" sz="1600" dirty="0" smtClean="0"/>
+              <a:t>//</a:t>
+            </a:r>
+            <a:r>
+              <a:rPr lang="en-US" sz="1600" dirty="0"/>
+              <a:t>Assert </a:t>
+            </a:r>
+            <a:endParaRPr lang="en-US" sz="1600" dirty="0" smtClean="0"/>
+          </a:p>
+          <a:p>
+            <a:r>
+              <a:rPr lang="en-US" sz="1600" dirty="0"/>
+              <a:t>	</a:t>
+            </a:r>
+            <a:r>
+              <a:rPr lang="en-US" sz="1600" dirty="0" err="1" smtClean="0"/>
+              <a:t>result.ShouldEqual</a:t>
+            </a:r>
+            <a:r>
+              <a:rPr lang="en-US" sz="1600" dirty="0" smtClean="0"/>
+              <a:t>(3</a:t>
+            </a:r>
+            <a:r>
+              <a:rPr lang="en-US" sz="1600" dirty="0"/>
+              <a:t>); </a:t>
+            </a:r>
+            <a:endParaRPr lang="en-US" sz="1600" dirty="0" smtClean="0"/>
+          </a:p>
+          <a:p>
+            <a:r>
+              <a:rPr lang="en-US" sz="1600" dirty="0" smtClean="0"/>
+              <a:t>}</a:t>
+            </a:r>
+            <a:endParaRPr lang="en-US" sz="1600" dirty="0"/>
+          </a:p>
+        </p:txBody>
+      </p:sp>
+    </p:spTree>
+    <p:extLst>
+      <p:ext uri="{BB962C8B-B14F-4D97-AF65-F5344CB8AC3E}">
+        <p14:creationId xmlns:p14="http://schemas.microsoft.com/office/powerpoint/2010/main" val="735274437"/>
+      </p:ext>
+    </p:extLst>
+  </p:cSld>
+  <p:clrMapOvr>
+    <a:masterClrMapping/>
+  </p:clrMapOvr>
+  <p:timing>
+    <p:tnLst>
+      <p:par>
+        <p:cTn id="1" dur="indefinite" restart="never" nodeType="tmRoot"/>
+      </p:par>
+    </p:tnLst>
+  </p:timing>
+</p:sld>
+</file>
+
+<file path=ppt/slides/slide5.xml><?xml version="1.0" encoding="utf-8"?>
+<p:sld xmlns:a="http://schemas.openxmlformats.org/drawingml/2006/main" xmlns:r="http://schemas.openxmlformats.org/officeDocument/2006/relationships" xmlns:p="http://schemas.openxmlformats.org/presentationml/2006/main">
+  <p:cSld>
+    <p:spTree>
+      <p:nvGrpSpPr>
+        <p:cNvPr id="1" name=""/>
+        <p:cNvGrpSpPr/>
+        <p:nvPr/>
+      </p:nvGrpSpPr>
+      <p:grpSpPr>
+        <a:xfrm>
+          <a:off x="0" y="0"/>
+          <a:ext cx="0" cy="0"/>
+          <a:chOff x="0" y="0"/>
+          <a:chExt cx="0" cy="0"/>
+        </a:xfrm>
+      </p:grpSpPr>
+      <p:sp>
+        <p:nvSpPr>
+          <p:cNvPr id="2" name="TextBox 1"/>
+          <p:cNvSpPr txBox="1"/>
+          <p:nvPr/>
+        </p:nvSpPr>
+        <p:spPr>
+          <a:xfrm>
+            <a:off x="3657600" y="2581937"/>
+            <a:ext cx="1261884" cy="584775"/>
+          </a:xfrm>
+          <a:prstGeom prst="rect">
+            <a:avLst/>
+          </a:prstGeom>
+          <a:noFill/>
+        </p:spPr>
+        <p:txBody>
+          <a:bodyPr wrap="none" rtlCol="0">
+            <a:spAutoFit/>
+          </a:bodyPr>
+          <a:lstStyle/>
+          <a:p>
+            <a:r>
+              <a:rPr lang="en-US" sz="3200" dirty="0" smtClean="0"/>
+              <a:t>DEMO</a:t>
+            </a:r>
+            <a:endParaRPr lang="en-US" sz="3200" dirty="0"/>
+          </a:p>
+        </p:txBody>
+      </p:sp>
+      <p:sp>
+        <p:nvSpPr>
+          <p:cNvPr id="3" name="Rectangle 2"/>
+          <p:cNvSpPr/>
+          <p:nvPr/>
+        </p:nvSpPr>
+        <p:spPr>
+          <a:xfrm>
+            <a:off x="2971800" y="3505200"/>
+            <a:ext cx="2971839" cy="646331"/>
+          </a:xfrm>
+          <a:prstGeom prst="rect">
+            <a:avLst/>
+          </a:prstGeom>
+        </p:spPr>
+        <p:txBody>
+          <a:bodyPr wrap="none">
+            <a:spAutoFit/>
+          </a:bodyPr>
+          <a:lstStyle/>
+          <a:p>
+            <a:r>
+              <a:rPr lang="en-US" u="sng" dirty="0">
+                <a:hlinkClick r:id="rId2"/>
+              </a:rPr>
+              <a:t>https://</a:t>
+            </a:r>
+            <a:r>
+              <a:rPr lang="en-US" u="sng" dirty="0" smtClean="0">
+                <a:hlinkClick r:id="rId2"/>
+              </a:rPr>
+              <a:t>vimeo.com/97516288</a:t>
+            </a:r>
+            <a:endParaRPr lang="en-US" u="sng" dirty="0" smtClean="0"/>
+          </a:p>
+          <a:p>
+            <a:pPr algn="ctr"/>
+            <a:r>
+              <a:rPr lang="en-US" u="sng" dirty="0" smtClean="0"/>
+              <a:t>Start from 32’50</a:t>
+            </a:r>
+            <a:endParaRPr lang="en-US" dirty="0"/>
+          </a:p>
+        </p:txBody>
+      </p:sp>
+    </p:spTree>
+    <p:extLst>
+      <p:ext uri="{BB962C8B-B14F-4D97-AF65-F5344CB8AC3E}">
+        <p14:creationId xmlns:p14="http://schemas.microsoft.com/office/powerpoint/2010/main" val="655841564"/>
+      </p:ext>
+    </p:extLst>
+  </p:cSld>
+  <p:clrMapOvr>
+    <a:masterClrMapping/>
+  </p:clrMapOvr>
+  <p:timing>
+    <p:tnLst>
+      <p:par>
+        <p:cTn id="1" dur="indefinite" restart="never" nodeType="tmRoot"/>
+      </p:par>
+    </p:tnLst>
+  </p:timing>
+</p:sld>
+</file>
+
+<file path=ppt/slides/slide6.xml><?xml version="1.0" encoding="utf-8"?>
+<p:sld xmlns:a="http://schemas.openxmlformats.org/drawingml/2006/main" xmlns:r="http://schemas.openxmlformats.org/officeDocument/2006/relationships" xmlns:p="http://schemas.openxmlformats.org/presentationml/2006/main">
+  <p:cSld>
+    <p:spTree>
+      <p:nvGrpSpPr>
+        <p:cNvPr id="1" name=""/>
+        <p:cNvGrpSpPr/>
+        <p:nvPr/>
+      </p:nvGrpSpPr>
+      <p:grpSpPr>
+        <a:xfrm>
+          <a:off x="0" y="0"/>
+          <a:ext cx="0" cy="0"/>
+          <a:chOff x="0" y="0"/>
+          <a:chExt cx="0" cy="0"/>
+        </a:xfrm>
+      </p:grpSpPr>
+      <p:sp>
+        <p:nvSpPr>
+          <p:cNvPr id="2" name="Text Box 2"/>
+          <p:cNvSpPr txBox="1">
+            <a:spLocks noChangeArrowheads="1"/>
+          </p:cNvSpPr>
+          <p:nvPr/>
+        </p:nvSpPr>
+        <p:spPr bwMode="auto">
+          <a:xfrm>
+            <a:off x="685800" y="990600"/>
+            <a:ext cx="6172200" cy="655638"/>
+          </a:xfrm>
+          <a:prstGeom prst="rect">
+            <a:avLst/>
+          </a:prstGeom>
+          <a:noFill/>
+          <a:ln>
+            <a:noFill/>
+          </a:ln>
+          <a:extLst>
+            <a:ext uri="{909E8E84-426E-40DD-AFC4-6F175D3DCCD1}">
+              <a14:hiddenFill xmlns:a14="http://schemas.microsoft.com/office/drawing/2010/main">
+                <a:solidFill>
+                  <a:srgbClr val="FFFFFF"/>
+                </a:solidFill>
+              </a14:hiddenFill>
+            </a:ext>
+            <a:ext uri="{91240B29-F687-4F45-9708-019B960494DF}">
+              <a14:hiddenLine xmlns:a14="http://schemas.microsoft.com/office/drawing/2010/main" w="9525">
+                <a:solidFill>
+                  <a:srgbClr val="000000"/>
+                </a:solidFill>
+                <a:miter lim="800000"/>
+                <a:headEnd/>
+                <a:tailEnd/>
+              </a14:hiddenLine>
+            </a:ext>
+          </a:extLst>
+        </p:spPr>
+        <p:txBody>
+          <a:bodyPr>
+            <a:spAutoFit/>
+          </a:bodyPr>
+          <a:lstStyle/>
+          <a:p>
+            <a:r>
+              <a:rPr lang="zh-CN" altLang="en-US" sz="2800" dirty="0"/>
+              <a:t>Transformation Priority Premise (TPP)</a:t>
+            </a:r>
+          </a:p>
+          <a:p>
+            <a:r>
+              <a:rPr lang="en-US" altLang="en-US" sz="900" dirty="0">
+                <a:hlinkClick r:id="rId2"/>
+              </a:rPr>
+              <a:t>http://blog.8thlight.com/uncle-bob/2013/05/27/TheTransformationPriorityPremise.html</a:t>
+            </a:r>
+          </a:p>
+        </p:txBody>
+      </p:sp>
+      <p:sp>
+        <p:nvSpPr>
+          <p:cNvPr id="3" name="Text Box 3"/>
+          <p:cNvSpPr txBox="1">
+            <a:spLocks noChangeArrowheads="1"/>
+          </p:cNvSpPr>
+          <p:nvPr/>
+        </p:nvSpPr>
+        <p:spPr bwMode="auto">
+          <a:xfrm>
+            <a:off x="685800" y="1752600"/>
+            <a:ext cx="7926388" cy="3382963"/>
+          </a:xfrm>
+          <a:prstGeom prst="rect">
+            <a:avLst/>
+          </a:prstGeom>
+          <a:noFill/>
+          <a:ln>
+            <a:noFill/>
+          </a:ln>
+          <a:extLst>
+            <a:ext uri="{909E8E84-426E-40DD-AFC4-6F175D3DCCD1}">
+              <a14:hiddenFill xmlns:a14="http://schemas.microsoft.com/office/drawing/2010/main">
+                <a:solidFill>
+                  <a:srgbClr val="FFFFFF"/>
+                </a:solidFill>
+              </a14:hiddenFill>
+            </a:ext>
+            <a:ext uri="{91240B29-F687-4F45-9708-019B960494DF}">
+              <a14:hiddenLine xmlns:a14="http://schemas.microsoft.com/office/drawing/2010/main" w="9525">
+                <a:solidFill>
+                  <a:srgbClr val="000000"/>
+                </a:solidFill>
+                <a:miter lim="800000"/>
+                <a:headEnd/>
+                <a:tailEnd/>
+              </a14:hiddenLine>
+            </a:ext>
+          </a:extLst>
+        </p:spPr>
+        <p:txBody>
+          <a:bodyPr wrap="none">
+            <a:spAutoFit/>
+          </a:bodyPr>
+          <a:lstStyle/>
+          <a:p>
+            <a:r>
+              <a:rPr lang="en-US" altLang="zh-CN"/>
+              <a:t>• ({}–&gt;nil) no code at all-&gt;code that employs nil </a:t>
+            </a:r>
+          </a:p>
+          <a:p>
+            <a:r>
+              <a:rPr lang="en-US" altLang="zh-CN"/>
+              <a:t>• (nil-&gt;constant) </a:t>
+            </a:r>
+          </a:p>
+          <a:p>
+            <a:r>
+              <a:rPr lang="en-US" altLang="zh-CN"/>
+              <a:t>• (constant-&gt;constant+) a simple constant to a more complex constant </a:t>
+            </a:r>
+          </a:p>
+          <a:p>
+            <a:r>
+              <a:rPr lang="en-US" altLang="zh-CN"/>
+              <a:t>• (constant-&gt;scalar) replacing a constant with a variable or an argument </a:t>
+            </a:r>
+          </a:p>
+          <a:p>
+            <a:r>
+              <a:rPr lang="en-US" altLang="zh-CN"/>
+              <a:t>• (statement-&gt;statements) adding more unconditional statements. </a:t>
+            </a:r>
+          </a:p>
+          <a:p>
+            <a:r>
+              <a:rPr lang="en-US" altLang="zh-CN"/>
+              <a:t>• (unconditional-&gt;if) splitting the execution path </a:t>
+            </a:r>
+          </a:p>
+          <a:p>
+            <a:r>
+              <a:rPr lang="en-US" altLang="zh-CN"/>
+              <a:t>• (scalar-&gt;array) </a:t>
+            </a:r>
+          </a:p>
+          <a:p>
+            <a:r>
+              <a:rPr lang="en-US" altLang="zh-CN"/>
+              <a:t>• (array-&gt;container) </a:t>
+            </a:r>
+          </a:p>
+          <a:p>
+            <a:r>
+              <a:rPr lang="en-US" altLang="zh-CN"/>
+              <a:t>• (statement-&gt;recursion) </a:t>
+            </a:r>
+          </a:p>
+          <a:p>
+            <a:r>
+              <a:rPr lang="en-US" altLang="zh-CN"/>
+              <a:t>• (if-&gt;while) </a:t>
+            </a:r>
+          </a:p>
+          <a:p>
+            <a:r>
+              <a:rPr lang="en-US" altLang="zh-CN"/>
+              <a:t>• (expression-&gt;function) replacing an expression with a function or algorithm </a:t>
+            </a:r>
+          </a:p>
+          <a:p>
+            <a:r>
+              <a:rPr lang="en-US" altLang="zh-CN"/>
+              <a:t>• (variable-&gt;assignment) replacing the value of a variable. </a:t>
+            </a:r>
+          </a:p>
+        </p:txBody>
+      </p:sp>
+    </p:spTree>
+    <p:extLst>
+      <p:ext uri="{BB962C8B-B14F-4D97-AF65-F5344CB8AC3E}">
+        <p14:creationId xmlns:p14="http://schemas.microsoft.com/office/powerpoint/2010/main" val="92748445"/>
+      </p:ext>
+    </p:extLst>
+  </p:cSld>
+  <p:clrMapOvr>
+    <a:masterClrMapping/>
+  </p:clrMapOvr>
+  <p:timing>
+    <p:tnLst>
+      <p:par>
+        <p:cTn id="1" dur="indefinite" restart="never" nodeType="tmRoot"/>
+      </p:par>
+    </p:tnLst>
+  </p:timing>
+</p:sld>
+</file>
+
+<file path=ppt/slides/slide7.xml><?xml version="1.0" encoding="utf-8"?>
+<p:sld xmlns:a="http://schemas.openxmlformats.org/drawingml/2006/main" xmlns:r="http://schemas.openxmlformats.org/officeDocument/2006/relationships" xmlns:p="http://schemas.openxmlformats.org/presentationml/2006/main">
+  <p:cSld>
+    <p:spTree>
+      <p:nvGrpSpPr>
+        <p:cNvPr id="1" name=""/>
+        <p:cNvGrpSpPr/>
+        <p:nvPr/>
+      </p:nvGrpSpPr>
+      <p:grpSpPr>
+        <a:xfrm>
+          <a:off x="0" y="0"/>
+          <a:ext cx="0" cy="0"/>
+          <a:chOff x="0" y="0"/>
+          <a:chExt cx="0" cy="0"/>
+        </a:xfrm>
+      </p:grpSpPr>
+      <p:sp>
+        <p:nvSpPr>
+          <p:cNvPr id="2" name="TextBox 1"/>
+          <p:cNvSpPr txBox="1"/>
+          <p:nvPr/>
+        </p:nvSpPr>
+        <p:spPr>
+          <a:xfrm>
+            <a:off x="1229737" y="2819399"/>
+            <a:ext cx="6904583" cy="646331"/>
+          </a:xfrm>
+          <a:prstGeom prst="rect">
+            <a:avLst/>
+          </a:prstGeom>
+          <a:noFill/>
+        </p:spPr>
+        <p:txBody>
+          <a:bodyPr wrap="none" rtlCol="0" anchor="ctr">
+            <a:spAutoFit/>
+          </a:bodyPr>
+          <a:lstStyle/>
+          <a:p>
+            <a:pPr algn="ctr"/>
+            <a:r>
+              <a:rPr lang="en-US" sz="3600" dirty="0" smtClean="0"/>
+              <a:t>TDD is </a:t>
+            </a:r>
+            <a:r>
+              <a:rPr lang="en-US" sz="3600" dirty="0" smtClean="0">
+                <a:solidFill>
+                  <a:srgbClr val="FF0000"/>
+                </a:solidFill>
+              </a:rPr>
+              <a:t>design</a:t>
+            </a:r>
+            <a:r>
+              <a:rPr lang="en-US" sz="3600" dirty="0" smtClean="0"/>
+              <a:t> tool or </a:t>
+            </a:r>
+            <a:r>
+              <a:rPr lang="en-US" sz="3600" dirty="0" smtClean="0">
+                <a:solidFill>
+                  <a:srgbClr val="00B0F0"/>
+                </a:solidFill>
+              </a:rPr>
+              <a:t>testing</a:t>
+            </a:r>
+            <a:r>
+              <a:rPr lang="en-US" sz="3600" dirty="0" smtClean="0"/>
+              <a:t> tool ??</a:t>
+            </a:r>
+            <a:endParaRPr lang="en-US" sz="3600" dirty="0"/>
+          </a:p>
+        </p:txBody>
+      </p:sp>
+    </p:spTree>
+    <p:extLst>
+      <p:ext uri="{BB962C8B-B14F-4D97-AF65-F5344CB8AC3E}">
+        <p14:creationId xmlns:p14="http://schemas.microsoft.com/office/powerpoint/2010/main" val="2155431146"/>
+      </p:ext>
+    </p:extLst>
+  </p:cSld>
+  <p:clrMapOvr>
+    <a:masterClrMapping/>
+  </p:clrMapOvr>
+  <p:timing>
+    <p:tnLst>
+      <p:par>
+        <p:cTn id="1" dur="indefinite" restart="never" nodeType="tmRoot"/>
+      </p:par>
+    </p:tnLst>
+  </p:timing>
+</p:sld>
+</file>
+
+<file path=ppt/slides/slide8.xml><?xml version="1.0" encoding="utf-8"?>
+<p:sld xmlns:a="http://schemas.openxmlformats.org/drawingml/2006/main" xmlns:r="http://schemas.openxmlformats.org/officeDocument/2006/relationships" xmlns:p="http://schemas.openxmlformats.org/presentationml/2006/main">
+  <p:cSld>
+    <p:spTree>
+      <p:nvGrpSpPr>
+        <p:cNvPr id="1" name=""/>
+        <p:cNvGrpSpPr/>
+        <p:nvPr/>
+      </p:nvGrpSpPr>
+      <p:grpSpPr>
+        <a:xfrm>
+          <a:off x="0" y="0"/>
+          <a:ext cx="0" cy="0"/>
+          <a:chOff x="0" y="0"/>
+          <a:chExt cx="0" cy="0"/>
+        </a:xfrm>
+      </p:grpSpPr>
+      <p:sp>
+        <p:nvSpPr>
+          <p:cNvPr id="4" name="Rectangle 3">
+            <a:hlinkClick r:id="rId2"/>
+          </p:cNvPr>
+          <p:cNvSpPr/>
+          <p:nvPr/>
+        </p:nvSpPr>
+        <p:spPr>
+          <a:xfrm>
+            <a:off x="685800" y="5715000"/>
+            <a:ext cx="7391400" cy="369332"/>
+          </a:xfrm>
+          <a:prstGeom prst="rect">
+            <a:avLst/>
+          </a:prstGeom>
+        </p:spPr>
+        <p:txBody>
+          <a:bodyPr wrap="square">
+            <a:spAutoFit/>
+          </a:bodyPr>
+          <a:lstStyle/>
+          <a:p>
+            <a:r>
+              <a:rPr lang="en-US" dirty="0">
+                <a:hlinkClick r:id="rId2"/>
+              </a:rPr>
+              <a:t>http://codurance.com/2015/05/12/does-tdd-lead-to-good-design/</a:t>
+            </a:r>
+            <a:endParaRPr lang="en-US" dirty="0"/>
+          </a:p>
+        </p:txBody>
+      </p:sp>
+      <p:sp>
+        <p:nvSpPr>
+          <p:cNvPr id="5" name="TextBox 4"/>
+          <p:cNvSpPr txBox="1"/>
+          <p:nvPr/>
+        </p:nvSpPr>
+        <p:spPr>
+          <a:xfrm>
+            <a:off x="533400" y="685800"/>
+            <a:ext cx="8305800" cy="4185761"/>
+          </a:xfrm>
+          <a:prstGeom prst="rect">
+            <a:avLst/>
+          </a:prstGeom>
+          <a:noFill/>
+        </p:spPr>
+        <p:txBody>
+          <a:bodyPr wrap="square" rtlCol="0">
+            <a:spAutoFit/>
+          </a:bodyPr>
+          <a:lstStyle/>
+          <a:p>
+            <a:r>
+              <a:rPr lang="en-US" sz="3200" dirty="0" smtClean="0"/>
+              <a:t>Classicist TDD</a:t>
+            </a:r>
+          </a:p>
+          <a:p>
+            <a:endParaRPr lang="en-US" dirty="0"/>
+          </a:p>
+          <a:p>
+            <a:pPr marL="342900" indent="-342900">
+              <a:buFont typeface="+mj-lt"/>
+              <a:buAutoNum type="arabicPeriod"/>
+            </a:pPr>
+            <a:r>
+              <a:rPr lang="en-US" dirty="0" smtClean="0"/>
+              <a:t>Design </a:t>
+            </a:r>
+            <a:r>
+              <a:rPr lang="en-US" dirty="0"/>
+              <a:t>happens during the refactoring phase.</a:t>
+            </a:r>
+          </a:p>
+          <a:p>
+            <a:pPr marL="342900" indent="-342900">
+              <a:buFont typeface="+mj-lt"/>
+              <a:buAutoNum type="arabicPeriod"/>
+            </a:pPr>
+            <a:r>
+              <a:rPr lang="en-US" dirty="0" smtClean="0"/>
+              <a:t>During </a:t>
+            </a:r>
+            <a:r>
+              <a:rPr lang="en-US" dirty="0"/>
+              <a:t>the refactoring phase, the unit under test may grow to multiple classes.</a:t>
+            </a:r>
+          </a:p>
+          <a:p>
+            <a:pPr marL="342900" indent="-342900">
+              <a:buFont typeface="+mj-lt"/>
+              <a:buAutoNum type="arabicPeriod"/>
+            </a:pPr>
+            <a:r>
+              <a:rPr lang="en-US" dirty="0"/>
+              <a:t>Mocks are rarely used, unless when isolating external systems.</a:t>
+            </a:r>
+          </a:p>
+          <a:p>
+            <a:pPr marL="342900" indent="-342900">
+              <a:buFont typeface="+mj-lt"/>
+              <a:buAutoNum type="arabicPeriod"/>
+            </a:pPr>
+            <a:r>
+              <a:rPr lang="en-US" dirty="0"/>
+              <a:t>No up-front design considerations are made. Design completely emerges from code.</a:t>
+            </a:r>
+          </a:p>
+          <a:p>
+            <a:pPr marL="342900" indent="-342900">
+              <a:buFont typeface="+mj-lt"/>
+              <a:buAutoNum type="arabicPeriod"/>
+            </a:pPr>
+            <a:r>
+              <a:rPr lang="en-US" dirty="0"/>
+              <a:t>It’s a great way to avoid over-engineering.</a:t>
+            </a:r>
+          </a:p>
+          <a:p>
+            <a:pPr marL="342900" indent="-342900">
+              <a:buFont typeface="+mj-lt"/>
+              <a:buAutoNum type="arabicPeriod"/>
+            </a:pPr>
+            <a:r>
+              <a:rPr lang="en-US" dirty="0" smtClean="0"/>
+              <a:t>Often </a:t>
+            </a:r>
+            <a:r>
+              <a:rPr lang="en-US" dirty="0"/>
+              <a:t>used in conjunction with the 4 Rules of Simple Design.</a:t>
+            </a:r>
+          </a:p>
+          <a:p>
+            <a:pPr marL="342900" indent="-342900">
+              <a:buFont typeface="+mj-lt"/>
+              <a:buAutoNum type="arabicPeriod"/>
+            </a:pPr>
+            <a:r>
+              <a:rPr lang="en-US" dirty="0"/>
+              <a:t>Good for exploration, when we know what the input and desired output are but we don’t really know how the implementation looks like.</a:t>
+            </a:r>
+          </a:p>
+          <a:p>
+            <a:pPr marL="342900" indent="-342900">
+              <a:buFont typeface="+mj-lt"/>
+              <a:buAutoNum type="arabicPeriod"/>
+            </a:pPr>
+            <a:r>
+              <a:rPr lang="en-US" dirty="0"/>
+              <a:t>Great for cases where we can’t rely on a domain expert or domain language (data transformation, algorithms, etc.)</a:t>
+            </a:r>
+          </a:p>
+          <a:p>
+            <a:endParaRPr lang="en-US" dirty="0"/>
+          </a:p>
+        </p:txBody>
+      </p:sp>
+    </p:spTree>
+    <p:extLst>
+      <p:ext uri="{BB962C8B-B14F-4D97-AF65-F5344CB8AC3E}">
+        <p14:creationId xmlns:p14="http://schemas.microsoft.com/office/powerpoint/2010/main" val="1321943776"/>
+      </p:ext>
+    </p:extLst>
+  </p:cSld>
+  <p:clrMapOvr>
+    <a:masterClrMapping/>
+  </p:clrMapOvr>
+  <p:timing>
+    <p:tnLst>
+      <p:par>
+        <p:cTn id="1" dur="indefinite" restart="never" nodeType="tmRoot"/>
+      </p:par>
+    </p:tnLst>
+  </p:timing>
+</p:sld>
+</file>
+
+<file path=ppt/slides/slide9.xml><?xml version="1.0" encoding="utf-8"?>
+<p:sld xmlns:a="http://schemas.openxmlformats.org/drawingml/2006/main" xmlns:r="http://schemas.openxmlformats.org/officeDocument/2006/relationships" xmlns:p="http://schemas.openxmlformats.org/presentationml/2006/main">
+  <p:cSld>
+    <p:spTree>
+      <p:nvGrpSpPr>
+        <p:cNvPr id="1" name=""/>
+        <p:cNvGrpSpPr/>
+        <p:nvPr/>
+      </p:nvGrpSpPr>
+      <p:grpSpPr>
+        <a:xfrm>
+          <a:off x="0" y="0"/>
+          <a:ext cx="0" cy="0"/>
+          <a:chOff x="0" y="0"/>
+          <a:chExt cx="0" cy="0"/>
+        </a:xfrm>
+      </p:grpSpPr>
+      <p:sp>
+        <p:nvSpPr>
+          <p:cNvPr id="2" name="TextBox 1"/>
+          <p:cNvSpPr txBox="1"/>
+          <p:nvPr/>
+        </p:nvSpPr>
+        <p:spPr>
+          <a:xfrm>
+            <a:off x="533400" y="685800"/>
+            <a:ext cx="7924800" cy="3908762"/>
+          </a:xfrm>
+          <a:prstGeom prst="rect">
+            <a:avLst/>
+          </a:prstGeom>
+          <a:noFill/>
+        </p:spPr>
+        <p:txBody>
+          <a:bodyPr wrap="square" rtlCol="0">
+            <a:spAutoFit/>
+          </a:bodyPr>
+          <a:lstStyle/>
+          <a:p>
+            <a:r>
+              <a:rPr lang="en-US" sz="3200" dirty="0" smtClean="0"/>
+              <a:t>Outside-In TDD</a:t>
+            </a:r>
+          </a:p>
+          <a:p>
+            <a:endParaRPr lang="en-US" dirty="0"/>
+          </a:p>
+          <a:p>
+            <a:pPr marL="342900" indent="-342900">
+              <a:buFont typeface="+mj-lt"/>
+              <a:buAutoNum type="arabicPeriod"/>
+            </a:pPr>
+            <a:r>
+              <a:rPr lang="en-US" dirty="0" smtClean="0"/>
+              <a:t>Prescribes </a:t>
+            </a:r>
+            <a:r>
+              <a:rPr lang="en-US" dirty="0"/>
+              <a:t>a direction in which we start test-driving our code: from </a:t>
+            </a:r>
+            <a:r>
+              <a:rPr lang="en-US" dirty="0" smtClean="0"/>
+              <a:t>outside </a:t>
+            </a:r>
+            <a:r>
+              <a:rPr lang="en-US" dirty="0"/>
+              <a:t>to the </a:t>
+            </a:r>
+            <a:r>
+              <a:rPr lang="en-US" dirty="0" smtClean="0"/>
+              <a:t>inside.</a:t>
+            </a:r>
+          </a:p>
+          <a:p>
+            <a:pPr marL="342900" indent="-342900">
+              <a:buFont typeface="+mj-lt"/>
+              <a:buAutoNum type="arabicPeriod"/>
+            </a:pPr>
+            <a:r>
+              <a:rPr lang="en-US" dirty="0"/>
+              <a:t>Design starts in the </a:t>
+            </a:r>
+            <a:r>
+              <a:rPr lang="en-US" i="1" dirty="0"/>
+              <a:t>red</a:t>
+            </a:r>
+            <a:r>
+              <a:rPr lang="en-US" dirty="0"/>
+              <a:t> phase, while writing the tests.</a:t>
+            </a:r>
+          </a:p>
+          <a:p>
+            <a:pPr marL="342900" indent="-342900">
+              <a:buFont typeface="+mj-lt"/>
+              <a:buAutoNum type="arabicPeriod"/>
+            </a:pPr>
+            <a:r>
+              <a:rPr lang="en-US" dirty="0"/>
+              <a:t>Design is refined during the </a:t>
+            </a:r>
+            <a:r>
+              <a:rPr lang="en-US" i="1" dirty="0"/>
+              <a:t>refactoring</a:t>
+            </a:r>
+            <a:r>
+              <a:rPr lang="en-US" dirty="0"/>
+              <a:t> phase</a:t>
+            </a:r>
+            <a:r>
+              <a:rPr lang="en-US" dirty="0" smtClean="0"/>
+              <a:t>.</a:t>
+            </a:r>
+            <a:endParaRPr lang="en-US" dirty="0"/>
+          </a:p>
+          <a:p>
+            <a:pPr marL="342900" indent="-342900">
+              <a:buFont typeface="+mj-lt"/>
+              <a:buAutoNum type="arabicPeriod"/>
+            </a:pPr>
+            <a:r>
+              <a:rPr lang="en-US" dirty="0"/>
+              <a:t>We normally start with an acceptance test which verifies if the feature as a whole works. </a:t>
+            </a:r>
+            <a:r>
+              <a:rPr lang="en-US" dirty="0" smtClean="0"/>
+              <a:t>With </a:t>
+            </a:r>
+            <a:r>
+              <a:rPr lang="en-US" dirty="0"/>
+              <a:t>a failing acceptance test informing why the feature is not yet </a:t>
+            </a:r>
+            <a:r>
+              <a:rPr lang="en-US" dirty="0" smtClean="0"/>
+              <a:t>complete. we </a:t>
+            </a:r>
+            <a:r>
+              <a:rPr lang="en-US" dirty="0"/>
+              <a:t>start writing unit tests. </a:t>
+            </a:r>
+            <a:endParaRPr lang="en-US" dirty="0" smtClean="0"/>
+          </a:p>
+          <a:p>
+            <a:pPr marL="342900" indent="-342900">
+              <a:buFont typeface="+mj-lt"/>
+              <a:buAutoNum type="arabicPeriod"/>
+            </a:pPr>
+            <a:r>
+              <a:rPr lang="en-US" dirty="0" smtClean="0"/>
+              <a:t>Starts </a:t>
+            </a:r>
+            <a:r>
+              <a:rPr lang="en-US" dirty="0"/>
+              <a:t>from classes that are closer to the input of the system (outside) and move towards the inside of our application </a:t>
+            </a:r>
+            <a:endParaRPr lang="en-US" dirty="0" smtClean="0"/>
+          </a:p>
+          <a:p>
+            <a:pPr marL="342900" indent="-342900">
+              <a:buFont typeface="+mj-lt"/>
+              <a:buAutoNum type="arabicPeriod"/>
+            </a:pPr>
+            <a:r>
+              <a:rPr lang="en-US" dirty="0" smtClean="0"/>
+              <a:t>Refactoring </a:t>
+            </a:r>
+            <a:r>
+              <a:rPr lang="en-US" dirty="0"/>
+              <a:t>phases are much smaller, when compared to the classicist approach</a:t>
+            </a:r>
+            <a:r>
+              <a:rPr lang="en-US" dirty="0" smtClean="0"/>
+              <a:t>.</a:t>
+            </a:r>
+            <a:endParaRPr lang="en-US" dirty="0"/>
+          </a:p>
+        </p:txBody>
+      </p:sp>
+    </p:spTree>
+    <p:extLst>
+      <p:ext uri="{BB962C8B-B14F-4D97-AF65-F5344CB8AC3E}">
+        <p14:creationId xmlns:p14="http://schemas.microsoft.com/office/powerpoint/2010/main" val="314860247"/>
+      </p:ext>
+    </p:extLst>
+  </p:cSld>
+  <p:clrMapOvr>
+    <a:masterClrMapping/>
+  </p:clrMapOvr>
+  <p:timing>
+    <p:tnLst>
+      <p:par>
+        <p:cTn id="1" dur="indefinite" restart="never" nodeType="tmRoot"/>
+      </p:par>
+    </p:tnLst>
   </p:timing>
 </p:sld>
 </file>
